--- a/training_draft/git_introduction.pptx
+++ b/training_draft/git_introduction.pptx
@@ -2,17 +2,31 @@
 <file path=ppt/presentation.xml><?xml version="1.0" encoding="utf-8"?>
 <p:presentation xmlns:a="http://schemas.openxmlformats.org/drawingml/2006/main" xmlns:r="http://schemas.openxmlformats.org/officeDocument/2006/relationships" xmlns:p="http://schemas.openxmlformats.org/presentationml/2006/main" autoCompressPictures="0">
   <p:sldMasterIdLst>
-    <p:sldMasterId id="2147483840" r:id="rId1"/>
+    <p:sldMasterId id="2147483852" r:id="rId1"/>
   </p:sldMasterIdLst>
   <p:sldIdLst>
     <p:sldId id="256" r:id="rId2"/>
     <p:sldId id="257" r:id="rId3"/>
-    <p:sldId id="259" r:id="rId4"/>
-    <p:sldId id="261" r:id="rId5"/>
-    <p:sldId id="258" r:id="rId6"/>
-    <p:sldId id="260" r:id="rId7"/>
+    <p:sldId id="261" r:id="rId4"/>
+    <p:sldId id="268" r:id="rId5"/>
+    <p:sldId id="264" r:id="rId6"/>
+    <p:sldId id="259" r:id="rId7"/>
+    <p:sldId id="270" r:id="rId8"/>
+    <p:sldId id="271" r:id="rId9"/>
+    <p:sldId id="269" r:id="rId10"/>
+    <p:sldId id="258" r:id="rId11"/>
+    <p:sldId id="260" r:id="rId12"/>
+    <p:sldId id="263" r:id="rId13"/>
+    <p:sldId id="266" r:id="rId14"/>
+    <p:sldId id="272" r:id="rId15"/>
+    <p:sldId id="274" r:id="rId16"/>
+    <p:sldId id="275" r:id="rId17"/>
+    <p:sldId id="276" r:id="rId18"/>
+    <p:sldId id="265" r:id="rId19"/>
+    <p:sldId id="262" r:id="rId20"/>
+    <p:sldId id="273" r:id="rId21"/>
   </p:sldIdLst>
-  <p:sldSz cx="12192000" cy="6858000"/>
+  <p:sldSz cx="9144000" cy="6858000" type="screen4x3"/>
   <p:notesSz cx="6858000" cy="9144000"/>
   <p:defaultTextStyle>
     <a:defPPr>
@@ -109,6 +123,11 @@
       </a:defRPr>
     </a:lvl9pPr>
   </p:defaultTextStyle>
+  <p:extLst>
+    <p:ext uri="{EFAFB233-063F-42B5-8137-9DF3F51BA10A}">
+      <p15:sldGuideLst xmlns:p15="http://schemas.microsoft.com/office/powerpoint/2012/main"/>
+    </p:ext>
+  </p:extLst>
 </p:presentation>
 </file>
 
@@ -137,15 +156,15 @@
         </p:nvSpPr>
         <p:spPr>
           <a:xfrm>
-            <a:off x="920834" y="1346946"/>
-            <a:ext cx="10222992" cy="80683"/>
+            <a:off x="685800" y="1346947"/>
+            <a:ext cx="7772400" cy="80683"/>
           </a:xfrm>
           <a:prstGeom prst="rect">
             <a:avLst/>
           </a:prstGeom>
           <a:blipFill dpi="0" rotWithShape="1">
             <a:blip r:embed="rId2">
-              <a:alphaModFix amt="85000"/>
+              <a:alphaModFix amt="80000"/>
               <a:lum bright="70000" contrast="-70000"/>
               <a:extLst>
                 <a:ext uri="{BEBA8EAE-BF5A-486C-A8C5-ECC9F3942E4B}">
@@ -194,15 +213,15 @@
         </p:nvSpPr>
         <p:spPr>
           <a:xfrm>
-            <a:off x="920834" y="4299696"/>
-            <a:ext cx="10222992" cy="80683"/>
+            <a:off x="685800" y="4282763"/>
+            <a:ext cx="7772400" cy="80683"/>
           </a:xfrm>
           <a:prstGeom prst="rect">
             <a:avLst/>
           </a:prstGeom>
           <a:blipFill dpi="0" rotWithShape="1">
             <a:blip r:embed="rId2">
-              <a:alphaModFix amt="85000"/>
+              <a:alphaModFix amt="80000"/>
               <a:lum bright="70000" contrast="-70000"/>
               <a:extLst>
                 <a:ext uri="{BEBA8EAE-BF5A-486C-A8C5-ECC9F3942E4B}">
@@ -251,15 +270,15 @@
         </p:nvSpPr>
         <p:spPr>
           <a:xfrm>
-            <a:off x="920834" y="1484779"/>
-            <a:ext cx="10222992" cy="2743200"/>
+            <a:off x="685800" y="1484779"/>
+            <a:ext cx="7772400" cy="2743200"/>
           </a:xfrm>
           <a:prstGeom prst="rect">
             <a:avLst/>
           </a:prstGeom>
           <a:blipFill dpi="0" rotWithShape="1">
             <a:blip r:embed="rId2">
-              <a:alphaModFix amt="85000"/>
+              <a:alphaModFix amt="80000"/>
               <a:lum bright="70000" contrast="-70000"/>
               <a:extLst>
                 <a:ext uri="{BEBA8EAE-BF5A-486C-A8C5-ECC9F3942E4B}">
@@ -303,13 +322,15 @@
       <p:grpSp>
         <p:nvGrpSpPr>
           <p:cNvPr id="10" name="Group 9"/>
-          <p:cNvGrpSpPr/>
+          <p:cNvGrpSpPr>
+            <a:grpSpLocks noChangeAspect="1"/>
+          </p:cNvGrpSpPr>
           <p:nvPr/>
         </p:nvGrpSpPr>
         <p:grpSpPr>
           <a:xfrm>
-            <a:off x="9649215" y="4068923"/>
-            <a:ext cx="1080904" cy="1080902"/>
+            <a:off x="7234780" y="4107023"/>
+            <a:ext cx="914400" cy="914400"/>
             <a:chOff x="9685338" y="4460675"/>
             <a:chExt cx="1080904" cy="1080902"/>
           </a:xfrm>
@@ -396,8 +417,8 @@
         </p:nvSpPr>
         <p:spPr>
           <a:xfrm>
-            <a:off x="1051560" y="1432223"/>
-            <a:ext cx="9966960" cy="3035808"/>
+            <a:off x="788670" y="1432223"/>
+            <a:ext cx="7593330" cy="3035808"/>
           </a:xfrm>
         </p:spPr>
         <p:txBody>
@@ -409,7 +430,7 @@
               <a:lnSpc>
                 <a:spcPct val="80000"/>
               </a:lnSpc>
-              <a:defRPr sz="9600" cap="all" baseline="0">
+              <a:defRPr sz="6400" b="0" cap="all" baseline="0">
                 <a:blipFill dpi="0" rotWithShape="1">
                   <a:blip r:embed="rId4"/>
                   <a:srcRect/>
@@ -439,8 +460,8 @@
         </p:nvSpPr>
         <p:spPr>
           <a:xfrm>
-            <a:off x="1069848" y="4389120"/>
-            <a:ext cx="7891272" cy="1069848"/>
+            <a:off x="802386" y="4389120"/>
+            <a:ext cx="5918454" cy="1069848"/>
           </a:xfrm>
         </p:spPr>
         <p:txBody>
@@ -450,7 +471,7 @@
           <a:lstStyle>
             <a:lvl1pPr marL="0" indent="0" algn="l">
               <a:buNone/>
-              <a:defRPr sz="2200">
+              <a:defRPr sz="1800" b="0">
                 <a:solidFill>
                   <a:schemeClr val="tx1"/>
                 </a:solidFill>
@@ -458,35 +479,35 @@
             </a:lvl1pPr>
             <a:lvl2pPr marL="457200" indent="0" algn="ctr">
               <a:buNone/>
-              <a:defRPr sz="2200"/>
+              <a:defRPr sz="1800"/>
             </a:lvl2pPr>
             <a:lvl3pPr marL="914400" indent="0" algn="ctr">
               <a:buNone/>
-              <a:defRPr sz="2200"/>
+              <a:defRPr sz="1800"/>
             </a:lvl3pPr>
             <a:lvl4pPr marL="1371600" indent="0" algn="ctr">
               <a:buNone/>
-              <a:defRPr sz="2000"/>
+              <a:defRPr sz="1800"/>
             </a:lvl4pPr>
             <a:lvl5pPr marL="1828800" indent="0" algn="ctr">
               <a:buNone/>
-              <a:defRPr sz="2000"/>
+              <a:defRPr sz="1800"/>
             </a:lvl5pPr>
             <a:lvl6pPr marL="2286000" indent="0" algn="ctr">
               <a:buNone/>
-              <a:defRPr sz="2000"/>
+              <a:defRPr sz="1800"/>
             </a:lvl6pPr>
             <a:lvl7pPr marL="2743200" indent="0" algn="ctr">
               <a:buNone/>
-              <a:defRPr sz="2000"/>
+              <a:defRPr sz="1800"/>
             </a:lvl7pPr>
             <a:lvl8pPr marL="3200400" indent="0" algn="ctr">
               <a:buNone/>
-              <a:defRPr sz="2000"/>
+              <a:defRPr sz="1800"/>
             </a:lvl8pPr>
             <a:lvl9pPr marL="3657600" indent="0" algn="ctr">
               <a:buNone/>
-              <a:defRPr sz="2000"/>
+              <a:defRPr sz="1800"/>
             </a:lvl9pPr>
           </a:lstStyle>
           <a:p>
@@ -514,8 +535,8 @@
           <a:lstStyle/>
           <a:p>
             <a:fld id="{83284890-85D2-4D7B-8EF5-15A9C1DB8F42}" type="datetimeFigureOut">
-              <a:rPr lang="en-US" dirty="0"/>
-              <a:t>3/12/2017</a:t>
+              <a:rPr lang="en-US" smtClean="0"/>
+              <a:t>4/5/2017</a:t>
             </a:fld>
             <a:endParaRPr lang="en-US" dirty="0"/>
           </a:p>
@@ -529,43 +550,48 @@
           </p:cNvSpPr>
           <p:nvPr>
             <p:ph type="ftr" sz="quarter" idx="11"/>
-          </p:nvPr>
-        </p:nvSpPr>
-        <p:spPr/>
-        <p:txBody>
-          <a:bodyPr/>
-          <a:lstStyle/>
-          <a:p>
-            <a:endParaRPr lang="en-US" dirty="0"/>
-          </a:p>
-        </p:txBody>
-      </p:sp>
-      <p:sp>
-        <p:nvSpPr>
-          <p:cNvPr id="6" name="Slide Number Placeholder 5"/>
-          <p:cNvSpPr>
-            <a:spLocks noGrp="1"/>
-          </p:cNvSpPr>
-          <p:nvPr>
-            <p:ph type="sldNum" sz="quarter" idx="12"/>
           </p:nvPr>
         </p:nvSpPr>
         <p:spPr>
           <a:xfrm>
-            <a:off x="9592733" y="4289334"/>
-            <a:ext cx="1193868" cy="640080"/>
+            <a:off x="812805" y="6272785"/>
+            <a:ext cx="4745736" cy="365125"/>
+          </a:xfrm>
+        </p:spPr>
+        <p:txBody>
+          <a:bodyPr/>
+          <a:lstStyle/>
+          <a:p>
+            <a:endParaRPr lang="en-US" dirty="0"/>
+          </a:p>
+        </p:txBody>
+      </p:sp>
+      <p:sp>
+        <p:nvSpPr>
+          <p:cNvPr id="6" name="Slide Number Placeholder 5"/>
+          <p:cNvSpPr>
+            <a:spLocks noGrp="1"/>
+          </p:cNvSpPr>
+          <p:nvPr>
+            <p:ph type="sldNum" sz="quarter" idx="12"/>
+          </p:nvPr>
+        </p:nvSpPr>
+        <p:spPr>
+          <a:xfrm>
+            <a:off x="7244280" y="4227195"/>
+            <a:ext cx="895401" cy="640080"/>
           </a:xfrm>
         </p:spPr>
         <p:txBody>
           <a:bodyPr/>
           <a:lstStyle>
             <a:lvl1pPr>
-              <a:defRPr sz="2800"/>
+              <a:defRPr sz="2800" b="1"/>
             </a:lvl1pPr>
           </a:lstStyle>
           <a:p>
             <a:fld id="{4FAB73BC-B049-4115-A692-8D63A059BFB8}" type="slidenum">
-              <a:rPr lang="en-US" dirty="0"/>
+              <a:rPr lang="en-US" smtClean="0"/>
               <a:pPr/>
               <a:t>‹#›</a:t>
             </a:fld>
@@ -574,6 +600,11 @@
         </p:txBody>
       </p:sp>
     </p:spTree>
+    <p:extLst>
+      <p:ext uri="{BB962C8B-B14F-4D97-AF65-F5344CB8AC3E}">
+        <p14:creationId xmlns:p14="http://schemas.microsoft.com/office/powerpoint/2010/main" val="3352716659"/>
+      </p:ext>
+    </p:extLst>
   </p:cSld>
   <p:clrMapOvr>
     <a:masterClrMapping/>
@@ -675,7 +706,7 @@
       </p:sp>
       <p:sp>
         <p:nvSpPr>
-          <p:cNvPr id="4" name="Date Placeholder 3"/>
+          <p:cNvPr id="7" name="Date Placeholder 6"/>
           <p:cNvSpPr>
             <a:spLocks noGrp="1"/>
           </p:cNvSpPr>
@@ -689,8 +720,8 @@
           <a:lstStyle/>
           <a:p>
             <a:fld id="{87157CC2-0FC8-4686-B024-99790E0F5162}" type="datetimeFigureOut">
-              <a:rPr lang="en-US" dirty="0"/>
-              <a:t>3/12/2017</a:t>
+              <a:rPr lang="en-US" smtClean="0"/>
+              <a:t>4/5/2017</a:t>
             </a:fld>
             <a:endParaRPr lang="en-US" dirty="0"/>
           </a:p>
@@ -698,7 +729,7 @@
       </p:sp>
       <p:sp>
         <p:nvSpPr>
-          <p:cNvPr id="5" name="Footer Placeholder 4"/>
+          <p:cNvPr id="8" name="Footer Placeholder 7"/>
           <p:cNvSpPr>
             <a:spLocks noGrp="1"/>
           </p:cNvSpPr>
@@ -717,7 +748,7 @@
       </p:sp>
       <p:sp>
         <p:nvSpPr>
-          <p:cNvPr id="6" name="Slide Number Placeholder 5"/>
+          <p:cNvPr id="9" name="Slide Number Placeholder 8"/>
           <p:cNvSpPr>
             <a:spLocks noGrp="1"/>
           </p:cNvSpPr>
@@ -731,7 +762,7 @@
           <a:lstStyle/>
           <a:p>
             <a:fld id="{4FAB73BC-B049-4115-A692-8D63A059BFB8}" type="slidenum">
-              <a:rPr lang="en-US" dirty="0"/>
+              <a:rPr lang="en-US" smtClean="0"/>
               <a:t>‹#›</a:t>
             </a:fld>
             <a:endParaRPr lang="en-US" dirty="0"/>
@@ -739,6 +770,11 @@
         </p:txBody>
       </p:sp>
     </p:spTree>
+    <p:extLst>
+      <p:ext uri="{BB962C8B-B14F-4D97-AF65-F5344CB8AC3E}">
+        <p14:creationId xmlns:p14="http://schemas.microsoft.com/office/powerpoint/2010/main" val="2096781959"/>
+      </p:ext>
+    </p:extLst>
   </p:cSld>
   <p:clrMapOvr>
     <a:masterClrMapping/>
@@ -775,13 +811,17 @@
         </p:nvSpPr>
         <p:spPr>
           <a:xfrm>
-            <a:off x="8724900" y="533400"/>
-            <a:ext cx="2552700" cy="5638800"/>
+            <a:off x="6543675" y="533400"/>
+            <a:ext cx="1914525" cy="5638800"/>
           </a:xfrm>
         </p:spPr>
         <p:txBody>
           <a:bodyPr vert="eaVert"/>
-          <a:lstStyle/>
+          <a:lstStyle>
+            <a:lvl1pPr>
+              <a:defRPr b="0"/>
+            </a:lvl1pPr>
+          </a:lstStyle>
           <a:p>
             <a:r>
               <a:rPr lang="en-US"/>
@@ -803,8 +843,8 @@
         </p:nvSpPr>
         <p:spPr>
           <a:xfrm>
-            <a:off x="1066800" y="533400"/>
-            <a:ext cx="7505700" cy="5638800"/>
+            <a:off x="800100" y="533400"/>
+            <a:ext cx="5629275" cy="5638800"/>
           </a:xfrm>
         </p:spPr>
         <p:txBody>
@@ -850,7 +890,7 @@
       </p:sp>
       <p:sp>
         <p:nvSpPr>
-          <p:cNvPr id="4" name="Date Placeholder 3"/>
+          <p:cNvPr id="7" name="Date Placeholder 6"/>
           <p:cNvSpPr>
             <a:spLocks noGrp="1"/>
           </p:cNvSpPr>
@@ -864,8 +904,8 @@
           <a:lstStyle/>
           <a:p>
             <a:fld id="{F6764DA5-CD3D-4590-A511-FCD3BC7A793E}" type="datetimeFigureOut">
-              <a:rPr lang="en-US" dirty="0"/>
-              <a:t>3/12/2017</a:t>
+              <a:rPr lang="en-US" smtClean="0"/>
+              <a:t>4/5/2017</a:t>
             </a:fld>
             <a:endParaRPr lang="en-US" dirty="0"/>
           </a:p>
@@ -873,7 +913,7 @@
       </p:sp>
       <p:sp>
         <p:nvSpPr>
-          <p:cNvPr id="5" name="Footer Placeholder 4"/>
+          <p:cNvPr id="8" name="Footer Placeholder 7"/>
           <p:cNvSpPr>
             <a:spLocks noGrp="1"/>
           </p:cNvSpPr>
@@ -892,7 +932,7 @@
       </p:sp>
       <p:sp>
         <p:nvSpPr>
-          <p:cNvPr id="6" name="Slide Number Placeholder 5"/>
+          <p:cNvPr id="9" name="Slide Number Placeholder 8"/>
           <p:cNvSpPr>
             <a:spLocks noGrp="1"/>
           </p:cNvSpPr>
@@ -906,7 +946,7 @@
           <a:lstStyle/>
           <a:p>
             <a:fld id="{4FAB73BC-B049-4115-A692-8D63A059BFB8}" type="slidenum">
-              <a:rPr lang="en-US" dirty="0"/>
+              <a:rPr lang="en-US" smtClean="0"/>
               <a:t>‹#›</a:t>
             </a:fld>
             <a:endParaRPr lang="en-US" dirty="0"/>
@@ -914,6 +954,11 @@
         </p:txBody>
       </p:sp>
     </p:spTree>
+    <p:extLst>
+      <p:ext uri="{BB962C8B-B14F-4D97-AF65-F5344CB8AC3E}">
+        <p14:creationId xmlns:p14="http://schemas.microsoft.com/office/powerpoint/2010/main" val="2255161495"/>
+      </p:ext>
+    </p:extLst>
   </p:cSld>
   <p:clrMapOvr>
     <a:masterClrMapping/>
@@ -1015,7 +1060,7 @@
       </p:sp>
       <p:sp>
         <p:nvSpPr>
-          <p:cNvPr id="4" name="Date Placeholder 3"/>
+          <p:cNvPr id="7" name="Date Placeholder 6"/>
           <p:cNvSpPr>
             <a:spLocks noGrp="1"/>
           </p:cNvSpPr>
@@ -1029,8 +1074,8 @@
           <a:lstStyle/>
           <a:p>
             <a:fld id="{82F5661D-6934-4B32-B92C-470368BF1EC6}" type="datetimeFigureOut">
-              <a:rPr lang="en-US" dirty="0"/>
-              <a:t>3/12/2017</a:t>
+              <a:rPr lang="en-US" smtClean="0"/>
+              <a:t>4/5/2017</a:t>
             </a:fld>
             <a:endParaRPr lang="en-US" dirty="0"/>
           </a:p>
@@ -1038,7 +1083,7 @@
       </p:sp>
       <p:sp>
         <p:nvSpPr>
-          <p:cNvPr id="5" name="Footer Placeholder 4"/>
+          <p:cNvPr id="8" name="Footer Placeholder 7"/>
           <p:cNvSpPr>
             <a:spLocks noGrp="1"/>
           </p:cNvSpPr>
@@ -1057,7 +1102,7 @@
       </p:sp>
       <p:sp>
         <p:nvSpPr>
-          <p:cNvPr id="6" name="Slide Number Placeholder 5"/>
+          <p:cNvPr id="9" name="Slide Number Placeholder 8"/>
           <p:cNvSpPr>
             <a:spLocks noGrp="1"/>
           </p:cNvSpPr>
@@ -1071,7 +1116,7 @@
           <a:lstStyle/>
           <a:p>
             <a:fld id="{4FAB73BC-B049-4115-A692-8D63A059BFB8}" type="slidenum">
-              <a:rPr lang="en-US" dirty="0"/>
+              <a:rPr lang="en-US" smtClean="0"/>
               <a:t>‹#›</a:t>
             </a:fld>
             <a:endParaRPr lang="en-US" dirty="0"/>
@@ -1079,6 +1124,11 @@
         </p:txBody>
       </p:sp>
     </p:spTree>
+    <p:extLst>
+      <p:ext uri="{BB962C8B-B14F-4D97-AF65-F5344CB8AC3E}">
+        <p14:creationId xmlns:p14="http://schemas.microsoft.com/office/powerpoint/2010/main" val="2004638242"/>
+      </p:ext>
+    </p:extLst>
   </p:cSld>
   <p:clrMapOvr>
     <a:masterClrMapping/>
@@ -1112,14 +1162,14 @@
         <p:spPr>
           <a:xfrm>
             <a:off x="0" y="4917989"/>
-            <a:ext cx="12192000" cy="1940010"/>
+            <a:ext cx="9144000" cy="1940010"/>
           </a:xfrm>
           <a:prstGeom prst="rect">
             <a:avLst/>
           </a:prstGeom>
           <a:blipFill dpi="0" rotWithShape="1">
             <a:blip r:embed="rId2">
-              <a:alphaModFix amt="85000"/>
+              <a:alphaModFix amt="80000"/>
               <a:lum bright="70000" contrast="-70000"/>
               <a:extLst>
                 <a:ext uri="{BEBA8EAE-BF5A-486C-A8C5-ECC9F3942E4B}">
@@ -1172,8 +1222,8 @@
         </p:nvSpPr>
         <p:spPr>
           <a:xfrm>
-            <a:off x="2167128" y="1225296"/>
-            <a:ext cx="9281160" cy="3520440"/>
+            <a:off x="1625346" y="1225296"/>
+            <a:ext cx="6960870" cy="3520440"/>
           </a:xfrm>
         </p:spPr>
         <p:txBody>
@@ -1185,7 +1235,7 @@
               <a:lnSpc>
                 <a:spcPct val="80000"/>
               </a:lnSpc>
-              <a:defRPr sz="8000" b="0"/>
+              <a:defRPr sz="6400" b="0"/>
             </a:lvl1pPr>
           </a:lstStyle>
           <a:p>
@@ -1209,8 +1259,8 @@
         </p:nvSpPr>
         <p:spPr>
           <a:xfrm>
-            <a:off x="2165774" y="5020056"/>
-            <a:ext cx="9052560" cy="1066800"/>
+            <a:off x="1624330" y="5020056"/>
+            <a:ext cx="6789420" cy="1066800"/>
           </a:xfrm>
         </p:spPr>
         <p:txBody>
@@ -1220,9 +1270,11 @@
           <a:lstStyle>
             <a:lvl1pPr marL="0" indent="0">
               <a:buNone/>
-              <a:defRPr sz="2000">
+              <a:defRPr sz="1800" b="0">
                 <a:solidFill>
-                  <a:schemeClr val="tx1"/>
+                  <a:schemeClr val="accent1">
+                    <a:lumMod val="50000"/>
+                  </a:schemeClr>
                 </a:solidFill>
               </a:defRPr>
             </a:lvl1pPr>
@@ -1328,17 +1380,27 @@
         </p:nvSpPr>
         <p:spPr>
           <a:xfrm>
-            <a:off x="8593667" y="6272784"/>
-            <a:ext cx="2644309" cy="365125"/>
+            <a:off x="6445251" y="6272785"/>
+            <a:ext cx="1983232" cy="365125"/>
           </a:xfrm>
         </p:spPr>
         <p:txBody>
           <a:bodyPr/>
-          <a:lstStyle/>
+          <a:lstStyle>
+            <a:lvl1pPr>
+              <a:defRPr>
+                <a:solidFill>
+                  <a:schemeClr val="accent1">
+                    <a:lumMod val="50000"/>
+                  </a:schemeClr>
+                </a:solidFill>
+              </a:defRPr>
+            </a:lvl1pPr>
+          </a:lstStyle>
           <a:p>
             <a:fld id="{C6F822A4-8DA6-4447-9B1F-C5DB58435268}" type="datetimeFigureOut">
-              <a:rPr lang="en-US" dirty="0"/>
-              <a:t>3/12/2017</a:t>
+              <a:rPr lang="en-US" smtClean="0"/>
+              <a:t>4/5/2017</a:t>
             </a:fld>
             <a:endParaRPr lang="en-US" dirty="0"/>
           </a:p>
@@ -1356,13 +1418,23 @@
         </p:nvSpPr>
         <p:spPr>
           <a:xfrm>
-            <a:off x="2182708" y="6272784"/>
-            <a:ext cx="6327648" cy="365125"/>
+            <a:off x="1636099" y="6272784"/>
+            <a:ext cx="4745736" cy="365125"/>
           </a:xfrm>
         </p:spPr>
         <p:txBody>
           <a:bodyPr/>
-          <a:lstStyle/>
+          <a:lstStyle>
+            <a:lvl1pPr>
+              <a:defRPr>
+                <a:solidFill>
+                  <a:schemeClr val="accent1">
+                    <a:lumMod val="50000"/>
+                  </a:schemeClr>
+                </a:solidFill>
+              </a:defRPr>
+            </a:lvl1pPr>
+          </a:lstStyle>
           <a:p>
             <a:endParaRPr lang="en-US" dirty="0"/>
           </a:p>
@@ -1371,13 +1443,15 @@
       <p:grpSp>
         <p:nvGrpSpPr>
           <p:cNvPr id="8" name="Group 7"/>
-          <p:cNvGrpSpPr/>
+          <p:cNvGrpSpPr>
+            <a:grpSpLocks noChangeAspect="1"/>
+          </p:cNvGrpSpPr>
           <p:nvPr/>
         </p:nvGrpSpPr>
         <p:grpSpPr>
           <a:xfrm>
-            <a:off x="897399" y="2325848"/>
-            <a:ext cx="1080904" cy="1080902"/>
+            <a:off x="633862" y="2430623"/>
+            <a:ext cx="914400" cy="914400"/>
             <a:chOff x="9685338" y="4460675"/>
             <a:chExt cx="1080904" cy="1080902"/>
           </a:xfrm>
@@ -1464,8 +1538,8 @@
         </p:nvSpPr>
         <p:spPr>
           <a:xfrm>
-            <a:off x="843702" y="2506133"/>
-            <a:ext cx="1188298" cy="720332"/>
+            <a:off x="645450" y="2508607"/>
+            <a:ext cx="891224" cy="720332"/>
           </a:xfrm>
         </p:spPr>
         <p:txBody>
@@ -1477,7 +1551,7 @@
           </a:lstStyle>
           <a:p>
             <a:fld id="{4FAB73BC-B049-4115-A692-8D63A059BFB8}" type="slidenum">
-              <a:rPr lang="en-US" dirty="0"/>
+              <a:rPr lang="en-US" smtClean="0"/>
               <a:pPr/>
               <a:t>‹#›</a:t>
             </a:fld>
@@ -1486,6 +1560,11 @@
         </p:txBody>
       </p:sp>
     </p:spTree>
+    <p:extLst>
+      <p:ext uri="{BB962C8B-B14F-4D97-AF65-F5344CB8AC3E}">
+        <p14:creationId xmlns:p14="http://schemas.microsoft.com/office/powerpoint/2010/main" val="1437334881"/>
+      </p:ext>
+    </p:extLst>
   </p:cSld>
   <p:clrMapOvr>
     <a:masterClrMapping/>
@@ -1545,8 +1624,8 @@
         </p:nvSpPr>
         <p:spPr>
           <a:xfrm>
-            <a:off x="1069848" y="2194560"/>
-            <a:ext cx="4754880" cy="3977640"/>
+            <a:off x="685800" y="2194560"/>
+            <a:ext cx="3657600" cy="3977640"/>
           </a:xfrm>
         </p:spPr>
         <p:txBody>
@@ -1630,8 +1709,8 @@
         </p:nvSpPr>
         <p:spPr>
           <a:xfrm>
-            <a:off x="6364224" y="2194560"/>
-            <a:ext cx="4754880" cy="3977640"/>
+            <a:off x="4792218" y="2194560"/>
+            <a:ext cx="3657600" cy="3977640"/>
           </a:xfrm>
         </p:spPr>
         <p:txBody>
@@ -1719,8 +1798,8 @@
           <a:lstStyle/>
           <a:p>
             <a:fld id="{E548D31E-DCDA-41A7-9C67-C4B11B94D21D}" type="datetimeFigureOut">
-              <a:rPr lang="en-US" dirty="0"/>
-              <a:t>3/12/2017</a:t>
+              <a:rPr lang="en-US" smtClean="0"/>
+              <a:t>4/5/2017</a:t>
             </a:fld>
             <a:endParaRPr lang="en-US" dirty="0"/>
           </a:p>
@@ -1761,7 +1840,7 @@
           <a:lstStyle/>
           <a:p>
             <a:fld id="{4FAB73BC-B049-4115-A692-8D63A059BFB8}" type="slidenum">
-              <a:rPr lang="en-US" dirty="0"/>
+              <a:rPr lang="en-US" smtClean="0"/>
               <a:t>‹#›</a:t>
             </a:fld>
             <a:endParaRPr lang="en-US" dirty="0"/>
@@ -1769,6 +1848,11 @@
         </p:txBody>
       </p:sp>
     </p:spTree>
+    <p:extLst>
+      <p:ext uri="{BB962C8B-B14F-4D97-AF65-F5344CB8AC3E}">
+        <p14:creationId xmlns:p14="http://schemas.microsoft.com/office/powerpoint/2010/main" val="1598721154"/>
+      </p:ext>
+    </p:extLst>
   </p:cSld>
   <p:clrMapOvr>
     <a:masterClrMapping/>
@@ -1828,8 +1912,8 @@
         </p:nvSpPr>
         <p:spPr>
           <a:xfrm>
-            <a:off x="1066800" y="2048256"/>
-            <a:ext cx="4754880" cy="640080"/>
+            <a:off x="685800" y="2048256"/>
+            <a:ext cx="3657600" cy="640080"/>
           </a:xfrm>
         </p:spPr>
         <p:txBody>
@@ -1901,8 +1985,8 @@
         </p:nvSpPr>
         <p:spPr>
           <a:xfrm>
-            <a:off x="1069848" y="2743200"/>
-            <a:ext cx="4754880" cy="3291840"/>
+            <a:off x="685800" y="2743200"/>
+            <a:ext cx="3657600" cy="3291840"/>
           </a:xfrm>
         </p:spPr>
         <p:txBody>
@@ -1986,8 +2070,8 @@
         </p:nvSpPr>
         <p:spPr>
           <a:xfrm>
-            <a:off x="6364224" y="2048256"/>
-            <a:ext cx="4754880" cy="640080"/>
+            <a:off x="4820793" y="2048256"/>
+            <a:ext cx="3657600" cy="640080"/>
           </a:xfrm>
         </p:spPr>
         <p:txBody>
@@ -2059,8 +2143,8 @@
         </p:nvSpPr>
         <p:spPr>
           <a:xfrm>
-            <a:off x="6364224" y="2743200"/>
-            <a:ext cx="4754880" cy="3291840"/>
+            <a:off x="4820793" y="2743200"/>
+            <a:ext cx="3657600" cy="3291840"/>
           </a:xfrm>
         </p:spPr>
         <p:txBody>
@@ -2148,8 +2232,8 @@
           <a:lstStyle/>
           <a:p>
             <a:fld id="{9B3762C0-B258-48F1-ADE6-176B4174CCDD}" type="datetimeFigureOut">
-              <a:rPr lang="en-US" dirty="0"/>
-              <a:t>3/12/2017</a:t>
+              <a:rPr lang="en-US" smtClean="0"/>
+              <a:t>4/5/2017</a:t>
             </a:fld>
             <a:endParaRPr lang="en-US" dirty="0"/>
           </a:p>
@@ -2190,7 +2274,7 @@
           <a:lstStyle/>
           <a:p>
             <a:fld id="{4FAB73BC-B049-4115-A692-8D63A059BFB8}" type="slidenum">
-              <a:rPr lang="en-US" dirty="0"/>
+              <a:rPr lang="en-US" smtClean="0"/>
               <a:t>‹#›</a:t>
             </a:fld>
             <a:endParaRPr lang="en-US" dirty="0"/>
@@ -2198,6 +2282,11 @@
         </p:txBody>
       </p:sp>
     </p:spTree>
+    <p:extLst>
+      <p:ext uri="{BB962C8B-B14F-4D97-AF65-F5344CB8AC3E}">
+        <p14:creationId xmlns:p14="http://schemas.microsoft.com/office/powerpoint/2010/main" val="2605488179"/>
+      </p:ext>
+    </p:extLst>
   </p:cSld>
   <p:clrMapOvr>
     <a:masterClrMapping/>
@@ -2258,11 +2347,21 @@
         <p:spPr/>
         <p:txBody>
           <a:bodyPr/>
-          <a:lstStyle/>
+          <a:lstStyle>
+            <a:lvl1pPr>
+              <a:defRPr>
+                <a:solidFill>
+                  <a:schemeClr val="accent1">
+                    <a:lumMod val="50000"/>
+                  </a:schemeClr>
+                </a:solidFill>
+              </a:defRPr>
+            </a:lvl1pPr>
+          </a:lstStyle>
           <a:p>
             <a:fld id="{677919A6-33EB-49BD-A62F-1FA56B9F9712}" type="datetimeFigureOut">
-              <a:rPr lang="en-US" dirty="0"/>
-              <a:t>3/12/2017</a:t>
+              <a:rPr lang="en-US" smtClean="0"/>
+              <a:t>4/5/2017</a:t>
             </a:fld>
             <a:endParaRPr lang="en-US" dirty="0"/>
           </a:p>
@@ -2281,7 +2380,17 @@
         <p:spPr/>
         <p:txBody>
           <a:bodyPr/>
-          <a:lstStyle/>
+          <a:lstStyle>
+            <a:lvl1pPr>
+              <a:defRPr>
+                <a:solidFill>
+                  <a:schemeClr val="accent1">
+                    <a:lumMod val="50000"/>
+                  </a:schemeClr>
+                </a:solidFill>
+              </a:defRPr>
+            </a:lvl1pPr>
+          </a:lstStyle>
           <a:p>
             <a:endParaRPr lang="en-US" dirty="0"/>
           </a:p>
@@ -2303,7 +2412,7 @@
           <a:lstStyle/>
           <a:p>
             <a:fld id="{4FAB73BC-B049-4115-A692-8D63A059BFB8}" type="slidenum">
-              <a:rPr lang="en-US" dirty="0"/>
+              <a:rPr lang="en-US" smtClean="0"/>
               <a:t>‹#›</a:t>
             </a:fld>
             <a:endParaRPr lang="en-US" dirty="0"/>
@@ -2311,6 +2420,11 @@
         </p:txBody>
       </p:sp>
     </p:spTree>
+    <p:extLst>
+      <p:ext uri="{BB962C8B-B14F-4D97-AF65-F5344CB8AC3E}">
+        <p14:creationId xmlns:p14="http://schemas.microsoft.com/office/powerpoint/2010/main" val="3753203300"/>
+      </p:ext>
+    </p:extLst>
   </p:cSld>
   <p:clrMapOvr>
     <a:masterClrMapping/>
@@ -2351,8 +2465,8 @@
           <a:lstStyle/>
           <a:p>
             <a:fld id="{CA4E7D1B-D673-4CF6-8672-009D42ABD2A0}" type="datetimeFigureOut">
-              <a:rPr lang="en-US" dirty="0"/>
-              <a:t>3/12/2017</a:t>
+              <a:rPr lang="en-US" smtClean="0"/>
+              <a:t>4/5/2017</a:t>
             </a:fld>
             <a:endParaRPr lang="en-US" dirty="0"/>
           </a:p>
@@ -2393,7 +2507,7 @@
           <a:lstStyle/>
           <a:p>
             <a:fld id="{4FAB73BC-B049-4115-A692-8D63A059BFB8}" type="slidenum">
-              <a:rPr lang="en-US" dirty="0"/>
+              <a:rPr lang="en-US" smtClean="0"/>
               <a:t>‹#›</a:t>
             </a:fld>
             <a:endParaRPr lang="en-US" dirty="0"/>
@@ -2401,6 +2515,11 @@
         </p:txBody>
       </p:sp>
     </p:spTree>
+    <p:extLst>
+      <p:ext uri="{BB962C8B-B14F-4D97-AF65-F5344CB8AC3E}">
+        <p14:creationId xmlns:p14="http://schemas.microsoft.com/office/powerpoint/2010/main" val="629240214"/>
+      </p:ext>
+    </p:extLst>
   </p:cSld>
   <p:clrMapOvr>
     <a:masterClrMapping/>
@@ -2433,8 +2552,8 @@
         </p:nvSpPr>
         <p:spPr>
           <a:xfrm>
-            <a:off x="8303740" y="0"/>
-            <a:ext cx="3888259" cy="6857999"/>
+            <a:off x="6227806" y="1"/>
+            <a:ext cx="2916194" cy="6857999"/>
           </a:xfrm>
           <a:prstGeom prst="rect">
             <a:avLst/>
@@ -2494,8 +2613,8 @@
         </p:nvSpPr>
         <p:spPr>
           <a:xfrm>
-            <a:off x="8549640" y="685800"/>
-            <a:ext cx="3200400" cy="1737360"/>
+            <a:off x="6412230" y="685800"/>
+            <a:ext cx="2400300" cy="1737360"/>
           </a:xfrm>
         </p:spPr>
         <p:txBody>
@@ -2504,7 +2623,7 @@
           </a:bodyPr>
           <a:lstStyle>
             <a:lvl1pPr>
-              <a:defRPr sz="3200" b="1"/>
+              <a:defRPr sz="2800" b="0"/>
             </a:lvl1pPr>
           </a:lstStyle>
           <a:p>
@@ -2528,8 +2647,8 @@
         </p:nvSpPr>
         <p:spPr>
           <a:xfrm>
-            <a:off x="838200" y="685800"/>
-            <a:ext cx="6711696" cy="5020056"/>
+            <a:off x="628650" y="685800"/>
+            <a:ext cx="5033772" cy="5020056"/>
           </a:xfrm>
         </p:spPr>
         <p:txBody>
@@ -2613,8 +2732,8 @@
         </p:nvSpPr>
         <p:spPr>
           <a:xfrm>
-            <a:off x="8549640" y="2423160"/>
-            <a:ext cx="3200400" cy="3291840"/>
+            <a:off x="6412230" y="2423160"/>
+            <a:ext cx="2400300" cy="3291840"/>
           </a:xfrm>
         </p:spPr>
         <p:txBody>
@@ -2630,10 +2749,10 @@
                 <a:spcPts val="1000"/>
               </a:spcBef>
               <a:buNone/>
-              <a:defRPr sz="1400">
+              <a:defRPr sz="1350">
                 <a:solidFill>
                   <a:schemeClr val="accent1">
-                    <a:lumMod val="75000"/>
+                    <a:lumMod val="50000"/>
                   </a:schemeClr>
                 </a:solidFill>
               </a:defRPr>
@@ -2680,74 +2799,32 @@
           </a:p>
         </p:txBody>
       </p:sp>
-      <p:sp>
-        <p:nvSpPr>
-          <p:cNvPr id="5" name="Date Placeholder 4"/>
-          <p:cNvSpPr>
-            <a:spLocks noGrp="1"/>
-          </p:cNvSpPr>
-          <p:nvPr>
-            <p:ph type="dt" sz="half" idx="10"/>
-          </p:nvPr>
-        </p:nvSpPr>
-        <p:spPr/>
-        <p:txBody>
-          <a:bodyPr/>
-          <a:lstStyle/>
-          <a:p>
-            <a:fld id="{DA16AA21-1863-4931-97CB-99D0A168701B}" type="datetimeFigureOut">
-              <a:rPr lang="en-US" dirty="0"/>
-              <a:t>3/12/2017</a:t>
-            </a:fld>
-            <a:endParaRPr lang="en-US" dirty="0"/>
-          </a:p>
-        </p:txBody>
-      </p:sp>
-      <p:sp>
-        <p:nvSpPr>
-          <p:cNvPr id="6" name="Footer Placeholder 5"/>
-          <p:cNvSpPr>
-            <a:spLocks noGrp="1"/>
-          </p:cNvSpPr>
-          <p:nvPr>
-            <p:ph type="ftr" sz="quarter" idx="11"/>
-          </p:nvPr>
-        </p:nvSpPr>
-        <p:spPr/>
-        <p:txBody>
-          <a:bodyPr/>
-          <a:lstStyle/>
-          <a:p>
-            <a:endParaRPr lang="en-US" dirty="0"/>
-          </a:p>
-        </p:txBody>
-      </p:sp>
       <p:grpSp>
         <p:nvGrpSpPr>
-          <p:cNvPr id="9" name="Group 8"/>
-          <p:cNvGrpSpPr>
-            <a:grpSpLocks noChangeAspect="1"/>
-          </p:cNvGrpSpPr>
+          <p:cNvPr id="12" name="Group 11"/>
+          <p:cNvGrpSpPr/>
           <p:nvPr/>
         </p:nvGrpSpPr>
         <p:grpSpPr>
           <a:xfrm>
-            <a:off x="11401725" y="6229681"/>
-            <a:ext cx="457200" cy="457200"/>
-            <a:chOff x="11361456" y="6195813"/>
-            <a:chExt cx="548640" cy="548640"/>
+            <a:off x="8522664" y="6255258"/>
+            <a:ext cx="393192" cy="393192"/>
+            <a:chOff x="8532189" y="5068824"/>
+            <a:chExt cx="393192" cy="393192"/>
           </a:xfrm>
         </p:grpSpPr>
         <p:sp>
           <p:nvSpPr>
-            <p:cNvPr id="10" name="Oval 9"/>
-            <p:cNvSpPr/>
+            <p:cNvPr id="13" name="Oval 12"/>
+            <p:cNvSpPr>
+              <a:spLocks noChangeAspect="1"/>
+            </p:cNvSpPr>
             <p:nvPr/>
           </p:nvSpPr>
           <p:spPr>
             <a:xfrm>
-              <a:off x="11361456" y="6195813"/>
-              <a:ext cx="548640" cy="548640"/>
+              <a:off x="8532189" y="5068824"/>
+              <a:ext cx="393192" cy="393192"/>
             </a:xfrm>
             <a:prstGeom prst="ellipse">
               <a:avLst/>
@@ -2788,14 +2865,16 @@
         </p:sp>
         <p:sp>
           <p:nvSpPr>
-            <p:cNvPr id="11" name="Oval 10"/>
-            <p:cNvSpPr/>
+            <p:cNvPr id="14" name="Oval 13"/>
+            <p:cNvSpPr>
+              <a:spLocks noChangeAspect="1"/>
+            </p:cNvSpPr>
             <p:nvPr/>
           </p:nvSpPr>
           <p:spPr>
             <a:xfrm>
-              <a:off x="11396488" y="6230844"/>
-              <a:ext cx="478576" cy="478578"/>
+              <a:off x="8568766" y="5105400"/>
+              <a:ext cx="320039" cy="320040"/>
             </a:xfrm>
             <a:prstGeom prst="ellipse">
               <a:avLst/>
@@ -2803,7 +2882,7 @@
             <a:noFill/>
             <a:ln w="12700" cap="flat" cmpd="sng" algn="ctr">
               <a:solidFill>
-                <a:sysClr val="window" lastClr="FFFFFF"/>
+                <a:srgbClr val="FFFFFF"/>
               </a:solidFill>
               <a:prstDash val="solid"/>
             </a:ln>
@@ -2813,7 +2892,49 @@
       </p:grpSp>
       <p:sp>
         <p:nvSpPr>
-          <p:cNvPr id="7" name="Slide Number Placeholder 6"/>
+          <p:cNvPr id="9" name="Date Placeholder 8"/>
+          <p:cNvSpPr>
+            <a:spLocks noGrp="1"/>
+          </p:cNvSpPr>
+          <p:nvPr>
+            <p:ph type="dt" sz="half" idx="10"/>
+          </p:nvPr>
+        </p:nvSpPr>
+        <p:spPr/>
+        <p:txBody>
+          <a:bodyPr/>
+          <a:lstStyle/>
+          <a:p>
+            <a:fld id="{DA16AA21-1863-4931-97CB-99D0A168701B}" type="datetimeFigureOut">
+              <a:rPr lang="en-US" smtClean="0"/>
+              <a:t>4/5/2017</a:t>
+            </a:fld>
+            <a:endParaRPr lang="en-US" dirty="0"/>
+          </a:p>
+        </p:txBody>
+      </p:sp>
+      <p:sp>
+        <p:nvSpPr>
+          <p:cNvPr id="10" name="Footer Placeholder 9"/>
+          <p:cNvSpPr>
+            <a:spLocks noGrp="1"/>
+          </p:cNvSpPr>
+          <p:nvPr>
+            <p:ph type="ftr" sz="quarter" idx="11"/>
+          </p:nvPr>
+        </p:nvSpPr>
+        <p:spPr/>
+        <p:txBody>
+          <a:bodyPr/>
+          <a:lstStyle/>
+          <a:p>
+            <a:endParaRPr lang="en-US" dirty="0"/>
+          </a:p>
+        </p:txBody>
+      </p:sp>
+      <p:sp>
+        <p:nvSpPr>
+          <p:cNvPr id="11" name="Slide Number Placeholder 10"/>
           <p:cNvSpPr>
             <a:spLocks noGrp="1"/>
           </p:cNvSpPr>
@@ -2827,7 +2948,7 @@
           <a:lstStyle/>
           <a:p>
             <a:fld id="{4FAB73BC-B049-4115-A692-8D63A059BFB8}" type="slidenum">
-              <a:rPr lang="en-US" dirty="0"/>
+              <a:rPr lang="en-US" smtClean="0"/>
               <a:t>‹#›</a:t>
             </a:fld>
             <a:endParaRPr lang="en-US" dirty="0"/>
@@ -2835,6 +2956,11 @@
         </p:txBody>
       </p:sp>
     </p:spTree>
+    <p:extLst>
+      <p:ext uri="{BB962C8B-B14F-4D97-AF65-F5344CB8AC3E}">
+        <p14:creationId xmlns:p14="http://schemas.microsoft.com/office/powerpoint/2010/main" val="1142226271"/>
+      </p:ext>
+    </p:extLst>
   </p:cSld>
   <p:clrMapOvr>
     <a:masterClrMapping/>
@@ -2867,8 +2993,8 @@
         </p:nvSpPr>
         <p:spPr>
           <a:xfrm>
-            <a:off x="8303740" y="0"/>
-            <a:ext cx="3888259" cy="6857999"/>
+            <a:off x="6227806" y="1"/>
+            <a:ext cx="2916194" cy="6857999"/>
           </a:xfrm>
           <a:prstGeom prst="rect">
             <a:avLst/>
@@ -2928,8 +3054,8 @@
         </p:nvSpPr>
         <p:spPr>
           <a:xfrm>
-            <a:off x="8549640" y="685800"/>
-            <a:ext cx="3200400" cy="1737360"/>
+            <a:off x="6412230" y="685800"/>
+            <a:ext cx="2400300" cy="1737360"/>
           </a:xfrm>
         </p:spPr>
         <p:txBody>
@@ -2938,7 +3064,7 @@
           </a:bodyPr>
           <a:lstStyle>
             <a:lvl1pPr>
-              <a:defRPr sz="3200" b="1"/>
+              <a:defRPr sz="2800" b="0"/>
             </a:lvl1pPr>
           </a:lstStyle>
           <a:p>
@@ -2963,7 +3089,7 @@
         <p:spPr>
           <a:xfrm>
             <a:off x="0" y="0"/>
-            <a:ext cx="8303740" cy="6858000"/>
+            <a:ext cx="6227805" cy="6858000"/>
           </a:xfrm>
           <a:solidFill>
             <a:schemeClr val="tx2">
@@ -3033,8 +3159,8 @@
         </p:nvSpPr>
         <p:spPr>
           <a:xfrm>
-            <a:off x="8549640" y="2423160"/>
-            <a:ext cx="3200400" cy="3291840"/>
+            <a:off x="6412230" y="2423160"/>
+            <a:ext cx="2400300" cy="3291840"/>
           </a:xfrm>
         </p:spPr>
         <p:txBody>
@@ -3050,10 +3176,10 @@
                 <a:spcPts val="1000"/>
               </a:spcBef>
               <a:buNone/>
-              <a:defRPr sz="1400">
+              <a:defRPr sz="1350">
                 <a:solidFill>
                   <a:schemeClr val="accent1">
-                    <a:lumMod val="75000"/>
+                    <a:lumMod val="50000"/>
                   </a:schemeClr>
                 </a:solidFill>
               </a:defRPr>
@@ -3100,55 +3226,32 @@
           </a:p>
         </p:txBody>
       </p:sp>
-      <p:sp>
-        <p:nvSpPr>
-          <p:cNvPr id="5" name="Date Placeholder 4"/>
-          <p:cNvSpPr>
-            <a:spLocks noGrp="1"/>
-          </p:cNvSpPr>
-          <p:nvPr>
-            <p:ph type="dt" sz="half" idx="10"/>
-          </p:nvPr>
-        </p:nvSpPr>
-        <p:spPr/>
-        <p:txBody>
-          <a:bodyPr/>
-          <a:lstStyle/>
-          <a:p>
-            <a:fld id="{3772C379-9A7C-4C87-A116-CBE9F58B04C5}" type="datetimeFigureOut">
-              <a:rPr lang="en-US" dirty="0"/>
-              <a:t>3/12/2017</a:t>
-            </a:fld>
-            <a:endParaRPr lang="en-US" dirty="0"/>
-          </a:p>
-        </p:txBody>
-      </p:sp>
       <p:grpSp>
         <p:nvGrpSpPr>
-          <p:cNvPr id="8" name="Group 7"/>
-          <p:cNvGrpSpPr>
-            <a:grpSpLocks noChangeAspect="1"/>
-          </p:cNvGrpSpPr>
+          <p:cNvPr id="12" name="Group 11"/>
+          <p:cNvGrpSpPr/>
           <p:nvPr/>
         </p:nvGrpSpPr>
         <p:grpSpPr>
           <a:xfrm>
-            <a:off x="11401725" y="6229681"/>
-            <a:ext cx="457200" cy="457200"/>
-            <a:chOff x="11361456" y="6195813"/>
-            <a:chExt cx="548640" cy="548640"/>
+            <a:off x="8522664" y="6255258"/>
+            <a:ext cx="393192" cy="393192"/>
+            <a:chOff x="8532189" y="5068824"/>
+            <a:chExt cx="393192" cy="393192"/>
           </a:xfrm>
         </p:grpSpPr>
         <p:sp>
           <p:nvSpPr>
-            <p:cNvPr id="9" name="Oval 8"/>
-            <p:cNvSpPr/>
+            <p:cNvPr id="13" name="Oval 12"/>
+            <p:cNvSpPr>
+              <a:spLocks noChangeAspect="1"/>
+            </p:cNvSpPr>
             <p:nvPr/>
           </p:nvSpPr>
           <p:spPr>
             <a:xfrm>
-              <a:off x="11361456" y="6195813"/>
-              <a:ext cx="548640" cy="548640"/>
+              <a:off x="8532189" y="5068824"/>
+              <a:ext cx="393192" cy="393192"/>
             </a:xfrm>
             <a:prstGeom prst="ellipse">
               <a:avLst/>
@@ -3189,14 +3292,16 @@
         </p:sp>
         <p:sp>
           <p:nvSpPr>
-            <p:cNvPr id="10" name="Oval 9"/>
-            <p:cNvSpPr/>
+            <p:cNvPr id="14" name="Oval 13"/>
+            <p:cNvSpPr>
+              <a:spLocks noChangeAspect="1"/>
+            </p:cNvSpPr>
             <p:nvPr/>
           </p:nvSpPr>
           <p:spPr>
             <a:xfrm>
-              <a:off x="11396488" y="6230844"/>
-              <a:ext cx="478576" cy="478578"/>
+              <a:off x="8568766" y="5105400"/>
+              <a:ext cx="320039" cy="320040"/>
             </a:xfrm>
             <a:prstGeom prst="ellipse">
               <a:avLst/>
@@ -3204,7 +3309,7 @@
             <a:noFill/>
             <a:ln w="12700" cap="flat" cmpd="sng" algn="ctr">
               <a:solidFill>
-                <a:sysClr val="window" lastClr="FFFFFF"/>
+                <a:srgbClr val="FFFFFF"/>
               </a:solidFill>
               <a:prstDash val="solid"/>
             </a:ln>
@@ -3214,7 +3319,30 @@
       </p:grpSp>
       <p:sp>
         <p:nvSpPr>
-          <p:cNvPr id="7" name="Slide Number Placeholder 6"/>
+          <p:cNvPr id="8" name="Date Placeholder 7"/>
+          <p:cNvSpPr>
+            <a:spLocks noGrp="1"/>
+          </p:cNvSpPr>
+          <p:nvPr>
+            <p:ph type="dt" sz="half" idx="10"/>
+          </p:nvPr>
+        </p:nvSpPr>
+        <p:spPr/>
+        <p:txBody>
+          <a:bodyPr/>
+          <a:lstStyle/>
+          <a:p>
+            <a:fld id="{3772C379-9A7C-4C87-A116-CBE9F58B04C5}" type="datetimeFigureOut">
+              <a:rPr lang="en-US" smtClean="0"/>
+              <a:t>4/5/2017</a:t>
+            </a:fld>
+            <a:endParaRPr lang="en-US" dirty="0"/>
+          </a:p>
+        </p:txBody>
+      </p:sp>
+      <p:sp>
+        <p:nvSpPr>
+          <p:cNvPr id="10" name="Slide Number Placeholder 9"/>
           <p:cNvSpPr>
             <a:spLocks noGrp="1"/>
           </p:cNvSpPr>
@@ -3228,7 +3356,7 @@
           <a:lstStyle/>
           <a:p>
             <a:fld id="{4FAB73BC-B049-4115-A692-8D63A059BFB8}" type="slidenum">
-              <a:rPr lang="en-US" dirty="0"/>
+              <a:rPr lang="en-US" smtClean="0"/>
               <a:t>‹#›</a:t>
             </a:fld>
             <a:endParaRPr lang="en-US" dirty="0"/>
@@ -3236,6 +3364,11 @@
         </p:txBody>
       </p:sp>
     </p:spTree>
+    <p:extLst>
+      <p:ext uri="{BB962C8B-B14F-4D97-AF65-F5344CB8AC3E}">
+        <p14:creationId xmlns:p14="http://schemas.microsoft.com/office/powerpoint/2010/main" val="2158190721"/>
+      </p:ext>
+    </p:extLst>
   </p:cSld>
   <p:clrMapOvr>
     <a:masterClrMapping/>
@@ -3265,201 +3398,32 @@
           <a:chExt cx="0" cy="0"/>
         </a:xfrm>
       </p:grpSpPr>
-      <p:sp>
-        <p:nvSpPr>
-          <p:cNvPr id="2" name="Title Placeholder 1"/>
-          <p:cNvSpPr>
-            <a:spLocks noGrp="1"/>
-          </p:cNvSpPr>
-          <p:nvPr>
-            <p:ph type="title"/>
-          </p:nvPr>
-        </p:nvSpPr>
-        <p:spPr>
-          <a:xfrm>
-            <a:off x="1069848" y="484632"/>
-            <a:ext cx="10058400" cy="1609344"/>
-          </a:xfrm>
-          <a:prstGeom prst="rect">
-            <a:avLst/>
-          </a:prstGeom>
-        </p:spPr>
-        <p:txBody>
-          <a:bodyPr vert="horz" lIns="91440" tIns="45720" rIns="91440" bIns="45720" rtlCol="0" anchor="ctr">
-            <a:normAutofit/>
-          </a:bodyPr>
-          <a:lstStyle/>
-          <a:p>
-            <a:r>
-              <a:rPr lang="en-US"/>
-              <a:t>Click to edit Master title style</a:t>
-            </a:r>
-            <a:endParaRPr lang="en-US" dirty="0"/>
-          </a:p>
-        </p:txBody>
-      </p:sp>
-      <p:sp>
-        <p:nvSpPr>
-          <p:cNvPr id="3" name="Text Placeholder 2"/>
-          <p:cNvSpPr>
-            <a:spLocks noGrp="1"/>
-          </p:cNvSpPr>
-          <p:nvPr>
-            <p:ph type="body" idx="1"/>
-          </p:nvPr>
-        </p:nvSpPr>
-        <p:spPr>
-          <a:xfrm>
-            <a:off x="1069848" y="2121408"/>
-            <a:ext cx="10058400" cy="4050792"/>
-          </a:xfrm>
-          <a:prstGeom prst="rect">
-            <a:avLst/>
-          </a:prstGeom>
-        </p:spPr>
-        <p:txBody>
-          <a:bodyPr vert="horz" lIns="91440" tIns="45720" rIns="91440" bIns="45720" rtlCol="0">
-            <a:normAutofit/>
-          </a:bodyPr>
-          <a:lstStyle/>
-          <a:p>
-            <a:pPr lvl="0"/>
-            <a:r>
-              <a:rPr lang="en-US"/>
-              <a:t>Edit Master text styles</a:t>
-            </a:r>
-          </a:p>
-          <a:p>
-            <a:pPr lvl="1"/>
-            <a:r>
-              <a:rPr lang="en-US"/>
-              <a:t>Second level</a:t>
-            </a:r>
-          </a:p>
-          <a:p>
-            <a:pPr lvl="2"/>
-            <a:r>
-              <a:rPr lang="en-US"/>
-              <a:t>Third level</a:t>
-            </a:r>
-          </a:p>
-          <a:p>
-            <a:pPr lvl="3"/>
-            <a:r>
-              <a:rPr lang="en-US"/>
-              <a:t>Fourth level</a:t>
-            </a:r>
-          </a:p>
-          <a:p>
-            <a:pPr lvl="4"/>
-            <a:r>
-              <a:rPr lang="en-US"/>
-              <a:t>Fifth level</a:t>
-            </a:r>
-            <a:endParaRPr lang="en-US" dirty="0"/>
-          </a:p>
-        </p:txBody>
-      </p:sp>
-      <p:sp>
-        <p:nvSpPr>
-          <p:cNvPr id="4" name="Date Placeholder 3"/>
-          <p:cNvSpPr>
-            <a:spLocks noGrp="1"/>
-          </p:cNvSpPr>
-          <p:nvPr>
-            <p:ph type="dt" sz="half" idx="2"/>
-          </p:nvPr>
-        </p:nvSpPr>
-        <p:spPr>
-          <a:xfrm>
-            <a:off x="7964424" y="6272784"/>
-            <a:ext cx="3273552" cy="365125"/>
-          </a:xfrm>
-          <a:prstGeom prst="rect">
-            <a:avLst/>
-          </a:prstGeom>
-        </p:spPr>
-        <p:txBody>
-          <a:bodyPr vert="horz" lIns="91440" tIns="45720" rIns="91440" bIns="45720" rtlCol="0" anchor="ctr"/>
-          <a:lstStyle>
-            <a:lvl1pPr algn="r">
-              <a:defRPr sz="1100">
-                <a:solidFill>
-                  <a:schemeClr val="tx2"/>
-                </a:solidFill>
-              </a:defRPr>
-            </a:lvl1pPr>
-          </a:lstStyle>
-          <a:p>
-            <a:fld id="{8664C608-40B1-4030-A28D-5B74BC98ADCE}" type="datetimeFigureOut">
-              <a:rPr lang="en-US" dirty="0"/>
-              <a:t>3/12/2017</a:t>
-            </a:fld>
-            <a:endParaRPr lang="en-US" dirty="0"/>
-          </a:p>
-        </p:txBody>
-      </p:sp>
-      <p:sp>
-        <p:nvSpPr>
-          <p:cNvPr id="5" name="Footer Placeholder 4"/>
-          <p:cNvSpPr>
-            <a:spLocks noGrp="1"/>
-          </p:cNvSpPr>
-          <p:nvPr>
-            <p:ph type="ftr" sz="quarter" idx="3"/>
-          </p:nvPr>
-        </p:nvSpPr>
-        <p:spPr>
-          <a:xfrm>
-            <a:off x="1088136" y="6272784"/>
-            <a:ext cx="6327648" cy="365125"/>
-          </a:xfrm>
-          <a:prstGeom prst="rect">
-            <a:avLst/>
-          </a:prstGeom>
-        </p:spPr>
-        <p:txBody>
-          <a:bodyPr vert="horz" lIns="91440" tIns="45720" rIns="91440" bIns="45720" rtlCol="0" anchor="ctr"/>
-          <a:lstStyle>
-            <a:lvl1pPr algn="l">
-              <a:defRPr sz="1100">
-                <a:solidFill>
-                  <a:schemeClr val="tx2"/>
-                </a:solidFill>
-              </a:defRPr>
-            </a:lvl1pPr>
-          </a:lstStyle>
-          <a:p>
-            <a:endParaRPr lang="en-US" dirty="0"/>
-          </a:p>
-        </p:txBody>
-      </p:sp>
       <p:grpSp>
         <p:nvGrpSpPr>
-          <p:cNvPr id="7" name="Group 6"/>
-          <p:cNvGrpSpPr>
-            <a:grpSpLocks noChangeAspect="1"/>
-          </p:cNvGrpSpPr>
+          <p:cNvPr id="12" name="Group 11"/>
+          <p:cNvGrpSpPr/>
           <p:nvPr/>
         </p:nvGrpSpPr>
         <p:grpSpPr>
           <a:xfrm>
-            <a:off x="11401725" y="6229681"/>
-            <a:ext cx="457200" cy="457200"/>
-            <a:chOff x="11361456" y="6195813"/>
-            <a:chExt cx="548640" cy="548640"/>
+            <a:off x="8522664" y="6255258"/>
+            <a:ext cx="393192" cy="393192"/>
+            <a:chOff x="8532189" y="5068824"/>
+            <a:chExt cx="393192" cy="393192"/>
           </a:xfrm>
         </p:grpSpPr>
         <p:sp>
           <p:nvSpPr>
             <p:cNvPr id="8" name="Oval 7"/>
-            <p:cNvSpPr/>
+            <p:cNvSpPr>
+              <a:spLocks noChangeAspect="1"/>
+            </p:cNvSpPr>
             <p:nvPr/>
           </p:nvSpPr>
           <p:spPr>
             <a:xfrm>
-              <a:off x="11361456" y="6195813"/>
-              <a:ext cx="548640" cy="548640"/>
+              <a:off x="8532189" y="5068824"/>
+              <a:ext cx="393192" cy="393192"/>
             </a:xfrm>
             <a:prstGeom prst="ellipse">
               <a:avLst/>
@@ -3501,13 +3465,15 @@
         <p:sp>
           <p:nvSpPr>
             <p:cNvPr id="9" name="Oval 8"/>
-            <p:cNvSpPr/>
+            <p:cNvSpPr>
+              <a:spLocks noChangeAspect="1"/>
+            </p:cNvSpPr>
             <p:nvPr/>
           </p:nvSpPr>
           <p:spPr>
             <a:xfrm>
-              <a:off x="11396488" y="6230844"/>
-              <a:ext cx="478576" cy="478578"/>
+              <a:off x="8568766" y="5105400"/>
+              <a:ext cx="320039" cy="320040"/>
             </a:xfrm>
             <a:prstGeom prst="ellipse">
               <a:avLst/>
@@ -3525,38 +3491,211 @@
       </p:grpSp>
       <p:sp>
         <p:nvSpPr>
-          <p:cNvPr id="6" name="Slide Number Placeholder 5"/>
-          <p:cNvSpPr>
-            <a:spLocks noGrp="1"/>
-          </p:cNvSpPr>
-          <p:nvPr>
-            <p:ph type="sldNum" sz="quarter" idx="4"/>
+          <p:cNvPr id="2" name="Title Placeholder 1"/>
+          <p:cNvSpPr>
+            <a:spLocks noGrp="1"/>
+          </p:cNvSpPr>
+          <p:nvPr>
+            <p:ph type="title"/>
           </p:nvPr>
         </p:nvSpPr>
         <p:spPr>
           <a:xfrm>
-            <a:off x="11311128" y="6272784"/>
-            <a:ext cx="640080" cy="365125"/>
+            <a:off x="685800" y="484632"/>
+            <a:ext cx="7772400" cy="1609344"/>
           </a:xfrm>
           <a:prstGeom prst="rect">
             <a:avLst/>
           </a:prstGeom>
         </p:spPr>
         <p:txBody>
+          <a:bodyPr vert="horz" lIns="91440" tIns="45720" rIns="91440" bIns="45720" rtlCol="0" anchor="ctr">
+            <a:normAutofit/>
+          </a:bodyPr>
+          <a:lstStyle/>
+          <a:p>
+            <a:r>
+              <a:rPr lang="en-US"/>
+              <a:t>Click to edit Master title style</a:t>
+            </a:r>
+            <a:endParaRPr lang="en-US" dirty="0"/>
+          </a:p>
+        </p:txBody>
+      </p:sp>
+      <p:sp>
+        <p:nvSpPr>
+          <p:cNvPr id="3" name="Text Placeholder 2"/>
+          <p:cNvSpPr>
+            <a:spLocks noGrp="1"/>
+          </p:cNvSpPr>
+          <p:nvPr>
+            <p:ph type="body" idx="1"/>
+          </p:nvPr>
+        </p:nvSpPr>
+        <p:spPr>
+          <a:xfrm>
+            <a:off x="685800" y="2121408"/>
+            <a:ext cx="7772400" cy="4050792"/>
+          </a:xfrm>
+          <a:prstGeom prst="rect">
+            <a:avLst/>
+          </a:prstGeom>
+        </p:spPr>
+        <p:txBody>
+          <a:bodyPr vert="horz" lIns="91440" tIns="45720" rIns="91440" bIns="45720" rtlCol="0">
+            <a:normAutofit/>
+          </a:bodyPr>
+          <a:lstStyle/>
+          <a:p>
+            <a:pPr lvl="0"/>
+            <a:r>
+              <a:rPr lang="en-US"/>
+              <a:t>Edit Master text styles</a:t>
+            </a:r>
+          </a:p>
+          <a:p>
+            <a:pPr lvl="1"/>
+            <a:r>
+              <a:rPr lang="en-US"/>
+              <a:t>Second level</a:t>
+            </a:r>
+          </a:p>
+          <a:p>
+            <a:pPr lvl="2"/>
+            <a:r>
+              <a:rPr lang="en-US"/>
+              <a:t>Third level</a:t>
+            </a:r>
+          </a:p>
+          <a:p>
+            <a:pPr lvl="3"/>
+            <a:r>
+              <a:rPr lang="en-US"/>
+              <a:t>Fourth level</a:t>
+            </a:r>
+          </a:p>
+          <a:p>
+            <a:pPr lvl="4"/>
+            <a:r>
+              <a:rPr lang="en-US"/>
+              <a:t>Fifth level</a:t>
+            </a:r>
+            <a:endParaRPr lang="en-US" dirty="0"/>
+          </a:p>
+        </p:txBody>
+      </p:sp>
+      <p:sp>
+        <p:nvSpPr>
+          <p:cNvPr id="4" name="Date Placeholder 3"/>
+          <p:cNvSpPr>
+            <a:spLocks noGrp="1"/>
+          </p:cNvSpPr>
+          <p:nvPr>
+            <p:ph type="dt" sz="half" idx="2"/>
+          </p:nvPr>
+        </p:nvSpPr>
+        <p:spPr>
+          <a:xfrm>
+            <a:off x="5992368" y="6272785"/>
+            <a:ext cx="2455164" cy="365125"/>
+          </a:xfrm>
+          <a:prstGeom prst="rect">
+            <a:avLst/>
+          </a:prstGeom>
+        </p:spPr>
+        <p:txBody>
+          <a:bodyPr vert="horz" lIns="91440" tIns="45720" rIns="91440" bIns="45720" rtlCol="0" anchor="ctr"/>
+          <a:lstStyle>
+            <a:lvl1pPr algn="r">
+              <a:defRPr sz="1000">
+                <a:solidFill>
+                  <a:schemeClr val="accent1">
+                    <a:lumMod val="50000"/>
+                  </a:schemeClr>
+                </a:solidFill>
+              </a:defRPr>
+            </a:lvl1pPr>
+          </a:lstStyle>
+          <a:p>
+            <a:fld id="{8664C608-40B1-4030-A28D-5B74BC98ADCE}" type="datetimeFigureOut">
+              <a:rPr lang="en-US" smtClean="0"/>
+              <a:t>4/5/2017</a:t>
+            </a:fld>
+            <a:endParaRPr lang="en-US" dirty="0"/>
+          </a:p>
+        </p:txBody>
+      </p:sp>
+      <p:sp>
+        <p:nvSpPr>
+          <p:cNvPr id="5" name="Footer Placeholder 4"/>
+          <p:cNvSpPr>
+            <a:spLocks noGrp="1"/>
+          </p:cNvSpPr>
+          <p:nvPr>
+            <p:ph type="ftr" sz="quarter" idx="3"/>
+          </p:nvPr>
+        </p:nvSpPr>
+        <p:spPr>
+          <a:xfrm>
+            <a:off x="685800" y="6272785"/>
+            <a:ext cx="4745736" cy="365125"/>
+          </a:xfrm>
+          <a:prstGeom prst="rect">
+            <a:avLst/>
+          </a:prstGeom>
+        </p:spPr>
+        <p:txBody>
+          <a:bodyPr vert="horz" lIns="91440" tIns="45720" rIns="91440" bIns="45720" rtlCol="0" anchor="ctr"/>
+          <a:lstStyle>
+            <a:lvl1pPr algn="l">
+              <a:defRPr sz="1000">
+                <a:solidFill>
+                  <a:schemeClr val="accent1">
+                    <a:lumMod val="50000"/>
+                  </a:schemeClr>
+                </a:solidFill>
+              </a:defRPr>
+            </a:lvl1pPr>
+          </a:lstStyle>
+          <a:p>
+            <a:endParaRPr lang="en-US" dirty="0"/>
+          </a:p>
+        </p:txBody>
+      </p:sp>
+      <p:sp>
+        <p:nvSpPr>
+          <p:cNvPr id="6" name="Slide Number Placeholder 5"/>
+          <p:cNvSpPr>
+            <a:spLocks noGrp="1"/>
+          </p:cNvSpPr>
+          <p:nvPr>
+            <p:ph type="sldNum" sz="quarter" idx="4"/>
+          </p:nvPr>
+        </p:nvSpPr>
+        <p:spPr>
+          <a:xfrm>
+            <a:off x="8483346" y="6272785"/>
+            <a:ext cx="480060" cy="365125"/>
+          </a:xfrm>
+          <a:prstGeom prst="rect">
+            <a:avLst/>
+          </a:prstGeom>
+        </p:spPr>
+        <p:txBody>
           <a:bodyPr vert="horz" lIns="91440" tIns="45720" rIns="91440" bIns="45720" rtlCol="0" anchor="ctr"/>
           <a:lstStyle>
             <a:lvl1pPr algn="ctr">
-              <a:defRPr sz="1400" b="1">
+              <a:defRPr sz="1100" b="1" spc="-70" baseline="0">
                 <a:solidFill>
                   <a:srgbClr val="FFFFFF"/>
                 </a:solidFill>
-                <a:latin typeface="+mj-lt"/>
+                <a:latin typeface="+mn-lt"/>
               </a:defRPr>
             </a:lvl1pPr>
           </a:lstStyle>
           <a:p>
             <a:fld id="{4FAB73BC-B049-4115-A692-8D63A059BFB8}" type="slidenum">
-              <a:rPr lang="en-US" dirty="0"/>
+              <a:rPr lang="en-US" smtClean="0"/>
               <a:pPr/>
               <a:t>‹#›</a:t>
             </a:fld>
@@ -3565,20 +3704,25 @@
         </p:txBody>
       </p:sp>
     </p:spTree>
+    <p:extLst>
+      <p:ext uri="{BB962C8B-B14F-4D97-AF65-F5344CB8AC3E}">
+        <p14:creationId xmlns:p14="http://schemas.microsoft.com/office/powerpoint/2010/main" val="4038872160"/>
+      </p:ext>
+    </p:extLst>
   </p:cSld>
   <p:clrMap bg1="lt1" tx1="dk1" bg2="lt2" tx2="dk2" accent1="accent1" accent2="accent2" accent3="accent3" accent4="accent4" accent5="accent5" accent6="accent6" hlink="hlink" folHlink="folHlink"/>
   <p:sldLayoutIdLst>
-    <p:sldLayoutId id="2147483841" r:id="rId1"/>
-    <p:sldLayoutId id="2147483842" r:id="rId2"/>
-    <p:sldLayoutId id="2147483843" r:id="rId3"/>
-    <p:sldLayoutId id="2147483844" r:id="rId4"/>
-    <p:sldLayoutId id="2147483845" r:id="rId5"/>
-    <p:sldLayoutId id="2147483846" r:id="rId6"/>
-    <p:sldLayoutId id="2147483847" r:id="rId7"/>
-    <p:sldLayoutId id="2147483848" r:id="rId8"/>
-    <p:sldLayoutId id="2147483849" r:id="rId9"/>
-    <p:sldLayoutId id="2147483850" r:id="rId10"/>
-    <p:sldLayoutId id="2147483851" r:id="rId11"/>
+    <p:sldLayoutId id="2147483853" r:id="rId1"/>
+    <p:sldLayoutId id="2147483854" r:id="rId2"/>
+    <p:sldLayoutId id="2147483855" r:id="rId3"/>
+    <p:sldLayoutId id="2147483856" r:id="rId4"/>
+    <p:sldLayoutId id="2147483857" r:id="rId5"/>
+    <p:sldLayoutId id="2147483858" r:id="rId6"/>
+    <p:sldLayoutId id="2147483859" r:id="rId7"/>
+    <p:sldLayoutId id="2147483860" r:id="rId8"/>
+    <p:sldLayoutId id="2147483861" r:id="rId9"/>
+    <p:sldLayoutId id="2147483862" r:id="rId10"/>
+    <p:sldLayoutId id="2147483863" r:id="rId11"/>
   </p:sldLayoutIdLst>
   <p:hf sldNum="0" hdr="0" ftr="0" dt="0"/>
   <p:txStyles>
@@ -3591,7 +3735,7 @@
           <a:spcPct val="0"/>
         </a:spcBef>
         <a:buNone/>
-        <a:defRPr sz="5400" kern="1200" cap="all" baseline="0">
+        <a:defRPr sz="4200" b="0" kern="1200" cap="all" baseline="0">
           <a:blipFill>
             <a:blip r:embed="rId15">
               <a:extLst>
@@ -4024,7 +4168,7 @@
 </p:sld>
 </file>
 
-<file path=ppt/slides/slide2.xml><?xml version="1.0" encoding="utf-8"?>
+<file path=ppt/slides/slide10.xml><?xml version="1.0" encoding="utf-8"?>
 <p:sld xmlns:a="http://schemas.openxmlformats.org/drawingml/2006/main" xmlns:r="http://schemas.openxmlformats.org/officeDocument/2006/relationships" xmlns:p="http://schemas.openxmlformats.org/presentationml/2006/main">
   <p:cSld>
     <p:spTree>
@@ -4058,7 +4202,7 @@
           <a:p>
             <a:r>
               <a:rPr lang="en-US" dirty="0"/>
-              <a:t>Agenda	</a:t>
+              <a:t>Basic commands</a:t>
             </a:r>
           </a:p>
         </p:txBody>
@@ -4079,454 +4223,6 @@
           <a:lstStyle/>
           <a:p>
             <a:r>
-              <a:rPr lang="en-US" altLang="zh-CN" dirty="0"/>
-              <a:t>General ideas</a:t>
-            </a:r>
-          </a:p>
-          <a:p>
-            <a:r>
-              <a:rPr lang="en-US" dirty="0"/>
-              <a:t>Basic commands</a:t>
-            </a:r>
-          </a:p>
-          <a:p>
-            <a:r>
-              <a:rPr lang="en-US" dirty="0"/>
-              <a:t>Working collaboratively </a:t>
-            </a:r>
-          </a:p>
-          <a:p>
-            <a:r>
-              <a:rPr lang="en-US" dirty="0"/>
-              <a:t>Advanced </a:t>
-            </a:r>
-            <a:r>
-              <a:rPr lang="en-US" dirty="0"/>
-              <a:t>commands</a:t>
-            </a:r>
-            <a:endParaRPr lang="en-US" dirty="0"/>
-          </a:p>
-          <a:p>
-            <a:r>
-              <a:rPr lang="en-US" dirty="0"/>
-              <a:t>Underlying</a:t>
-            </a:r>
-          </a:p>
-          <a:p>
-            <a:r>
-              <a:rPr lang="en-US" dirty="0"/>
-              <a:t>Configuration/Customizing</a:t>
-            </a:r>
-          </a:p>
-          <a:p>
-            <a:r>
-              <a:rPr lang="en-US" dirty="0"/>
-              <a:t>Github</a:t>
-            </a:r>
-          </a:p>
-          <a:p>
-            <a:endParaRPr lang="en-US" dirty="0"/>
-          </a:p>
-        </p:txBody>
-      </p:sp>
-    </p:spTree>
-    <p:extLst>
-      <p:ext uri="{BB962C8B-B14F-4D97-AF65-F5344CB8AC3E}">
-        <p14:creationId xmlns:p14="http://schemas.microsoft.com/office/powerpoint/2010/main" val="1428037075"/>
-      </p:ext>
-    </p:extLst>
-  </p:cSld>
-  <p:clrMapOvr>
-    <a:masterClrMapping/>
-  </p:clrMapOvr>
-</p:sld>
-</file>
-
-<file path=ppt/slides/slide3.xml><?xml version="1.0" encoding="utf-8"?>
-<p:sld xmlns:a="http://schemas.openxmlformats.org/drawingml/2006/main" xmlns:r="http://schemas.openxmlformats.org/officeDocument/2006/relationships" xmlns:p="http://schemas.openxmlformats.org/presentationml/2006/main">
-  <p:cSld>
-    <p:spTree>
-      <p:nvGrpSpPr>
-        <p:cNvPr id="1" name=""/>
-        <p:cNvGrpSpPr/>
-        <p:nvPr/>
-      </p:nvGrpSpPr>
-      <p:grpSpPr>
-        <a:xfrm>
-          <a:off x="0" y="0"/>
-          <a:ext cx="0" cy="0"/>
-          <a:chOff x="0" y="0"/>
-          <a:chExt cx="0" cy="0"/>
-        </a:xfrm>
-      </p:grpSpPr>
-      <p:sp>
-        <p:nvSpPr>
-          <p:cNvPr id="2" name="Title 1"/>
-          <p:cNvSpPr>
-            <a:spLocks noGrp="1"/>
-          </p:cNvSpPr>
-          <p:nvPr>
-            <p:ph type="title"/>
-          </p:nvPr>
-        </p:nvSpPr>
-        <p:spPr/>
-        <p:txBody>
-          <a:bodyPr/>
-          <a:lstStyle/>
-          <a:p>
-            <a:r>
-              <a:rPr lang="en-US" altLang="zh-CN" dirty="0"/>
-              <a:t>General ideas</a:t>
-            </a:r>
-            <a:endParaRPr lang="en-US" dirty="0"/>
-          </a:p>
-        </p:txBody>
-      </p:sp>
-      <p:sp>
-        <p:nvSpPr>
-          <p:cNvPr id="3" name="Content Placeholder 2"/>
-          <p:cNvSpPr>
-            <a:spLocks noGrp="1"/>
-          </p:cNvSpPr>
-          <p:nvPr>
-            <p:ph idx="1"/>
-          </p:nvPr>
-        </p:nvSpPr>
-        <p:spPr/>
-        <p:txBody>
-          <a:bodyPr/>
-          <a:lstStyle/>
-          <a:p>
-            <a:r>
-              <a:rPr lang="en-US" dirty="0"/>
-              <a:t>Version Control System, like </a:t>
-            </a:r>
-            <a:r>
-              <a:rPr lang="en-US" dirty="0" err="1"/>
-              <a:t>Clearcase</a:t>
-            </a:r>
-            <a:r>
-              <a:rPr lang="en-US" dirty="0"/>
-              <a:t>, perforce and SVN</a:t>
-            </a:r>
-          </a:p>
-          <a:p>
-            <a:r>
-              <a:rPr lang="en-US" dirty="0"/>
-              <a:t>Distributed Version Control System</a:t>
-            </a:r>
-          </a:p>
-          <a:p>
-            <a:r>
-              <a:rPr lang="en-US" dirty="0"/>
-              <a:t>Advantages</a:t>
-            </a:r>
-          </a:p>
-          <a:p>
-            <a:pPr lvl="1"/>
-            <a:r>
-              <a:rPr lang="en-US" dirty="0"/>
-              <a:t>Free and open source</a:t>
-            </a:r>
-          </a:p>
-          <a:p>
-            <a:pPr lvl="1"/>
-            <a:r>
-              <a:rPr lang="en-US" dirty="0"/>
-              <a:t>Fast and small</a:t>
-            </a:r>
-          </a:p>
-          <a:p>
-            <a:pPr lvl="1"/>
-            <a:r>
-              <a:rPr lang="en-US" dirty="0"/>
-              <a:t>Implicit backup</a:t>
-            </a:r>
-          </a:p>
-          <a:p>
-            <a:r>
-              <a:rPr lang="en-US" dirty="0"/>
-              <a:t>Disadvantages</a:t>
-            </a:r>
-          </a:p>
-          <a:p>
-            <a:pPr lvl="1"/>
-            <a:r>
-              <a:rPr lang="en-US" dirty="0"/>
-              <a:t>Steep learning curve</a:t>
-            </a:r>
-          </a:p>
-          <a:p>
-            <a:pPr lvl="1"/>
-            <a:r>
-              <a:rPr lang="en-US" dirty="0"/>
-              <a:t>Binary files are a big no</a:t>
-            </a:r>
-            <a:endParaRPr lang="en-US" dirty="0"/>
-          </a:p>
-        </p:txBody>
-      </p:sp>
-    </p:spTree>
-    <p:extLst>
-      <p:ext uri="{BB962C8B-B14F-4D97-AF65-F5344CB8AC3E}">
-        <p14:creationId xmlns:p14="http://schemas.microsoft.com/office/powerpoint/2010/main" val="802819234"/>
-      </p:ext>
-    </p:extLst>
-  </p:cSld>
-  <p:clrMapOvr>
-    <a:masterClrMapping/>
-  </p:clrMapOvr>
-</p:sld>
-</file>
-
-<file path=ppt/slides/slide4.xml><?xml version="1.0" encoding="utf-8"?>
-<p:sld xmlns:a="http://schemas.openxmlformats.org/drawingml/2006/main" xmlns:r="http://schemas.openxmlformats.org/officeDocument/2006/relationships" xmlns:p="http://schemas.openxmlformats.org/presentationml/2006/main">
-  <p:cSld>
-    <p:spTree>
-      <p:nvGrpSpPr>
-        <p:cNvPr id="1" name=""/>
-        <p:cNvGrpSpPr/>
-        <p:nvPr/>
-      </p:nvGrpSpPr>
-      <p:grpSpPr>
-        <a:xfrm>
-          <a:off x="0" y="0"/>
-          <a:ext cx="0" cy="0"/>
-          <a:chOff x="0" y="0"/>
-          <a:chExt cx="0" cy="0"/>
-        </a:xfrm>
-      </p:grpSpPr>
-      <p:sp>
-        <p:nvSpPr>
-          <p:cNvPr id="2" name="Title 1"/>
-          <p:cNvSpPr>
-            <a:spLocks noGrp="1"/>
-          </p:cNvSpPr>
-          <p:nvPr>
-            <p:ph type="title"/>
-          </p:nvPr>
-        </p:nvSpPr>
-        <p:spPr/>
-        <p:txBody>
-          <a:bodyPr/>
-          <a:lstStyle/>
-          <a:p>
-            <a:r>
-              <a:rPr lang="en-US" dirty="0"/>
-              <a:t>history</a:t>
-            </a:r>
-          </a:p>
-        </p:txBody>
-      </p:sp>
-      <p:sp>
-        <p:nvSpPr>
-          <p:cNvPr id="3" name="Content Placeholder 2"/>
-          <p:cNvSpPr>
-            <a:spLocks noGrp="1"/>
-          </p:cNvSpPr>
-          <p:nvPr>
-            <p:ph idx="1"/>
-          </p:nvPr>
-        </p:nvSpPr>
-        <p:spPr/>
-        <p:txBody>
-          <a:bodyPr/>
-          <a:lstStyle/>
-          <a:p>
-            <a:r>
-              <a:rPr lang="en-US" dirty="0"/>
-              <a:t>Linux kernel</a:t>
-            </a:r>
-          </a:p>
-          <a:p>
-            <a:r>
-              <a:rPr lang="en-US" dirty="0" err="1"/>
-              <a:t>BitKeeper</a:t>
-            </a:r>
-            <a:r>
-              <a:rPr lang="en-US" dirty="0"/>
-              <a:t> </a:t>
-            </a:r>
-          </a:p>
-          <a:p>
-            <a:r>
-              <a:rPr lang="en-US" dirty="0"/>
-              <a:t>Linus Torvalds</a:t>
-            </a:r>
-            <a:endParaRPr lang="en-US" dirty="0"/>
-          </a:p>
-        </p:txBody>
-      </p:sp>
-      <p:sp>
-        <p:nvSpPr>
-          <p:cNvPr id="4" name="AutoShape 2" descr=" "/>
-          <p:cNvSpPr>
-            <a:spLocks noChangeAspect="1" noChangeArrowheads="1"/>
-          </p:cNvSpPr>
-          <p:nvPr/>
-        </p:nvSpPr>
-        <p:spPr bwMode="auto">
-          <a:xfrm>
-            <a:off x="5243513" y="2576513"/>
-            <a:ext cx="4126730" cy="4126730"/>
-          </a:xfrm>
-          <a:prstGeom prst="rect">
-            <a:avLst/>
-          </a:prstGeom>
-          <a:noFill/>
-          <a:extLst>
-            <a:ext uri="{909E8E84-426E-40DD-AFC4-6F175D3DCCD1}">
-              <a14:hiddenFill xmlns:a14="http://schemas.microsoft.com/office/drawing/2010/main">
-                <a:solidFill>
-                  <a:srgbClr val="FFFFFF"/>
-                </a:solidFill>
-              </a14:hiddenFill>
-            </a:ext>
-          </a:extLst>
-        </p:spPr>
-        <p:txBody>
-          <a:bodyPr vert="horz" wrap="square" lIns="91440" tIns="45720" rIns="91440" bIns="45720" numCol="1" anchor="t" anchorCtr="0" compatLnSpc="1">
-            <a:prstTxWarp prst="textNoShape">
-              <a:avLst/>
-            </a:prstTxWarp>
-          </a:bodyPr>
-          <a:lstStyle/>
-          <a:p>
-            <a:endParaRPr lang="en-US"/>
-          </a:p>
-        </p:txBody>
-      </p:sp>
-      <p:sp>
-        <p:nvSpPr>
-          <p:cNvPr id="5" name="AutoShape 4" descr="data:image/jpeg;base64,/9j/4AAQSkZJRgABAQAAAQABAAD/2wBDAAMCAgMCAgMDAwMEAwMEBQgFBQQEBQoHBwYIDAoMDAsKCwsNDhIQDQ4RDgsLEBYQERMUFRUVDA8XGBYUGBIUFRT/2wBDAQMEBAUEBQkFBQkUDQsNFBQUFBQUFBQUFBQUFBQUFBQUFBQUFBQUFBQUFBQUFBQUFBQUFBQUFBQUFBQUFBQUFBT/wAARCAEMAQwDASIAAhEBAxEB/8QAHQAAAgIDAQEBAAAAAAAAAAAABAUGBwIDCAEACf/EAD0QAAIBAwIEBAQFAgQFBQEAAAECAwAEEQUhBhIxQQcTIlEyYXGRFCNCgbEIUiRicqEVJTNDwRY0gtHhwv/EABsBAAIDAQEBAAAAAAAAAAAAAAACAQMFBAYH/8QAJhEAAgIBBAICAgMBAAAAAAAAAAECEQMEEiExE0EFIjJRFGFxI//aAAwDAQACEQMRAD8A41dm523PX3r5Gbm6n71tZfW31rwoQM1zjmiV2yfUfvXyu2PiP3r6RCScV8qGgD3nb+4/esSWJ6n71n5be1ZLEcZxQB4nN7n71sUt7n716ifKtyxH2qGSj6NmyPUfvRYdsfEfvWhUxW9ULdKUk+52/uP3r7Lf3H71sS3csBivZE8rdthQTRq5mH6j96zTnz8TfevAQ3TB+hrNZk5Ccjb51BKNgZifiP3rajP/AHN96GF3EIzIThR3r6PVrU/91PuM0E0wuUNy55m+9aFkfPxH71tW5S4GEYMPka8jCsScHb5VIGau6/qb71ieZj8TfesmYMdgftWxQAPnQBnbRt/c33omZXVB6m+9eW/pAJrbPIoUZqQFDNMr7lgPrWq6lY/qP3o24Zj06UDLEzdqghgTcxb4j960Sh/c/emCwlTuK0yp1oFFEit7n71oYtvufvTOWLIO1BtCcHagAF+b3P3rS/N7n70Y6Yz70O4zTIhgxJGdzQszHPU0bLGQKCmGTTEAE7Hn6mtWT7mttwhDZrTnFSgLEPxt9ayYZSs2gw7b969MeBSE0DcleqlbxDms1tqUkG5K2KnoNbvwxrNYcLigAdE9VEhNq8WLBzRCJkVJJp5MUl1zXXtmWztk/wARJk856Io70+uR5MTNncDIqGyzOzzOVVjISG5+/wAhVTkWKLYsk4i1TSZMtM9y/cMPQPoaQ6lxRq93Kzm6aFCdlj6CpJKkV0TG4Il6btkAVrPChuehAB6bUm7b2WKNkci4h1OKF/JuWWQ/qpvpes6tqhKuxlIHxkYxRdrwZMLqSPHMoAJb2qXWmgRaZpf4aOLzBL/3c9R3qHMjYVvql3eTvIguSijYsG2H2pfa29yjCQSyvIexFWNFotnptlLcyInmytzRl9kVffHcil0c0ckySSuLdSDyAr6nHv8AKrE7JqhNZ3Wo2y81vPLzkbj2r6biDWCwM1/PEV6crAD96kUkKTIDFKMHuxC5pDrOmPzuhjEUiIX5W25voe9RuCjLT/EPWLKc+ZJHew46H4j+9TPQ+PrHVOWKcGyum6JIcq30NVLMwREZQAWOCvtWlp3U7MVA9jU7iNp0lbuHjByD9DXzqZP2ql+FPEK+0ZBBct+JtV6FvjUfXvVs6Fq9trtsk1tOrhvbrTbhWgqZfLGG3NASuwbY05eIY9RzQM0Cls4FMICAk9a1vFnet7py15nbpQKBSQ7Ghmh9Jpmy5B2oZ15QdqAoTzQ+o0K0PqNNZUySaGaMA0ABSw+kUtlh9VO5cEYoCaPfNMLQouocZpe64anN2KWunqpiCy5ID5jdeprwQEHfNMJE9bfU1j5earHoESGtyw0QkIrZ5YUUBQJ5NfeTRDbdK8UFj8qAo0eTXvL5QLDcDr8qKMWFzWpmjSYtK3LBGvM/t+9Q3SGjG2JdavQiITjlIOPnUDvdUe9lkRBG1uDjIxkH3zTDinXheSOiYEGCeYDZR7fvUA1DUHJjjtlZIuX4cYrnim3Z0dIk1lHbxXTNHO8k7YAQnNWRw9pl7dpGpjchMZXHQ9/vUc8E/C654y1Mz3UckVnEVJlX9R64FddabwfZWVpEkUAj5RjPUn6nvXNmzRjwaOm0s8i3FJ3XDUsdpM/lMHk3xjpS+Tha4xGFWTaMqDj/AHroefhaC4VQ6nFaLrhm2togFB9KFa5P5KZoL4+Rzhq+gc5i8yMsEUIsZ6HFQnVtAuIJWlcs7uSPgxgGuldX4fhwCIwShyGxvUK13h2OdwzKcqMCr4ag5p6CVlDSXsOkP5DpJMi7sen2pwn/ADDSiHP5fWGdd+R+2fkehqT6twXZuzMyFjnvQPD2jImryWg/9vKNou2fer1mTOGemlDsqrVVW11GQqpy2zZ96EdywzjapX4h6EdPLzJ6ZEYq4I6n5VEopFaJMn0sNj866ErVnK+HR6GwM42ptw5xFd8LXa3Vq+IwfzIidnBpHzSFSrjHKSD9a8jnVyeft0p6EaOieHeJLbijT4ri3cluX1qRup75pp5DNuASK5+4X4lueHNWF1b5MLDEkYPpP7V0joGo23EWkR3ltgqVAPL2OOlMmVtMWmA9xXhtPTmm81tjoN60tHtipuyBQ8GAaFlh2NOZIAQaBlj3xUgJbiLCHFAvGadXMYwaXSLigUAKEUNMm9HTNihZNzUkCu6TrS909VOZ4wwJNAPCvNTilqSQ/mNt3NYGLA6U0mhHmPt3NaGgI7VWWgaJWTx5xW4R+rpW0wkgYFAAi2xbtW6Kzx2ouKHHUVvEeGFAC+WEIOlQvi7VFtrWS3iYmSQ8h/zEnYVYWoxiCzaVh6cb49qpO+1D8Zc3N5JkLG7CMHoz9h+1Uzd0i2C7A7u3GnWrcw8y5z1b4V+eO5rDgTgLUuPuI4LW1jeVC3NJKwPpWmkOmXGsFIVRnnlxkBScV114MeGS8EcPQmVU/HTgSSMhPpx0XeubNkWODaNDS4Hnmv0NuD+C7XhXR4LK0iEaogUj3Pc0+NtJ0qR2mm+amcDJPtRo0UlR6Rn6VgNuXLPaY8cMaqiLLbyOB8q03lizrgjtU1j0kKPhA/ag9QsFQg4GMUKLLOCqdZsWSRlA2x0qM32liQHmXNWdrVksk5wuNvao7f2ICEcu/wBKdWiqUEypdW0YerC+9QGctoerW92fQsb+r6d6uzUbNSWBUd6rfifSlkVlKA5z1FdUJGbmxIiXifaxXuLxFDw3CkEruNxkVRqKbC8mt5NlY+kVd18Hn4VvbPmLTQnmGP0gdKqDiGyLxLdL1VstjrWvglapnmM8drBrxWkUM3pmUBSB+oe9DLArLlnKH2xuaOSUXFr5uMEED7igbtGLKwO/T9qvRzG1G8uFhnrU28K+PH4Z1SKG6b/l0rBZQT09jUDLHv7V6ZVERyO+aKFfJ1/NLFKBJEQyMAysu4IPtQzrmq38GeKp77Tf+HXLeaYj6Cf0j2+lWcEyx9qEK1QFImxpdMnqp1MgCnalc4GDTCiq8XCtSubpTa63Q0rlXbpUkWL56HfrRzpnO2aFlTBqVwI0BS/DQT/FR042NAsPUadEF4vFmV/qaxmt8Rk4phJBidv9RrG6QCM1VZaJBH6qMhhyvSsQvqNEqeUCpAxEOO1YeSTOvYVu5zXqsS2cUMAPiOH/AJLcAHpGx2+lc9rG0d7HA4/OLHlXrjJ3P1xXSs8BuLOUMNuRjmqEvrJLfV5ZV/Q2Q3tVL7LocloeCXC//E+KLS3eMRw83Oyj4tveux47YSSlEQAAgbD5Vzj/AE02vNqrykY5Rsp6jPc11To9moeQ9i+RWHqHunR6r4/Go49wXo+kehc/xT1NIUjt9q32MKpADRwACAiojFNGk5MjV1p2HIzgj5VH9bh8gpj1ZOPpUzveUylycEjFRvWYEIJB7VElQ8XZEr7Tlkl5gQf2qO6pbrE7KQNvlUukzFDze52qK64zHnkI3NVlyINrcKnOMde1QTXLQFG6E4NTbUpW8x8jAzUQ1dgHfG6HoferInFmKs1S3NrcO2PSyMpHvmqnvVkhknt3OYpGJAI+dXnrdl58T7HmxVV8VaIxYMVK8hzWhinXZ53UY76IK6G1nfbK+1YPAUlbqwIBzTO4tjPIRg5z2ouLTpHtQxQ53+1d29IzFBkZIycHY1i0JFb7+Ex3CnGMVjI7PuBVnorJ54JXklrxfHbZzHcqVAx8LDo1dEGFhnIzn5VytwTfXGncSadcxEo8cy9O+/Sut0Jnt4psfGvMcdjUCyE1ypCnalNwpwdqkl0hIO1J7iL0namQggnU4O1ASofandynKCcUskJ5jtUisWOmM0LMN6OnPqoKbrQQAzgY7UE6+rpR0qcxzWkxb9KdCl9XKnz2+poS5zg5pzd2+Z3wMbml91aMMknaqi0VhcmtxAwM1uS3+lbfww7imAGSHnO1G2umySYAWtlpaZPQVMOH9ORowzqDvStkkYvtLng0m5Kr+YVIUfLFUBrVg9vqTearRupH5bdT8zXYb29sFYGPOxx9a5x8bOH5NFvlvCHKzkMWYd6rastg6Za/9LyRzJel+YsmACcV1FpcB8vIG1cm/wBKF4He9jJJZwrCut7GQQw8zOFX3JrByp+Ro9houcI+tI2MIA60RHDKD6h6e1R/T+L9PWbka4jUDOctgV5qXido2k2wuJ7mPymblU83X9utWRVF0pV2HXcfOk2R6l+Govqs+QeU9BvTWDjDTtaeIW0yfmdN+tB6rpTmWcoRyD2pJFsHaFFjaNqEfKRlUOT+9R/iXTvLLqF2BqYcHsq6xcW0m4MJYD5g1FuOL1bW5mBOAGqsutlWcQ2bpKSg9GP96hl/AGjC42XOKkPGHGNpYnkZuZuuAaq/UPEW1E0sUi+Sw6HPWr4wZn5s8DdqMRycCo1qWniZSSoZvnX13xlAc4cv8xWqDW4b5RyuMn9J61dtZnylCRGb3hImUzJHgsaPfh5I7IkJuE3qSR4dQDuKwuyBbSgdOU0+53RS8UUrKL1iELcEY7mlnwvy9qda8v8AjZW/SWOB7Urj5efmYZrTXRjS/ImXhtw82ta5bKBlUcOcfKuo4YglskYXlVei+1Vn4HcGNZwSag6kLKAVAGxA96tZlB3A2NBTIXXMAKnApNcQkKcipFKnpNKblOZTtUpiIjtzFzAjFK5YOQnIqRTwdTild5D1p0FEeuosn0il08ZBp7LDuaX3MW9AULFiJWsWiwelHxw7Vrkh9ZqbIo6Mu7ZfOfYfEaW3Nr5gI6U+uI8zSf6jQ5tOc0gxHGtfLPvW61tBO/L0ptcWQUUNawyRzgohbelskc2HDZC8xIPfpT2y0dsAA8o+lH6CgmhJYYI7U4K8kZPKKWwQohtFjfy2IYjvVaf1K6FFf8ASz8pDW+DletWdcALKZQd/aoZ4qJJq/BOrWgC/mQFRn37VMWWRXKKu/pJ1PyNekibPKy4yav8A8ReNryeVtL0//pRph5EG5qgP6btJOmcfQ2DD1YOQ303ro284S/CahNeOBEqkgP1XHXJrGzNeQ9PpdyxUUxrXEGq2uYbSC4Lkb5HMT9KhM19r17fET2t1Iw7S5AA+VXVNxZd8V6w+n8OaSLy8h29MfIF92ZzsB9N6p3xM4q4x0N9KN0IDcXl3Jam0s2LyQhTjmc9hV2PHLJG4lebLDG1uZa/AEl5a+VIZGiIAJDnP7Cr+sNVOo6XGwHM7kA4rkfhN9bjv4EF+0wuHKiKUnqOvKe1dU+FsDxwQRXYMbDJIb5GuOacXRrYWnBNAXFGtLwXxbp99Ivl28kbRSsTtuNqqHxK41ga/nxOAGIxhs1L/AOqe/wD+XxGEgsNzynpXHeoa3dXerWmeZiWAYE9KbFDcJnyuC4LE1LgvVuMP8TZEKvTLnAIpFN4La+6yZhtoNt2Lhi30qXaHfXN/f2mllpXiZlJKtiKNM+pmA3Y/Ksf6keGItFsEi4N1PVNSvm8plkJ5YAhB5xyj4WB/2rtxQlJ1ZiZnFcyTZWF94WX+kxuJZFLAZwCP/FJo9Gu7CX1RkAfqoy307XdOto5pLy4nLqBLFJkHON8GmGl6pczF7a8jJH6HPX96slx7EglLmqCNODGNQTviiNRX/ATuP0L0963Rwj9NYXkZa3kX3Uiua+TqXVFI6yvmzOR2JoG0spCoby2bf2qQ3OmE6hLE2cB8ZqSwqminSZnj8+CVwkkZGw3rv8qSRmRw72y/fDTRJrPgnSw5ZWki5yCNx8qkMmnFR1qUW1tHNplrJEnLG8asBjGNqGurblXpVt2Zs+2iJSwY2oSW2HKSQKdXUZUnahhbiXrtmpEEF1Zc8JIGKRXdiTkZqdS2gReXt70ivLMGRse9MmSQyaxIJpZc225+VTK7swRtSW6sxvTgRzATtWJQMc5xRt1aFSetBMhU43oA6cuLVY5pM9eY1ojUGXA3pnPA008n+o/zW610xQ4LLVVjCK6tXYkldqN0bTMuxKmn0mjiVRyqKNtrFIEwFwe9AGFjEsAx0om4nYjkTdTWiX0dKwWUsnzoACvHaPOdqSapAup27QSfC+P5pvfh2zk7UNDaF8nG4wR96KGRH+AeDY9L8aEu0RhaG3Yo57kj/wDa6Rn0i31HTJIZB6WXBxUVfR4bKz0vUXQJPPgoo6qOXB/ipjpiSXEQwfRXn525M9yscdqcSOaRwjb6FcSy2kfkrgcrIMYPyqHcc+GVhxJrMmqvpay3jEFpeXBYjuauqONYI8kdKV6tevLHyKiqM7MOtWwnKEaTFeJSdyjZQejcBtZ6xFNJawgIeWKM5JTfc1b0cj2cCPgB1TlB96M0rRbdOaa5laeTJIBGOWtd55cwKKNzsKocb5OzHG2uDnjxp1mfUYpxPjlBKriubruE29350Qy4ORXQPjtItpdmBdvUcj51R0sQf1EZq3D9UcerX2onXDOuXE0MeJVhdQDnHepLdald6hG3nGObbA9OwquNDuzE2AcbVMLK8bIBbY10uUV0c8VLoW32nXEisqIqZ+W1R+60SSJyZBlx3FWeogaEkj1VHdWERdhjeqtwZMNckUhtzEoyKwmj5lYGmUwUEgUJMgCk/Kp7KKSIRq+mW9q/4qVuRHkCcx/uNZ69o5m4cZYW8yWJ1lUpX3HFhLd8PyPDIVeOVXI+VRrSeKJzPaWQkJAPKw987Gra3KyuNRZ2xwlcCbgbQ5SxZZLSMlie+N68uZS5IXcUn8IbkX/h1YxHJW2eSEZ7AMcVIri2RB6Rg1oQdxTPP5Y1OX+kfntGc7ihWt/LcU3mYKcNQ80YYE05QxZcgchJqN6jP5bHB71MDZmZMY61HtV0g8zbd6CCNSTFjQF5gdO9O7jTTEMkUpngL5qxdAIbzbOKUyfGae6hFykik8ies1Ip1jdW3LduFwBzH+aIhUIQp3PvXtxGZLmQHb1Hf962JAY9uvzqotNyEgbURDjfNDoD7Vk2QBgUAfXahvhFBwjlcAjO9GxgudxijorLIzj/AGoAS3Nv5p2GK+gsinXADYGabS2eXre9riNNv9qhqyLpoL1m5kkfRI8lovJ5A/bmHWpzw/Jy2hB61FMCfhyUhcurKwI6rg71JtGI5cdN6wJKpn0PE08cf8Q1eN5dgcCl0+nyBiS2R7U4Vgh96S69xNbaTE7ysqlRnBp5JJWXq74NDqwDb8oFKSS0mAcsTtitcPErcR2T+TCY422Dt6SaM0WKOyuYTcvhFJUnGcHtVa+3Rd+KOb/6gbMw6yXcZDL/AL1RksoDkctdH+Pl3baheHyyCCTkgbiqEh0+GeYqtzA8vQxrICRV8FSaMjUO5C/TLgJcNnb61NNPcOoI+VVzxUzaZfRqnxYGQKnvCTnULFHPpbG4qJR9lOKXokQmIXl6570q1KMjLk01CGJSpGfnQd8oaBqiKL5ytEbb1OcitVwAErfKORzQVy3mYHtVqM+Qk12Njw/O6xmTMqoVHsT1qNW3DFtohGq3MqyNgiKBerNUm1q9eCEQBsKx5iMdaacGcHz8d3VnarGfJiYvK5xhUzualW3SFdJbmXP4O2DaP4cacJ+cXFwWnIPbmNSiSQyHABowWcFnaJbW64ijVUX6AYFYx26g55hWnBUqPOZJbpuQtewaQ5zQ1zbNENzUnUIqHcdKRavIOVse1OVMWR3CxYz0pTqt8hJ2717cSkEnBpDqE5YnY9aBGYXF2rnGKVX8fICw6YoiM87HNe3kOU69qsXQIit9KHycUmlcc5p3qMXKTSOVRzncUAdl3EDedLt+o/zWcMDeX0pvcW6meXb9R/ms4rUCLpVZYJ/Ib+2tkUO55himotQe1ffg+f4RQAAII+YYbemdrCMfKhzaorrkb0yto1VMnpQAFdQqGPLua8mVFgG+KLmjRn9I3rVLZs6bijpkow4evIQ97ZSOAssZ5fnUi0iYSRxuDuAM1Arm3lhkLKMH3HWpZwtL5liM/H3+tZmphT3I9F8fqG4eN+h/fXLKhKsV+YqDa/Y219cq95Nzr/YDuR86l2rSeRYs5Xn+WahM6i+uHLABguEUHfNcNX2bayuKGet3UR0mKGBVhURkKY9iB71Wej6VJperLcXGrXzuzFMySkqQexB2qwLrRJ7yCIeQ8nLgbHGB3pfecN3MVnPJ5BEioSPMXYValwM8jaKT8YI45FvOafKd5ENcypbR2F5I9ojxSF+bzkPzrre94KudZt3E0KvHITkKKqPiHw3azvJI/IZCpzjHX5V0wkkqMvPCT+xWyPPdTmWeR5XI+Jzk49qm/Cmu/g8qSACQN6X3PDklvjliKn+3risE0uSEjCjf51a0pHMm4lnRanDdwkhwT8qXXso3UHIpRw/FMvOjDYLkUTLOHyc/KuSqfB0PI5RA7jYk0AVyxphc/mIOXetEMOScjpVno5vYFDwrLxRrttYwGPz2UtySHAwOpPyq+OB+AY+D7A+XKstw4CylR6cf2j3FVx4XQFvEVLnHois3Qn2YnFXx5bJhV7jNdmKEVHcjO1Wab/5vo1eS0ibg5oWWJ1OwprECNj1rTPA7HYV0IzhdLyhdjvilN8eYHNPLizZB0xS64tudSCN6kVkVvApUgHek8tp5jHY1J59O/NPprS2mlCTy7VKIIsth5bE771qvIAqH6VI2si5OF6Uv1G1wMY7VIEA1mLdsVFp43804FTfWLVgzDFIJLPLE4p4is7Wd/wA+XP8Aef5rdG2U+VDXcRF1IBt6j/NGWMYVBneqi02RQM+/aiUhAHSsoU8xyo2rY7CAe9AAT24Mq5FbJ18pCBtWuSbmcEdqzkl5ozkZoAEjY+YKO81fLGRvisILTzAH6UPMfLZh7UAB3vIxO1G8PyCIcoOMmlNzMWOMVjZSvbTK+SQpziqcsNyOrTZPHkRPLuNLy0aFsgkdRUFveAH1iQRDUJ9OeM83n27Yepta3iyIu3UZr1UUThgQ3OcYHasefB6qM77Knl1jivRbhrEXCzLE2FnlXDOOxPbNb5uL+I5jLbzyRXSBDmMjGT8vepzreiRagxJUgqTuNqh+vxXNhp4iSG3mVTtKRiRP3p4yTRs45YpRV8EC1LxSvrWKWKz0URuPQzhTkEVWGv8AGWvX9xPM9mYlBwSRvVrvfS2VtOgaNppOhI71W/FFnPdPI7yBCxyVTYVdFxQmV41FqytNV4r1SGdkWKEORnJXJpNp1rrV9rC3d9qMhjB2gjQKmKnT6LDE3OU53OxLb1oFqIXBA2z7VbKddHnZpNk20vS0GktcBRzcvXvUbvIAkrBRgdcU90q9I0uRCdh2zSmZfPnJHQ1zrsTtUCLD6RWtsRBs+1HTAQID17UsvZxy9MZqWwS5Fycbz8Fata30cUckbsOcOccwz0roHgLxJsOO4OeKKS3mPQE5Un2FcjeI92DDbWgBZ2bkGDvXSngXwyug8PQNuxwo5j1zXVibSozNSldlvfhSq52zWsgDajJE5fQWoB4yX6nrXb6Mz2bpbUSJ0HSlcth8hUgiiIUA9xWMtmBQSQ66s+VycCgJQo2IqSavCsaM2RmoheZMjEHvQKzy7hCAFds0nu0333p1HLhMEZ2pTqq9SNtqkSiL6zbqwY4qNyQAOdqkOoEsCM0oeI81MiTr/UeUXUuP7j/NYQS8igitN87NdSf6j/NZ2yFlGRSFgZDqPlNuBX0lybj/APKDmt1ByaxWfydhQASuzb1sZuwGaGEud6yjkZpBjpQA7tEP4dTigLi0FxIwJxRttO4iC7YrAo5cnHWggj91ZMjbAkZrOC2LLuKky2KzKS3asEsEQbUApULLMtbEBsiPGOY0bCBFgLMVIrfcWoltzGenX96jUmoNBcvG5xJjOPoays+Pa7/Zv6TPvjtfaJlZst3lHIJ/mk3EnDNhdRkmJGcLsST1rVp2rrDOSG3BwNqPvJBJCxJ6j3rljE2INsovjThCQXAaJkQJvhW61C7uwAKRzAMUGMZ61butAzXrRSJzEk4UdxVfcUWMdmjyI3M+evanv0PPGnyQ6fT1y2BgDsKQ3qrG2O9MbzW5EYqpGc4NJLuSS4ujyDK9qsUWzOySj0gy2nIgZTtmjbOPKhu3vQltalmUSAgn2pjeTxWGnkI35g7VLVFS5FGqz5YoOxpDrN8I4VbI9O9bbm+Yys7HrUQ4h1N2IRCCWyMe/wAqEWN0rMuEtAl8RfEWyiRQ0EGbiQ9gB0FdnaTpiaPoXIqeWBg4qG/09eCp4L4aTUtTjEWrah+dJGR/00x6U/3zVicQTLFG1sp3K9K7oxpWYuXIpSpGhdasrjCvdxJN3RnAIpnZpEwDeajKehU5qFWXCz3pEs8Oeb3FPYOHzolpcXiKQsSczLnqPlVqd8HK1XJJyVUA+1D3M4dTjFAW+qJeQLKjelh8PdfrXhmHksynP704gk1pmZmB6VHZrcE5JNO9SuS8rZ6UslQv0qRGCcgA2OaU6m2dvlT5bXY4G/ek+r2xRtvamRFkYuYAwJpe9t6qcTAjIoN0bm6VJJ1HqFryXUu36j/NeQEIoprewc1zNt+s/wA0K1tjoBSDAcx5ulBvGeamkkHpoCZeRt6As+WM4omziywzWq2IY70xgjHmDGwoIsPt4RyCvJSUr1G5Dis5I+dM0A+TVHdEbZrb54rQIwudq1tIPMUe9TRFBo5pTGq/FIcCh+NuEJ9LktllbleSESggdd91qwvC7hcahIl/dqDBkpCjDqepamHjdpax6fo868qsHaIn5EZ/8VVnx3ibOzRzrKo/s51bVZNEMrSR+YrHfHbtW9tdBtnMLcxIzgHNSK60ZLkeVyqWII+pFQfWOGLiASSoWgkIJ22BP0rIPSpuLEd5qs8upozjkkO2B2+tQ7i2+WaB1VsHPenuqW9y78zSgTcvKWG2ajN/pbBSZmEg9jTKrsh5WyDT6e8khYYOT1FEWmmKCWDF8dcjGKevYBDkAcvtisJoBEvpH2pnNejn2NgEk/4eM46Ug1S884NueWnV1G0qnAP2pPdWDchpLtlqhRFtRn9JAzU9/pt8H28Q+KX1vU4ebRdHcSHI2lm/Sq+4HU/SkfD3BGocc8S2OiabC0t1dSrGCo2UH4mPyUZP7V3Bp3COl+GfDNhoGjDENrFySS59Usn6mP1NdWKG52cWqyrEtvti3UpY7KIoM5xgGkthob6xdLO68ydDmpBYaFPrl6u5CrueYVO9L4ajsIACi5+ldyjbMSUvZCoeH1iUIEAApT4kaeLLgm5RIna4uSIYvLGTljirNubAFyFUftUI8U78WEekQdCJxKxB6DH/AN0+ykJut0V/w7oV5oelxxXrI0wXtvj60wgilvW8puVVbbnVcMPpTjStNk1vMgPKAcknvTp9C/DxHlADDuKhJjMrvX+F7myjaWIrdxDqYt3X/UtRln5GK4IK9flVqSWdzbzGaMsX6ZXqK0NDpupwSQanYhJAdrm3UJKB7kdGpqFaILHEhiBA7Uh15VVv2qf6jwRfW9tJPpo/4rbKM80B/MUf5k6iq61aUsW51ZSuxDDBFFCNEauHHmEVoJU19qDfmHG1AGVgetBJ2dPCTcy7frP81quYOWEnFM5uUXUu/wCs/wA1pvZF5SM0UTYgkzy9KV3pORtTm5Yb70qvGyRjeiiDRa5z0PWm1s55xtS+En2pjaHpmooA1V5mpiiDyhkjpQER9Yra8pKgdh3qUgNdzhOhGaw0bRrriDVo4rdMqN3YH4R3/f5U90nhOfUHWa6dreFvgjRfzXH/API+tWPoOgRWEtpCiBIlPMsajG/uT3NWxjYrZMdA0iDSdNtLWBAiRIN/c43NUt/UFxtbx6/oHD6Pme5Z3A7+kZJq+uURxk9gCa/Nvxf8R59Y/q6sYGdlt9JhMA5jsTJnm/2xXNq3tx0jQ+PheVSL9ZsRxsOtadT5L20ZOUA9c4oqCISQKRk5GR9KGuIHjBKoWHfFYiZ6vairuKtGxOzBiNugqGXWmu7FQSatLiC2e6mOI2UY70nh0Bi/MUNRZOxEEGkOUxyn7Vpj4TnnJYAle+ask6Py49NGrpqiI4GSRvtSj0iq5eHhbxNtzftUd1LRyx+EgHYbdatq/wBOKhk5fSepqV+C3hSvGfFSXF7EX0ewYSSc4yGbqq/fc/KmgnkajEjNKGHG5yHfgJ4RR+G/Cv8A6k1OEHXtVjPkhhvbQHoPkWqTHQZdWvCzcyrzZ6VYnEtk1zMUZvSuwCfDWq2EdpGAMdMVvwxKCUUeHy5nlk5sB0/RYtKj/STj2rXfXZeXkRMj5Uwk5rrOBkfKj7PQobKEXd2TFEu5Y9AKu2lFi7R9Ee8LSMOUKvMxPYVztxxdLxn4tNY2jk2enKI3ZN1ZwTmpt4v+PZsrafROGW9bgrJcj7YHzqJeEuhPYCW9lRvxFyedy25JPeklXSLIquWWVp2lpY28aqB0GcCjfwIm2Ix+1ERQEhSRW+RCoxH6jT0K2Ib/AEhACAR+1RLUtM5XfH3xVhtZPKOZ1IY0ovtKLM3pNFAmV9BdXWjzrLbSyRSqfSyHBH/3S/ii30njEZvovwF4y4/G264y3uy9x86lep6Swz6TUR1LT2TOARSNDdlRcVcF6loEzGaJpbYj0Xce8T/v2NRQq2ehH7Vd/wDxK5sVMBAktz8Uc3qRvqDSKXhfhbU5DcSi6sZG+KGBvQD8s1BNHRFzj8TL/rP80LOnOc9q+nlxcy/6z/NYSzgRnfegUAuY1GRildwEDCi7mRmc4O1BEFm6ZoA3QKtMbaNFxkVloXDt3rNwFjRlQfE/QD5VYOk8BRWqq0+ZWHu232pkrIsiFppb3rIIwRk9eUnaphpHCaWsnmrEyOf+44Bf9uw/mpRaaTHaRDykCAdhRYiO1WRjQrdmvSbNbaTmIy3TJ7/X3p1FEDdxuBsKEt4jTi1tz+AllxuvQ1ZVCMYXB5rR8deUj/avzD/qe4TuND8WoeK0HJBLOLeWRRjDfpz9R3r9Qo4vNsxjun/iuePEjwrsuJtC4ghv7GS9W7zGUiXLRKDkSj2IOD+1cGrg5x4NX4/JGE/sQTw91+PW9AtHD88oQKxqUzREJsuc9s1zf4e67PwTr+o6Dd3XMbKbyVbm+MdQ37ir3tteW4hDBidh3rCf1dHsIxUlZ9eacJVJaLkfsM0INLZUAC702t7xZhltzTK3hSYD0imSTIaaIyNI5cF1r29twkO6gYG2BUqS3RiwZcgUj1uAzFVjUhc8pK0rVcMiL5pkSsrGfVNQjgt4POmY4Xvk/Sul+G+Hrfw44Qg05D5dzIgeY4+JzuT+3Sox4dcIQ8HWi65qUa+cV5YEfqCf1fWvuIOKZ9VuGkZzyjYD2FamkweL7y7POfJarzS8UOkE3urvPO3q2zRVnavedBmk+h2EmoT56g771ZmlaRFp9t5soQKq8xLHAA+dai5MD+gPSdASONnmX0jrvviud/Hfxpk1C9utA0ObyrGBjHPNnqRtgVYPiT4/aXYLfaToQN5qLoYvxMBzDF/8u5+lc1x8K3WoTnmTzJpCWY46k9arnJdIuhF9sj/DOiS6pqsYILqu4yev1rpjgvh54rSMzJ6eQY3pL4c+GiWdus93GFJ6YG9WSVjtIkiiBGNs1EIfsmUgaaIBkRB8qYWumFV5nXcVu07S2OXkw3cUxkXlWrqKhRPCFY7UruYQWO1PpoTJkDrQjWwUnmAJFRQER1Gx5lO1QjWrZUJGO1T7WrpZJkhi9LHIqO3OiySxs0mGqKJsqjWrYktyioxNABIQetTji4LYyuuMbVD2YSnmHeqn2XLou+/vlW4mwP1H+aWT3+UJzj96X3123nyn/Mf5peJZr2aO3ij82R2Cqo7mgrJHb2813NDFChleQdBU70Xw05eWa+k83O4RNgp9s96f8BcH22j28Imj8y/K5kkIyMf21KTEvmEAYAPQVbGJW2D6fpUFjGFjiVRjoBR/lBvlW9YdhWfl4NWVRBqih5T7j2r1oxmiESvHSpA9gXOR7ipLHarDpADHAKZJxSC1TEgPzqTRyrJZsjMFz2oIK84o8VtO4SubXSkR73VJVz5KDCpnpzmm3COtjWknhuraO2ndCJY1GFZCN6p3jLhqbVvFB5IEkkZTG7ZHpSr0j0gW1tHPCiCcLhsGqE3KTLqUEq7OHv6n/BiXhDjCTXdIhBjI82ZYx6nj7NjuV7/KkfBvFYntVJckHGMmu0OI9ItfEKzexuua2vbbm8uRVyd/cdwa428VfBvWvC7VX1C3ty2kSyc55c8sPzH+X+KyNThe649Hqvj9ZGcVCb5J7perLNykH9s1N9GbzY1361QnCnEqT8h8xSQexq3+E9Qlv57aC3UyTSsFQL1JNcKTXCN2cU47ixNJ4dm1658i2UsFGZHxgLWq+sdN4TuHKuLq5TcK26L7k5qQ6xrcnC+nvp1lNFFHEnPf3eccz43GfYdKoDiLiqXjK9ktLaMx6TG2WJOGlb3Pyrahgjjjul2ePy6vJnntg6iTTirxZmvpbeMhbyFOpT0IPkD3rKDX9OvXgDz/AIU90cHv86hdvZZjUliXUYVaknDfDTX9wjyI2D2xXTC5fkZ+SMV0XPwzqHD2j2YnfUI2ZUySoLH9hVdeJ/FGt8fzpYaXDNYaQfS75w8wHuB0FTPR+HoLeBVKA7YINSCw0KBcnlCgdNqs/o5euSkeF/CPGSQAObYMvSrF0zw9t9OQSN5bMvutTgpHZr6VH2pTqV6ZQygYyO1CgkNubEt5y2yeXGvT2rXp+nTT3CSSLyoDnc9aNtrMzTZbIFN44UhUYO9OkK2YhQqgAYoa5PqxRruEU9KBBMsoyMCmoUwWLPU4+ZqL8R66tojwovM5PLkGnnEGox6fayZcKQO9Qzh+wbXdSe4njJhX183alY6Num6eR+bKclhkc3amM9mq6bPJgAAbbVr1K7U3qW0IBA2GK3cZXY0XhY4xztHgg1FEezmnxE1H8Vq0qJ6cbbUosLbNqmTvWGtS/itWZs55iTR1rHiBQKp7OhcE+1a3aOeYY6sf5qU+EXDAvtRudTlx5VoAEJHRz3+380g1s/4uT/Uf5q3fDayhi4HhkVcNIWZj7nOKlFL6JlosSx2ss7k5Gyk15CxeUmmVpboNMQY2O5oS3jUTMMVcilB8Kcw3FfSLhsUTAg5axmQF6YY1IBWMoYYxRKRrW1oVKjagAa1LcwJ7U0LmaIxmR0B7ocGg0QKdhREXagDVYaHaaashjQM8hyzsMsfqaPD8qY7V8BkV8FGKUhsS+WkOtx3SKAzeliB2qSalwtY8QWcqXKRMki4aJ0yrfUUjMYNyuf7qmlioKIPpQknww3Nco418a/6UrzhZZ+IOC1M9opLz6SOq9yYz3+lO/CHhebgThleINcQ2+sXK4t7aQb2kRH/Ub/N7CuouKLuS0tGEeABvgjOa5N8TdcvdQv5Ipp2KOSWAOMnNcv8AGhCflRrR1+fJi8Nkb441+44jvRp9rOw09SWdz1lJO5PyofSbDyUWGOHn3xzDaiNJ0yEnJLZI33qccN6HauzEhsg+9MvtyzmulwL9I4UeaRGeM5zVj8P6ELVU9BGKM0nToYyo5SfrUiht41YADaroo55SZogtQpzijlwiftW1YlHasLlQq7e1WUViu6nL5peIGklzjajFUOxz70XHAgjzjfNAALqIIsr8VfQ5fJfpXt0NyO1buQLEuBQALMS7ADpWUgS3gaToV3rbbxhnOfek3FlxJbW0gjblHLQBB+JbuTWdVazT1cxGwqXRwQ8N6GIlPKzDDZqPcD20d/xC0ky87gDBpvx9I0cZVTgBqRcjdEf4djN9rgdt1ViaVeNOtiO1eJXHl8uF+tSjguFOS5kx6wuxqkvF25luteEMjkxhthSN/UZfkV7Zwve3QYjJJxU1ttCSKBBKpD4zQPDunQi6jHLnfvTDVr+aO+dFfCrsBSRLGz//2Q=="/>
-          <p:cNvSpPr>
-            <a:spLocks noChangeAspect="1" noChangeArrowheads="1"/>
-          </p:cNvSpPr>
-          <p:nvPr/>
-        </p:nvSpPr>
-        <p:spPr bwMode="auto">
-          <a:xfrm>
-            <a:off x="5943600" y="3276600"/>
-            <a:ext cx="304800" cy="304800"/>
-          </a:xfrm>
-          <a:prstGeom prst="rect">
-            <a:avLst/>
-          </a:prstGeom>
-          <a:noFill/>
-          <a:extLst>
-            <a:ext uri="{909E8E84-426E-40DD-AFC4-6F175D3DCCD1}">
-              <a14:hiddenFill xmlns:a14="http://schemas.microsoft.com/office/drawing/2010/main">
-                <a:solidFill>
-                  <a:srgbClr val="FFFFFF"/>
-                </a:solidFill>
-              </a14:hiddenFill>
-            </a:ext>
-          </a:extLst>
-        </p:spPr>
-        <p:txBody>
-          <a:bodyPr vert="horz" wrap="square" lIns="91440" tIns="45720" rIns="91440" bIns="45720" numCol="1" anchor="t" anchorCtr="0" compatLnSpc="1">
-            <a:prstTxWarp prst="textNoShape">
-              <a:avLst/>
-            </a:prstTxWarp>
-          </a:bodyPr>
-          <a:lstStyle/>
-          <a:p>
-            <a:endParaRPr lang="en-US"/>
-          </a:p>
-        </p:txBody>
-      </p:sp>
-      <p:pic>
-        <p:nvPicPr>
-          <p:cNvPr id="6" name="Picture 5"/>
-          <p:cNvPicPr>
-            <a:picLocks noChangeAspect="1"/>
-          </p:cNvPicPr>
-          <p:nvPr/>
-        </p:nvPicPr>
-        <p:blipFill>
-          <a:blip r:embed="rId2"/>
-          <a:stretch>
-            <a:fillRect/>
-          </a:stretch>
-        </p:blipFill>
-        <p:spPr>
-          <a:xfrm>
-            <a:off x="5441819" y="1869846"/>
-            <a:ext cx="3334536" cy="3334536"/>
-          </a:xfrm>
-          <a:prstGeom prst="rect">
-            <a:avLst/>
-          </a:prstGeom>
-        </p:spPr>
-      </p:pic>
-    </p:spTree>
-    <p:extLst>
-      <p:ext uri="{BB962C8B-B14F-4D97-AF65-F5344CB8AC3E}">
-        <p14:creationId xmlns:p14="http://schemas.microsoft.com/office/powerpoint/2010/main" val="711269334"/>
-      </p:ext>
-    </p:extLst>
-  </p:cSld>
-  <p:clrMapOvr>
-    <a:masterClrMapping/>
-  </p:clrMapOvr>
-</p:sld>
-</file>
-
-<file path=ppt/slides/slide5.xml><?xml version="1.0" encoding="utf-8"?>
-<p:sld xmlns:a="http://schemas.openxmlformats.org/drawingml/2006/main" xmlns:r="http://schemas.openxmlformats.org/officeDocument/2006/relationships" xmlns:p="http://schemas.openxmlformats.org/presentationml/2006/main">
-  <p:cSld>
-    <p:spTree>
-      <p:nvGrpSpPr>
-        <p:cNvPr id="1" name=""/>
-        <p:cNvGrpSpPr/>
-        <p:nvPr/>
-      </p:nvGrpSpPr>
-      <p:grpSpPr>
-        <a:xfrm>
-          <a:off x="0" y="0"/>
-          <a:ext cx="0" cy="0"/>
-          <a:chOff x="0" y="0"/>
-          <a:chExt cx="0" cy="0"/>
-        </a:xfrm>
-      </p:grpSpPr>
-      <p:sp>
-        <p:nvSpPr>
-          <p:cNvPr id="2" name="Title 1"/>
-          <p:cNvSpPr>
-            <a:spLocks noGrp="1"/>
-          </p:cNvSpPr>
-          <p:nvPr>
-            <p:ph type="title"/>
-          </p:nvPr>
-        </p:nvSpPr>
-        <p:spPr/>
-        <p:txBody>
-          <a:bodyPr/>
-          <a:lstStyle/>
-          <a:p>
-            <a:r>
-              <a:rPr lang="en-US" dirty="0"/>
-              <a:t>Basic commands</a:t>
-            </a:r>
-          </a:p>
-        </p:txBody>
-      </p:sp>
-      <p:sp>
-        <p:nvSpPr>
-          <p:cNvPr id="3" name="Content Placeholder 2"/>
-          <p:cNvSpPr>
-            <a:spLocks noGrp="1"/>
-          </p:cNvSpPr>
-          <p:nvPr>
-            <p:ph idx="1"/>
-          </p:nvPr>
-        </p:nvSpPr>
-        <p:spPr/>
-        <p:txBody>
-          <a:bodyPr/>
-          <a:lstStyle/>
-          <a:p>
-            <a:r>
               <a:rPr lang="en-US" dirty="0"/>
               <a:t>add</a:t>
             </a:r>
@@ -4553,6 +4249,12 @@
             <a:r>
               <a:rPr lang="en-US" dirty="0"/>
               <a:t>diff</a:t>
+            </a:r>
+          </a:p>
+          <a:p>
+            <a:r>
+              <a:rPr lang="en-US" dirty="0"/>
+              <a:t>mv</a:t>
             </a:r>
           </a:p>
           <a:p>
@@ -4578,8 +4280,8 @@
         </p:nvSpPr>
         <p:spPr>
           <a:xfrm>
-            <a:off x="3629320" y="1998483"/>
-            <a:ext cx="1282045" cy="575035"/>
+            <a:off x="2721990" y="2356113"/>
+            <a:ext cx="961534" cy="431276"/>
           </a:xfrm>
           <a:prstGeom prst="rect">
             <a:avLst/>
@@ -4607,7 +4309,7 @@
           <a:p>
             <a:pPr algn="ctr"/>
             <a:r>
-              <a:rPr lang="en-US" dirty="0"/>
+              <a:rPr lang="en-US" sz="1350" dirty="0"/>
               <a:t>untracked</a:t>
             </a:r>
           </a:p>
@@ -4621,8 +4323,8 @@
         </p:nvSpPr>
         <p:spPr>
           <a:xfrm>
-            <a:off x="5493423" y="1998483"/>
-            <a:ext cx="1282045" cy="575035"/>
+            <a:off x="4120068" y="2356113"/>
+            <a:ext cx="961534" cy="431276"/>
           </a:xfrm>
           <a:prstGeom prst="rect">
             <a:avLst/>
@@ -4650,7 +4352,7 @@
           <a:p>
             <a:pPr algn="ctr"/>
             <a:r>
-              <a:rPr lang="en-US" dirty="0"/>
+              <a:rPr lang="en-US" sz="1350" dirty="0"/>
               <a:t>modified</a:t>
             </a:r>
           </a:p>
@@ -4664,8 +4366,8 @@
         </p:nvSpPr>
         <p:spPr>
           <a:xfrm>
-            <a:off x="7357526" y="1998482"/>
-            <a:ext cx="1282045" cy="575035"/>
+            <a:off x="5518145" y="2356112"/>
+            <a:ext cx="961534" cy="431276"/>
           </a:xfrm>
           <a:prstGeom prst="rect">
             <a:avLst/>
@@ -4693,7 +4395,7 @@
           <a:p>
             <a:pPr algn="ctr"/>
             <a:r>
-              <a:rPr lang="en-US" dirty="0"/>
+              <a:rPr lang="en-US" sz="1350" dirty="0"/>
               <a:t>staged</a:t>
             </a:r>
           </a:p>
@@ -4707,8 +4409,8 @@
         </p:nvSpPr>
         <p:spPr>
           <a:xfrm>
-            <a:off x="9242887" y="1998481"/>
-            <a:ext cx="1282045" cy="575035"/>
+            <a:off x="7015900" y="2356112"/>
+            <a:ext cx="961534" cy="431276"/>
           </a:xfrm>
           <a:prstGeom prst="rect">
             <a:avLst/>
@@ -4736,10 +4438,10 @@
           <a:p>
             <a:pPr algn="ctr"/>
             <a:r>
-              <a:rPr lang="en-US" dirty="0" err="1"/>
+              <a:rPr lang="en-US" sz="1350" dirty="0" err="1"/>
               <a:t>resp</a:t>
             </a:r>
-            <a:endParaRPr lang="en-US" dirty="0"/>
+            <a:endParaRPr lang="en-US" sz="1350" dirty="0"/>
           </a:p>
         </p:txBody>
       </p:sp>
@@ -4753,8 +4455,8 @@
         </p:nvCxnSpPr>
         <p:spPr>
           <a:xfrm flipH="1">
-            <a:off x="4270341" y="2573518"/>
-            <a:ext cx="2" cy="2432115"/>
+            <a:off x="3202756" y="2787389"/>
+            <a:ext cx="2" cy="1824086"/>
           </a:xfrm>
           <a:prstGeom prst="line">
             <a:avLst/>
@@ -4785,8 +4487,8 @@
         </p:nvCxnSpPr>
         <p:spPr>
           <a:xfrm flipH="1">
-            <a:off x="6123817" y="2573518"/>
-            <a:ext cx="10629" cy="2432115"/>
+            <a:off x="4592863" y="2787389"/>
+            <a:ext cx="7972" cy="1824086"/>
           </a:xfrm>
           <a:prstGeom prst="line">
             <a:avLst/>
@@ -4817,8 +4519,8 @@
         </p:nvCxnSpPr>
         <p:spPr>
           <a:xfrm flipH="1">
-            <a:off x="7998547" y="2573517"/>
-            <a:ext cx="2" cy="2432116"/>
+            <a:off x="5998910" y="2787388"/>
+            <a:ext cx="2" cy="1824087"/>
           </a:xfrm>
           <a:prstGeom prst="line">
             <a:avLst/>
@@ -4849,8 +4551,8 @@
         </p:nvCxnSpPr>
         <p:spPr>
           <a:xfrm>
-            <a:off x="9883910" y="2573516"/>
-            <a:ext cx="10627" cy="2337849"/>
+            <a:off x="7496667" y="2787388"/>
+            <a:ext cx="7970" cy="1753387"/>
           </a:xfrm>
           <a:prstGeom prst="line">
             <a:avLst/>
@@ -4878,9 +4580,9 @@
           <p:nvPr/>
         </p:nvCxnSpPr>
         <p:spPr>
-          <a:xfrm>
-            <a:off x="7998548" y="3657600"/>
-            <a:ext cx="1885361" cy="18854"/>
+          <a:xfrm flipV="1">
+            <a:off x="5998911" y="3586309"/>
+            <a:ext cx="1497756" cy="14141"/>
           </a:xfrm>
           <a:prstGeom prst="straightConnector1">
             <a:avLst/>
@@ -4912,8 +4614,8 @@
         </p:nvSpPr>
         <p:spPr>
           <a:xfrm>
-            <a:off x="8521831" y="3638746"/>
-            <a:ext cx="974946" cy="381838"/>
+            <a:off x="6391373" y="3586309"/>
+            <a:ext cx="886120" cy="300082"/>
           </a:xfrm>
           <a:prstGeom prst="rect">
             <a:avLst/>
@@ -4927,7 +4629,7 @@
           <a:lstStyle/>
           <a:p>
             <a:r>
-              <a:rPr lang="en-US" dirty="0"/>
+              <a:rPr lang="en-US" sz="1350" dirty="0"/>
               <a:t>commit</a:t>
             </a:r>
           </a:p>
@@ -4941,8 +4643,8 @@
         </p:nvCxnSpPr>
         <p:spPr>
           <a:xfrm flipV="1">
-            <a:off x="4270342" y="2951818"/>
-            <a:ext cx="3728206" cy="17630"/>
+            <a:off x="3202756" y="3071113"/>
+            <a:ext cx="2796155" cy="13223"/>
           </a:xfrm>
           <a:prstGeom prst="straightConnector1">
             <a:avLst/>
@@ -4974,8 +4676,8 @@
         </p:nvSpPr>
         <p:spPr>
           <a:xfrm>
-            <a:off x="4893616" y="3046469"/>
-            <a:ext cx="595035" cy="369332"/>
+            <a:off x="3670212" y="3142102"/>
+            <a:ext cx="494046" cy="300082"/>
           </a:xfrm>
           <a:prstGeom prst="rect">
             <a:avLst/>
@@ -4989,7 +4691,7 @@
           <a:lstStyle/>
           <a:p>
             <a:r>
-              <a:rPr lang="en-US" dirty="0"/>
+              <a:rPr lang="en-US" sz="1350" dirty="0"/>
               <a:t>add</a:t>
             </a:r>
           </a:p>
@@ -5003,8 +4705,8 @@
         </p:nvCxnSpPr>
         <p:spPr>
           <a:xfrm>
-            <a:off x="6145074" y="3306548"/>
-            <a:ext cx="1853474" cy="0"/>
+            <a:off x="4608805" y="3337161"/>
+            <a:ext cx="1390106" cy="0"/>
           </a:xfrm>
           <a:prstGeom prst="straightConnector1">
             <a:avLst/>
@@ -5036,8 +4738,8 @@
         </p:nvSpPr>
         <p:spPr>
           <a:xfrm>
-            <a:off x="6678335" y="3343987"/>
-            <a:ext cx="595035" cy="369332"/>
+            <a:off x="5008751" y="3365240"/>
+            <a:ext cx="494046" cy="300082"/>
           </a:xfrm>
           <a:prstGeom prst="rect">
             <a:avLst/>
@@ -5051,22 +4753,365 @@
           <a:lstStyle/>
           <a:p>
             <a:r>
-              <a:rPr lang="en-US" dirty="0"/>
+              <a:rPr lang="en-US" sz="1350" dirty="0"/>
               <a:t>add</a:t>
+            </a:r>
+          </a:p>
+        </p:txBody>
+      </p:sp>
+    </p:spTree>
+    <p:extLst>
+      <p:ext uri="{BB962C8B-B14F-4D97-AF65-F5344CB8AC3E}">
+        <p14:creationId xmlns:p14="http://schemas.microsoft.com/office/powerpoint/2010/main" val="1610658769"/>
+      </p:ext>
+    </p:extLst>
+  </p:cSld>
+  <p:clrMapOvr>
+    <a:masterClrMapping/>
+  </p:clrMapOvr>
+</p:sld>
+</file>
+
+<file path=ppt/slides/slide11.xml><?xml version="1.0" encoding="utf-8"?>
+<p:sld xmlns:a="http://schemas.openxmlformats.org/drawingml/2006/main" xmlns:r="http://schemas.openxmlformats.org/officeDocument/2006/relationships" xmlns:p="http://schemas.openxmlformats.org/presentationml/2006/main">
+  <p:cSld>
+    <p:spTree>
+      <p:nvGrpSpPr>
+        <p:cNvPr id="1" name=""/>
+        <p:cNvGrpSpPr/>
+        <p:nvPr/>
+      </p:nvGrpSpPr>
+      <p:grpSpPr>
+        <a:xfrm>
+          <a:off x="0" y="0"/>
+          <a:ext cx="0" cy="0"/>
+          <a:chOff x="0" y="0"/>
+          <a:chExt cx="0" cy="0"/>
+        </a:xfrm>
+      </p:grpSpPr>
+      <p:sp>
+        <p:nvSpPr>
+          <p:cNvPr id="2" name="Title 1"/>
+          <p:cNvSpPr>
+            <a:spLocks noGrp="1"/>
+          </p:cNvSpPr>
+          <p:nvPr>
+            <p:ph type="title"/>
+          </p:nvPr>
+        </p:nvSpPr>
+        <p:spPr>
+          <a:xfrm>
+            <a:off x="802386" y="1220724"/>
+            <a:ext cx="8341614" cy="1163669"/>
+          </a:xfrm>
+        </p:spPr>
+        <p:txBody>
+          <a:bodyPr>
+            <a:normAutofit/>
+          </a:bodyPr>
+          <a:lstStyle/>
+          <a:p>
+            <a:r>
+              <a:rPr lang="en-US" dirty="0"/>
+              <a:t>Commands for Working collaboratively </a:t>
+            </a:r>
+          </a:p>
+        </p:txBody>
+      </p:sp>
+      <p:sp>
+        <p:nvSpPr>
+          <p:cNvPr id="3" name="Content Placeholder 2"/>
+          <p:cNvSpPr>
+            <a:spLocks noGrp="1"/>
+          </p:cNvSpPr>
+          <p:nvPr>
+            <p:ph idx="1"/>
+          </p:nvPr>
+        </p:nvSpPr>
+        <p:spPr/>
+        <p:txBody>
+          <a:bodyPr/>
+          <a:lstStyle/>
+          <a:p>
+            <a:r>
+              <a:rPr lang="en-US" dirty="0" err="1"/>
+              <a:t>init</a:t>
+            </a:r>
+            <a:endParaRPr lang="en-US" dirty="0"/>
+          </a:p>
+          <a:p>
+            <a:r>
+              <a:rPr lang="en-US" dirty="0"/>
+              <a:t>clone</a:t>
+            </a:r>
+          </a:p>
+          <a:p>
+            <a:r>
+              <a:rPr lang="en-US" dirty="0"/>
+              <a:t>push</a:t>
+            </a:r>
+          </a:p>
+          <a:p>
+            <a:r>
+              <a:rPr lang="en-US" dirty="0"/>
+              <a:t>pull</a:t>
+            </a:r>
+          </a:p>
+          <a:p>
+            <a:r>
+              <a:rPr lang="en-US" dirty="0"/>
+              <a:t>rebase</a:t>
+            </a:r>
+          </a:p>
+          <a:p>
+            <a:r>
+              <a:rPr lang="en-US" dirty="0"/>
+              <a:t>fetch</a:t>
+            </a:r>
+          </a:p>
+          <a:p>
+            <a:r>
+              <a:rPr lang="en-US" dirty="0"/>
+              <a:t>merge</a:t>
+            </a:r>
+          </a:p>
+          <a:p>
+            <a:r>
+              <a:rPr lang="en-US" dirty="0"/>
+              <a:t>checkout</a:t>
+            </a:r>
+          </a:p>
+          <a:p>
+            <a:r>
+              <a:rPr lang="en-US" dirty="0"/>
+              <a:t>branch</a:t>
+            </a:r>
+          </a:p>
+          <a:p>
+            <a:endParaRPr lang="en-US" dirty="0"/>
+          </a:p>
+          <a:p>
+            <a:endParaRPr lang="en-US" dirty="0"/>
+          </a:p>
+          <a:p>
+            <a:endParaRPr lang="en-US" dirty="0"/>
+          </a:p>
+        </p:txBody>
+      </p:sp>
+      <p:sp>
+        <p:nvSpPr>
+          <p:cNvPr id="4" name="Rectangle 3"/>
+          <p:cNvSpPr/>
+          <p:nvPr/>
+        </p:nvSpPr>
+        <p:spPr>
+          <a:xfrm>
+            <a:off x="1958420" y="2476306"/>
+            <a:ext cx="1042765" cy="431276"/>
+          </a:xfrm>
+          <a:prstGeom prst="rect">
+            <a:avLst/>
+          </a:prstGeom>
+        </p:spPr>
+        <p:style>
+          <a:lnRef idx="2">
+            <a:schemeClr val="accent1">
+              <a:shade val="50000"/>
+            </a:schemeClr>
+          </a:lnRef>
+          <a:fillRef idx="1">
+            <a:schemeClr val="accent1"/>
+          </a:fillRef>
+          <a:effectRef idx="0">
+            <a:schemeClr val="accent1"/>
+          </a:effectRef>
+          <a:fontRef idx="minor">
+            <a:schemeClr val="lt1"/>
+          </a:fontRef>
+        </p:style>
+        <p:txBody>
+          <a:bodyPr rtlCol="0" anchor="ctr"/>
+          <a:lstStyle/>
+          <a:p>
+            <a:pPr algn="ctr"/>
+            <a:r>
+              <a:rPr lang="en-US" sz="1350" dirty="0"/>
+              <a:t>untracked</a:t>
+            </a:r>
+          </a:p>
+        </p:txBody>
+      </p:sp>
+      <p:sp>
+        <p:nvSpPr>
+          <p:cNvPr id="5" name="Rectangle 4"/>
+          <p:cNvSpPr/>
+          <p:nvPr/>
+        </p:nvSpPr>
+        <p:spPr>
+          <a:xfrm>
+            <a:off x="3356498" y="2476306"/>
+            <a:ext cx="961534" cy="431276"/>
+          </a:xfrm>
+          <a:prstGeom prst="rect">
+            <a:avLst/>
+          </a:prstGeom>
+        </p:spPr>
+        <p:style>
+          <a:lnRef idx="2">
+            <a:schemeClr val="accent1">
+              <a:shade val="50000"/>
+            </a:schemeClr>
+          </a:lnRef>
+          <a:fillRef idx="1">
+            <a:schemeClr val="accent1"/>
+          </a:fillRef>
+          <a:effectRef idx="0">
+            <a:schemeClr val="accent1"/>
+          </a:effectRef>
+          <a:fontRef idx="minor">
+            <a:schemeClr val="lt1"/>
+          </a:fontRef>
+        </p:style>
+        <p:txBody>
+          <a:bodyPr rtlCol="0" anchor="ctr"/>
+          <a:lstStyle/>
+          <a:p>
+            <a:pPr algn="ctr"/>
+            <a:r>
+              <a:rPr lang="en-US" sz="1350" dirty="0"/>
+              <a:t>modified</a:t>
+            </a:r>
+          </a:p>
+        </p:txBody>
+      </p:sp>
+      <p:sp>
+        <p:nvSpPr>
+          <p:cNvPr id="6" name="Rectangle 5"/>
+          <p:cNvSpPr/>
+          <p:nvPr/>
+        </p:nvSpPr>
+        <p:spPr>
+          <a:xfrm>
+            <a:off x="4754575" y="2476306"/>
+            <a:ext cx="961534" cy="431276"/>
+          </a:xfrm>
+          <a:prstGeom prst="rect">
+            <a:avLst/>
+          </a:prstGeom>
+        </p:spPr>
+        <p:style>
+          <a:lnRef idx="2">
+            <a:schemeClr val="accent1">
+              <a:shade val="50000"/>
+            </a:schemeClr>
+          </a:lnRef>
+          <a:fillRef idx="1">
+            <a:schemeClr val="accent1"/>
+          </a:fillRef>
+          <a:effectRef idx="0">
+            <a:schemeClr val="accent1"/>
+          </a:effectRef>
+          <a:fontRef idx="minor">
+            <a:schemeClr val="lt1"/>
+          </a:fontRef>
+        </p:style>
+        <p:txBody>
+          <a:bodyPr rtlCol="0" anchor="ctr"/>
+          <a:lstStyle/>
+          <a:p>
+            <a:pPr algn="ctr"/>
+            <a:r>
+              <a:rPr lang="en-US" sz="1350" dirty="0"/>
+              <a:t>staged</a:t>
+            </a:r>
+          </a:p>
+        </p:txBody>
+      </p:sp>
+      <p:sp>
+        <p:nvSpPr>
+          <p:cNvPr id="7" name="Rectangle 6"/>
+          <p:cNvSpPr/>
+          <p:nvPr/>
+        </p:nvSpPr>
+        <p:spPr>
+          <a:xfrm>
+            <a:off x="6063449" y="2476305"/>
+            <a:ext cx="1077534" cy="431276"/>
+          </a:xfrm>
+          <a:prstGeom prst="rect">
+            <a:avLst/>
+          </a:prstGeom>
+        </p:spPr>
+        <p:style>
+          <a:lnRef idx="2">
+            <a:schemeClr val="accent1">
+              <a:shade val="50000"/>
+            </a:schemeClr>
+          </a:lnRef>
+          <a:fillRef idx="1">
+            <a:schemeClr val="accent1"/>
+          </a:fillRef>
+          <a:effectRef idx="0">
+            <a:schemeClr val="accent1"/>
+          </a:effectRef>
+          <a:fontRef idx="minor">
+            <a:schemeClr val="lt1"/>
+          </a:fontRef>
+        </p:style>
+        <p:txBody>
+          <a:bodyPr rtlCol="0" anchor="ctr"/>
+          <a:lstStyle/>
+          <a:p>
+            <a:pPr algn="ctr"/>
+            <a:r>
+              <a:rPr lang="en-US" sz="1350" dirty="0"/>
+              <a:t>repository</a:t>
             </a:r>
           </a:p>
         </p:txBody>
       </p:sp>
       <p:cxnSp>
         <p:nvCxnSpPr>
-          <p:cNvPr id="28" name="Straight Arrow Connector 27"/>
+          <p:cNvPr id="8" name="Straight Connector 7"/>
+          <p:cNvCxnSpPr>
+            <a:stCxn id="7" idx="2"/>
+          </p:cNvCxnSpPr>
+          <p:nvPr/>
+        </p:nvCxnSpPr>
+        <p:spPr>
+          <a:xfrm>
+            <a:off x="6602216" y="2907581"/>
+            <a:ext cx="55117" cy="1753387"/>
+          </a:xfrm>
+          <a:prstGeom prst="line">
+            <a:avLst/>
+          </a:prstGeom>
+        </p:spPr>
+        <p:style>
+          <a:lnRef idx="1">
+            <a:schemeClr val="accent1"/>
+          </a:lnRef>
+          <a:fillRef idx="0">
+            <a:schemeClr val="accent1"/>
+          </a:fillRef>
+          <a:effectRef idx="0">
+            <a:schemeClr val="accent1"/>
+          </a:effectRef>
+          <a:fontRef idx="minor">
+            <a:schemeClr val="tx1"/>
+          </a:fontRef>
+        </p:style>
+      </p:cxnSp>
+      <p:cxnSp>
+        <p:nvCxnSpPr>
+          <p:cNvPr id="9" name="Straight Arrow Connector 8"/>
           <p:cNvCxnSpPr/>
           <p:nvPr/>
         </p:nvCxnSpPr>
         <p:spPr>
           <a:xfrm>
-            <a:off x="4270342" y="4020584"/>
-            <a:ext cx="5613567" cy="0"/>
+            <a:off x="5235342" y="3720643"/>
+            <a:ext cx="1414021" cy="14141"/>
           </a:xfrm>
           <a:prstGeom prst="straightConnector1">
             <a:avLst/>
@@ -5092,14 +5137,14 @@
       </p:cxnSp>
       <p:sp>
         <p:nvSpPr>
-          <p:cNvPr id="33" name="TextBox 32"/>
+          <p:cNvPr id="10" name="TextBox 9"/>
           <p:cNvSpPr txBox="1"/>
           <p:nvPr/>
         </p:nvSpPr>
         <p:spPr>
           <a:xfrm>
-            <a:off x="6612173" y="4014924"/>
-            <a:ext cx="974946" cy="381838"/>
+            <a:off x="5582681" y="3706503"/>
+            <a:ext cx="776332" cy="300082"/>
           </a:xfrm>
           <a:prstGeom prst="rect">
             <a:avLst/>
@@ -5113,8 +5158,419 @@
           <a:lstStyle/>
           <a:p>
             <a:r>
-              <a:rPr lang="en-US" dirty="0"/>
+              <a:rPr lang="en-US" sz="1350" dirty="0"/>
               <a:t>commit</a:t>
+            </a:r>
+          </a:p>
+        </p:txBody>
+      </p:sp>
+      <p:cxnSp>
+        <p:nvCxnSpPr>
+          <p:cNvPr id="11" name="Straight Arrow Connector 10"/>
+          <p:cNvCxnSpPr/>
+          <p:nvPr/>
+        </p:nvCxnSpPr>
+        <p:spPr>
+          <a:xfrm flipV="1">
+            <a:off x="2439187" y="3191307"/>
+            <a:ext cx="2796155" cy="13223"/>
+          </a:xfrm>
+          <a:prstGeom prst="straightConnector1">
+            <a:avLst/>
+          </a:prstGeom>
+          <a:ln>
+            <a:tailEnd type="triangle"/>
+          </a:ln>
+        </p:spPr>
+        <p:style>
+          <a:lnRef idx="1">
+            <a:schemeClr val="accent1"/>
+          </a:lnRef>
+          <a:fillRef idx="0">
+            <a:schemeClr val="accent1"/>
+          </a:fillRef>
+          <a:effectRef idx="0">
+            <a:schemeClr val="accent1"/>
+          </a:effectRef>
+          <a:fontRef idx="minor">
+            <a:schemeClr val="tx1"/>
+          </a:fontRef>
+        </p:style>
+      </p:cxnSp>
+      <p:sp>
+        <p:nvSpPr>
+          <p:cNvPr id="12" name="TextBox 11"/>
+          <p:cNvSpPr txBox="1"/>
+          <p:nvPr/>
+        </p:nvSpPr>
+        <p:spPr>
+          <a:xfrm>
+            <a:off x="2906642" y="3262295"/>
+            <a:ext cx="494046" cy="300082"/>
+          </a:xfrm>
+          <a:prstGeom prst="rect">
+            <a:avLst/>
+          </a:prstGeom>
+          <a:noFill/>
+        </p:spPr>
+        <p:txBody>
+          <a:bodyPr wrap="none" rtlCol="0">
+            <a:spAutoFit/>
+          </a:bodyPr>
+          <a:lstStyle/>
+          <a:p>
+            <a:r>
+              <a:rPr lang="en-US" sz="1350" dirty="0"/>
+              <a:t>add</a:t>
+            </a:r>
+          </a:p>
+        </p:txBody>
+      </p:sp>
+      <p:cxnSp>
+        <p:nvCxnSpPr>
+          <p:cNvPr id="13" name="Straight Arrow Connector 12"/>
+          <p:cNvCxnSpPr/>
+          <p:nvPr/>
+        </p:nvCxnSpPr>
+        <p:spPr>
+          <a:xfrm>
+            <a:off x="3845236" y="3457355"/>
+            <a:ext cx="1390106" cy="0"/>
+          </a:xfrm>
+          <a:prstGeom prst="straightConnector1">
+            <a:avLst/>
+          </a:prstGeom>
+          <a:ln>
+            <a:tailEnd type="triangle"/>
+          </a:ln>
+        </p:spPr>
+        <p:style>
+          <a:lnRef idx="1">
+            <a:schemeClr val="accent1"/>
+          </a:lnRef>
+          <a:fillRef idx="0">
+            <a:schemeClr val="accent1"/>
+          </a:fillRef>
+          <a:effectRef idx="0">
+            <a:schemeClr val="accent1"/>
+          </a:effectRef>
+          <a:fontRef idx="minor">
+            <a:schemeClr val="tx1"/>
+          </a:fontRef>
+        </p:style>
+      </p:cxnSp>
+      <p:sp>
+        <p:nvSpPr>
+          <p:cNvPr id="14" name="TextBox 13"/>
+          <p:cNvSpPr txBox="1"/>
+          <p:nvPr/>
+        </p:nvSpPr>
+        <p:spPr>
+          <a:xfrm>
+            <a:off x="4245181" y="3485434"/>
+            <a:ext cx="494046" cy="300082"/>
+          </a:xfrm>
+          <a:prstGeom prst="rect">
+            <a:avLst/>
+          </a:prstGeom>
+          <a:noFill/>
+        </p:spPr>
+        <p:txBody>
+          <a:bodyPr wrap="none" rtlCol="0">
+            <a:spAutoFit/>
+          </a:bodyPr>
+          <a:lstStyle/>
+          <a:p>
+            <a:r>
+              <a:rPr lang="en-US" sz="1350" dirty="0"/>
+              <a:t>add</a:t>
+            </a:r>
+          </a:p>
+        </p:txBody>
+      </p:sp>
+      <p:cxnSp>
+        <p:nvCxnSpPr>
+          <p:cNvPr id="17" name="Straight Connector 16"/>
+          <p:cNvCxnSpPr/>
+          <p:nvPr/>
+        </p:nvCxnSpPr>
+        <p:spPr>
+          <a:xfrm flipH="1">
+            <a:off x="2439186" y="2907583"/>
+            <a:ext cx="2" cy="1824086"/>
+          </a:xfrm>
+          <a:prstGeom prst="line">
+            <a:avLst/>
+          </a:prstGeom>
+        </p:spPr>
+        <p:style>
+          <a:lnRef idx="1">
+            <a:schemeClr val="accent1"/>
+          </a:lnRef>
+          <a:fillRef idx="0">
+            <a:schemeClr val="accent1"/>
+          </a:fillRef>
+          <a:effectRef idx="0">
+            <a:schemeClr val="accent1"/>
+          </a:effectRef>
+          <a:fontRef idx="minor">
+            <a:schemeClr val="tx1"/>
+          </a:fontRef>
+        </p:style>
+      </p:cxnSp>
+      <p:cxnSp>
+        <p:nvCxnSpPr>
+          <p:cNvPr id="18" name="Straight Connector 17"/>
+          <p:cNvCxnSpPr/>
+          <p:nvPr/>
+        </p:nvCxnSpPr>
+        <p:spPr>
+          <a:xfrm flipH="1">
+            <a:off x="3829293" y="2907583"/>
+            <a:ext cx="7972" cy="1824086"/>
+          </a:xfrm>
+          <a:prstGeom prst="line">
+            <a:avLst/>
+          </a:prstGeom>
+        </p:spPr>
+        <p:style>
+          <a:lnRef idx="1">
+            <a:schemeClr val="accent1"/>
+          </a:lnRef>
+          <a:fillRef idx="0">
+            <a:schemeClr val="accent1"/>
+          </a:fillRef>
+          <a:effectRef idx="0">
+            <a:schemeClr val="accent1"/>
+          </a:effectRef>
+          <a:fontRef idx="minor">
+            <a:schemeClr val="tx1"/>
+          </a:fontRef>
+        </p:style>
+      </p:cxnSp>
+      <p:cxnSp>
+        <p:nvCxnSpPr>
+          <p:cNvPr id="19" name="Straight Connector 18"/>
+          <p:cNvCxnSpPr/>
+          <p:nvPr/>
+        </p:nvCxnSpPr>
+        <p:spPr>
+          <a:xfrm flipH="1">
+            <a:off x="5235340" y="2907581"/>
+            <a:ext cx="2" cy="1824087"/>
+          </a:xfrm>
+          <a:prstGeom prst="line">
+            <a:avLst/>
+          </a:prstGeom>
+        </p:spPr>
+        <p:style>
+          <a:lnRef idx="1">
+            <a:schemeClr val="accent1"/>
+          </a:lnRef>
+          <a:fillRef idx="0">
+            <a:schemeClr val="accent1"/>
+          </a:fillRef>
+          <a:effectRef idx="0">
+            <a:schemeClr val="accent1"/>
+          </a:effectRef>
+          <a:fontRef idx="minor">
+            <a:schemeClr val="tx1"/>
+          </a:fontRef>
+        </p:style>
+      </p:cxnSp>
+      <p:sp>
+        <p:nvSpPr>
+          <p:cNvPr id="20" name="Rectangle 19"/>
+          <p:cNvSpPr/>
+          <p:nvPr/>
+        </p:nvSpPr>
+        <p:spPr>
+          <a:xfrm>
+            <a:off x="7529827" y="2476305"/>
+            <a:ext cx="961534" cy="431276"/>
+          </a:xfrm>
+          <a:prstGeom prst="rect">
+            <a:avLst/>
+          </a:prstGeom>
+        </p:spPr>
+        <p:style>
+          <a:lnRef idx="2">
+            <a:schemeClr val="accent1">
+              <a:shade val="50000"/>
+            </a:schemeClr>
+          </a:lnRef>
+          <a:fillRef idx="1">
+            <a:schemeClr val="accent1"/>
+          </a:fillRef>
+          <a:effectRef idx="0">
+            <a:schemeClr val="accent1"/>
+          </a:effectRef>
+          <a:fontRef idx="minor">
+            <a:schemeClr val="lt1"/>
+          </a:fontRef>
+        </p:style>
+        <p:txBody>
+          <a:bodyPr rtlCol="0" anchor="ctr"/>
+          <a:lstStyle/>
+          <a:p>
+            <a:pPr algn="ctr"/>
+            <a:r>
+              <a:rPr lang="en-US" sz="1350" dirty="0"/>
+              <a:t>remote</a:t>
+            </a:r>
+          </a:p>
+        </p:txBody>
+      </p:sp>
+      <p:cxnSp>
+        <p:nvCxnSpPr>
+          <p:cNvPr id="21" name="Straight Connector 20"/>
+          <p:cNvCxnSpPr/>
+          <p:nvPr/>
+        </p:nvCxnSpPr>
+        <p:spPr>
+          <a:xfrm>
+            <a:off x="8053016" y="2907581"/>
+            <a:ext cx="7970" cy="1753387"/>
+          </a:xfrm>
+          <a:prstGeom prst="line">
+            <a:avLst/>
+          </a:prstGeom>
+        </p:spPr>
+        <p:style>
+          <a:lnRef idx="1">
+            <a:schemeClr val="accent1"/>
+          </a:lnRef>
+          <a:fillRef idx="0">
+            <a:schemeClr val="accent1"/>
+          </a:fillRef>
+          <a:effectRef idx="0">
+            <a:schemeClr val="accent1"/>
+          </a:effectRef>
+          <a:fontRef idx="minor">
+            <a:schemeClr val="tx1"/>
+          </a:fontRef>
+        </p:style>
+      </p:cxnSp>
+      <p:cxnSp>
+        <p:nvCxnSpPr>
+          <p:cNvPr id="22" name="Straight Arrow Connector 21"/>
+          <p:cNvCxnSpPr/>
+          <p:nvPr/>
+        </p:nvCxnSpPr>
+        <p:spPr>
+          <a:xfrm>
+            <a:off x="6657335" y="3842013"/>
+            <a:ext cx="1414021" cy="14141"/>
+          </a:xfrm>
+          <a:prstGeom prst="straightConnector1">
+            <a:avLst/>
+          </a:prstGeom>
+          <a:ln>
+            <a:tailEnd type="triangle"/>
+          </a:ln>
+        </p:spPr>
+        <p:style>
+          <a:lnRef idx="1">
+            <a:schemeClr val="accent1"/>
+          </a:lnRef>
+          <a:fillRef idx="0">
+            <a:schemeClr val="accent1"/>
+          </a:fillRef>
+          <a:effectRef idx="0">
+            <a:schemeClr val="accent1"/>
+          </a:effectRef>
+          <a:fontRef idx="minor">
+            <a:schemeClr val="tx1"/>
+          </a:fontRef>
+        </p:style>
+      </p:cxnSp>
+      <p:sp>
+        <p:nvSpPr>
+          <p:cNvPr id="23" name="TextBox 22"/>
+          <p:cNvSpPr txBox="1"/>
+          <p:nvPr/>
+        </p:nvSpPr>
+        <p:spPr>
+          <a:xfrm>
+            <a:off x="7049797" y="3827872"/>
+            <a:ext cx="731210" cy="300082"/>
+          </a:xfrm>
+          <a:prstGeom prst="rect">
+            <a:avLst/>
+          </a:prstGeom>
+          <a:noFill/>
+        </p:spPr>
+        <p:txBody>
+          <a:bodyPr wrap="square" rtlCol="0">
+            <a:spAutoFit/>
+          </a:bodyPr>
+          <a:lstStyle/>
+          <a:p>
+            <a:r>
+              <a:rPr lang="en-US" sz="1350" dirty="0"/>
+              <a:t>push</a:t>
+            </a:r>
+          </a:p>
+        </p:txBody>
+      </p:sp>
+      <p:cxnSp>
+        <p:nvCxnSpPr>
+          <p:cNvPr id="25" name="Straight Arrow Connector 24"/>
+          <p:cNvCxnSpPr/>
+          <p:nvPr/>
+        </p:nvCxnSpPr>
+        <p:spPr>
+          <a:xfrm flipH="1">
+            <a:off x="6657333" y="4114251"/>
+            <a:ext cx="1395683" cy="0"/>
+          </a:xfrm>
+          <a:prstGeom prst="straightConnector1">
+            <a:avLst/>
+          </a:prstGeom>
+          <a:ln>
+            <a:tailEnd type="triangle"/>
+          </a:ln>
+        </p:spPr>
+        <p:style>
+          <a:lnRef idx="1">
+            <a:schemeClr val="accent1"/>
+          </a:lnRef>
+          <a:fillRef idx="0">
+            <a:schemeClr val="accent1"/>
+          </a:fillRef>
+          <a:effectRef idx="0">
+            <a:schemeClr val="accent1"/>
+          </a:effectRef>
+          <a:fontRef idx="minor">
+            <a:schemeClr val="tx1"/>
+          </a:fontRef>
+        </p:style>
+      </p:cxnSp>
+      <p:sp>
+        <p:nvSpPr>
+          <p:cNvPr id="26" name="TextBox 25"/>
+          <p:cNvSpPr txBox="1"/>
+          <p:nvPr/>
+        </p:nvSpPr>
+        <p:spPr>
+          <a:xfrm>
+            <a:off x="6628142" y="4120060"/>
+            <a:ext cx="1480983" cy="300082"/>
+          </a:xfrm>
+          <a:prstGeom prst="rect">
+            <a:avLst/>
+          </a:prstGeom>
+          <a:noFill/>
+        </p:spPr>
+        <p:txBody>
+          <a:bodyPr wrap="none" rtlCol="0">
+            <a:spAutoFit/>
+          </a:bodyPr>
+          <a:lstStyle/>
+          <a:p>
+            <a:r>
+              <a:rPr lang="en-US" sz="1350" dirty="0"/>
+              <a:t>clone/fetch/pull</a:t>
             </a:r>
           </a:p>
         </p:txBody>
@@ -5122,7 +5578,2271 @@
     </p:spTree>
     <p:extLst>
       <p:ext uri="{BB962C8B-B14F-4D97-AF65-F5344CB8AC3E}">
-        <p14:creationId xmlns:p14="http://schemas.microsoft.com/office/powerpoint/2010/main" val="1610658769"/>
+        <p14:creationId xmlns:p14="http://schemas.microsoft.com/office/powerpoint/2010/main" val="3790570789"/>
+      </p:ext>
+    </p:extLst>
+  </p:cSld>
+  <p:clrMapOvr>
+    <a:masterClrMapping/>
+  </p:clrMapOvr>
+</p:sld>
+</file>
+
+<file path=ppt/slides/slide12.xml><?xml version="1.0" encoding="utf-8"?>
+<p:sld xmlns:a="http://schemas.openxmlformats.org/drawingml/2006/main" xmlns:r="http://schemas.openxmlformats.org/officeDocument/2006/relationships" xmlns:p="http://schemas.openxmlformats.org/presentationml/2006/main">
+  <p:cSld>
+    <p:spTree>
+      <p:nvGrpSpPr>
+        <p:cNvPr id="1" name=""/>
+        <p:cNvGrpSpPr/>
+        <p:nvPr/>
+      </p:nvGrpSpPr>
+      <p:grpSpPr>
+        <a:xfrm>
+          <a:off x="0" y="0"/>
+          <a:ext cx="0" cy="0"/>
+          <a:chOff x="0" y="0"/>
+          <a:chExt cx="0" cy="0"/>
+        </a:xfrm>
+      </p:grpSpPr>
+      <p:sp>
+        <p:nvSpPr>
+          <p:cNvPr id="2" name="Title 1"/>
+          <p:cNvSpPr>
+            <a:spLocks noGrp="1"/>
+          </p:cNvSpPr>
+          <p:nvPr>
+            <p:ph type="title"/>
+          </p:nvPr>
+        </p:nvSpPr>
+        <p:spPr/>
+        <p:txBody>
+          <a:bodyPr/>
+          <a:lstStyle/>
+          <a:p>
+            <a:r>
+              <a:rPr lang="en-US" dirty="0"/>
+              <a:t>Advanced commands</a:t>
+            </a:r>
+          </a:p>
+        </p:txBody>
+      </p:sp>
+      <p:sp>
+        <p:nvSpPr>
+          <p:cNvPr id="3" name="Content Placeholder 2"/>
+          <p:cNvSpPr>
+            <a:spLocks noGrp="1"/>
+          </p:cNvSpPr>
+          <p:nvPr>
+            <p:ph idx="1"/>
+          </p:nvPr>
+        </p:nvSpPr>
+        <p:spPr/>
+        <p:txBody>
+          <a:bodyPr/>
+          <a:lstStyle/>
+          <a:p>
+            <a:r>
+              <a:rPr lang="en-US" dirty="0"/>
+              <a:t>config</a:t>
+            </a:r>
+          </a:p>
+          <a:p>
+            <a:r>
+              <a:rPr lang="en-US" dirty="0"/>
+              <a:t>blame</a:t>
+            </a:r>
+          </a:p>
+          <a:p>
+            <a:r>
+              <a:rPr lang="en-US" dirty="0"/>
+              <a:t>tag</a:t>
+            </a:r>
+          </a:p>
+          <a:p>
+            <a:r>
+              <a:rPr lang="en-US" dirty="0"/>
+              <a:t>reset</a:t>
+            </a:r>
+          </a:p>
+          <a:p>
+            <a:r>
+              <a:rPr lang="en-US" dirty="0"/>
+              <a:t>revert</a:t>
+            </a:r>
+          </a:p>
+          <a:p>
+            <a:r>
+              <a:rPr lang="en-US" dirty="0"/>
+              <a:t>bisect</a:t>
+            </a:r>
+          </a:p>
+          <a:p>
+            <a:r>
+              <a:rPr lang="en-US" dirty="0"/>
+              <a:t>hash-object</a:t>
+            </a:r>
+          </a:p>
+          <a:p>
+            <a:r>
+              <a:rPr lang="en-US" dirty="0"/>
+              <a:t>cat-file</a:t>
+            </a:r>
+          </a:p>
+          <a:p>
+            <a:r>
+              <a:rPr lang="en-US" dirty="0" err="1"/>
+              <a:t>gc</a:t>
+            </a:r>
+            <a:endParaRPr lang="en-US" dirty="0"/>
+          </a:p>
+        </p:txBody>
+      </p:sp>
+    </p:spTree>
+    <p:extLst>
+      <p:ext uri="{BB962C8B-B14F-4D97-AF65-F5344CB8AC3E}">
+        <p14:creationId xmlns:p14="http://schemas.microsoft.com/office/powerpoint/2010/main" val="3699701059"/>
+      </p:ext>
+    </p:extLst>
+  </p:cSld>
+  <p:clrMapOvr>
+    <a:masterClrMapping/>
+  </p:clrMapOvr>
+</p:sld>
+</file>
+
+<file path=ppt/slides/slide13.xml><?xml version="1.0" encoding="utf-8"?>
+<p:sld xmlns:a="http://schemas.openxmlformats.org/drawingml/2006/main" xmlns:r="http://schemas.openxmlformats.org/officeDocument/2006/relationships" xmlns:p="http://schemas.openxmlformats.org/presentationml/2006/main">
+  <p:cSld>
+    <p:spTree>
+      <p:nvGrpSpPr>
+        <p:cNvPr id="1" name=""/>
+        <p:cNvGrpSpPr/>
+        <p:nvPr/>
+      </p:nvGrpSpPr>
+      <p:grpSpPr>
+        <a:xfrm>
+          <a:off x="0" y="0"/>
+          <a:ext cx="0" cy="0"/>
+          <a:chOff x="0" y="0"/>
+          <a:chExt cx="0" cy="0"/>
+        </a:xfrm>
+      </p:grpSpPr>
+      <p:sp>
+        <p:nvSpPr>
+          <p:cNvPr id="2" name="Title 1"/>
+          <p:cNvSpPr>
+            <a:spLocks noGrp="1"/>
+          </p:cNvSpPr>
+          <p:nvPr>
+            <p:ph type="title"/>
+          </p:nvPr>
+        </p:nvSpPr>
+        <p:spPr/>
+        <p:txBody>
+          <a:bodyPr/>
+          <a:lstStyle/>
+          <a:p>
+            <a:r>
+              <a:rPr lang="en-US" dirty="0"/>
+              <a:t>Rollback changes</a:t>
+            </a:r>
+          </a:p>
+        </p:txBody>
+      </p:sp>
+      <p:sp>
+        <p:nvSpPr>
+          <p:cNvPr id="3" name="Content Placeholder 2"/>
+          <p:cNvSpPr>
+            <a:spLocks noGrp="1"/>
+          </p:cNvSpPr>
+          <p:nvPr>
+            <p:ph idx="1"/>
+          </p:nvPr>
+        </p:nvSpPr>
+        <p:spPr/>
+        <p:txBody>
+          <a:bodyPr>
+            <a:normAutofit fontScale="92500" lnSpcReduction="20000"/>
+          </a:bodyPr>
+          <a:lstStyle/>
+          <a:p>
+            <a:r>
+              <a:rPr lang="en-US" dirty="0"/>
+              <a:t>Revert changes un-committed</a:t>
+            </a:r>
+          </a:p>
+          <a:p>
+            <a:pPr lvl="1"/>
+            <a:r>
+              <a:rPr lang="en-US" dirty="0" err="1"/>
+              <a:t>git</a:t>
+            </a:r>
+            <a:r>
+              <a:rPr lang="en-US" dirty="0"/>
+              <a:t> checkout -- &lt;filename&gt;</a:t>
+            </a:r>
+          </a:p>
+          <a:p>
+            <a:r>
+              <a:rPr lang="en-US" sz="1575" dirty="0" err="1"/>
+              <a:t>Unstage</a:t>
+            </a:r>
+            <a:r>
+              <a:rPr lang="en-US" sz="1575" dirty="0"/>
+              <a:t> a Staged File – revert the result of “</a:t>
+            </a:r>
+            <a:r>
+              <a:rPr lang="en-US" sz="1575" dirty="0" err="1"/>
+              <a:t>git</a:t>
+            </a:r>
+            <a:r>
+              <a:rPr lang="en-US" sz="1575" dirty="0"/>
+              <a:t> add ”</a:t>
+            </a:r>
+          </a:p>
+          <a:p>
+            <a:pPr lvl="1"/>
+            <a:r>
+              <a:rPr lang="en-US" dirty="0" err="1"/>
+              <a:t>git</a:t>
+            </a:r>
+            <a:r>
+              <a:rPr lang="en-US" dirty="0"/>
+              <a:t> reset HEAD &lt;filename&gt;</a:t>
+            </a:r>
+          </a:p>
+          <a:p>
+            <a:r>
+              <a:rPr lang="en-US" dirty="0"/>
+              <a:t>Revert to a commit – revert the result of “</a:t>
+            </a:r>
+            <a:r>
+              <a:rPr lang="en-US" dirty="0" err="1"/>
+              <a:t>git</a:t>
+            </a:r>
+            <a:r>
+              <a:rPr lang="en-US" dirty="0"/>
+              <a:t> commit ”</a:t>
+            </a:r>
+          </a:p>
+          <a:p>
+            <a:pPr lvl="1"/>
+            <a:r>
+              <a:rPr lang="en-US" dirty="0" err="1"/>
+              <a:t>git</a:t>
+            </a:r>
+            <a:r>
+              <a:rPr lang="en-US" dirty="0"/>
+              <a:t> </a:t>
+            </a:r>
+            <a:r>
+              <a:rPr lang="en-US" dirty="0" err="1"/>
+              <a:t>resert</a:t>
+            </a:r>
+            <a:r>
+              <a:rPr lang="en-US" dirty="0"/>
+              <a:t> &lt;SHA&gt;</a:t>
+            </a:r>
+          </a:p>
+          <a:p>
+            <a:r>
+              <a:rPr lang="en-US" dirty="0"/>
+              <a:t>Revert changes committed and pushed – revert the result of “</a:t>
+            </a:r>
+            <a:r>
+              <a:rPr lang="en-US" dirty="0" err="1"/>
+              <a:t>git</a:t>
+            </a:r>
+            <a:r>
+              <a:rPr lang="en-US" dirty="0"/>
+              <a:t> </a:t>
+            </a:r>
+            <a:r>
+              <a:rPr lang="en-US" altLang="zh-CN" dirty="0"/>
+              <a:t>push</a:t>
+            </a:r>
+            <a:r>
+              <a:rPr lang="en-US" dirty="0"/>
+              <a:t> ”</a:t>
+            </a:r>
+          </a:p>
+          <a:p>
+            <a:pPr lvl="1"/>
+            <a:r>
+              <a:rPr lang="en-US" dirty="0" err="1"/>
+              <a:t>git</a:t>
+            </a:r>
+            <a:r>
+              <a:rPr lang="en-US" dirty="0"/>
+              <a:t> revert &lt;SHA&gt; and push again</a:t>
+            </a:r>
+          </a:p>
+          <a:p>
+            <a:r>
+              <a:rPr lang="en-US" dirty="0"/>
+              <a:t>Undo the rollback</a:t>
+            </a:r>
+          </a:p>
+          <a:p>
+            <a:pPr lvl="1"/>
+            <a:r>
+              <a:rPr lang="en-US" dirty="0" err="1"/>
+              <a:t>git</a:t>
+            </a:r>
+            <a:r>
+              <a:rPr lang="en-US" dirty="0"/>
+              <a:t> </a:t>
+            </a:r>
+            <a:r>
+              <a:rPr lang="en-US" dirty="0" err="1"/>
+              <a:t>reflog</a:t>
+            </a:r>
+            <a:endParaRPr lang="en-US" dirty="0"/>
+          </a:p>
+          <a:p>
+            <a:r>
+              <a:rPr lang="en-US" dirty="0"/>
+              <a:t>Stop tracing a file</a:t>
+            </a:r>
+          </a:p>
+          <a:p>
+            <a:pPr lvl="1"/>
+            <a:r>
+              <a:rPr lang="en-US" dirty="0" err="1"/>
+              <a:t>git</a:t>
+            </a:r>
+            <a:r>
+              <a:rPr lang="en-US" dirty="0"/>
+              <a:t> </a:t>
+            </a:r>
+            <a:r>
+              <a:rPr lang="en-US" dirty="0" err="1"/>
+              <a:t>rm</a:t>
+            </a:r>
+            <a:r>
+              <a:rPr lang="en-US" dirty="0"/>
+              <a:t> –cached &lt;file&gt;</a:t>
+            </a:r>
+          </a:p>
+        </p:txBody>
+      </p:sp>
+    </p:spTree>
+    <p:extLst>
+      <p:ext uri="{BB962C8B-B14F-4D97-AF65-F5344CB8AC3E}">
+        <p14:creationId xmlns:p14="http://schemas.microsoft.com/office/powerpoint/2010/main" val="540927859"/>
+      </p:ext>
+    </p:extLst>
+  </p:cSld>
+  <p:clrMapOvr>
+    <a:masterClrMapping/>
+  </p:clrMapOvr>
+</p:sld>
+</file>
+
+<file path=ppt/slides/slide14.xml><?xml version="1.0" encoding="utf-8"?>
+<p:sld xmlns:a="http://schemas.openxmlformats.org/drawingml/2006/main" xmlns:r="http://schemas.openxmlformats.org/officeDocument/2006/relationships" xmlns:p="http://schemas.openxmlformats.org/presentationml/2006/main">
+  <p:cSld>
+    <p:spTree>
+      <p:nvGrpSpPr>
+        <p:cNvPr id="1" name=""/>
+        <p:cNvGrpSpPr/>
+        <p:nvPr/>
+      </p:nvGrpSpPr>
+      <p:grpSpPr>
+        <a:xfrm>
+          <a:off x="0" y="0"/>
+          <a:ext cx="0" cy="0"/>
+          <a:chOff x="0" y="0"/>
+          <a:chExt cx="0" cy="0"/>
+        </a:xfrm>
+      </p:grpSpPr>
+      <p:sp>
+        <p:nvSpPr>
+          <p:cNvPr id="2" name="Title 1"/>
+          <p:cNvSpPr>
+            <a:spLocks noGrp="1"/>
+          </p:cNvSpPr>
+          <p:nvPr>
+            <p:ph type="title"/>
+          </p:nvPr>
+        </p:nvSpPr>
+        <p:spPr/>
+        <p:txBody>
+          <a:bodyPr/>
+          <a:lstStyle/>
+          <a:p>
+            <a:r>
+              <a:rPr lang="en-US" dirty="0"/>
+              <a:t>Quick practice</a:t>
+            </a:r>
+          </a:p>
+        </p:txBody>
+      </p:sp>
+      <p:sp>
+        <p:nvSpPr>
+          <p:cNvPr id="3" name="Content Placeholder 2"/>
+          <p:cNvSpPr>
+            <a:spLocks noGrp="1"/>
+          </p:cNvSpPr>
+          <p:nvPr>
+            <p:ph idx="1"/>
+          </p:nvPr>
+        </p:nvSpPr>
+        <p:spPr>
+          <a:xfrm>
+            <a:off x="802386" y="2271271"/>
+            <a:ext cx="7543800" cy="3215129"/>
+          </a:xfrm>
+        </p:spPr>
+        <p:txBody>
+          <a:bodyPr>
+            <a:normAutofit fontScale="92500" lnSpcReduction="20000"/>
+          </a:bodyPr>
+          <a:lstStyle/>
+          <a:p>
+            <a:r>
+              <a:rPr lang="en-US" dirty="0"/>
+              <a:t>Install </a:t>
+            </a:r>
+            <a:r>
+              <a:rPr lang="en-US" dirty="0" err="1"/>
+              <a:t>git</a:t>
+            </a:r>
+            <a:r>
+              <a:rPr lang="en-US" dirty="0"/>
+              <a:t> on PC or login build server</a:t>
+            </a:r>
+          </a:p>
+          <a:p>
+            <a:r>
+              <a:rPr lang="en-US" dirty="0"/>
+              <a:t>Start </a:t>
+            </a:r>
+            <a:r>
+              <a:rPr lang="en-US" dirty="0" err="1"/>
+              <a:t>git</a:t>
+            </a:r>
+            <a:r>
+              <a:rPr lang="en-US" dirty="0"/>
+              <a:t> bash (only on windows)</a:t>
+            </a:r>
+          </a:p>
+          <a:p>
+            <a:r>
+              <a:rPr lang="en-US" dirty="0"/>
+              <a:t>Create an empty folder</a:t>
+            </a:r>
+          </a:p>
+          <a:p>
+            <a:r>
+              <a:rPr lang="en-US" dirty="0" err="1"/>
+              <a:t>git</a:t>
+            </a:r>
+            <a:r>
+              <a:rPr lang="en-US" dirty="0"/>
+              <a:t> </a:t>
+            </a:r>
+            <a:r>
+              <a:rPr lang="en-US" dirty="0" err="1"/>
+              <a:t>init</a:t>
+            </a:r>
+            <a:endParaRPr lang="en-US" dirty="0"/>
+          </a:p>
+          <a:p>
+            <a:r>
+              <a:rPr lang="en-US" dirty="0" err="1"/>
+              <a:t>greate</a:t>
+            </a:r>
+            <a:r>
+              <a:rPr lang="en-US" dirty="0"/>
+              <a:t> a txt file</a:t>
+            </a:r>
+          </a:p>
+          <a:p>
+            <a:r>
+              <a:rPr lang="en-US" dirty="0" err="1"/>
+              <a:t>git</a:t>
+            </a:r>
+            <a:r>
+              <a:rPr lang="en-US" dirty="0"/>
+              <a:t> status</a:t>
+            </a:r>
+          </a:p>
+          <a:p>
+            <a:r>
+              <a:rPr lang="en-US" dirty="0" err="1"/>
+              <a:t>git</a:t>
+            </a:r>
+            <a:r>
+              <a:rPr lang="en-US" dirty="0"/>
+              <a:t> add</a:t>
+            </a:r>
+          </a:p>
+          <a:p>
+            <a:r>
+              <a:rPr lang="en-US" dirty="0" err="1"/>
+              <a:t>git</a:t>
+            </a:r>
+            <a:r>
+              <a:rPr lang="en-US" dirty="0"/>
+              <a:t> status</a:t>
+            </a:r>
+          </a:p>
+          <a:p>
+            <a:r>
+              <a:rPr lang="en-US" dirty="0" err="1"/>
+              <a:t>git</a:t>
+            </a:r>
+            <a:r>
+              <a:rPr lang="en-US" dirty="0"/>
+              <a:t> cat-file –p &lt;SHA&gt;</a:t>
+            </a:r>
+          </a:p>
+        </p:txBody>
+      </p:sp>
+    </p:spTree>
+    <p:extLst>
+      <p:ext uri="{BB962C8B-B14F-4D97-AF65-F5344CB8AC3E}">
+        <p14:creationId xmlns:p14="http://schemas.microsoft.com/office/powerpoint/2010/main" val="696093286"/>
+      </p:ext>
+    </p:extLst>
+  </p:cSld>
+  <p:clrMapOvr>
+    <a:masterClrMapping/>
+  </p:clrMapOvr>
+</p:sld>
+</file>
+
+<file path=ppt/slides/slide15.xml><?xml version="1.0" encoding="utf-8"?>
+<p:sld xmlns:a="http://schemas.openxmlformats.org/drawingml/2006/main" xmlns:r="http://schemas.openxmlformats.org/officeDocument/2006/relationships" xmlns:p="http://schemas.openxmlformats.org/presentationml/2006/main">
+  <p:cSld>
+    <p:spTree>
+      <p:nvGrpSpPr>
+        <p:cNvPr id="1" name=""/>
+        <p:cNvGrpSpPr/>
+        <p:nvPr/>
+      </p:nvGrpSpPr>
+      <p:grpSpPr>
+        <a:xfrm>
+          <a:off x="0" y="0"/>
+          <a:ext cx="0" cy="0"/>
+          <a:chOff x="0" y="0"/>
+          <a:chExt cx="0" cy="0"/>
+        </a:xfrm>
+      </p:grpSpPr>
+      <p:sp>
+        <p:nvSpPr>
+          <p:cNvPr id="2" name="Title 1"/>
+          <p:cNvSpPr>
+            <a:spLocks noGrp="1"/>
+          </p:cNvSpPr>
+          <p:nvPr>
+            <p:ph type="title"/>
+          </p:nvPr>
+        </p:nvSpPr>
+        <p:spPr/>
+        <p:txBody>
+          <a:bodyPr/>
+          <a:lstStyle/>
+          <a:p>
+            <a:r>
+              <a:rPr lang="en-US" dirty="0"/>
+              <a:t>Quick practice - continued</a:t>
+            </a:r>
+          </a:p>
+        </p:txBody>
+      </p:sp>
+      <p:sp>
+        <p:nvSpPr>
+          <p:cNvPr id="3" name="Content Placeholder 2"/>
+          <p:cNvSpPr>
+            <a:spLocks noGrp="1"/>
+          </p:cNvSpPr>
+          <p:nvPr>
+            <p:ph idx="1"/>
+          </p:nvPr>
+        </p:nvSpPr>
+        <p:spPr>
+          <a:xfrm>
+            <a:off x="802386" y="2271271"/>
+            <a:ext cx="7543800" cy="3215129"/>
+          </a:xfrm>
+        </p:spPr>
+        <p:txBody>
+          <a:bodyPr>
+            <a:normAutofit fontScale="77500" lnSpcReduction="20000"/>
+          </a:bodyPr>
+          <a:lstStyle/>
+          <a:p>
+            <a:r>
+              <a:rPr lang="en-US" dirty="0" err="1"/>
+              <a:t>git</a:t>
+            </a:r>
+            <a:r>
+              <a:rPr lang="en-US" dirty="0"/>
+              <a:t> commit</a:t>
+            </a:r>
+          </a:p>
+          <a:p>
+            <a:r>
+              <a:rPr lang="en-US" dirty="0" err="1"/>
+              <a:t>git</a:t>
+            </a:r>
+            <a:r>
+              <a:rPr lang="en-US" dirty="0"/>
+              <a:t> status</a:t>
+            </a:r>
+          </a:p>
+          <a:p>
+            <a:r>
+              <a:rPr lang="en-US" dirty="0" err="1"/>
+              <a:t>git</a:t>
+            </a:r>
+            <a:r>
+              <a:rPr lang="en-US" dirty="0"/>
+              <a:t> </a:t>
+            </a:r>
+            <a:r>
+              <a:rPr lang="en-US" dirty="0" err="1"/>
+              <a:t>gui</a:t>
+            </a:r>
+            <a:endParaRPr lang="en-US" dirty="0"/>
+          </a:p>
+          <a:p>
+            <a:r>
+              <a:rPr lang="en-US" dirty="0" err="1"/>
+              <a:t>git</a:t>
+            </a:r>
+            <a:r>
+              <a:rPr lang="en-US" dirty="0"/>
+              <a:t> branch </a:t>
+            </a:r>
+          </a:p>
+          <a:p>
+            <a:r>
+              <a:rPr lang="en-US" dirty="0" err="1"/>
+              <a:t>git</a:t>
+            </a:r>
+            <a:r>
+              <a:rPr lang="en-US" dirty="0"/>
+              <a:t> branch dev master</a:t>
+            </a:r>
+          </a:p>
+          <a:p>
+            <a:r>
+              <a:rPr lang="en-US" dirty="0"/>
+              <a:t> ls -</a:t>
+            </a:r>
+            <a:r>
+              <a:rPr lang="en-US" dirty="0" err="1"/>
+              <a:t>ltr</a:t>
+            </a:r>
+            <a:r>
+              <a:rPr lang="en-US" dirty="0"/>
+              <a:t> .</a:t>
+            </a:r>
+            <a:r>
+              <a:rPr lang="en-US" dirty="0" err="1"/>
+              <a:t>git</a:t>
+            </a:r>
+            <a:r>
+              <a:rPr lang="en-US" dirty="0"/>
+              <a:t>/refs/heads/</a:t>
+            </a:r>
+          </a:p>
+          <a:p>
+            <a:r>
+              <a:rPr lang="en-US" dirty="0" err="1"/>
+              <a:t>git</a:t>
+            </a:r>
+            <a:r>
+              <a:rPr lang="en-US" dirty="0"/>
+              <a:t> </a:t>
+            </a:r>
+            <a:r>
+              <a:rPr lang="en-US" dirty="0" err="1"/>
+              <a:t>gui</a:t>
+            </a:r>
+            <a:endParaRPr lang="en-US" dirty="0"/>
+          </a:p>
+          <a:p>
+            <a:r>
+              <a:rPr lang="en-US" dirty="0"/>
+              <a:t>Change on branch dev and commit and check </a:t>
+            </a:r>
+            <a:r>
+              <a:rPr lang="en-US" dirty="0" err="1"/>
+              <a:t>git</a:t>
+            </a:r>
+            <a:r>
+              <a:rPr lang="en-US" dirty="0"/>
+              <a:t> </a:t>
+            </a:r>
+            <a:r>
+              <a:rPr lang="en-US" dirty="0" err="1"/>
+              <a:t>gui</a:t>
+            </a:r>
+            <a:r>
+              <a:rPr lang="en-US" dirty="0"/>
+              <a:t> again</a:t>
+            </a:r>
+          </a:p>
+          <a:p>
+            <a:r>
+              <a:rPr lang="en-US" dirty="0"/>
+              <a:t>Switch back to master branch </a:t>
+            </a:r>
+          </a:p>
+          <a:p>
+            <a:r>
+              <a:rPr lang="en-US" dirty="0"/>
+              <a:t>Change on branch master and commit and check </a:t>
+            </a:r>
+            <a:r>
+              <a:rPr lang="en-US" dirty="0" err="1"/>
+              <a:t>git</a:t>
+            </a:r>
+            <a:r>
+              <a:rPr lang="en-US" dirty="0"/>
+              <a:t> </a:t>
+            </a:r>
+            <a:r>
+              <a:rPr lang="en-US" dirty="0" err="1"/>
+              <a:t>gui</a:t>
+            </a:r>
+            <a:r>
+              <a:rPr lang="en-US" dirty="0"/>
+              <a:t> again</a:t>
+            </a:r>
+          </a:p>
+          <a:p>
+            <a:endParaRPr lang="en-US" dirty="0"/>
+          </a:p>
+          <a:p>
+            <a:endParaRPr lang="en-US" dirty="0"/>
+          </a:p>
+        </p:txBody>
+      </p:sp>
+    </p:spTree>
+    <p:extLst>
+      <p:ext uri="{BB962C8B-B14F-4D97-AF65-F5344CB8AC3E}">
+        <p14:creationId xmlns:p14="http://schemas.microsoft.com/office/powerpoint/2010/main" val="3055566183"/>
+      </p:ext>
+    </p:extLst>
+  </p:cSld>
+  <p:clrMapOvr>
+    <a:masterClrMapping/>
+  </p:clrMapOvr>
+</p:sld>
+</file>
+
+<file path=ppt/slides/slide16.xml><?xml version="1.0" encoding="utf-8"?>
+<p:sld xmlns:a="http://schemas.openxmlformats.org/drawingml/2006/main" xmlns:r="http://schemas.openxmlformats.org/officeDocument/2006/relationships" xmlns:p="http://schemas.openxmlformats.org/presentationml/2006/main">
+  <p:cSld>
+    <p:spTree>
+      <p:nvGrpSpPr>
+        <p:cNvPr id="1" name=""/>
+        <p:cNvGrpSpPr/>
+        <p:nvPr/>
+      </p:nvGrpSpPr>
+      <p:grpSpPr>
+        <a:xfrm>
+          <a:off x="0" y="0"/>
+          <a:ext cx="0" cy="0"/>
+          <a:chOff x="0" y="0"/>
+          <a:chExt cx="0" cy="0"/>
+        </a:xfrm>
+      </p:grpSpPr>
+      <p:sp>
+        <p:nvSpPr>
+          <p:cNvPr id="2" name="Title 1"/>
+          <p:cNvSpPr>
+            <a:spLocks noGrp="1"/>
+          </p:cNvSpPr>
+          <p:nvPr>
+            <p:ph type="title"/>
+          </p:nvPr>
+        </p:nvSpPr>
+        <p:spPr/>
+        <p:txBody>
+          <a:bodyPr/>
+          <a:lstStyle/>
+          <a:p>
+            <a:r>
+              <a:rPr lang="en-US" dirty="0"/>
+              <a:t>Quick practice - continued</a:t>
+            </a:r>
+          </a:p>
+        </p:txBody>
+      </p:sp>
+      <p:sp>
+        <p:nvSpPr>
+          <p:cNvPr id="3" name="Content Placeholder 2"/>
+          <p:cNvSpPr>
+            <a:spLocks noGrp="1"/>
+          </p:cNvSpPr>
+          <p:nvPr>
+            <p:ph idx="1"/>
+          </p:nvPr>
+        </p:nvSpPr>
+        <p:spPr/>
+        <p:txBody>
+          <a:bodyPr/>
+          <a:lstStyle/>
+          <a:p>
+            <a:r>
+              <a:rPr lang="en-US" dirty="0" err="1"/>
+              <a:t>git</a:t>
+            </a:r>
+            <a:r>
+              <a:rPr lang="en-US" dirty="0"/>
+              <a:t> merge dev</a:t>
+            </a:r>
+          </a:p>
+          <a:p>
+            <a:r>
+              <a:rPr lang="en-US" dirty="0"/>
+              <a:t>Fix the conflicts</a:t>
+            </a:r>
+          </a:p>
+          <a:p>
+            <a:r>
+              <a:rPr lang="en-US" dirty="0" err="1"/>
+              <a:t>git</a:t>
+            </a:r>
+            <a:r>
+              <a:rPr lang="en-US" dirty="0"/>
+              <a:t> add .</a:t>
+            </a:r>
+          </a:p>
+          <a:p>
+            <a:r>
+              <a:rPr lang="en-US" dirty="0" err="1"/>
+              <a:t>git</a:t>
+            </a:r>
+            <a:r>
+              <a:rPr lang="en-US" dirty="0"/>
+              <a:t> commit</a:t>
+            </a:r>
+          </a:p>
+          <a:p>
+            <a:r>
+              <a:rPr lang="en-US" dirty="0" err="1"/>
+              <a:t>git</a:t>
+            </a:r>
+            <a:r>
+              <a:rPr lang="en-US" dirty="0"/>
+              <a:t> </a:t>
+            </a:r>
+            <a:r>
+              <a:rPr lang="en-US" dirty="0" err="1"/>
+              <a:t>gui</a:t>
+            </a:r>
+            <a:endParaRPr lang="en-US" dirty="0"/>
+          </a:p>
+        </p:txBody>
+      </p:sp>
+    </p:spTree>
+    <p:extLst>
+      <p:ext uri="{BB962C8B-B14F-4D97-AF65-F5344CB8AC3E}">
+        <p14:creationId xmlns:p14="http://schemas.microsoft.com/office/powerpoint/2010/main" val="669782732"/>
+      </p:ext>
+    </p:extLst>
+  </p:cSld>
+  <p:clrMapOvr>
+    <a:masterClrMapping/>
+  </p:clrMapOvr>
+</p:sld>
+</file>
+
+<file path=ppt/slides/slide17.xml><?xml version="1.0" encoding="utf-8"?>
+<p:sld xmlns:a="http://schemas.openxmlformats.org/drawingml/2006/main" xmlns:r="http://schemas.openxmlformats.org/officeDocument/2006/relationships" xmlns:p="http://schemas.openxmlformats.org/presentationml/2006/main">
+  <p:cSld>
+    <p:spTree>
+      <p:nvGrpSpPr>
+        <p:cNvPr id="1" name=""/>
+        <p:cNvGrpSpPr/>
+        <p:nvPr/>
+      </p:nvGrpSpPr>
+      <p:grpSpPr>
+        <a:xfrm>
+          <a:off x="0" y="0"/>
+          <a:ext cx="0" cy="0"/>
+          <a:chOff x="0" y="0"/>
+          <a:chExt cx="0" cy="0"/>
+        </a:xfrm>
+      </p:grpSpPr>
+      <p:sp>
+        <p:nvSpPr>
+          <p:cNvPr id="2" name="Title 1"/>
+          <p:cNvSpPr>
+            <a:spLocks noGrp="1"/>
+          </p:cNvSpPr>
+          <p:nvPr>
+            <p:ph type="title"/>
+          </p:nvPr>
+        </p:nvSpPr>
+        <p:spPr/>
+        <p:txBody>
+          <a:bodyPr/>
+          <a:lstStyle/>
+          <a:p>
+            <a:r>
+              <a:rPr lang="en-US" dirty="0"/>
+              <a:t>Compare perforce and </a:t>
+            </a:r>
+            <a:r>
+              <a:rPr lang="en-US" dirty="0" err="1"/>
+              <a:t>git</a:t>
+            </a:r>
+            <a:endParaRPr lang="en-US" dirty="0"/>
+          </a:p>
+        </p:txBody>
+      </p:sp>
+      <p:graphicFrame>
+        <p:nvGraphicFramePr>
+          <p:cNvPr id="4" name="Content Placeholder 3"/>
+          <p:cNvGraphicFramePr>
+            <a:graphicFrameLocks noGrp="1"/>
+          </p:cNvGraphicFramePr>
+          <p:nvPr>
+            <p:ph idx="1"/>
+            <p:extLst>
+              <p:ext uri="{D42A27DB-BD31-4B8C-83A1-F6EECF244321}">
+                <p14:modId xmlns:p14="http://schemas.microsoft.com/office/powerpoint/2010/main" val="3924658987"/>
+              </p:ext>
+            </p:extLst>
+          </p:nvPr>
+        </p:nvGraphicFramePr>
+        <p:xfrm>
+          <a:off x="1150069" y="2093976"/>
+          <a:ext cx="7070103" cy="3723592"/>
+        </p:xfrm>
+        <a:graphic>
+          <a:graphicData uri="http://schemas.openxmlformats.org/drawingml/2006/table">
+            <a:tbl>
+              <a:tblPr>
+                <a:tableStyleId>{5C22544A-7EE6-4342-B048-85BDC9FD1C3A}</a:tableStyleId>
+              </a:tblPr>
+              <a:tblGrid>
+                <a:gridCol w="3305130">
+                  <a:extLst>
+                    <a:ext uri="{9D8B030D-6E8A-4147-A177-3AD203B41FA5}">
+                      <a16:colId xmlns:a16="http://schemas.microsoft.com/office/drawing/2014/main" val="875865050"/>
+                    </a:ext>
+                  </a:extLst>
+                </a:gridCol>
+                <a:gridCol w="3764973">
+                  <a:extLst>
+                    <a:ext uri="{9D8B030D-6E8A-4147-A177-3AD203B41FA5}">
+                      <a16:colId xmlns:a16="http://schemas.microsoft.com/office/drawing/2014/main" val="673790329"/>
+                    </a:ext>
+                  </a:extLst>
+                </a:gridCol>
+              </a:tblGrid>
+              <a:tr h="465449">
+                <a:tc>
+                  <a:txBody>
+                    <a:bodyPr/>
+                    <a:lstStyle/>
+                    <a:p>
+                      <a:pPr algn="l" fontAlgn="b"/>
+                      <a:r>
+                        <a:rPr lang="en-US" sz="2400" b="1" u="none" strike="noStrike" dirty="0">
+                          <a:effectLst/>
+                        </a:rPr>
+                        <a:t>Perforce</a:t>
+                      </a:r>
+                      <a:endParaRPr lang="en-US" sz="2400" b="1" i="0" u="none" strike="noStrike" dirty="0">
+                        <a:solidFill>
+                          <a:srgbClr val="000000"/>
+                        </a:solidFill>
+                        <a:effectLst/>
+                        <a:latin typeface="Calibri" panose="020F0502020204030204" pitchFamily="34" charset="0"/>
+                      </a:endParaRPr>
+                    </a:p>
+                  </a:txBody>
+                  <a:tcPr marL="6350" marR="6350" marT="6350" marB="0" anchor="b"/>
+                </a:tc>
+                <a:tc>
+                  <a:txBody>
+                    <a:bodyPr/>
+                    <a:lstStyle/>
+                    <a:p>
+                      <a:pPr algn="l" fontAlgn="b"/>
+                      <a:r>
+                        <a:rPr lang="en-US" sz="2400" b="1" u="none" strike="noStrike" dirty="0" err="1">
+                          <a:effectLst/>
+                        </a:rPr>
+                        <a:t>git</a:t>
+                      </a:r>
+                      <a:endParaRPr lang="en-US" sz="2400" b="1" i="0" u="none" strike="noStrike" dirty="0">
+                        <a:solidFill>
+                          <a:srgbClr val="000000"/>
+                        </a:solidFill>
+                        <a:effectLst/>
+                        <a:latin typeface="Calibri" panose="020F0502020204030204" pitchFamily="34" charset="0"/>
+                      </a:endParaRPr>
+                    </a:p>
+                  </a:txBody>
+                  <a:tcPr marL="6350" marR="6350" marT="6350" marB="0" anchor="b"/>
+                </a:tc>
+                <a:extLst>
+                  <a:ext uri="{0D108BD9-81ED-4DB2-BD59-A6C34878D82A}">
+                    <a16:rowId xmlns:a16="http://schemas.microsoft.com/office/drawing/2014/main" val="28899239"/>
+                  </a:ext>
+                </a:extLst>
+              </a:tr>
+              <a:tr h="465449">
+                <a:tc>
+                  <a:txBody>
+                    <a:bodyPr/>
+                    <a:lstStyle/>
+                    <a:p>
+                      <a:pPr algn="l" fontAlgn="b"/>
+                      <a:r>
+                        <a:rPr lang="en-US" sz="2400" u="none" strike="noStrike">
+                          <a:effectLst/>
+                        </a:rPr>
+                        <a:t>Get Latest Revision</a:t>
+                      </a:r>
+                      <a:endParaRPr lang="en-US" sz="2400" b="0" i="0" u="none" strike="noStrike">
+                        <a:solidFill>
+                          <a:srgbClr val="000000"/>
+                        </a:solidFill>
+                        <a:effectLst/>
+                        <a:latin typeface="Calibri" panose="020F0502020204030204" pitchFamily="34" charset="0"/>
+                      </a:endParaRPr>
+                    </a:p>
+                  </a:txBody>
+                  <a:tcPr marL="6350" marR="6350" marT="6350" marB="0" anchor="b"/>
+                </a:tc>
+                <a:tc>
+                  <a:txBody>
+                    <a:bodyPr/>
+                    <a:lstStyle/>
+                    <a:p>
+                      <a:pPr algn="l" fontAlgn="b"/>
+                      <a:r>
+                        <a:rPr lang="en-US" sz="2400" u="none" strike="noStrike">
+                          <a:effectLst/>
+                        </a:rPr>
+                        <a:t>pull</a:t>
+                      </a:r>
+                      <a:endParaRPr lang="en-US" sz="2400" b="0" i="0" u="none" strike="noStrike">
+                        <a:solidFill>
+                          <a:srgbClr val="000000"/>
+                        </a:solidFill>
+                        <a:effectLst/>
+                        <a:latin typeface="Calibri" panose="020F0502020204030204" pitchFamily="34" charset="0"/>
+                      </a:endParaRPr>
+                    </a:p>
+                  </a:txBody>
+                  <a:tcPr marL="6350" marR="6350" marT="6350" marB="0" anchor="b"/>
+                </a:tc>
+                <a:extLst>
+                  <a:ext uri="{0D108BD9-81ED-4DB2-BD59-A6C34878D82A}">
+                    <a16:rowId xmlns:a16="http://schemas.microsoft.com/office/drawing/2014/main" val="3820362752"/>
+                  </a:ext>
+                </a:extLst>
+              </a:tr>
+              <a:tr h="465449">
+                <a:tc>
+                  <a:txBody>
+                    <a:bodyPr/>
+                    <a:lstStyle/>
+                    <a:p>
+                      <a:pPr algn="l" fontAlgn="b"/>
+                      <a:r>
+                        <a:rPr lang="en-US" sz="2400" u="none" strike="noStrike">
+                          <a:effectLst/>
+                        </a:rPr>
+                        <a:t>checkout</a:t>
+                      </a:r>
+                      <a:endParaRPr lang="en-US" sz="2400" b="0" i="0" u="none" strike="noStrike">
+                        <a:solidFill>
+                          <a:srgbClr val="000000"/>
+                        </a:solidFill>
+                        <a:effectLst/>
+                        <a:latin typeface="Calibri" panose="020F0502020204030204" pitchFamily="34" charset="0"/>
+                      </a:endParaRPr>
+                    </a:p>
+                  </a:txBody>
+                  <a:tcPr marL="6350" marR="6350" marT="6350" marB="0" anchor="b"/>
+                </a:tc>
+                <a:tc>
+                  <a:txBody>
+                    <a:bodyPr/>
+                    <a:lstStyle/>
+                    <a:p>
+                      <a:pPr algn="l" fontAlgn="b"/>
+                      <a:r>
+                        <a:rPr lang="en-US" sz="2400" u="none" strike="noStrike">
+                          <a:effectLst/>
+                        </a:rPr>
+                        <a:t> </a:t>
+                      </a:r>
+                      <a:endParaRPr lang="en-US" sz="2400" b="0" i="0" u="none" strike="noStrike">
+                        <a:solidFill>
+                          <a:srgbClr val="000000"/>
+                        </a:solidFill>
+                        <a:effectLst/>
+                        <a:latin typeface="Calibri" panose="020F0502020204030204" pitchFamily="34" charset="0"/>
+                      </a:endParaRPr>
+                    </a:p>
+                  </a:txBody>
+                  <a:tcPr marL="6350" marR="6350" marT="6350" marB="0" anchor="b"/>
+                </a:tc>
+                <a:extLst>
+                  <a:ext uri="{0D108BD9-81ED-4DB2-BD59-A6C34878D82A}">
+                    <a16:rowId xmlns:a16="http://schemas.microsoft.com/office/drawing/2014/main" val="1390409723"/>
+                  </a:ext>
+                </a:extLst>
+              </a:tr>
+              <a:tr h="465449">
+                <a:tc>
+                  <a:txBody>
+                    <a:bodyPr/>
+                    <a:lstStyle/>
+                    <a:p>
+                      <a:pPr algn="l" fontAlgn="b"/>
+                      <a:r>
+                        <a:rPr lang="en-US" sz="2400" u="none" strike="noStrike">
+                          <a:effectLst/>
+                        </a:rPr>
+                        <a:t>shelf</a:t>
+                      </a:r>
+                      <a:endParaRPr lang="en-US" sz="2400" b="0" i="0" u="none" strike="noStrike">
+                        <a:solidFill>
+                          <a:srgbClr val="000000"/>
+                        </a:solidFill>
+                        <a:effectLst/>
+                        <a:latin typeface="Calibri" panose="020F0502020204030204" pitchFamily="34" charset="0"/>
+                      </a:endParaRPr>
+                    </a:p>
+                  </a:txBody>
+                  <a:tcPr marL="6350" marR="6350" marT="6350" marB="0" anchor="b"/>
+                </a:tc>
+                <a:tc>
+                  <a:txBody>
+                    <a:bodyPr/>
+                    <a:lstStyle/>
+                    <a:p>
+                      <a:pPr algn="l" fontAlgn="b"/>
+                      <a:r>
+                        <a:rPr lang="en-US" sz="2400" u="none" strike="noStrike">
+                          <a:effectLst/>
+                        </a:rPr>
+                        <a:t>stash</a:t>
+                      </a:r>
+                      <a:endParaRPr lang="en-US" sz="2400" b="0" i="0" u="none" strike="noStrike">
+                        <a:solidFill>
+                          <a:srgbClr val="000000"/>
+                        </a:solidFill>
+                        <a:effectLst/>
+                        <a:latin typeface="Calibri" panose="020F0502020204030204" pitchFamily="34" charset="0"/>
+                      </a:endParaRPr>
+                    </a:p>
+                  </a:txBody>
+                  <a:tcPr marL="6350" marR="6350" marT="6350" marB="0" anchor="b"/>
+                </a:tc>
+                <a:extLst>
+                  <a:ext uri="{0D108BD9-81ED-4DB2-BD59-A6C34878D82A}">
+                    <a16:rowId xmlns:a16="http://schemas.microsoft.com/office/drawing/2014/main" val="2890991305"/>
+                  </a:ext>
+                </a:extLst>
+              </a:tr>
+              <a:tr h="465449">
+                <a:tc>
+                  <a:txBody>
+                    <a:bodyPr/>
+                    <a:lstStyle/>
+                    <a:p>
+                      <a:pPr algn="l" fontAlgn="b"/>
+                      <a:r>
+                        <a:rPr lang="en-US" sz="2400" u="none" strike="noStrike">
+                          <a:effectLst/>
+                        </a:rPr>
+                        <a:t>Mark for Add</a:t>
+                      </a:r>
+                      <a:endParaRPr lang="en-US" sz="2400" b="0" i="0" u="none" strike="noStrike">
+                        <a:solidFill>
+                          <a:srgbClr val="000000"/>
+                        </a:solidFill>
+                        <a:effectLst/>
+                        <a:latin typeface="Calibri" panose="020F0502020204030204" pitchFamily="34" charset="0"/>
+                      </a:endParaRPr>
+                    </a:p>
+                  </a:txBody>
+                  <a:tcPr marL="6350" marR="6350" marT="6350" marB="0" anchor="b"/>
+                </a:tc>
+                <a:tc>
+                  <a:txBody>
+                    <a:bodyPr/>
+                    <a:lstStyle/>
+                    <a:p>
+                      <a:pPr algn="l" fontAlgn="b"/>
+                      <a:r>
+                        <a:rPr lang="en-US" sz="2400" u="none" strike="noStrike">
+                          <a:effectLst/>
+                        </a:rPr>
+                        <a:t>add</a:t>
+                      </a:r>
+                      <a:endParaRPr lang="en-US" sz="2400" b="0" i="0" u="none" strike="noStrike">
+                        <a:solidFill>
+                          <a:srgbClr val="000000"/>
+                        </a:solidFill>
+                        <a:effectLst/>
+                        <a:latin typeface="Calibri" panose="020F0502020204030204" pitchFamily="34" charset="0"/>
+                      </a:endParaRPr>
+                    </a:p>
+                  </a:txBody>
+                  <a:tcPr marL="6350" marR="6350" marT="6350" marB="0" anchor="b"/>
+                </a:tc>
+                <a:extLst>
+                  <a:ext uri="{0D108BD9-81ED-4DB2-BD59-A6C34878D82A}">
+                    <a16:rowId xmlns:a16="http://schemas.microsoft.com/office/drawing/2014/main" val="2596043408"/>
+                  </a:ext>
+                </a:extLst>
+              </a:tr>
+              <a:tr h="465449">
+                <a:tc>
+                  <a:txBody>
+                    <a:bodyPr/>
+                    <a:lstStyle/>
+                    <a:p>
+                      <a:pPr algn="l" fontAlgn="b"/>
+                      <a:r>
+                        <a:rPr lang="en-US" sz="2400" u="none" strike="noStrike">
+                          <a:effectLst/>
+                        </a:rPr>
+                        <a:t>submit</a:t>
+                      </a:r>
+                      <a:endParaRPr lang="en-US" sz="2400" b="0" i="0" u="none" strike="noStrike">
+                        <a:solidFill>
+                          <a:srgbClr val="000000"/>
+                        </a:solidFill>
+                        <a:effectLst/>
+                        <a:latin typeface="Calibri" panose="020F0502020204030204" pitchFamily="34" charset="0"/>
+                      </a:endParaRPr>
+                    </a:p>
+                  </a:txBody>
+                  <a:tcPr marL="6350" marR="6350" marT="6350" marB="0" anchor="b"/>
+                </a:tc>
+                <a:tc>
+                  <a:txBody>
+                    <a:bodyPr/>
+                    <a:lstStyle/>
+                    <a:p>
+                      <a:pPr algn="l" fontAlgn="b"/>
+                      <a:r>
+                        <a:rPr lang="en-US" sz="2400" u="none" strike="noStrike">
+                          <a:effectLst/>
+                        </a:rPr>
+                        <a:t>commit + push</a:t>
+                      </a:r>
+                      <a:endParaRPr lang="en-US" sz="2400" b="0" i="0" u="none" strike="noStrike">
+                        <a:solidFill>
+                          <a:srgbClr val="000000"/>
+                        </a:solidFill>
+                        <a:effectLst/>
+                        <a:latin typeface="Calibri" panose="020F0502020204030204" pitchFamily="34" charset="0"/>
+                      </a:endParaRPr>
+                    </a:p>
+                  </a:txBody>
+                  <a:tcPr marL="6350" marR="6350" marT="6350" marB="0" anchor="b"/>
+                </a:tc>
+                <a:extLst>
+                  <a:ext uri="{0D108BD9-81ED-4DB2-BD59-A6C34878D82A}">
+                    <a16:rowId xmlns:a16="http://schemas.microsoft.com/office/drawing/2014/main" val="51471428"/>
+                  </a:ext>
+                </a:extLst>
+              </a:tr>
+              <a:tr h="465449">
+                <a:tc>
+                  <a:txBody>
+                    <a:bodyPr/>
+                    <a:lstStyle/>
+                    <a:p>
+                      <a:pPr algn="l" fontAlgn="b"/>
+                      <a:r>
+                        <a:rPr lang="en-US" sz="2400" u="none" strike="noStrike">
+                          <a:effectLst/>
+                        </a:rPr>
+                        <a:t>rollback</a:t>
+                      </a:r>
+                      <a:endParaRPr lang="en-US" sz="2400" b="0" i="0" u="none" strike="noStrike">
+                        <a:solidFill>
+                          <a:srgbClr val="000000"/>
+                        </a:solidFill>
+                        <a:effectLst/>
+                        <a:latin typeface="Calibri" panose="020F0502020204030204" pitchFamily="34" charset="0"/>
+                      </a:endParaRPr>
+                    </a:p>
+                  </a:txBody>
+                  <a:tcPr marL="6350" marR="6350" marT="6350" marB="0" anchor="b"/>
+                </a:tc>
+                <a:tc>
+                  <a:txBody>
+                    <a:bodyPr/>
+                    <a:lstStyle/>
+                    <a:p>
+                      <a:pPr algn="l" fontAlgn="b"/>
+                      <a:r>
+                        <a:rPr lang="en-US" sz="2400" u="none" strike="noStrike">
+                          <a:effectLst/>
+                        </a:rPr>
+                        <a:t>revert</a:t>
+                      </a:r>
+                      <a:endParaRPr lang="en-US" sz="2400" b="0" i="0" u="none" strike="noStrike">
+                        <a:solidFill>
+                          <a:srgbClr val="000000"/>
+                        </a:solidFill>
+                        <a:effectLst/>
+                        <a:latin typeface="Calibri" panose="020F0502020204030204" pitchFamily="34" charset="0"/>
+                      </a:endParaRPr>
+                    </a:p>
+                  </a:txBody>
+                  <a:tcPr marL="6350" marR="6350" marT="6350" marB="0" anchor="b"/>
+                </a:tc>
+                <a:extLst>
+                  <a:ext uri="{0D108BD9-81ED-4DB2-BD59-A6C34878D82A}">
+                    <a16:rowId xmlns:a16="http://schemas.microsoft.com/office/drawing/2014/main" val="1415783359"/>
+                  </a:ext>
+                </a:extLst>
+              </a:tr>
+              <a:tr h="465449">
+                <a:tc>
+                  <a:txBody>
+                    <a:bodyPr/>
+                    <a:lstStyle/>
+                    <a:p>
+                      <a:pPr algn="l" fontAlgn="b"/>
+                      <a:r>
+                        <a:rPr lang="en-US" sz="2400" u="none" strike="noStrike">
+                          <a:effectLst/>
+                        </a:rPr>
+                        <a:t>changelist</a:t>
+                      </a:r>
+                      <a:endParaRPr lang="en-US" sz="2400" b="0" i="0" u="none" strike="noStrike">
+                        <a:solidFill>
+                          <a:srgbClr val="000000"/>
+                        </a:solidFill>
+                        <a:effectLst/>
+                        <a:latin typeface="Calibri" panose="020F0502020204030204" pitchFamily="34" charset="0"/>
+                      </a:endParaRPr>
+                    </a:p>
+                  </a:txBody>
+                  <a:tcPr marL="6350" marR="6350" marT="6350" marB="0" anchor="b"/>
+                </a:tc>
+                <a:tc>
+                  <a:txBody>
+                    <a:bodyPr/>
+                    <a:lstStyle/>
+                    <a:p>
+                      <a:pPr algn="l" fontAlgn="b"/>
+                      <a:r>
+                        <a:rPr lang="en-US" sz="2400" u="none" strike="noStrike" dirty="0" err="1">
+                          <a:effectLst/>
+                        </a:rPr>
+                        <a:t>changelist</a:t>
+                      </a:r>
+                      <a:r>
+                        <a:rPr lang="en-US" sz="2400" u="none" strike="noStrike" dirty="0">
+                          <a:effectLst/>
+                        </a:rPr>
+                        <a:t> (not popular)</a:t>
+                      </a:r>
+                      <a:endParaRPr lang="en-US" sz="2400" b="0" i="0" u="none" strike="noStrike" dirty="0">
+                        <a:solidFill>
+                          <a:srgbClr val="000000"/>
+                        </a:solidFill>
+                        <a:effectLst/>
+                        <a:latin typeface="Calibri" panose="020F0502020204030204" pitchFamily="34" charset="0"/>
+                      </a:endParaRPr>
+                    </a:p>
+                  </a:txBody>
+                  <a:tcPr marL="6350" marR="6350" marT="6350" marB="0" anchor="b"/>
+                </a:tc>
+                <a:extLst>
+                  <a:ext uri="{0D108BD9-81ED-4DB2-BD59-A6C34878D82A}">
+                    <a16:rowId xmlns:a16="http://schemas.microsoft.com/office/drawing/2014/main" val="2975296752"/>
+                  </a:ext>
+                </a:extLst>
+              </a:tr>
+            </a:tbl>
+          </a:graphicData>
+        </a:graphic>
+      </p:graphicFrame>
+    </p:spTree>
+    <p:extLst>
+      <p:ext uri="{BB962C8B-B14F-4D97-AF65-F5344CB8AC3E}">
+        <p14:creationId xmlns:p14="http://schemas.microsoft.com/office/powerpoint/2010/main" val="1853173002"/>
+      </p:ext>
+    </p:extLst>
+  </p:cSld>
+  <p:clrMapOvr>
+    <a:masterClrMapping/>
+  </p:clrMapOvr>
+</p:sld>
+</file>
+
+<file path=ppt/slides/slide18.xml><?xml version="1.0" encoding="utf-8"?>
+<p:sld xmlns:a="http://schemas.openxmlformats.org/drawingml/2006/main" xmlns:r="http://schemas.openxmlformats.org/officeDocument/2006/relationships" xmlns:p="http://schemas.openxmlformats.org/presentationml/2006/main">
+  <p:cSld>
+    <p:spTree>
+      <p:nvGrpSpPr>
+        <p:cNvPr id="1" name=""/>
+        <p:cNvGrpSpPr/>
+        <p:nvPr/>
+      </p:nvGrpSpPr>
+      <p:grpSpPr>
+        <a:xfrm>
+          <a:off x="0" y="0"/>
+          <a:ext cx="0" cy="0"/>
+          <a:chOff x="0" y="0"/>
+          <a:chExt cx="0" cy="0"/>
+        </a:xfrm>
+      </p:grpSpPr>
+      <p:sp>
+        <p:nvSpPr>
+          <p:cNvPr id="2" name="Title 1"/>
+          <p:cNvSpPr>
+            <a:spLocks noGrp="1"/>
+          </p:cNvSpPr>
+          <p:nvPr>
+            <p:ph type="title"/>
+          </p:nvPr>
+        </p:nvSpPr>
+        <p:spPr/>
+        <p:txBody>
+          <a:bodyPr/>
+          <a:lstStyle/>
+          <a:p>
+            <a:r>
+              <a:rPr lang="en-US" dirty="0" err="1"/>
+              <a:t>Git</a:t>
+            </a:r>
+            <a:r>
+              <a:rPr lang="en-US" dirty="0"/>
+              <a:t> on server</a:t>
+            </a:r>
+          </a:p>
+        </p:txBody>
+      </p:sp>
+      <p:sp>
+        <p:nvSpPr>
+          <p:cNvPr id="3" name="Content Placeholder 2"/>
+          <p:cNvSpPr>
+            <a:spLocks noGrp="1"/>
+          </p:cNvSpPr>
+          <p:nvPr>
+            <p:ph idx="1"/>
+          </p:nvPr>
+        </p:nvSpPr>
+        <p:spPr/>
+        <p:txBody>
+          <a:bodyPr/>
+          <a:lstStyle/>
+          <a:p>
+            <a:r>
+              <a:rPr lang="en-US" dirty="0" err="1"/>
+              <a:t>ssh</a:t>
+            </a:r>
+            <a:endParaRPr lang="en-US" dirty="0"/>
+          </a:p>
+          <a:p>
+            <a:endParaRPr lang="en-US" dirty="0"/>
+          </a:p>
+          <a:p>
+            <a:r>
+              <a:rPr lang="en-US" dirty="0"/>
+              <a:t>https</a:t>
+            </a:r>
+          </a:p>
+          <a:p>
+            <a:endParaRPr lang="en-US" dirty="0"/>
+          </a:p>
+          <a:p>
+            <a:r>
+              <a:rPr lang="en-US" dirty="0" err="1"/>
+              <a:t>git</a:t>
+            </a:r>
+            <a:endParaRPr lang="en-US" dirty="0"/>
+          </a:p>
+          <a:p>
+            <a:endParaRPr lang="en-US" dirty="0"/>
+          </a:p>
+        </p:txBody>
+      </p:sp>
+    </p:spTree>
+    <p:extLst>
+      <p:ext uri="{BB962C8B-B14F-4D97-AF65-F5344CB8AC3E}">
+        <p14:creationId xmlns:p14="http://schemas.microsoft.com/office/powerpoint/2010/main" val="2981275754"/>
+      </p:ext>
+    </p:extLst>
+  </p:cSld>
+  <p:clrMapOvr>
+    <a:masterClrMapping/>
+  </p:clrMapOvr>
+</p:sld>
+</file>
+
+<file path=ppt/slides/slide19.xml><?xml version="1.0" encoding="utf-8"?>
+<p:sld xmlns:a="http://schemas.openxmlformats.org/drawingml/2006/main" xmlns:r="http://schemas.openxmlformats.org/officeDocument/2006/relationships" xmlns:p="http://schemas.openxmlformats.org/presentationml/2006/main">
+  <p:cSld>
+    <p:spTree>
+      <p:nvGrpSpPr>
+        <p:cNvPr id="1" name=""/>
+        <p:cNvGrpSpPr/>
+        <p:nvPr/>
+      </p:nvGrpSpPr>
+      <p:grpSpPr>
+        <a:xfrm>
+          <a:off x="0" y="0"/>
+          <a:ext cx="0" cy="0"/>
+          <a:chOff x="0" y="0"/>
+          <a:chExt cx="0" cy="0"/>
+        </a:xfrm>
+      </p:grpSpPr>
+      <p:sp>
+        <p:nvSpPr>
+          <p:cNvPr id="2" name="Title 1"/>
+          <p:cNvSpPr>
+            <a:spLocks noGrp="1"/>
+          </p:cNvSpPr>
+          <p:nvPr>
+            <p:ph type="title"/>
+          </p:nvPr>
+        </p:nvSpPr>
+        <p:spPr/>
+        <p:txBody>
+          <a:bodyPr/>
+          <a:lstStyle/>
+          <a:p>
+            <a:r>
+              <a:rPr lang="en-US" dirty="0"/>
+              <a:t>Related tools</a:t>
+            </a:r>
+          </a:p>
+        </p:txBody>
+      </p:sp>
+      <p:sp>
+        <p:nvSpPr>
+          <p:cNvPr id="3" name="Content Placeholder 2"/>
+          <p:cNvSpPr>
+            <a:spLocks noGrp="1"/>
+          </p:cNvSpPr>
+          <p:nvPr>
+            <p:ph idx="1"/>
+          </p:nvPr>
+        </p:nvSpPr>
+        <p:spPr/>
+        <p:txBody>
+          <a:bodyPr/>
+          <a:lstStyle/>
+          <a:p>
+            <a:r>
+              <a:rPr lang="en-US" dirty="0"/>
+              <a:t>Github</a:t>
+            </a:r>
+          </a:p>
+          <a:p>
+            <a:endParaRPr lang="en-US" dirty="0"/>
+          </a:p>
+          <a:p>
+            <a:r>
+              <a:rPr lang="en-US" dirty="0"/>
+              <a:t>Stash</a:t>
+            </a:r>
+          </a:p>
+          <a:p>
+            <a:endParaRPr lang="en-US" dirty="0"/>
+          </a:p>
+          <a:p>
+            <a:r>
+              <a:rPr lang="en-US" dirty="0" err="1"/>
+              <a:t>jira</a:t>
+            </a:r>
+            <a:endParaRPr lang="en-US" dirty="0"/>
+          </a:p>
+        </p:txBody>
+      </p:sp>
+    </p:spTree>
+    <p:extLst>
+      <p:ext uri="{BB962C8B-B14F-4D97-AF65-F5344CB8AC3E}">
+        <p14:creationId xmlns:p14="http://schemas.microsoft.com/office/powerpoint/2010/main" val="765294816"/>
+      </p:ext>
+    </p:extLst>
+  </p:cSld>
+  <p:clrMapOvr>
+    <a:masterClrMapping/>
+  </p:clrMapOvr>
+</p:sld>
+</file>
+
+<file path=ppt/slides/slide2.xml><?xml version="1.0" encoding="utf-8"?>
+<p:sld xmlns:a="http://schemas.openxmlformats.org/drawingml/2006/main" xmlns:r="http://schemas.openxmlformats.org/officeDocument/2006/relationships" xmlns:p="http://schemas.openxmlformats.org/presentationml/2006/main">
+  <p:cSld>
+    <p:spTree>
+      <p:nvGrpSpPr>
+        <p:cNvPr id="1" name=""/>
+        <p:cNvGrpSpPr/>
+        <p:nvPr/>
+      </p:nvGrpSpPr>
+      <p:grpSpPr>
+        <a:xfrm>
+          <a:off x="0" y="0"/>
+          <a:ext cx="0" cy="0"/>
+          <a:chOff x="0" y="0"/>
+          <a:chExt cx="0" cy="0"/>
+        </a:xfrm>
+      </p:grpSpPr>
+      <p:sp>
+        <p:nvSpPr>
+          <p:cNvPr id="2" name="Title 1"/>
+          <p:cNvSpPr>
+            <a:spLocks noGrp="1"/>
+          </p:cNvSpPr>
+          <p:nvPr>
+            <p:ph type="title"/>
+          </p:nvPr>
+        </p:nvSpPr>
+        <p:spPr/>
+        <p:txBody>
+          <a:bodyPr/>
+          <a:lstStyle/>
+          <a:p>
+            <a:r>
+              <a:rPr lang="en-US" dirty="0"/>
+              <a:t>Agenda	</a:t>
+            </a:r>
+          </a:p>
+        </p:txBody>
+      </p:sp>
+      <p:sp>
+        <p:nvSpPr>
+          <p:cNvPr id="3" name="Content Placeholder 2"/>
+          <p:cNvSpPr>
+            <a:spLocks noGrp="1"/>
+          </p:cNvSpPr>
+          <p:nvPr>
+            <p:ph idx="1"/>
+          </p:nvPr>
+        </p:nvSpPr>
+        <p:spPr/>
+        <p:txBody>
+          <a:bodyPr/>
+          <a:lstStyle/>
+          <a:p>
+            <a:r>
+              <a:rPr lang="en-US" altLang="zh-CN" dirty="0"/>
+              <a:t>General ideas</a:t>
+            </a:r>
+          </a:p>
+          <a:p>
+            <a:r>
+              <a:rPr lang="en-US" dirty="0"/>
+              <a:t>Basic commands</a:t>
+            </a:r>
+          </a:p>
+          <a:p>
+            <a:r>
+              <a:rPr lang="en-US" dirty="0"/>
+              <a:t>Working collaboratively </a:t>
+            </a:r>
+          </a:p>
+          <a:p>
+            <a:r>
+              <a:rPr lang="en-US" dirty="0"/>
+              <a:t>Advanced commands</a:t>
+            </a:r>
+          </a:p>
+          <a:p>
+            <a:r>
+              <a:rPr lang="en-US" dirty="0"/>
+              <a:t>Underlying</a:t>
+            </a:r>
+          </a:p>
+          <a:p>
+            <a:r>
+              <a:rPr lang="en-US" dirty="0"/>
+              <a:t>Configuration/Customizing</a:t>
+            </a:r>
+          </a:p>
+          <a:p>
+            <a:r>
+              <a:rPr lang="en-US" dirty="0"/>
+              <a:t>Comparison with perforce</a:t>
+            </a:r>
+          </a:p>
+          <a:p>
+            <a:r>
+              <a:rPr lang="en-US" dirty="0"/>
+              <a:t>Related tools</a:t>
+            </a:r>
+          </a:p>
+          <a:p>
+            <a:endParaRPr lang="en-US" dirty="0"/>
+          </a:p>
+        </p:txBody>
+      </p:sp>
+    </p:spTree>
+    <p:extLst>
+      <p:ext uri="{BB962C8B-B14F-4D97-AF65-F5344CB8AC3E}">
+        <p14:creationId xmlns:p14="http://schemas.microsoft.com/office/powerpoint/2010/main" val="1428037075"/>
+      </p:ext>
+    </p:extLst>
+  </p:cSld>
+  <p:clrMapOvr>
+    <a:masterClrMapping/>
+  </p:clrMapOvr>
+</p:sld>
+</file>
+
+<file path=ppt/slides/slide20.xml><?xml version="1.0" encoding="utf-8"?>
+<p:sld xmlns:a="http://schemas.openxmlformats.org/drawingml/2006/main" xmlns:r="http://schemas.openxmlformats.org/officeDocument/2006/relationships" xmlns:p="http://schemas.openxmlformats.org/presentationml/2006/main">
+  <p:cSld>
+    <p:spTree>
+      <p:nvGrpSpPr>
+        <p:cNvPr id="1" name=""/>
+        <p:cNvGrpSpPr/>
+        <p:nvPr/>
+      </p:nvGrpSpPr>
+      <p:grpSpPr>
+        <a:xfrm>
+          <a:off x="0" y="0"/>
+          <a:ext cx="0" cy="0"/>
+          <a:chOff x="0" y="0"/>
+          <a:chExt cx="0" cy="0"/>
+        </a:xfrm>
+      </p:grpSpPr>
+      <p:sp>
+        <p:nvSpPr>
+          <p:cNvPr id="2" name="Title 1"/>
+          <p:cNvSpPr>
+            <a:spLocks noGrp="1"/>
+          </p:cNvSpPr>
+          <p:nvPr>
+            <p:ph type="title"/>
+          </p:nvPr>
+        </p:nvSpPr>
+        <p:spPr/>
+        <p:txBody>
+          <a:bodyPr/>
+          <a:lstStyle/>
+          <a:p>
+            <a:r>
+              <a:rPr lang="en-US" dirty="0"/>
+              <a:t>Not included</a:t>
+            </a:r>
+          </a:p>
+        </p:txBody>
+      </p:sp>
+      <p:sp>
+        <p:nvSpPr>
+          <p:cNvPr id="3" name="Content Placeholder 2"/>
+          <p:cNvSpPr>
+            <a:spLocks noGrp="1"/>
+          </p:cNvSpPr>
+          <p:nvPr>
+            <p:ph idx="1"/>
+          </p:nvPr>
+        </p:nvSpPr>
+        <p:spPr/>
+        <p:txBody>
+          <a:bodyPr/>
+          <a:lstStyle/>
+          <a:p>
+            <a:r>
+              <a:rPr lang="en-US" dirty="0" err="1"/>
+              <a:t>Git</a:t>
+            </a:r>
+            <a:r>
+              <a:rPr lang="en-US" dirty="0"/>
+              <a:t> merge</a:t>
+            </a:r>
+          </a:p>
+          <a:p>
+            <a:r>
+              <a:rPr lang="en-US" dirty="0"/>
+              <a:t>Setup </a:t>
+            </a:r>
+            <a:r>
+              <a:rPr lang="en-US" dirty="0" err="1"/>
+              <a:t>git</a:t>
+            </a:r>
+            <a:r>
+              <a:rPr lang="en-US" dirty="0"/>
+              <a:t> server</a:t>
+            </a:r>
+          </a:p>
+          <a:p>
+            <a:r>
+              <a:rPr lang="en-US" dirty="0"/>
+              <a:t>Customizing </a:t>
+            </a:r>
+            <a:r>
+              <a:rPr lang="en-US" dirty="0" err="1"/>
+              <a:t>git</a:t>
+            </a:r>
+            <a:endParaRPr lang="en-US" dirty="0"/>
+          </a:p>
+          <a:p>
+            <a:pPr lvl="1"/>
+            <a:r>
+              <a:rPr lang="en-US" dirty="0" err="1"/>
+              <a:t>Git</a:t>
+            </a:r>
+            <a:r>
+              <a:rPr lang="en-US" dirty="0"/>
+              <a:t> hooks</a:t>
+            </a:r>
+          </a:p>
+          <a:p>
+            <a:pPr lvl="1"/>
+            <a:r>
+              <a:rPr lang="en-US" dirty="0" err="1"/>
+              <a:t>Git</a:t>
+            </a:r>
+            <a:r>
+              <a:rPr lang="en-US" dirty="0"/>
+              <a:t> attributes</a:t>
+            </a:r>
+          </a:p>
+          <a:p>
+            <a:r>
+              <a:rPr lang="en-US" dirty="0"/>
+              <a:t>Reference</a:t>
+            </a:r>
+          </a:p>
+          <a:p>
+            <a:pPr lvl="1"/>
+            <a:r>
+              <a:rPr lang="en-US" dirty="0"/>
+              <a:t>Pro </a:t>
+            </a:r>
+            <a:r>
+              <a:rPr lang="en-US" dirty="0" err="1"/>
+              <a:t>Git</a:t>
+            </a:r>
+            <a:r>
+              <a:rPr lang="en-US" dirty="0"/>
+              <a:t> </a:t>
+            </a:r>
+            <a:r>
+              <a:rPr lang="en-US" dirty="0"/>
+              <a:t>https://git-scm.com/book/en/v2</a:t>
+            </a:r>
+            <a:endParaRPr lang="en-US" dirty="0"/>
+          </a:p>
+          <a:p>
+            <a:endParaRPr lang="en-US" dirty="0"/>
+          </a:p>
+        </p:txBody>
+      </p:sp>
+    </p:spTree>
+    <p:extLst>
+      <p:ext uri="{BB962C8B-B14F-4D97-AF65-F5344CB8AC3E}">
+        <p14:creationId xmlns:p14="http://schemas.microsoft.com/office/powerpoint/2010/main" val="834050660"/>
+      </p:ext>
+    </p:extLst>
+  </p:cSld>
+  <p:clrMapOvr>
+    <a:masterClrMapping/>
+  </p:clrMapOvr>
+</p:sld>
+</file>
+
+<file path=ppt/slides/slide3.xml><?xml version="1.0" encoding="utf-8"?>
+<p:sld xmlns:a="http://schemas.openxmlformats.org/drawingml/2006/main" xmlns:r="http://schemas.openxmlformats.org/officeDocument/2006/relationships" xmlns:p="http://schemas.openxmlformats.org/presentationml/2006/main">
+  <p:cSld>
+    <p:spTree>
+      <p:nvGrpSpPr>
+        <p:cNvPr id="1" name=""/>
+        <p:cNvGrpSpPr/>
+        <p:nvPr/>
+      </p:nvGrpSpPr>
+      <p:grpSpPr>
+        <a:xfrm>
+          <a:off x="0" y="0"/>
+          <a:ext cx="0" cy="0"/>
+          <a:chOff x="0" y="0"/>
+          <a:chExt cx="0" cy="0"/>
+        </a:xfrm>
+      </p:grpSpPr>
+      <p:sp>
+        <p:nvSpPr>
+          <p:cNvPr id="2" name="Title 1"/>
+          <p:cNvSpPr>
+            <a:spLocks noGrp="1"/>
+          </p:cNvSpPr>
+          <p:nvPr>
+            <p:ph type="title"/>
+          </p:nvPr>
+        </p:nvSpPr>
+        <p:spPr/>
+        <p:txBody>
+          <a:bodyPr/>
+          <a:lstStyle/>
+          <a:p>
+            <a:r>
+              <a:rPr lang="en-US" dirty="0"/>
+              <a:t>history</a:t>
+            </a:r>
+          </a:p>
+        </p:txBody>
+      </p:sp>
+      <p:sp>
+        <p:nvSpPr>
+          <p:cNvPr id="3" name="Content Placeholder 2"/>
+          <p:cNvSpPr>
+            <a:spLocks noGrp="1"/>
+          </p:cNvSpPr>
+          <p:nvPr>
+            <p:ph idx="1"/>
+          </p:nvPr>
+        </p:nvSpPr>
+        <p:spPr/>
+        <p:txBody>
+          <a:bodyPr/>
+          <a:lstStyle/>
+          <a:p>
+            <a:r>
+              <a:rPr lang="en-US" dirty="0"/>
+              <a:t>Linux kernel</a:t>
+            </a:r>
+          </a:p>
+          <a:p>
+            <a:r>
+              <a:rPr lang="en-US" dirty="0" err="1"/>
+              <a:t>BitKeeper</a:t>
+            </a:r>
+            <a:r>
+              <a:rPr lang="en-US" dirty="0"/>
+              <a:t> </a:t>
+            </a:r>
+          </a:p>
+          <a:p>
+            <a:r>
+              <a:rPr lang="en-US" dirty="0"/>
+              <a:t>Linus Torvalds</a:t>
+            </a:r>
+          </a:p>
+        </p:txBody>
+      </p:sp>
+      <p:sp>
+        <p:nvSpPr>
+          <p:cNvPr id="4" name="AutoShape 2" descr=" "/>
+          <p:cNvSpPr>
+            <a:spLocks noChangeAspect="1" noChangeArrowheads="1"/>
+          </p:cNvSpPr>
+          <p:nvPr/>
+        </p:nvSpPr>
+        <p:spPr bwMode="auto">
+          <a:xfrm>
+            <a:off x="3932635" y="2789635"/>
+            <a:ext cx="3095048" cy="3095048"/>
+          </a:xfrm>
+          <a:prstGeom prst="rect">
+            <a:avLst/>
+          </a:prstGeom>
+          <a:noFill/>
+          <a:extLst>
+            <a:ext uri="{909E8E84-426E-40DD-AFC4-6F175D3DCCD1}">
+              <a14:hiddenFill xmlns:a14="http://schemas.microsoft.com/office/drawing/2010/main">
+                <a:solidFill>
+                  <a:srgbClr val="FFFFFF"/>
+                </a:solidFill>
+              </a14:hiddenFill>
+            </a:ext>
+          </a:extLst>
+        </p:spPr>
+        <p:txBody>
+          <a:bodyPr vert="horz" wrap="square" lIns="68580" tIns="34290" rIns="68580" bIns="34290" numCol="1" anchor="t" anchorCtr="0" compatLnSpc="1">
+            <a:prstTxWarp prst="textNoShape">
+              <a:avLst/>
+            </a:prstTxWarp>
+          </a:bodyPr>
+          <a:lstStyle/>
+          <a:p>
+            <a:endParaRPr lang="en-US" sz="1350"/>
+          </a:p>
+        </p:txBody>
+      </p:sp>
+      <p:sp>
+        <p:nvSpPr>
+          <p:cNvPr id="5" name="AutoShape 4" descr="data:image/jpeg;base64,/9j/4AAQSkZJRgABAQAAAQABAAD/2wBDAAMCAgMCAgMDAwMEAwMEBQgFBQQEBQoHBwYIDAoMDAsKCwsNDhIQDQ4RDgsLEBYQERMUFRUVDA8XGBYUGBIUFRT/2wBDAQMEBAUEBQkFBQkUDQsNFBQUFBQUFBQUFBQUFBQUFBQUFBQUFBQUFBQUFBQUFBQUFBQUFBQUFBQUFBQUFBQUFBT/wAARCAEMAQwDASIAAhEBAxEB/8QAHQAAAgIDAQEBAAAAAAAAAAAABAUGBwIDCAEACf/EAD0QAAIBAwIEBAQFAgQFBQEAAAECAwAEEQUhBhIxQQcTIlEyYXGRFCNCgbEIUiRicqEVJTNDwRY0gtHhwv/EABsBAAIDAQEBAAAAAAAAAAAAAAACAQMFBAYH/8QAJhEAAgIBBAICAgMBAAAAAAAAAAECEQMEEiExE0EFIjJRFGFxI//aAAwDAQACEQMRAD8A41dm523PX3r5Gbm6n71tZfW31rwoQM1zjmiV2yfUfvXyu2PiP3r6RCScV8qGgD3nb+4/esSWJ6n71n5be1ZLEcZxQB4nN7n71sUt7n716ifKtyxH2qGSj6NmyPUfvRYdsfEfvWhUxW9ULdKUk+52/uP3r7Lf3H71sS3csBivZE8rdthQTRq5mH6j96zTnz8TfevAQ3TB+hrNZk5Ccjb51BKNgZifiP3rajP/AHN96GF3EIzIThR3r6PVrU/91PuM0E0wuUNy55m+9aFkfPxH71tW5S4GEYMPka8jCsScHb5VIGau6/qb71ieZj8TfesmYMdgftWxQAPnQBnbRt/c33omZXVB6m+9eW/pAJrbPIoUZqQFDNMr7lgPrWq6lY/qP3o24Zj06UDLEzdqghgTcxb4j960Sh/c/emCwlTuK0yp1oFFEit7n71oYtvufvTOWLIO1BtCcHagAF+b3P3rS/N7n70Y6Yz70O4zTIhgxJGdzQszHPU0bLGQKCmGTTEAE7Hn6mtWT7mttwhDZrTnFSgLEPxt9ayYZSs2gw7b969MeBSE0DcleqlbxDms1tqUkG5K2KnoNbvwxrNYcLigAdE9VEhNq8WLBzRCJkVJJp5MUl1zXXtmWztk/wARJk856Io70+uR5MTNncDIqGyzOzzOVVjISG5+/wAhVTkWKLYsk4i1TSZMtM9y/cMPQPoaQ6lxRq93Kzm6aFCdlj6CpJKkV0TG4Il6btkAVrPChuehAB6bUm7b2WKNkci4h1OKF/JuWWQ/qpvpes6tqhKuxlIHxkYxRdrwZMLqSPHMoAJb2qXWmgRaZpf4aOLzBL/3c9R3qHMjYVvql3eTvIguSijYsG2H2pfa29yjCQSyvIexFWNFotnptlLcyInmytzRl9kVffHcil0c0ckySSuLdSDyAr6nHv8AKrE7JqhNZ3Wo2y81vPLzkbj2r6biDWCwM1/PEV6crAD96kUkKTIDFKMHuxC5pDrOmPzuhjEUiIX5W25voe9RuCjLT/EPWLKc+ZJHew46H4j+9TPQ+PrHVOWKcGyum6JIcq30NVLMwREZQAWOCvtWlp3U7MVA9jU7iNp0lbuHjByD9DXzqZP2ql+FPEK+0ZBBct+JtV6FvjUfXvVs6Fq9trtsk1tOrhvbrTbhWgqZfLGG3NASuwbY05eIY9RzQM0Cls4FMICAk9a1vFnet7py15nbpQKBSQ7Ghmh9Jpmy5B2oZ15QdqAoTzQ+o0K0PqNNZUySaGaMA0ABSw+kUtlh9VO5cEYoCaPfNMLQouocZpe64anN2KWunqpiCy5ID5jdeprwQEHfNMJE9bfU1j5earHoESGtyw0QkIrZ5YUUBQJ5NfeTRDbdK8UFj8qAo0eTXvL5QLDcDr8qKMWFzWpmjSYtK3LBGvM/t+9Q3SGjG2JdavQiITjlIOPnUDvdUe9lkRBG1uDjIxkH3zTDinXheSOiYEGCeYDZR7fvUA1DUHJjjtlZIuX4cYrnim3Z0dIk1lHbxXTNHO8k7YAQnNWRw9pl7dpGpjchMZXHQ9/vUc8E/C654y1Mz3UckVnEVJlX9R64FddabwfZWVpEkUAj5RjPUn6nvXNmzRjwaOm0s8i3FJ3XDUsdpM/lMHk3xjpS+Tha4xGFWTaMqDj/AHroefhaC4VQ6nFaLrhm2togFB9KFa5P5KZoL4+Rzhq+gc5i8yMsEUIsZ6HFQnVtAuIJWlcs7uSPgxgGuldX4fhwCIwShyGxvUK13h2OdwzKcqMCr4ag5p6CVlDSXsOkP5DpJMi7sen2pwn/ADDSiHP5fWGdd+R+2fkehqT6twXZuzMyFjnvQPD2jImryWg/9vKNou2fer1mTOGemlDsqrVVW11GQqpy2zZ96EdywzjapX4h6EdPLzJ6ZEYq4I6n5VEopFaJMn0sNj866ErVnK+HR6GwM42ptw5xFd8LXa3Vq+IwfzIidnBpHzSFSrjHKSD9a8jnVyeft0p6EaOieHeJLbijT4ri3cluX1qRup75pp5DNuASK5+4X4lueHNWF1b5MLDEkYPpP7V0joGo23EWkR3ltgqVAPL2OOlMmVtMWmA9xXhtPTmm81tjoN60tHtipuyBQ8GAaFlh2NOZIAQaBlj3xUgJbiLCHFAvGadXMYwaXSLigUAKEUNMm9HTNihZNzUkCu6TrS909VOZ4wwJNAPCvNTilqSQ/mNt3NYGLA6U0mhHmPt3NaGgI7VWWgaJWTx5xW4R+rpW0wkgYFAAi2xbtW6Kzx2ouKHHUVvEeGFAC+WEIOlQvi7VFtrWS3iYmSQ8h/zEnYVYWoxiCzaVh6cb49qpO+1D8Zc3N5JkLG7CMHoz9h+1Uzd0i2C7A7u3GnWrcw8y5z1b4V+eO5rDgTgLUuPuI4LW1jeVC3NJKwPpWmkOmXGsFIVRnnlxkBScV114MeGS8EcPQmVU/HTgSSMhPpx0XeubNkWODaNDS4Hnmv0NuD+C7XhXR4LK0iEaogUj3Pc0+NtJ0qR2mm+amcDJPtRo0UlR6Rn6VgNuXLPaY8cMaqiLLbyOB8q03lizrgjtU1j0kKPhA/ag9QsFQg4GMUKLLOCqdZsWSRlA2x0qM32liQHmXNWdrVksk5wuNvao7f2ICEcu/wBKdWiqUEypdW0YerC+9QGctoerW92fQsb+r6d6uzUbNSWBUd6rfifSlkVlKA5z1FdUJGbmxIiXifaxXuLxFDw3CkEruNxkVRqKbC8mt5NlY+kVd18Hn4VvbPmLTQnmGP0gdKqDiGyLxLdL1VstjrWvglapnmM8drBrxWkUM3pmUBSB+oe9DLArLlnKH2xuaOSUXFr5uMEED7igbtGLKwO/T9qvRzG1G8uFhnrU28K+PH4Z1SKG6b/l0rBZQT09jUDLHv7V6ZVERyO+aKFfJ1/NLFKBJEQyMAysu4IPtQzrmq38GeKp77Tf+HXLeaYj6Cf0j2+lWcEyx9qEK1QFImxpdMnqp1MgCnalc4GDTCiq8XCtSubpTa63Q0rlXbpUkWL56HfrRzpnO2aFlTBqVwI0BS/DQT/FR042NAsPUadEF4vFmV/qaxmt8Rk4phJBidv9RrG6QCM1VZaJBH6qMhhyvSsQvqNEqeUCpAxEOO1YeSTOvYVu5zXqsS2cUMAPiOH/AJLcAHpGx2+lc9rG0d7HA4/OLHlXrjJ3P1xXSs8BuLOUMNuRjmqEvrJLfV5ZV/Q2Q3tVL7LocloeCXC//E+KLS3eMRw83Oyj4tveux47YSSlEQAAgbD5Vzj/AE02vNqrykY5Rsp6jPc11To9moeQ9i+RWHqHunR6r4/Go49wXo+kehc/xT1NIUjt9q32MKpADRwACAiojFNGk5MjV1p2HIzgj5VH9bh8gpj1ZOPpUzveUylycEjFRvWYEIJB7VElQ8XZEr7Tlkl5gQf2qO6pbrE7KQNvlUukzFDze52qK64zHnkI3NVlyINrcKnOMde1QTXLQFG6E4NTbUpW8x8jAzUQ1dgHfG6HoferInFmKs1S3NrcO2PSyMpHvmqnvVkhknt3OYpGJAI+dXnrdl58T7HmxVV8VaIxYMVK8hzWhinXZ53UY76IK6G1nfbK+1YPAUlbqwIBzTO4tjPIRg5z2ouLTpHtQxQ53+1d29IzFBkZIycHY1i0JFb7+Ex3CnGMVjI7PuBVnorJ54JXklrxfHbZzHcqVAx8LDo1dEGFhnIzn5VytwTfXGncSadcxEo8cy9O+/Sut0Jnt4psfGvMcdjUCyE1ypCnalNwpwdqkl0hIO1J7iL0namQggnU4O1ASofandynKCcUskJ5jtUisWOmM0LMN6OnPqoKbrQQAzgY7UE6+rpR0qcxzWkxb9KdCl9XKnz2+poS5zg5pzd2+Z3wMbml91aMMknaqi0VhcmtxAwM1uS3+lbfww7imAGSHnO1G2umySYAWtlpaZPQVMOH9ORowzqDvStkkYvtLng0m5Kr+YVIUfLFUBrVg9vqTearRupH5bdT8zXYb29sFYGPOxx9a5x8bOH5NFvlvCHKzkMWYd6rastg6Za/9LyRzJel+YsmACcV1FpcB8vIG1cm/wBKF4He9jJJZwrCut7GQQw8zOFX3JrByp+Ro9houcI+tI2MIA60RHDKD6h6e1R/T+L9PWbka4jUDOctgV5qXido2k2wuJ7mPymblU83X9utWRVF0pV2HXcfOk2R6l+Govqs+QeU9BvTWDjDTtaeIW0yfmdN+tB6rpTmWcoRyD2pJFsHaFFjaNqEfKRlUOT+9R/iXTvLLqF2BqYcHsq6xcW0m4MJYD5g1FuOL1bW5mBOAGqsutlWcQ2bpKSg9GP96hl/AGjC42XOKkPGHGNpYnkZuZuuAaq/UPEW1E0sUi+Sw6HPWr4wZn5s8DdqMRycCo1qWniZSSoZvnX13xlAc4cv8xWqDW4b5RyuMn9J61dtZnylCRGb3hImUzJHgsaPfh5I7IkJuE3qSR4dQDuKwuyBbSgdOU0+53RS8UUrKL1iELcEY7mlnwvy9qda8v8AjZW/SWOB7Urj5efmYZrTXRjS/ImXhtw82ta5bKBlUcOcfKuo4YglskYXlVei+1Vn4HcGNZwSag6kLKAVAGxA96tZlB3A2NBTIXXMAKnApNcQkKcipFKnpNKblOZTtUpiIjtzFzAjFK5YOQnIqRTwdTild5D1p0FEeuosn0il08ZBp7LDuaX3MW9AULFiJWsWiwelHxw7Vrkh9ZqbIo6Mu7ZfOfYfEaW3Nr5gI6U+uI8zSf6jQ5tOc0gxHGtfLPvW61tBO/L0ptcWQUUNawyRzgohbelskc2HDZC8xIPfpT2y0dsAA8o+lH6CgmhJYYI7U4K8kZPKKWwQohtFjfy2IYjvVaf1K6FFf8ASz8pDW+DletWdcALKZQd/aoZ4qJJq/BOrWgC/mQFRn37VMWWRXKKu/pJ1PyNekibPKy4yav8A8ReNryeVtL0//pRph5EG5qgP6btJOmcfQ2DD1YOQ303ro284S/CahNeOBEqkgP1XHXJrGzNeQ9PpdyxUUxrXEGq2uYbSC4Lkb5HMT9KhM19r17fET2t1Iw7S5AA+VXVNxZd8V6w+n8OaSLy8h29MfIF92ZzsB9N6p3xM4q4x0N9KN0IDcXl3Jam0s2LyQhTjmc9hV2PHLJG4lebLDG1uZa/AEl5a+VIZGiIAJDnP7Cr+sNVOo6XGwHM7kA4rkfhN9bjv4EF+0wuHKiKUnqOvKe1dU+FsDxwQRXYMbDJIb5GuOacXRrYWnBNAXFGtLwXxbp99Ivl28kbRSsTtuNqqHxK41ga/nxOAGIxhs1L/AOqe/wD+XxGEgsNzynpXHeoa3dXerWmeZiWAYE9KbFDcJnyuC4LE1LgvVuMP8TZEKvTLnAIpFN4La+6yZhtoNt2Lhi30qXaHfXN/f2mllpXiZlJKtiKNM+pmA3Y/Ksf6keGItFsEi4N1PVNSvm8plkJ5YAhB5xyj4WB/2rtxQlJ1ZiZnFcyTZWF94WX+kxuJZFLAZwCP/FJo9Gu7CX1RkAfqoy307XdOto5pLy4nLqBLFJkHON8GmGl6pczF7a8jJH6HPX96slx7EglLmqCNODGNQTviiNRX/ATuP0L0963Rwj9NYXkZa3kX3Uiua+TqXVFI6yvmzOR2JoG0spCoby2bf2qQ3OmE6hLE2cB8ZqSwqminSZnj8+CVwkkZGw3rv8qSRmRw72y/fDTRJrPgnSw5ZWki5yCNx8qkMmnFR1qUW1tHNplrJEnLG8asBjGNqGurblXpVt2Zs+2iJSwY2oSW2HKSQKdXUZUnahhbiXrtmpEEF1Zc8JIGKRXdiTkZqdS2gReXt70ivLMGRse9MmSQyaxIJpZc225+VTK7swRtSW6sxvTgRzATtWJQMc5xRt1aFSetBMhU43oA6cuLVY5pM9eY1ojUGXA3pnPA008n+o/zW610xQ4LLVVjCK6tXYkldqN0bTMuxKmn0mjiVRyqKNtrFIEwFwe9AGFjEsAx0om4nYjkTdTWiX0dKwWUsnzoACvHaPOdqSapAup27QSfC+P5pvfh2zk7UNDaF8nG4wR96KGRH+AeDY9L8aEu0RhaG3Yo57kj/wDa6Rn0i31HTJIZB6WXBxUVfR4bKz0vUXQJPPgoo6qOXB/ipjpiSXEQwfRXn525M9yscdqcSOaRwjb6FcSy2kfkrgcrIMYPyqHcc+GVhxJrMmqvpay3jEFpeXBYjuauqONYI8kdKV6tevLHyKiqM7MOtWwnKEaTFeJSdyjZQejcBtZ6xFNJawgIeWKM5JTfc1b0cj2cCPgB1TlB96M0rRbdOaa5laeTJIBGOWtd55cwKKNzsKocb5OzHG2uDnjxp1mfUYpxPjlBKriubruE29350Qy4ORXQPjtItpdmBdvUcj51R0sQf1EZq3D9UcerX2onXDOuXE0MeJVhdQDnHepLdald6hG3nGObbA9OwquNDuzE2AcbVMLK8bIBbY10uUV0c8VLoW32nXEisqIqZ+W1R+60SSJyZBlx3FWeogaEkj1VHdWERdhjeqtwZMNckUhtzEoyKwmj5lYGmUwUEgUJMgCk/Kp7KKSIRq+mW9q/4qVuRHkCcx/uNZ69o5m4cZYW8yWJ1lUpX3HFhLd8PyPDIVeOVXI+VRrSeKJzPaWQkJAPKw987Gra3KyuNRZ2xwlcCbgbQ5SxZZLSMlie+N68uZS5IXcUn8IbkX/h1YxHJW2eSEZ7AMcVIri2RB6Rg1oQdxTPP5Y1OX+kfntGc7ihWt/LcU3mYKcNQ80YYE05QxZcgchJqN6jP5bHB71MDZmZMY61HtV0g8zbd6CCNSTFjQF5gdO9O7jTTEMkUpngL5qxdAIbzbOKUyfGae6hFykik8ies1Ip1jdW3LduFwBzH+aIhUIQp3PvXtxGZLmQHb1Hf962JAY9uvzqotNyEgbURDjfNDoD7Vk2QBgUAfXahvhFBwjlcAjO9GxgudxijorLIzj/AGoAS3Nv5p2GK+gsinXADYGabS2eXre9riNNv9qhqyLpoL1m5kkfRI8lovJ5A/bmHWpzw/Jy2hB61FMCfhyUhcurKwI6rg71JtGI5cdN6wJKpn0PE08cf8Q1eN5dgcCl0+nyBiS2R7U4Vgh96S69xNbaTE7ysqlRnBp5JJWXq74NDqwDb8oFKSS0mAcsTtitcPErcR2T+TCY422Dt6SaM0WKOyuYTcvhFJUnGcHtVa+3Rd+KOb/6gbMw6yXcZDL/AL1RksoDkctdH+Pl3baheHyyCCTkgbiqEh0+GeYqtzA8vQxrICRV8FSaMjUO5C/TLgJcNnb61NNPcOoI+VVzxUzaZfRqnxYGQKnvCTnULFHPpbG4qJR9lOKXokQmIXl6570q1KMjLk01CGJSpGfnQd8oaBqiKL5ytEbb1OcitVwAErfKORzQVy3mYHtVqM+Qk12Njw/O6xmTMqoVHsT1qNW3DFtohGq3MqyNgiKBerNUm1q9eCEQBsKx5iMdaacGcHz8d3VnarGfJiYvK5xhUzualW3SFdJbmXP4O2DaP4cacJ+cXFwWnIPbmNSiSQyHABowWcFnaJbW64ijVUX6AYFYx26g55hWnBUqPOZJbpuQtewaQ5zQ1zbNENzUnUIqHcdKRavIOVse1OVMWR3CxYz0pTqt8hJ2717cSkEnBpDqE5YnY9aBGYXF2rnGKVX8fICw6YoiM87HNe3kOU69qsXQIit9KHycUmlcc5p3qMXKTSOVRzncUAdl3EDedLt+o/zWcMDeX0pvcW6meXb9R/ms4rUCLpVZYJ/Ib+2tkUO55himotQe1ffg+f4RQAAII+YYbemdrCMfKhzaorrkb0yto1VMnpQAFdQqGPLua8mVFgG+KLmjRn9I3rVLZs6bijpkow4evIQ97ZSOAssZ5fnUi0iYSRxuDuAM1Arm3lhkLKMH3HWpZwtL5liM/H3+tZmphT3I9F8fqG4eN+h/fXLKhKsV+YqDa/Y219cq95Nzr/YDuR86l2rSeRYs5Xn+WahM6i+uHLABguEUHfNcNX2bayuKGet3UR0mKGBVhURkKY9iB71Wej6VJperLcXGrXzuzFMySkqQexB2qwLrRJ7yCIeQ8nLgbHGB3pfecN3MVnPJ5BEioSPMXYValwM8jaKT8YI45FvOafKd5ENcypbR2F5I9ojxSF+bzkPzrre94KudZt3E0KvHITkKKqPiHw3azvJI/IZCpzjHX5V0wkkqMvPCT+xWyPPdTmWeR5XI+Jzk49qm/Cmu/g8qSACQN6X3PDklvjliKn+3risE0uSEjCjf51a0pHMm4lnRanDdwkhwT8qXXso3UHIpRw/FMvOjDYLkUTLOHyc/KuSqfB0PI5RA7jYk0AVyxphc/mIOXetEMOScjpVno5vYFDwrLxRrttYwGPz2UtySHAwOpPyq+OB+AY+D7A+XKstw4CylR6cf2j3FVx4XQFvEVLnHois3Qn2YnFXx5bJhV7jNdmKEVHcjO1Wab/5vo1eS0ibg5oWWJ1OwprECNj1rTPA7HYV0IzhdLyhdjvilN8eYHNPLizZB0xS64tudSCN6kVkVvApUgHek8tp5jHY1J59O/NPprS2mlCTy7VKIIsth5bE771qvIAqH6VI2si5OF6Uv1G1wMY7VIEA1mLdsVFp43804FTfWLVgzDFIJLPLE4p4is7Wd/wA+XP8Aef5rdG2U+VDXcRF1IBt6j/NGWMYVBneqi02RQM+/aiUhAHSsoU8xyo2rY7CAe9AAT24Mq5FbJ18pCBtWuSbmcEdqzkl5ozkZoAEjY+YKO81fLGRvisILTzAH6UPMfLZh7UAB3vIxO1G8PyCIcoOMmlNzMWOMVjZSvbTK+SQpziqcsNyOrTZPHkRPLuNLy0aFsgkdRUFveAH1iQRDUJ9OeM83n27Yepta3iyIu3UZr1UUThgQ3OcYHasefB6qM77Knl1jivRbhrEXCzLE2FnlXDOOxPbNb5uL+I5jLbzyRXSBDmMjGT8vepzreiRagxJUgqTuNqh+vxXNhp4iSG3mVTtKRiRP3p4yTRs45YpRV8EC1LxSvrWKWKz0URuPQzhTkEVWGv8AGWvX9xPM9mYlBwSRvVrvfS2VtOgaNppOhI71W/FFnPdPI7yBCxyVTYVdFxQmV41FqytNV4r1SGdkWKEORnJXJpNp1rrV9rC3d9qMhjB2gjQKmKnT6LDE3OU53OxLb1oFqIXBA2z7VbKddHnZpNk20vS0GktcBRzcvXvUbvIAkrBRgdcU90q9I0uRCdh2zSmZfPnJHQ1zrsTtUCLD6RWtsRBs+1HTAQID17UsvZxy9MZqWwS5Fycbz8Fata30cUckbsOcOccwz0roHgLxJsOO4OeKKS3mPQE5Un2FcjeI92DDbWgBZ2bkGDvXSngXwyug8PQNuxwo5j1zXVibSozNSldlvfhSq52zWsgDajJE5fQWoB4yX6nrXb6Mz2bpbUSJ0HSlcth8hUgiiIUA9xWMtmBQSQ66s+VycCgJQo2IqSavCsaM2RmoheZMjEHvQKzy7hCAFds0nu0333p1HLhMEZ2pTqq9SNtqkSiL6zbqwY4qNyQAOdqkOoEsCM0oeI81MiTr/UeUXUuP7j/NYQS8igitN87NdSf6j/NZ2yFlGRSFgZDqPlNuBX0lybj/APKDmt1ByaxWfydhQASuzb1sZuwGaGEud6yjkZpBjpQA7tEP4dTigLi0FxIwJxRttO4iC7YrAo5cnHWggj91ZMjbAkZrOC2LLuKky2KzKS3asEsEQbUApULLMtbEBsiPGOY0bCBFgLMVIrfcWoltzGenX96jUmoNBcvG5xJjOPoays+Pa7/Zv6TPvjtfaJlZst3lHIJ/mk3EnDNhdRkmJGcLsST1rVp2rrDOSG3BwNqPvJBJCxJ6j3rljE2INsovjThCQXAaJkQJvhW61C7uwAKRzAMUGMZ61butAzXrRSJzEk4UdxVfcUWMdmjyI3M+evanv0PPGnyQ6fT1y2BgDsKQ3qrG2O9MbzW5EYqpGc4NJLuSS4ujyDK9qsUWzOySj0gy2nIgZTtmjbOPKhu3vQltalmUSAgn2pjeTxWGnkI35g7VLVFS5FGqz5YoOxpDrN8I4VbI9O9bbm+Yys7HrUQ4h1N2IRCCWyMe/wAqEWN0rMuEtAl8RfEWyiRQ0EGbiQ9gB0FdnaTpiaPoXIqeWBg4qG/09eCp4L4aTUtTjEWrah+dJGR/00x6U/3zVicQTLFG1sp3K9K7oxpWYuXIpSpGhdasrjCvdxJN3RnAIpnZpEwDeajKehU5qFWXCz3pEs8Oeb3FPYOHzolpcXiKQsSczLnqPlVqd8HK1XJJyVUA+1D3M4dTjFAW+qJeQLKjelh8PdfrXhmHksynP704gk1pmZmB6VHZrcE5JNO9SuS8rZ6UslQv0qRGCcgA2OaU6m2dvlT5bXY4G/ek+r2xRtvamRFkYuYAwJpe9t6qcTAjIoN0bm6VJJ1HqFryXUu36j/NeQEIoprewc1zNt+s/wA0K1tjoBSDAcx5ulBvGeamkkHpoCZeRt6As+WM4omziywzWq2IY70xgjHmDGwoIsPt4RyCvJSUr1G5Dis5I+dM0A+TVHdEbZrb54rQIwudq1tIPMUe9TRFBo5pTGq/FIcCh+NuEJ9LktllbleSESggdd91qwvC7hcahIl/dqDBkpCjDqepamHjdpax6fo868qsHaIn5EZ/8VVnx3ibOzRzrKo/s51bVZNEMrSR+YrHfHbtW9tdBtnMLcxIzgHNSK60ZLkeVyqWII+pFQfWOGLiASSoWgkIJ22BP0rIPSpuLEd5qs8upozjkkO2B2+tQ7i2+WaB1VsHPenuqW9y78zSgTcvKWG2ajN/pbBSZmEg9jTKrsh5WyDT6e8khYYOT1FEWmmKCWDF8dcjGKevYBDkAcvtisJoBEvpH2pnNejn2NgEk/4eM46Ug1S884NueWnV1G0qnAP2pPdWDchpLtlqhRFtRn9JAzU9/pt8H28Q+KX1vU4ebRdHcSHI2lm/Sq+4HU/SkfD3BGocc8S2OiabC0t1dSrGCo2UH4mPyUZP7V3Bp3COl+GfDNhoGjDENrFySS59Usn6mP1NdWKG52cWqyrEtvti3UpY7KIoM5xgGkthob6xdLO68ydDmpBYaFPrl6u5CrueYVO9L4ajsIACi5+ldyjbMSUvZCoeH1iUIEAApT4kaeLLgm5RIna4uSIYvLGTljirNubAFyFUftUI8U78WEekQdCJxKxB6DH/AN0+ykJut0V/w7oV5oelxxXrI0wXtvj60wgilvW8puVVbbnVcMPpTjStNk1vMgPKAcknvTp9C/DxHlADDuKhJjMrvX+F7myjaWIrdxDqYt3X/UtRln5GK4IK9flVqSWdzbzGaMsX6ZXqK0NDpupwSQanYhJAdrm3UJKB7kdGpqFaILHEhiBA7Uh15VVv2qf6jwRfW9tJPpo/4rbKM80B/MUf5k6iq61aUsW51ZSuxDDBFFCNEauHHmEVoJU19qDfmHG1AGVgetBJ2dPCTcy7frP81quYOWEnFM5uUXUu/wCs/wA1pvZF5SM0UTYgkzy9KV3pORtTm5Yb70qvGyRjeiiDRa5z0PWm1s55xtS+En2pjaHpmooA1V5mpiiDyhkjpQER9Yra8pKgdh3qUgNdzhOhGaw0bRrriDVo4rdMqN3YH4R3/f5U90nhOfUHWa6dreFvgjRfzXH/API+tWPoOgRWEtpCiBIlPMsajG/uT3NWxjYrZMdA0iDSdNtLWBAiRIN/c43NUt/UFxtbx6/oHD6Pme5Z3A7+kZJq+uURxk9gCa/Nvxf8R59Y/q6sYGdlt9JhMA5jsTJnm/2xXNq3tx0jQ+PheVSL9ZsRxsOtadT5L20ZOUA9c4oqCISQKRk5GR9KGuIHjBKoWHfFYiZ6vairuKtGxOzBiNugqGXWmu7FQSatLiC2e6mOI2UY70nh0Bi/MUNRZOxEEGkOUxyn7Vpj4TnnJYAle+ask6Py49NGrpqiI4GSRvtSj0iq5eHhbxNtzftUd1LRyx+EgHYbdatq/wBOKhk5fSepqV+C3hSvGfFSXF7EX0ewYSSc4yGbqq/fc/KmgnkajEjNKGHG5yHfgJ4RR+G/Cv8A6k1OEHXtVjPkhhvbQHoPkWqTHQZdWvCzcyrzZ6VYnEtk1zMUZvSuwCfDWq2EdpGAMdMVvwxKCUUeHy5nlk5sB0/RYtKj/STj2rXfXZeXkRMj5Uwk5rrOBkfKj7PQobKEXd2TFEu5Y9AKu2lFi7R9Ee8LSMOUKvMxPYVztxxdLxn4tNY2jk2enKI3ZN1ZwTmpt4v+PZsrafROGW9bgrJcj7YHzqJeEuhPYCW9lRvxFyedy25JPeklXSLIquWWVp2lpY28aqB0GcCjfwIm2Ix+1ERQEhSRW+RCoxH6jT0K2Ib/AEhACAR+1RLUtM5XfH3xVhtZPKOZ1IY0ovtKLM3pNFAmV9BdXWjzrLbSyRSqfSyHBH/3S/ii30njEZvovwF4y4/G264y3uy9x86lep6Swz6TUR1LT2TOARSNDdlRcVcF6loEzGaJpbYj0Xce8T/v2NRQq2ehH7Vd/wDxK5sVMBAktz8Uc3qRvqDSKXhfhbU5DcSi6sZG+KGBvQD8s1BNHRFzj8TL/rP80LOnOc9q+nlxcy/6z/NYSzgRnfegUAuY1GRildwEDCi7mRmc4O1BEFm6ZoA3QKtMbaNFxkVloXDt3rNwFjRlQfE/QD5VYOk8BRWqq0+ZWHu232pkrIsiFppb3rIIwRk9eUnaphpHCaWsnmrEyOf+44Bf9uw/mpRaaTHaRDykCAdhRYiO1WRjQrdmvSbNbaTmIy3TJ7/X3p1FEDdxuBsKEt4jTi1tz+AllxuvQ1ZVCMYXB5rR8deUj/avzD/qe4TuND8WoeK0HJBLOLeWRRjDfpz9R3r9Qo4vNsxjun/iuePEjwrsuJtC4ghv7GS9W7zGUiXLRKDkSj2IOD+1cGrg5x4NX4/JGE/sQTw91+PW9AtHD88oQKxqUzREJsuc9s1zf4e67PwTr+o6Dd3XMbKbyVbm+MdQ37ir3tteW4hDBidh3rCf1dHsIxUlZ9eacJVJaLkfsM0INLZUAC702t7xZhltzTK3hSYD0imSTIaaIyNI5cF1r29twkO6gYG2BUqS3RiwZcgUj1uAzFVjUhc8pK0rVcMiL5pkSsrGfVNQjgt4POmY4Xvk/Sul+G+Hrfw44Qg05D5dzIgeY4+JzuT+3Sox4dcIQ8HWi65qUa+cV5YEfqCf1fWvuIOKZ9VuGkZzyjYD2FamkweL7y7POfJarzS8UOkE3urvPO3q2zRVnavedBmk+h2EmoT56g771ZmlaRFp9t5soQKq8xLHAA+dai5MD+gPSdASONnmX0jrvviud/Hfxpk1C9utA0ObyrGBjHPNnqRtgVYPiT4/aXYLfaToQN5qLoYvxMBzDF/8u5+lc1x8K3WoTnmTzJpCWY46k9arnJdIuhF9sj/DOiS6pqsYILqu4yev1rpjgvh54rSMzJ6eQY3pL4c+GiWdus93GFJ6YG9WSVjtIkiiBGNs1EIfsmUgaaIBkRB8qYWumFV5nXcVu07S2OXkw3cUxkXlWrqKhRPCFY7UruYQWO1PpoTJkDrQjWwUnmAJFRQER1Gx5lO1QjWrZUJGO1T7WrpZJkhi9LHIqO3OiySxs0mGqKJsqjWrYktyioxNABIQetTji4LYyuuMbVD2YSnmHeqn2XLou+/vlW4mwP1H+aWT3+UJzj96X3123nyn/Mf5peJZr2aO3ij82R2Cqo7mgrJHb2813NDFChleQdBU70Xw05eWa+k83O4RNgp9s96f8BcH22j28Imj8y/K5kkIyMf21KTEvmEAYAPQVbGJW2D6fpUFjGFjiVRjoBR/lBvlW9YdhWfl4NWVRBqih5T7j2r1oxmiESvHSpA9gXOR7ipLHarDpADHAKZJxSC1TEgPzqTRyrJZsjMFz2oIK84o8VtO4SubXSkR73VJVz5KDCpnpzmm3COtjWknhuraO2ndCJY1GFZCN6p3jLhqbVvFB5IEkkZTG7ZHpSr0j0gW1tHPCiCcLhsGqE3KTLqUEq7OHv6n/BiXhDjCTXdIhBjI82ZYx6nj7NjuV7/KkfBvFYntVJckHGMmu0OI9ItfEKzexuua2vbbm8uRVyd/cdwa428VfBvWvC7VX1C3ty2kSyc55c8sPzH+X+KyNThe649Hqvj9ZGcVCb5J7perLNykH9s1N9GbzY1361QnCnEqT8h8xSQexq3+E9Qlv57aC3UyTSsFQL1JNcKTXCN2cU47ixNJ4dm1658i2UsFGZHxgLWq+sdN4TuHKuLq5TcK26L7k5qQ6xrcnC+nvp1lNFFHEnPf3eccz43GfYdKoDiLiqXjK9ktLaMx6TG2WJOGlb3Pyrahgjjjul2ePy6vJnntg6iTTirxZmvpbeMhbyFOpT0IPkD3rKDX9OvXgDz/AIU90cHv86hdvZZjUliXUYVaknDfDTX9wjyI2D2xXTC5fkZ+SMV0XPwzqHD2j2YnfUI2ZUySoLH9hVdeJ/FGt8fzpYaXDNYaQfS75w8wHuB0FTPR+HoLeBVKA7YINSCw0KBcnlCgdNqs/o5euSkeF/CPGSQAObYMvSrF0zw9t9OQSN5bMvutTgpHZr6VH2pTqV6ZQygYyO1CgkNubEt5y2yeXGvT2rXp+nTT3CSSLyoDnc9aNtrMzTZbIFN44UhUYO9OkK2YhQqgAYoa5PqxRruEU9KBBMsoyMCmoUwWLPU4+ZqL8R66tojwovM5PLkGnnEGox6fayZcKQO9Qzh+wbXdSe4njJhX183alY6Num6eR+bKclhkc3amM9mq6bPJgAAbbVr1K7U3qW0IBA2GK3cZXY0XhY4xztHgg1FEezmnxE1H8Vq0qJ6cbbUosLbNqmTvWGtS/itWZs55iTR1rHiBQKp7OhcE+1a3aOeYY6sf5qU+EXDAvtRudTlx5VoAEJHRz3+380g1s/4uT/Uf5q3fDayhi4HhkVcNIWZj7nOKlFL6JlosSx2ss7k5Gyk15CxeUmmVpboNMQY2O5oS3jUTMMVcilB8Kcw3FfSLhsUTAg5axmQF6YY1IBWMoYYxRKRrW1oVKjagAa1LcwJ7U0LmaIxmR0B7ocGg0QKdhREXagDVYaHaaashjQM8hyzsMsfqaPD8qY7V8BkV8FGKUhsS+WkOtx3SKAzeliB2qSalwtY8QWcqXKRMki4aJ0yrfUUjMYNyuf7qmlioKIPpQknww3Nco418a/6UrzhZZ+IOC1M9opLz6SOq9yYz3+lO/CHhebgThleINcQ2+sXK4t7aQb2kRH/Ub/N7CuouKLuS0tGEeABvgjOa5N8TdcvdQv5Ipp2KOSWAOMnNcv8AGhCflRrR1+fJi8Nkb441+44jvRp9rOw09SWdz1lJO5PyofSbDyUWGOHn3xzDaiNJ0yEnJLZI33qccN6HauzEhsg+9MvtyzmulwL9I4UeaRGeM5zVj8P6ELVU9BGKM0nToYyo5SfrUiht41YADaroo55SZogtQpzijlwiftW1YlHasLlQq7e1WUViu6nL5peIGklzjajFUOxz70XHAgjzjfNAALqIIsr8VfQ5fJfpXt0NyO1buQLEuBQALMS7ADpWUgS3gaToV3rbbxhnOfek3FlxJbW0gjblHLQBB+JbuTWdVazT1cxGwqXRwQ8N6GIlPKzDDZqPcD20d/xC0ky87gDBpvx9I0cZVTgBqRcjdEf4djN9rgdt1ViaVeNOtiO1eJXHl8uF+tSjguFOS5kx6wuxqkvF25luteEMjkxhthSN/UZfkV7Zwve3QYjJJxU1ttCSKBBKpD4zQPDunQi6jHLnfvTDVr+aO+dFfCrsBSRLGz//2Q=="/>
+          <p:cNvSpPr>
+            <a:spLocks noChangeAspect="1" noChangeArrowheads="1"/>
+          </p:cNvSpPr>
+          <p:nvPr/>
+        </p:nvSpPr>
+        <p:spPr bwMode="auto">
+          <a:xfrm>
+            <a:off x="4457700" y="3314700"/>
+            <a:ext cx="228600" cy="228600"/>
+          </a:xfrm>
+          <a:prstGeom prst="rect">
+            <a:avLst/>
+          </a:prstGeom>
+          <a:noFill/>
+          <a:extLst>
+            <a:ext uri="{909E8E84-426E-40DD-AFC4-6F175D3DCCD1}">
+              <a14:hiddenFill xmlns:a14="http://schemas.microsoft.com/office/drawing/2010/main">
+                <a:solidFill>
+                  <a:srgbClr val="FFFFFF"/>
+                </a:solidFill>
+              </a14:hiddenFill>
+            </a:ext>
+          </a:extLst>
+        </p:spPr>
+        <p:txBody>
+          <a:bodyPr vert="horz" wrap="square" lIns="68580" tIns="34290" rIns="68580" bIns="34290" numCol="1" anchor="t" anchorCtr="0" compatLnSpc="1">
+            <a:prstTxWarp prst="textNoShape">
+              <a:avLst/>
+            </a:prstTxWarp>
+          </a:bodyPr>
+          <a:lstStyle/>
+          <a:p>
+            <a:endParaRPr lang="en-US" sz="1350"/>
+          </a:p>
+        </p:txBody>
+      </p:sp>
+      <p:pic>
+        <p:nvPicPr>
+          <p:cNvPr id="6" name="Picture 5"/>
+          <p:cNvPicPr>
+            <a:picLocks noChangeAspect="1"/>
+          </p:cNvPicPr>
+          <p:nvPr/>
+        </p:nvPicPr>
+        <p:blipFill>
+          <a:blip r:embed="rId2"/>
+          <a:stretch>
+            <a:fillRect/>
+          </a:stretch>
+        </p:blipFill>
+        <p:spPr>
+          <a:xfrm>
+            <a:off x="4081364" y="2259635"/>
+            <a:ext cx="2500902" cy="2500902"/>
+          </a:xfrm>
+          <a:prstGeom prst="rect">
+            <a:avLst/>
+          </a:prstGeom>
+        </p:spPr>
+      </p:pic>
+    </p:spTree>
+    <p:extLst>
+      <p:ext uri="{BB962C8B-B14F-4D97-AF65-F5344CB8AC3E}">
+        <p14:creationId xmlns:p14="http://schemas.microsoft.com/office/powerpoint/2010/main" val="711269334"/>
+      </p:ext>
+    </p:extLst>
+  </p:cSld>
+  <p:clrMapOvr>
+    <a:masterClrMapping/>
+  </p:clrMapOvr>
+</p:sld>
+</file>
+
+<file path=ppt/slides/slide4.xml><?xml version="1.0" encoding="utf-8"?>
+<p:sld xmlns:a="http://schemas.openxmlformats.org/drawingml/2006/main" xmlns:r="http://schemas.openxmlformats.org/officeDocument/2006/relationships" xmlns:p="http://schemas.openxmlformats.org/presentationml/2006/main">
+  <p:cSld>
+    <p:spTree>
+      <p:nvGrpSpPr>
+        <p:cNvPr id="1" name=""/>
+        <p:cNvGrpSpPr/>
+        <p:nvPr/>
+      </p:nvGrpSpPr>
+      <p:grpSpPr>
+        <a:xfrm>
+          <a:off x="0" y="0"/>
+          <a:ext cx="0" cy="0"/>
+          <a:chOff x="0" y="0"/>
+          <a:chExt cx="0" cy="0"/>
+        </a:xfrm>
+      </p:grpSpPr>
+      <p:sp>
+        <p:nvSpPr>
+          <p:cNvPr id="2" name="Title 1"/>
+          <p:cNvSpPr>
+            <a:spLocks noGrp="1"/>
+          </p:cNvSpPr>
+          <p:nvPr>
+            <p:ph type="title"/>
+          </p:nvPr>
+        </p:nvSpPr>
+        <p:spPr/>
+        <p:txBody>
+          <a:bodyPr/>
+          <a:lstStyle/>
+          <a:p>
+            <a:r>
+              <a:rPr lang="en-US" dirty="0"/>
+              <a:t>Requirements (for FREE SOFTWARES)</a:t>
+            </a:r>
+          </a:p>
+        </p:txBody>
+      </p:sp>
+      <p:sp>
+        <p:nvSpPr>
+          <p:cNvPr id="3" name="Content Placeholder 2"/>
+          <p:cNvSpPr>
+            <a:spLocks noGrp="1"/>
+          </p:cNvSpPr>
+          <p:nvPr>
+            <p:ph idx="1"/>
+          </p:nvPr>
+        </p:nvSpPr>
+        <p:spPr/>
+        <p:txBody>
+          <a:bodyPr/>
+          <a:lstStyle/>
+          <a:p>
+            <a:r>
+              <a:rPr lang="en-US" dirty="0"/>
+              <a:t>version control</a:t>
+            </a:r>
+          </a:p>
+          <a:p>
+            <a:r>
+              <a:rPr lang="en-US" dirty="0"/>
+              <a:t>low cost</a:t>
+            </a:r>
+          </a:p>
+          <a:p>
+            <a:r>
+              <a:rPr lang="en-US" dirty="0"/>
+              <a:t>simple</a:t>
+            </a:r>
+          </a:p>
+          <a:p>
+            <a:r>
+              <a:rPr lang="en-US" dirty="0"/>
+              <a:t>security</a:t>
+            </a:r>
+          </a:p>
+          <a:p>
+            <a:r>
+              <a:rPr lang="en-US" dirty="0"/>
+              <a:t>collaboration</a:t>
+            </a:r>
+          </a:p>
+          <a:p>
+            <a:endParaRPr lang="en-US" dirty="0"/>
+          </a:p>
+        </p:txBody>
+      </p:sp>
+    </p:spTree>
+    <p:extLst>
+      <p:ext uri="{BB962C8B-B14F-4D97-AF65-F5344CB8AC3E}">
+        <p14:creationId xmlns:p14="http://schemas.microsoft.com/office/powerpoint/2010/main" val="231721654"/>
+      </p:ext>
+    </p:extLst>
+  </p:cSld>
+  <p:clrMapOvr>
+    <a:masterClrMapping/>
+  </p:clrMapOvr>
+</p:sld>
+</file>
+
+<file path=ppt/slides/slide5.xml><?xml version="1.0" encoding="utf-8"?>
+<p:sld xmlns:a="http://schemas.openxmlformats.org/drawingml/2006/main" xmlns:r="http://schemas.openxmlformats.org/officeDocument/2006/relationships" xmlns:p="http://schemas.openxmlformats.org/presentationml/2006/main">
+  <p:cSld>
+    <p:spTree>
+      <p:nvGrpSpPr>
+        <p:cNvPr id="1" name=""/>
+        <p:cNvGrpSpPr/>
+        <p:nvPr/>
+      </p:nvGrpSpPr>
+      <p:grpSpPr>
+        <a:xfrm>
+          <a:off x="0" y="0"/>
+          <a:ext cx="0" cy="0"/>
+          <a:chOff x="0" y="0"/>
+          <a:chExt cx="0" cy="0"/>
+        </a:xfrm>
+      </p:grpSpPr>
+      <p:sp>
+        <p:nvSpPr>
+          <p:cNvPr id="2" name="Title 1"/>
+          <p:cNvSpPr>
+            <a:spLocks noGrp="1"/>
+          </p:cNvSpPr>
+          <p:nvPr>
+            <p:ph type="title"/>
+          </p:nvPr>
+        </p:nvSpPr>
+        <p:spPr/>
+        <p:txBody>
+          <a:bodyPr/>
+          <a:lstStyle/>
+          <a:p>
+            <a:r>
+              <a:rPr lang="en-US" dirty="0"/>
+              <a:t>Basic design</a:t>
+            </a:r>
+          </a:p>
+        </p:txBody>
+      </p:sp>
+      <p:sp>
+        <p:nvSpPr>
+          <p:cNvPr id="3" name="Content Placeholder 2"/>
+          <p:cNvSpPr>
+            <a:spLocks noGrp="1"/>
+          </p:cNvSpPr>
+          <p:nvPr>
+            <p:ph idx="1"/>
+          </p:nvPr>
+        </p:nvSpPr>
+        <p:spPr/>
+        <p:txBody>
+          <a:bodyPr/>
+          <a:lstStyle/>
+          <a:p>
+            <a:r>
+              <a:rPr lang="en-US" dirty="0"/>
+              <a:t>backup whole file not incremental</a:t>
+            </a:r>
+          </a:p>
+          <a:p>
+            <a:r>
+              <a:rPr lang="en-US" dirty="0"/>
+              <a:t>zip and encryption, not flat-text</a:t>
+            </a:r>
+          </a:p>
+          <a:p>
+            <a:r>
+              <a:rPr lang="en-US" dirty="0"/>
+              <a:t>distributed System</a:t>
+            </a:r>
+          </a:p>
+          <a:p>
+            <a:r>
+              <a:rPr lang="en-US" dirty="0"/>
+              <a:t>text configuration files</a:t>
+            </a:r>
+          </a:p>
+          <a:p>
+            <a:r>
+              <a:rPr lang="en-US" dirty="0"/>
+              <a:t>index/stage</a:t>
+            </a:r>
+          </a:p>
+          <a:p>
+            <a:endParaRPr lang="en-US" dirty="0"/>
+          </a:p>
+          <a:p>
+            <a:endParaRPr lang="en-US" dirty="0"/>
+          </a:p>
+        </p:txBody>
+      </p:sp>
+    </p:spTree>
+    <p:extLst>
+      <p:ext uri="{BB962C8B-B14F-4D97-AF65-F5344CB8AC3E}">
+        <p14:creationId xmlns:p14="http://schemas.microsoft.com/office/powerpoint/2010/main" val="4144215377"/>
       </p:ext>
     </p:extLst>
   </p:cSld>
@@ -5159,25 +7879,14 @@
             <p:ph type="title"/>
           </p:nvPr>
         </p:nvSpPr>
-        <p:spPr>
-          <a:xfrm>
-            <a:off x="1069848" y="484632"/>
-            <a:ext cx="11122152" cy="1551558"/>
-          </a:xfrm>
-        </p:spPr>
-        <p:txBody>
-          <a:bodyPr>
-            <a:normAutofit/>
-          </a:bodyPr>
-          <a:lstStyle/>
-          <a:p>
-            <a:r>
-              <a:rPr lang="en-US" dirty="0"/>
-              <a:t>Commands for </a:t>
-            </a:r>
-            <a:r>
-              <a:rPr lang="en-US" dirty="0"/>
-              <a:t>Working collaboratively </a:t>
+        <p:spPr/>
+        <p:txBody>
+          <a:bodyPr/>
+          <a:lstStyle/>
+          <a:p>
+            <a:r>
+              <a:rPr lang="en-US" altLang="zh-CN" dirty="0"/>
+              <a:t>General</a:t>
             </a:r>
             <a:endParaRPr lang="en-US" dirty="0"/>
           </a:p>
@@ -5199,62 +7908,655 @@
           <a:lstStyle/>
           <a:p>
             <a:r>
+              <a:rPr lang="en-US" dirty="0"/>
+              <a:t>Version Control System, like </a:t>
+            </a:r>
+            <a:r>
               <a:rPr lang="en-US" dirty="0" err="1"/>
-              <a:t>init</a:t>
-            </a:r>
-            <a:endParaRPr lang="en-US" dirty="0"/>
-          </a:p>
-          <a:p>
-            <a:r>
-              <a:rPr lang="en-US" dirty="0"/>
-              <a:t>clone</a:t>
-            </a:r>
-          </a:p>
-          <a:p>
-            <a:r>
-              <a:rPr lang="en-US" dirty="0"/>
-              <a:t>push</a:t>
-            </a:r>
-          </a:p>
-          <a:p>
-            <a:r>
-              <a:rPr lang="en-US" dirty="0"/>
-              <a:t>pull</a:t>
-            </a:r>
-          </a:p>
-          <a:p>
-            <a:r>
-              <a:rPr lang="en-US" dirty="0"/>
-              <a:t>rebase</a:t>
-            </a:r>
-          </a:p>
-          <a:p>
-            <a:r>
-              <a:rPr lang="en-US" dirty="0"/>
-              <a:t>fetch</a:t>
-            </a:r>
-          </a:p>
-          <a:p>
-            <a:r>
-              <a:rPr lang="en-US" dirty="0"/>
-              <a:t>merge</a:t>
-            </a:r>
-          </a:p>
-          <a:p>
-            <a:endParaRPr lang="en-US" dirty="0"/>
-          </a:p>
-          <a:p>
-            <a:endParaRPr lang="en-US" dirty="0"/>
-          </a:p>
-          <a:p>
-            <a:endParaRPr lang="en-US" dirty="0"/>
+              <a:t>Clearcase</a:t>
+            </a:r>
+            <a:r>
+              <a:rPr lang="en-US" dirty="0"/>
+              <a:t>, perforce and SVN</a:t>
+            </a:r>
+          </a:p>
+          <a:p>
+            <a:r>
+              <a:rPr lang="en-US" dirty="0"/>
+              <a:t>Distributed Version Control System</a:t>
+            </a:r>
+          </a:p>
+          <a:p>
+            <a:r>
+              <a:rPr lang="en-US" dirty="0"/>
+              <a:t>Advantages</a:t>
+            </a:r>
+          </a:p>
+          <a:p>
+            <a:pPr lvl="1"/>
+            <a:r>
+              <a:rPr lang="en-US" dirty="0"/>
+              <a:t>Free and open source</a:t>
+            </a:r>
+          </a:p>
+          <a:p>
+            <a:pPr lvl="1"/>
+            <a:r>
+              <a:rPr lang="en-US" dirty="0"/>
+              <a:t>Fast and small</a:t>
+            </a:r>
+          </a:p>
+          <a:p>
+            <a:pPr lvl="1"/>
+            <a:r>
+              <a:rPr lang="en-US" dirty="0"/>
+              <a:t>Implicit backup</a:t>
+            </a:r>
+          </a:p>
+          <a:p>
+            <a:r>
+              <a:rPr lang="en-US" dirty="0"/>
+              <a:t>Disadvantages</a:t>
+            </a:r>
+          </a:p>
+          <a:p>
+            <a:pPr lvl="1"/>
+            <a:r>
+              <a:rPr lang="en-US" dirty="0"/>
+              <a:t>Steep learning curve</a:t>
+            </a:r>
+          </a:p>
+          <a:p>
+            <a:pPr lvl="1"/>
+            <a:r>
+              <a:rPr lang="en-US" dirty="0"/>
+              <a:t>Binary files are a big no</a:t>
+            </a:r>
           </a:p>
         </p:txBody>
       </p:sp>
     </p:spTree>
     <p:extLst>
       <p:ext uri="{BB962C8B-B14F-4D97-AF65-F5344CB8AC3E}">
-        <p14:creationId xmlns:p14="http://schemas.microsoft.com/office/powerpoint/2010/main" val="3790570789"/>
+        <p14:creationId xmlns:p14="http://schemas.microsoft.com/office/powerpoint/2010/main" val="802819234"/>
+      </p:ext>
+    </p:extLst>
+  </p:cSld>
+  <p:clrMapOvr>
+    <a:masterClrMapping/>
+  </p:clrMapOvr>
+</p:sld>
+</file>
+
+<file path=ppt/slides/slide7.xml><?xml version="1.0" encoding="utf-8"?>
+<p:sld xmlns:a="http://schemas.openxmlformats.org/drawingml/2006/main" xmlns:r="http://schemas.openxmlformats.org/officeDocument/2006/relationships" xmlns:p="http://schemas.openxmlformats.org/presentationml/2006/main">
+  <p:cSld>
+    <p:spTree>
+      <p:nvGrpSpPr>
+        <p:cNvPr id="1" name=""/>
+        <p:cNvGrpSpPr/>
+        <p:nvPr/>
+      </p:nvGrpSpPr>
+      <p:grpSpPr>
+        <a:xfrm>
+          <a:off x="0" y="0"/>
+          <a:ext cx="0" cy="0"/>
+          <a:chOff x="0" y="0"/>
+          <a:chExt cx="0" cy="0"/>
+        </a:xfrm>
+      </p:grpSpPr>
+      <p:sp>
+        <p:nvSpPr>
+          <p:cNvPr id="12290" name="Title 3"/>
+          <p:cNvSpPr>
+            <a:spLocks noGrp="1"/>
+          </p:cNvSpPr>
+          <p:nvPr>
+            <p:ph type="title"/>
+          </p:nvPr>
+        </p:nvSpPr>
+        <p:spPr/>
+        <p:txBody>
+          <a:bodyPr/>
+          <a:lstStyle/>
+          <a:p>
+            <a:pPr eaLnBrk="1" hangingPunct="1"/>
+            <a:r>
+              <a:rPr lang="en-US" altLang="en-US"/>
+              <a:t>Centralized Version Control</a:t>
+            </a:r>
+          </a:p>
+        </p:txBody>
+      </p:sp>
+      <p:pic>
+        <p:nvPicPr>
+          <p:cNvPr id="12291" name="Picture 2" descr="http://git-scm.com/figures/18333fig0102-tn.png"/>
+          <p:cNvPicPr>
+            <a:picLocks noChangeAspect="1" noChangeArrowheads="1"/>
+          </p:cNvPicPr>
+          <p:nvPr/>
+        </p:nvPicPr>
+        <p:blipFill>
+          <a:blip r:embed="rId2">
+            <a:extLst>
+              <a:ext uri="{28A0092B-C50C-407E-A947-70E740481C1C}">
+                <a14:useLocalDpi xmlns:a14="http://schemas.microsoft.com/office/drawing/2010/main" val="0"/>
+              </a:ext>
+            </a:extLst>
+          </a:blip>
+          <a:srcRect/>
+          <a:stretch>
+            <a:fillRect/>
+          </a:stretch>
+        </p:blipFill>
+        <p:spPr bwMode="auto">
+          <a:xfrm>
+            <a:off x="2429170" y="2427732"/>
+            <a:ext cx="3571875" cy="2800350"/>
+          </a:xfrm>
+          <a:prstGeom prst="rect">
+            <a:avLst/>
+          </a:prstGeom>
+          <a:noFill/>
+          <a:ln>
+            <a:noFill/>
+          </a:ln>
+          <a:extLst>
+            <a:ext uri="{909E8E84-426E-40DD-AFC4-6F175D3DCCD1}">
+              <a14:hiddenFill xmlns:a14="http://schemas.microsoft.com/office/drawing/2010/main">
+                <a:solidFill>
+                  <a:srgbClr val="FFFFFF"/>
+                </a:solidFill>
+              </a14:hiddenFill>
+            </a:ext>
+            <a:ext uri="{91240B29-F687-4F45-9708-019B960494DF}">
+              <a14:hiddenLine xmlns:a14="http://schemas.microsoft.com/office/drawing/2010/main" w="9525">
+                <a:solidFill>
+                  <a:srgbClr val="000000"/>
+                </a:solidFill>
+                <a:miter lim="800000"/>
+                <a:headEnd/>
+                <a:tailEnd/>
+              </a14:hiddenLine>
+            </a:ext>
+          </a:extLst>
+        </p:spPr>
+      </p:pic>
+      <p:sp>
+        <p:nvSpPr>
+          <p:cNvPr id="12292" name="TextBox 3"/>
+          <p:cNvSpPr txBox="1">
+            <a:spLocks noChangeArrowheads="1"/>
+          </p:cNvSpPr>
+          <p:nvPr/>
+        </p:nvSpPr>
+        <p:spPr bwMode="auto">
+          <a:xfrm>
+            <a:off x="5829301" y="5257800"/>
+            <a:ext cx="1617751" cy="300082"/>
+          </a:xfrm>
+          <a:prstGeom prst="rect">
+            <a:avLst/>
+          </a:prstGeom>
+          <a:noFill/>
+          <a:ln>
+            <a:noFill/>
+          </a:ln>
+          <a:extLst>
+            <a:ext uri="{909E8E84-426E-40DD-AFC4-6F175D3DCCD1}">
+              <a14:hiddenFill xmlns:a14="http://schemas.microsoft.com/office/drawing/2010/main">
+                <a:solidFill>
+                  <a:srgbClr val="FFFFFF"/>
+                </a:solidFill>
+              </a14:hiddenFill>
+            </a:ext>
+            <a:ext uri="{91240B29-F687-4F45-9708-019B960494DF}">
+              <a14:hiddenLine xmlns:a14="http://schemas.microsoft.com/office/drawing/2010/main" w="9525">
+                <a:solidFill>
+                  <a:srgbClr val="000000"/>
+                </a:solidFill>
+                <a:miter lim="800000"/>
+                <a:headEnd/>
+                <a:tailEnd/>
+              </a14:hiddenLine>
+            </a:ext>
+          </a:extLst>
+        </p:spPr>
+        <p:txBody>
+          <a:bodyPr wrap="none">
+            <a:spAutoFit/>
+          </a:bodyPr>
+          <a:lstStyle>
+            <a:lvl1pPr>
+              <a:spcBef>
+                <a:spcPts val="600"/>
+              </a:spcBef>
+              <a:buClr>
+                <a:schemeClr val="accent1"/>
+              </a:buClr>
+              <a:buSzPct val="76000"/>
+              <a:buFont typeface="Wingdings 3" panose="05040102010807070707" pitchFamily="18" charset="2"/>
+              <a:buChar char=""/>
+              <a:defRPr sz="2600">
+                <a:solidFill>
+                  <a:schemeClr val="tx1"/>
+                </a:solidFill>
+                <a:latin typeface="Gill Sans MT" panose="020B0502020104020203" pitchFamily="34" charset="0"/>
+              </a:defRPr>
+            </a:lvl1pPr>
+            <a:lvl2pPr marL="742950" indent="-285750">
+              <a:spcBef>
+                <a:spcPts val="500"/>
+              </a:spcBef>
+              <a:buClr>
+                <a:schemeClr val="accent2"/>
+              </a:buClr>
+              <a:buSzPct val="76000"/>
+              <a:buFont typeface="Wingdings 3" panose="05040102010807070707" pitchFamily="18" charset="2"/>
+              <a:buChar char=""/>
+              <a:defRPr sz="2300">
+                <a:solidFill>
+                  <a:schemeClr val="tx2"/>
+                </a:solidFill>
+                <a:latin typeface="Gill Sans MT" panose="020B0502020104020203" pitchFamily="34" charset="0"/>
+              </a:defRPr>
+            </a:lvl2pPr>
+            <a:lvl3pPr marL="1143000" indent="-228600">
+              <a:spcBef>
+                <a:spcPts val="500"/>
+              </a:spcBef>
+              <a:buClr>
+                <a:srgbClr val="BCBCBC"/>
+              </a:buClr>
+              <a:buSzPct val="76000"/>
+              <a:buFont typeface="Wingdings 3" panose="05040102010807070707" pitchFamily="18" charset="2"/>
+              <a:buChar char=""/>
+              <a:defRPr sz="2000">
+                <a:solidFill>
+                  <a:schemeClr val="tx1"/>
+                </a:solidFill>
+                <a:latin typeface="Gill Sans MT" panose="020B0502020104020203" pitchFamily="34" charset="0"/>
+              </a:defRPr>
+            </a:lvl3pPr>
+            <a:lvl4pPr marL="1600200" indent="-228600">
+              <a:spcBef>
+                <a:spcPts val="400"/>
+              </a:spcBef>
+              <a:buClr>
+                <a:srgbClr val="8BA2B4"/>
+              </a:buClr>
+              <a:buSzPct val="70000"/>
+              <a:buFont typeface="Wingdings" panose="05000000000000000000" pitchFamily="2" charset="2"/>
+              <a:buChar char=""/>
+              <a:defRPr>
+                <a:solidFill>
+                  <a:schemeClr val="tx1"/>
+                </a:solidFill>
+                <a:latin typeface="Gill Sans MT" panose="020B0502020104020203" pitchFamily="34" charset="0"/>
+              </a:defRPr>
+            </a:lvl4pPr>
+            <a:lvl5pPr marL="2057400" indent="-228600">
+              <a:spcBef>
+                <a:spcPts val="300"/>
+              </a:spcBef>
+              <a:buClr>
+                <a:schemeClr val="accent2"/>
+              </a:buClr>
+              <a:buSzPct val="70000"/>
+              <a:buFont typeface="Wingdings" panose="05000000000000000000" pitchFamily="2" charset="2"/>
+              <a:buChar char=""/>
+              <a:defRPr sz="1600">
+                <a:solidFill>
+                  <a:schemeClr val="tx1"/>
+                </a:solidFill>
+                <a:latin typeface="Gill Sans MT" panose="020B0502020104020203" pitchFamily="34" charset="0"/>
+              </a:defRPr>
+            </a:lvl5pPr>
+            <a:lvl6pPr marL="2514600" indent="-228600" eaLnBrk="0" fontAlgn="base" hangingPunct="0">
+              <a:spcBef>
+                <a:spcPts val="300"/>
+              </a:spcBef>
+              <a:spcAft>
+                <a:spcPct val="0"/>
+              </a:spcAft>
+              <a:buClr>
+                <a:schemeClr val="accent2"/>
+              </a:buClr>
+              <a:buSzPct val="70000"/>
+              <a:buFont typeface="Wingdings" panose="05000000000000000000" pitchFamily="2" charset="2"/>
+              <a:buChar char=""/>
+              <a:defRPr sz="1600">
+                <a:solidFill>
+                  <a:schemeClr val="tx1"/>
+                </a:solidFill>
+                <a:latin typeface="Gill Sans MT" panose="020B0502020104020203" pitchFamily="34" charset="0"/>
+              </a:defRPr>
+            </a:lvl6pPr>
+            <a:lvl7pPr marL="2971800" indent="-228600" eaLnBrk="0" fontAlgn="base" hangingPunct="0">
+              <a:spcBef>
+                <a:spcPts val="300"/>
+              </a:spcBef>
+              <a:spcAft>
+                <a:spcPct val="0"/>
+              </a:spcAft>
+              <a:buClr>
+                <a:schemeClr val="accent2"/>
+              </a:buClr>
+              <a:buSzPct val="70000"/>
+              <a:buFont typeface="Wingdings" panose="05000000000000000000" pitchFamily="2" charset="2"/>
+              <a:buChar char=""/>
+              <a:defRPr sz="1600">
+                <a:solidFill>
+                  <a:schemeClr val="tx1"/>
+                </a:solidFill>
+                <a:latin typeface="Gill Sans MT" panose="020B0502020104020203" pitchFamily="34" charset="0"/>
+              </a:defRPr>
+            </a:lvl7pPr>
+            <a:lvl8pPr marL="3429000" indent="-228600" eaLnBrk="0" fontAlgn="base" hangingPunct="0">
+              <a:spcBef>
+                <a:spcPts val="300"/>
+              </a:spcBef>
+              <a:spcAft>
+                <a:spcPct val="0"/>
+              </a:spcAft>
+              <a:buClr>
+                <a:schemeClr val="accent2"/>
+              </a:buClr>
+              <a:buSzPct val="70000"/>
+              <a:buFont typeface="Wingdings" panose="05000000000000000000" pitchFamily="2" charset="2"/>
+              <a:buChar char=""/>
+              <a:defRPr sz="1600">
+                <a:solidFill>
+                  <a:schemeClr val="tx1"/>
+                </a:solidFill>
+                <a:latin typeface="Gill Sans MT" panose="020B0502020104020203" pitchFamily="34" charset="0"/>
+              </a:defRPr>
+            </a:lvl8pPr>
+            <a:lvl9pPr marL="3886200" indent="-228600" eaLnBrk="0" fontAlgn="base" hangingPunct="0">
+              <a:spcBef>
+                <a:spcPts val="300"/>
+              </a:spcBef>
+              <a:spcAft>
+                <a:spcPct val="0"/>
+              </a:spcAft>
+              <a:buClr>
+                <a:schemeClr val="accent2"/>
+              </a:buClr>
+              <a:buSzPct val="70000"/>
+              <a:buFont typeface="Wingdings" panose="05000000000000000000" pitchFamily="2" charset="2"/>
+              <a:buChar char=""/>
+              <a:defRPr sz="1600">
+                <a:solidFill>
+                  <a:schemeClr val="tx1"/>
+                </a:solidFill>
+                <a:latin typeface="Gill Sans MT" panose="020B0502020104020203" pitchFamily="34" charset="0"/>
+              </a:defRPr>
+            </a:lvl9pPr>
+          </a:lstStyle>
+          <a:p>
+            <a:pPr eaLnBrk="1" hangingPunct="1">
+              <a:spcBef>
+                <a:spcPct val="0"/>
+              </a:spcBef>
+              <a:buClrTx/>
+              <a:buSzTx/>
+              <a:buFontTx/>
+              <a:buNone/>
+            </a:pPr>
+            <a:r>
+              <a:rPr lang="en-US" altLang="en-US" sz="1350" dirty="0">
+                <a:solidFill>
+                  <a:srgbClr val="C00000"/>
+                </a:solidFill>
+                <a:latin typeface="Arial" panose="020B0604020202020204" pitchFamily="34" charset="0"/>
+              </a:rPr>
+              <a:t>perforce is like this</a:t>
+            </a:r>
+          </a:p>
+        </p:txBody>
+      </p:sp>
+    </p:spTree>
+    <p:extLst>
+      <p:ext uri="{BB962C8B-B14F-4D97-AF65-F5344CB8AC3E}">
+        <p14:creationId xmlns:p14="http://schemas.microsoft.com/office/powerpoint/2010/main" val="1861430637"/>
+      </p:ext>
+    </p:extLst>
+  </p:cSld>
+  <p:clrMapOvr>
+    <a:masterClrMapping/>
+  </p:clrMapOvr>
+</p:sld>
+</file>
+
+<file path=ppt/slides/slide8.xml><?xml version="1.0" encoding="utf-8"?>
+<p:sld xmlns:a="http://schemas.openxmlformats.org/drawingml/2006/main" xmlns:r="http://schemas.openxmlformats.org/officeDocument/2006/relationships" xmlns:p="http://schemas.openxmlformats.org/presentationml/2006/main">
+  <p:cSld>
+    <p:spTree>
+      <p:nvGrpSpPr>
+        <p:cNvPr id="1" name=""/>
+        <p:cNvGrpSpPr/>
+        <p:nvPr/>
+      </p:nvGrpSpPr>
+      <p:grpSpPr>
+        <a:xfrm>
+          <a:off x="0" y="0"/>
+          <a:ext cx="0" cy="0"/>
+          <a:chOff x="0" y="0"/>
+          <a:chExt cx="0" cy="0"/>
+        </a:xfrm>
+      </p:grpSpPr>
+      <p:sp>
+        <p:nvSpPr>
+          <p:cNvPr id="14338" name="Title 1"/>
+          <p:cNvSpPr>
+            <a:spLocks noGrp="1"/>
+          </p:cNvSpPr>
+          <p:nvPr>
+            <p:ph type="title"/>
+          </p:nvPr>
+        </p:nvSpPr>
+        <p:spPr/>
+        <p:txBody>
+          <a:bodyPr/>
+          <a:lstStyle/>
+          <a:p>
+            <a:pPr eaLnBrk="1" hangingPunct="1"/>
+            <a:r>
+              <a:rPr lang="en-US" altLang="en-US"/>
+              <a:t>Distributed Version Control</a:t>
+            </a:r>
+          </a:p>
+        </p:txBody>
+      </p:sp>
+      <p:pic>
+        <p:nvPicPr>
+          <p:cNvPr id="14339" name="Picture 2" descr="http://git-scm.com/figures/18333fig0103-tn.png"/>
+          <p:cNvPicPr>
+            <a:picLocks noChangeAspect="1" noChangeArrowheads="1"/>
+          </p:cNvPicPr>
+          <p:nvPr/>
+        </p:nvPicPr>
+        <p:blipFill>
+          <a:blip r:embed="rId2">
+            <a:extLst>
+              <a:ext uri="{28A0092B-C50C-407E-A947-70E740481C1C}">
+                <a14:useLocalDpi xmlns:a14="http://schemas.microsoft.com/office/drawing/2010/main" val="0"/>
+              </a:ext>
+            </a:extLst>
+          </a:blip>
+          <a:srcRect/>
+          <a:stretch>
+            <a:fillRect/>
+          </a:stretch>
+        </p:blipFill>
+        <p:spPr bwMode="auto">
+          <a:xfrm>
+            <a:off x="2707261" y="2240635"/>
+            <a:ext cx="3064669" cy="3450431"/>
+          </a:xfrm>
+          <a:prstGeom prst="rect">
+            <a:avLst/>
+          </a:prstGeom>
+          <a:noFill/>
+          <a:ln>
+            <a:noFill/>
+          </a:ln>
+          <a:extLst>
+            <a:ext uri="{909E8E84-426E-40DD-AFC4-6F175D3DCCD1}">
+              <a14:hiddenFill xmlns:a14="http://schemas.microsoft.com/office/drawing/2010/main">
+                <a:solidFill>
+                  <a:srgbClr val="FFFFFF"/>
+                </a:solidFill>
+              </a14:hiddenFill>
+            </a:ext>
+            <a:ext uri="{91240B29-F687-4F45-9708-019B960494DF}">
+              <a14:hiddenLine xmlns:a14="http://schemas.microsoft.com/office/drawing/2010/main" w="9525">
+                <a:solidFill>
+                  <a:srgbClr val="000000"/>
+                </a:solidFill>
+                <a:miter lim="800000"/>
+                <a:headEnd/>
+                <a:tailEnd/>
+              </a14:hiddenLine>
+            </a:ext>
+          </a:extLst>
+        </p:spPr>
+      </p:pic>
+    </p:spTree>
+    <p:extLst>
+      <p:ext uri="{BB962C8B-B14F-4D97-AF65-F5344CB8AC3E}">
+        <p14:creationId xmlns:p14="http://schemas.microsoft.com/office/powerpoint/2010/main" val="513002339"/>
+      </p:ext>
+    </p:extLst>
+  </p:cSld>
+  <p:clrMapOvr>
+    <a:masterClrMapping/>
+  </p:clrMapOvr>
+</p:sld>
+</file>
+
+<file path=ppt/slides/slide9.xml><?xml version="1.0" encoding="utf-8"?>
+<p:sld xmlns:a="http://schemas.openxmlformats.org/drawingml/2006/main" xmlns:r="http://schemas.openxmlformats.org/officeDocument/2006/relationships" xmlns:p="http://schemas.openxmlformats.org/presentationml/2006/main">
+  <p:cSld>
+    <p:spTree>
+      <p:nvGrpSpPr>
+        <p:cNvPr id="1" name=""/>
+        <p:cNvGrpSpPr/>
+        <p:nvPr/>
+      </p:nvGrpSpPr>
+      <p:grpSpPr>
+        <a:xfrm>
+          <a:off x="0" y="0"/>
+          <a:ext cx="0" cy="0"/>
+          <a:chOff x="0" y="0"/>
+          <a:chExt cx="0" cy="0"/>
+        </a:xfrm>
+      </p:grpSpPr>
+      <p:sp>
+        <p:nvSpPr>
+          <p:cNvPr id="2" name="Title 1"/>
+          <p:cNvSpPr>
+            <a:spLocks noGrp="1"/>
+          </p:cNvSpPr>
+          <p:nvPr>
+            <p:ph type="title"/>
+          </p:nvPr>
+        </p:nvSpPr>
+        <p:spPr/>
+        <p:txBody>
+          <a:bodyPr/>
+          <a:lstStyle/>
+          <a:p>
+            <a:r>
+              <a:rPr lang="en-US" dirty="0"/>
+              <a:t>Some important names</a:t>
+            </a:r>
+          </a:p>
+        </p:txBody>
+      </p:sp>
+      <p:sp>
+        <p:nvSpPr>
+          <p:cNvPr id="3" name="Content Placeholder 2"/>
+          <p:cNvSpPr>
+            <a:spLocks noGrp="1"/>
+          </p:cNvSpPr>
+          <p:nvPr>
+            <p:ph idx="1"/>
+          </p:nvPr>
+        </p:nvSpPr>
+        <p:spPr/>
+        <p:txBody>
+          <a:bodyPr/>
+          <a:lstStyle/>
+          <a:p>
+            <a:r>
+              <a:rPr lang="en-US" dirty="0"/>
+              <a:t>blob</a:t>
+            </a:r>
+          </a:p>
+          <a:p>
+            <a:r>
+              <a:rPr lang="en-US" dirty="0"/>
+              <a:t>tree</a:t>
+            </a:r>
+          </a:p>
+          <a:p>
+            <a:r>
+              <a:rPr lang="en-US" dirty="0"/>
+              <a:t>head</a:t>
+            </a:r>
+          </a:p>
+          <a:p>
+            <a:r>
+              <a:rPr lang="en-US" dirty="0"/>
+              <a:t>commit</a:t>
+            </a:r>
+          </a:p>
+          <a:p>
+            <a:r>
+              <a:rPr lang="en-US" dirty="0"/>
+              <a:t>stage</a:t>
+            </a:r>
+          </a:p>
+          <a:p>
+            <a:r>
+              <a:rPr lang="en-US" dirty="0"/>
+              <a:t>refs</a:t>
+            </a:r>
+          </a:p>
+          <a:p>
+            <a:endParaRPr lang="en-US" dirty="0"/>
+          </a:p>
+        </p:txBody>
+      </p:sp>
+      <p:pic>
+        <p:nvPicPr>
+          <p:cNvPr id="4" name="Picture 3"/>
+          <p:cNvPicPr>
+            <a:picLocks noChangeAspect="1"/>
+          </p:cNvPicPr>
+          <p:nvPr/>
+        </p:nvPicPr>
+        <p:blipFill>
+          <a:blip r:embed="rId2"/>
+          <a:stretch>
+            <a:fillRect/>
+          </a:stretch>
+        </p:blipFill>
+        <p:spPr>
+          <a:xfrm>
+            <a:off x="3125912" y="1715914"/>
+            <a:ext cx="4773749" cy="4883545"/>
+          </a:xfrm>
+          <a:prstGeom prst="rect">
+            <a:avLst/>
+          </a:prstGeom>
+        </p:spPr>
+      </p:pic>
+    </p:spTree>
+    <p:extLst>
+      <p:ext uri="{BB962C8B-B14F-4D97-AF65-F5344CB8AC3E}">
+        <p14:creationId xmlns:p14="http://schemas.microsoft.com/office/powerpoint/2010/main" val="2066065237"/>
       </p:ext>
     </p:extLst>
   </p:cSld>

--- a/training_draft/git_introduction.pptx
+++ b/training_draft/git_introduction.pptx
@@ -131,6 +131,10 @@
 </p:presentation>
 </file>
 
+<file path=ppt/revisionInfo.xml><?xml version="1.0" encoding="utf-8"?>
+<p1510:revInfo xmlns:a="http://schemas.openxmlformats.org/drawingml/2006/main" xmlns:r="http://schemas.openxmlformats.org/officeDocument/2006/relationships" xmlns:p1510="http://schemas.microsoft.com/office/powerpoint/2015/10/main"/>
+</file>
+
 <file path=ppt/slideLayouts/slideLayout1.xml><?xml version="1.0" encoding="utf-8"?>
 <p:sldLayout xmlns:a="http://schemas.openxmlformats.org/drawingml/2006/main" xmlns:r="http://schemas.openxmlformats.org/officeDocument/2006/relationships" xmlns:p="http://schemas.openxmlformats.org/presentationml/2006/main" showMasterSp="0" type="title" preserve="1">
   <p:cSld name="Title Slide">
@@ -536,7 +540,7 @@
           <a:p>
             <a:fld id="{83284890-85D2-4D7B-8EF5-15A9C1DB8F42}" type="datetimeFigureOut">
               <a:rPr lang="en-US" smtClean="0"/>
-              <a:t>4/5/2017</a:t>
+              <a:t>4/28/2017</a:t>
             </a:fld>
             <a:endParaRPr lang="en-US" dirty="0"/>
           </a:p>
@@ -721,7 +725,7 @@
           <a:p>
             <a:fld id="{87157CC2-0FC8-4686-B024-99790E0F5162}" type="datetimeFigureOut">
               <a:rPr lang="en-US" smtClean="0"/>
-              <a:t>4/5/2017</a:t>
+              <a:t>4/28/2017</a:t>
             </a:fld>
             <a:endParaRPr lang="en-US" dirty="0"/>
           </a:p>
@@ -905,7 +909,7 @@
           <a:p>
             <a:fld id="{F6764DA5-CD3D-4590-A511-FCD3BC7A793E}" type="datetimeFigureOut">
               <a:rPr lang="en-US" smtClean="0"/>
-              <a:t>4/5/2017</a:t>
+              <a:t>4/28/2017</a:t>
             </a:fld>
             <a:endParaRPr lang="en-US" dirty="0"/>
           </a:p>
@@ -1075,7 +1079,7 @@
           <a:p>
             <a:fld id="{82F5661D-6934-4B32-B92C-470368BF1EC6}" type="datetimeFigureOut">
               <a:rPr lang="en-US" smtClean="0"/>
-              <a:t>4/5/2017</a:t>
+              <a:t>4/28/2017</a:t>
             </a:fld>
             <a:endParaRPr lang="en-US" dirty="0"/>
           </a:p>
@@ -1400,7 +1404,7 @@
           <a:p>
             <a:fld id="{C6F822A4-8DA6-4447-9B1F-C5DB58435268}" type="datetimeFigureOut">
               <a:rPr lang="en-US" smtClean="0"/>
-              <a:t>4/5/2017</a:t>
+              <a:t>4/28/2017</a:t>
             </a:fld>
             <a:endParaRPr lang="en-US" dirty="0"/>
           </a:p>
@@ -1799,7 +1803,7 @@
           <a:p>
             <a:fld id="{E548D31E-DCDA-41A7-9C67-C4B11B94D21D}" type="datetimeFigureOut">
               <a:rPr lang="en-US" smtClean="0"/>
-              <a:t>4/5/2017</a:t>
+              <a:t>4/28/2017</a:t>
             </a:fld>
             <a:endParaRPr lang="en-US" dirty="0"/>
           </a:p>
@@ -2233,7 +2237,7 @@
           <a:p>
             <a:fld id="{9B3762C0-B258-48F1-ADE6-176B4174CCDD}" type="datetimeFigureOut">
               <a:rPr lang="en-US" smtClean="0"/>
-              <a:t>4/5/2017</a:t>
+              <a:t>4/28/2017</a:t>
             </a:fld>
             <a:endParaRPr lang="en-US" dirty="0"/>
           </a:p>
@@ -2361,7 +2365,7 @@
           <a:p>
             <a:fld id="{677919A6-33EB-49BD-A62F-1FA56B9F9712}" type="datetimeFigureOut">
               <a:rPr lang="en-US" smtClean="0"/>
-              <a:t>4/5/2017</a:t>
+              <a:t>4/28/2017</a:t>
             </a:fld>
             <a:endParaRPr lang="en-US" dirty="0"/>
           </a:p>
@@ -2466,7 +2470,7 @@
           <a:p>
             <a:fld id="{CA4E7D1B-D673-4CF6-8672-009D42ABD2A0}" type="datetimeFigureOut">
               <a:rPr lang="en-US" smtClean="0"/>
-              <a:t>4/5/2017</a:t>
+              <a:t>4/28/2017</a:t>
             </a:fld>
             <a:endParaRPr lang="en-US" dirty="0"/>
           </a:p>
@@ -2907,7 +2911,7 @@
           <a:p>
             <a:fld id="{DA16AA21-1863-4931-97CB-99D0A168701B}" type="datetimeFigureOut">
               <a:rPr lang="en-US" smtClean="0"/>
-              <a:t>4/5/2017</a:t>
+              <a:t>4/28/2017</a:t>
             </a:fld>
             <a:endParaRPr lang="en-US" dirty="0"/>
           </a:p>
@@ -3334,7 +3338,7 @@
           <a:p>
             <a:fld id="{3772C379-9A7C-4C87-A116-CBE9F58B04C5}" type="datetimeFigureOut">
               <a:rPr lang="en-US" smtClean="0"/>
-              <a:t>4/5/2017</a:t>
+              <a:t>4/28/2017</a:t>
             </a:fld>
             <a:endParaRPr lang="en-US" dirty="0"/>
           </a:p>
@@ -3619,7 +3623,7 @@
           <a:p>
             <a:fld id="{8664C608-40B1-4030-A28D-5B74BC98ADCE}" type="datetimeFigureOut">
               <a:rPr lang="en-US" smtClean="0"/>
-              <a:t>4/5/2017</a:t>
+              <a:t>4/28/2017</a:t>
             </a:fld>
             <a:endParaRPr lang="en-US" dirty="0"/>
           </a:p>
@@ -6731,12 +6735,12 @@
                     <a:p>
                       <a:pPr algn="l" fontAlgn="b"/>
                       <a:r>
-                        <a:rPr lang="en-US" sz="2400" u="none" strike="noStrike">
+                        <a:rPr lang="en-US" sz="2400" u="none" strike="noStrike" dirty="0">
                           <a:effectLst/>
                         </a:rPr>
                         <a:t>stash</a:t>
                       </a:r>
-                      <a:endParaRPr lang="en-US" sz="2400" b="0" i="0" u="none" strike="noStrike">
+                      <a:endParaRPr lang="en-US" sz="2400" b="0" i="0" u="none" strike="noStrike" dirty="0">
                         <a:solidFill>
                           <a:srgbClr val="000000"/>
                         </a:solidFill>
@@ -6814,12 +6818,12 @@
                     <a:p>
                       <a:pPr algn="l" fontAlgn="b"/>
                       <a:r>
-                        <a:rPr lang="en-US" sz="2400" u="none" strike="noStrike">
+                        <a:rPr lang="en-US" sz="2400" u="none" strike="noStrike" dirty="0">
                           <a:effectLst/>
                         </a:rPr>
                         <a:t>submit</a:t>
                       </a:r>
-                      <a:endParaRPr lang="en-US" sz="2400" b="0" i="0" u="none" strike="noStrike">
+                      <a:endParaRPr lang="en-US" sz="2400" b="0" i="0" u="none" strike="noStrike" dirty="0">
                         <a:solidFill>
                           <a:srgbClr val="000000"/>
                         </a:solidFill>
@@ -6837,12 +6841,12 @@
                     <a:p>
                       <a:pPr algn="l" fontAlgn="b"/>
                       <a:r>
-                        <a:rPr lang="en-US" sz="2400" u="none" strike="noStrike">
+                        <a:rPr lang="en-US" sz="2400" u="none" strike="noStrike" dirty="0">
                           <a:effectLst/>
                         </a:rPr>
                         <a:t>commit + push</a:t>
                       </a:r>
-                      <a:endParaRPr lang="en-US" sz="2400" b="0" i="0" u="none" strike="noStrike">
+                      <a:endParaRPr lang="en-US" sz="2400" b="0" i="0" u="none" strike="noStrike" dirty="0">
                         <a:solidFill>
                           <a:srgbClr val="000000"/>
                         </a:solidFill>
@@ -6867,12 +6871,12 @@
                     <a:p>
                       <a:pPr algn="l" fontAlgn="b"/>
                       <a:r>
-                        <a:rPr lang="en-US" sz="2400" u="none" strike="noStrike">
+                        <a:rPr lang="en-US" sz="2400" u="none" strike="noStrike" dirty="0">
                           <a:effectLst/>
                         </a:rPr>
                         <a:t>rollback</a:t>
                       </a:r>
-                      <a:endParaRPr lang="en-US" sz="2400" b="0" i="0" u="none" strike="noStrike">
+                      <a:endParaRPr lang="en-US" sz="2400" b="0" i="0" u="none" strike="noStrike" dirty="0">
                         <a:solidFill>
                           <a:srgbClr val="000000"/>
                         </a:solidFill>
@@ -6890,12 +6894,12 @@
                     <a:p>
                       <a:pPr algn="l" fontAlgn="b"/>
                       <a:r>
-                        <a:rPr lang="en-US" sz="2400" u="none" strike="noStrike">
+                        <a:rPr lang="en-US" sz="2400" u="none" strike="noStrike" dirty="0">
                           <a:effectLst/>
                         </a:rPr>
                         <a:t>revert</a:t>
                       </a:r>
-                      <a:endParaRPr lang="en-US" sz="2400" b="0" i="0" u="none" strike="noStrike">
+                      <a:endParaRPr lang="en-US" sz="2400" b="0" i="0" u="none" strike="noStrike" dirty="0">
                         <a:solidFill>
                           <a:srgbClr val="000000"/>
                         </a:solidFill>
@@ -6920,12 +6924,12 @@
                     <a:p>
                       <a:pPr algn="l" fontAlgn="b"/>
                       <a:r>
-                        <a:rPr lang="en-US" sz="2400" u="none" strike="noStrike">
+                        <a:rPr lang="en-US" sz="2400" u="none" strike="noStrike" dirty="0" err="1">
                           <a:effectLst/>
                         </a:rPr>
                         <a:t>changelist</a:t>
                       </a:r>
-                      <a:endParaRPr lang="en-US" sz="2400" b="0" i="0" u="none" strike="noStrike">
+                      <a:endParaRPr lang="en-US" sz="2400" b="0" i="0" u="none" strike="noStrike" dirty="0">
                         <a:solidFill>
                           <a:srgbClr val="000000"/>
                         </a:solidFill>
@@ -7429,13 +7433,8 @@
             </a:r>
             <a:r>
               <a:rPr lang="en-US" dirty="0"/>
-              <a:t> </a:t>
-            </a:r>
-            <a:r>
-              <a:rPr lang="en-US" dirty="0"/>
-              <a:t>https://git-scm.com/book/en/v2</a:t>
-            </a:r>
-            <a:endParaRPr lang="en-US" dirty="0"/>
+              <a:t> https://git-scm.com/book/en/v2</a:t>
+            </a:r>
           </a:p>
           <a:p>
             <a:endParaRPr lang="en-US" dirty="0"/>
@@ -7526,9 +7525,10 @@
           </a:p>
           <a:p>
             <a:r>
-              <a:rPr lang="en-US" dirty="0"/>
+              <a:rPr lang="en-US"/>
               <a:t>Linus Torvalds</a:t>
             </a:r>
+            <a:endParaRPr lang="en-US" dirty="0"/>
           </a:p>
         </p:txBody>
       </p:sp>
@@ -7811,6 +7811,12 @@
             <a:r>
               <a:rPr lang="en-US" dirty="0"/>
               <a:t>zip and encryption, not flat-text</a:t>
+            </a:r>
+          </a:p>
+          <a:p>
+            <a:r>
+              <a:rPr lang="en-US" dirty="0"/>
+              <a:t>Store the meta file named as SHA</a:t>
             </a:r>
           </a:p>
           <a:p>

--- a/training_draft/git_introduction.pptx
+++ b/training_draft/git_introduction.pptx
@@ -540,7 +540,7 @@
           <a:p>
             <a:fld id="{83284890-85D2-4D7B-8EF5-15A9C1DB8F42}" type="datetimeFigureOut">
               <a:rPr lang="en-US" smtClean="0"/>
-              <a:t>4/28/2017</a:t>
+              <a:t>10/7/2017</a:t>
             </a:fld>
             <a:endParaRPr lang="en-US" dirty="0"/>
           </a:p>
@@ -725,7 +725,7 @@
           <a:p>
             <a:fld id="{87157CC2-0FC8-4686-B024-99790E0F5162}" type="datetimeFigureOut">
               <a:rPr lang="en-US" smtClean="0"/>
-              <a:t>4/28/2017</a:t>
+              <a:t>10/7/2017</a:t>
             </a:fld>
             <a:endParaRPr lang="en-US" dirty="0"/>
           </a:p>
@@ -909,7 +909,7 @@
           <a:p>
             <a:fld id="{F6764DA5-CD3D-4590-A511-FCD3BC7A793E}" type="datetimeFigureOut">
               <a:rPr lang="en-US" smtClean="0"/>
-              <a:t>4/28/2017</a:t>
+              <a:t>10/7/2017</a:t>
             </a:fld>
             <a:endParaRPr lang="en-US" dirty="0"/>
           </a:p>
@@ -1079,7 +1079,7 @@
           <a:p>
             <a:fld id="{82F5661D-6934-4B32-B92C-470368BF1EC6}" type="datetimeFigureOut">
               <a:rPr lang="en-US" smtClean="0"/>
-              <a:t>4/28/2017</a:t>
+              <a:t>10/7/2017</a:t>
             </a:fld>
             <a:endParaRPr lang="en-US" dirty="0"/>
           </a:p>
@@ -1404,7 +1404,7 @@
           <a:p>
             <a:fld id="{C6F822A4-8DA6-4447-9B1F-C5DB58435268}" type="datetimeFigureOut">
               <a:rPr lang="en-US" smtClean="0"/>
-              <a:t>4/28/2017</a:t>
+              <a:t>10/7/2017</a:t>
             </a:fld>
             <a:endParaRPr lang="en-US" dirty="0"/>
           </a:p>
@@ -1803,7 +1803,7 @@
           <a:p>
             <a:fld id="{E548D31E-DCDA-41A7-9C67-C4B11B94D21D}" type="datetimeFigureOut">
               <a:rPr lang="en-US" smtClean="0"/>
-              <a:t>4/28/2017</a:t>
+              <a:t>10/7/2017</a:t>
             </a:fld>
             <a:endParaRPr lang="en-US" dirty="0"/>
           </a:p>
@@ -2237,7 +2237,7 @@
           <a:p>
             <a:fld id="{9B3762C0-B258-48F1-ADE6-176B4174CCDD}" type="datetimeFigureOut">
               <a:rPr lang="en-US" smtClean="0"/>
-              <a:t>4/28/2017</a:t>
+              <a:t>10/7/2017</a:t>
             </a:fld>
             <a:endParaRPr lang="en-US" dirty="0"/>
           </a:p>
@@ -2365,7 +2365,7 @@
           <a:p>
             <a:fld id="{677919A6-33EB-49BD-A62F-1FA56B9F9712}" type="datetimeFigureOut">
               <a:rPr lang="en-US" smtClean="0"/>
-              <a:t>4/28/2017</a:t>
+              <a:t>10/7/2017</a:t>
             </a:fld>
             <a:endParaRPr lang="en-US" dirty="0"/>
           </a:p>
@@ -2470,7 +2470,7 @@
           <a:p>
             <a:fld id="{CA4E7D1B-D673-4CF6-8672-009D42ABD2A0}" type="datetimeFigureOut">
               <a:rPr lang="en-US" smtClean="0"/>
-              <a:t>4/28/2017</a:t>
+              <a:t>10/7/2017</a:t>
             </a:fld>
             <a:endParaRPr lang="en-US" dirty="0"/>
           </a:p>
@@ -2911,7 +2911,7 @@
           <a:p>
             <a:fld id="{DA16AA21-1863-4931-97CB-99D0A168701B}" type="datetimeFigureOut">
               <a:rPr lang="en-US" smtClean="0"/>
-              <a:t>4/28/2017</a:t>
+              <a:t>10/7/2017</a:t>
             </a:fld>
             <a:endParaRPr lang="en-US" dirty="0"/>
           </a:p>
@@ -3338,7 +3338,7 @@
           <a:p>
             <a:fld id="{3772C379-9A7C-4C87-A116-CBE9F58B04C5}" type="datetimeFigureOut">
               <a:rPr lang="en-US" smtClean="0"/>
-              <a:t>4/28/2017</a:t>
+              <a:t>10/7/2017</a:t>
             </a:fld>
             <a:endParaRPr lang="en-US" dirty="0"/>
           </a:p>
@@ -3623,7 +3623,7 @@
           <a:p>
             <a:fld id="{8664C608-40B1-4030-A28D-5B74BC98ADCE}" type="datetimeFigureOut">
               <a:rPr lang="en-US" smtClean="0"/>
-              <a:t>4/28/2017</a:t>
+              <a:t>10/7/2017</a:t>
             </a:fld>
             <a:endParaRPr lang="en-US" dirty="0"/>
           </a:p>
@@ -4150,12 +4150,20 @@
             <p:ph type="subTitle" idx="1"/>
           </p:nvPr>
         </p:nvSpPr>
-        <p:spPr/>
+        <p:spPr>
+          <a:xfrm>
+            <a:off x="802386" y="5099900"/>
+            <a:ext cx="5918454" cy="359067"/>
+          </a:xfrm>
+        </p:spPr>
         <p:txBody>
           <a:bodyPr/>
           <a:lstStyle/>
           <a:p>
-            <a:endParaRPr lang="en-US" dirty="0"/>
+            <a:r>
+              <a:rPr lang="en-US" dirty="0"/>
+              <a:t>Haijun Deng</a:t>
+            </a:r>
           </a:p>
         </p:txBody>
       </p:sp>

--- a/training_draft/git_introduction.pptx
+++ b/training_draft/git_introduction.pptx
@@ -2,7 +2,7 @@
 <file path=ppt/presentation.xml><?xml version="1.0" encoding="utf-8"?>
 <p:presentation xmlns:a="http://schemas.openxmlformats.org/drawingml/2006/main" xmlns:r="http://schemas.openxmlformats.org/officeDocument/2006/relationships" xmlns:p="http://schemas.openxmlformats.org/presentationml/2006/main" autoCompressPictures="0">
   <p:sldMasterIdLst>
-    <p:sldMasterId id="2147483852" r:id="rId1"/>
+    <p:sldMasterId id="2147483864" r:id="rId1"/>
   </p:sldMasterIdLst>
   <p:sldIdLst>
     <p:sldId id="256" r:id="rId2"/>
@@ -26,7 +26,7 @@
     <p:sldId id="262" r:id="rId20"/>
     <p:sldId id="273" r:id="rId21"/>
   </p:sldIdLst>
-  <p:sldSz cx="9144000" cy="6858000" type="screen4x3"/>
+  <p:sldSz cx="12192000" cy="6858000"/>
   <p:notesSz cx="6858000" cy="9144000"/>
   <p:defaultTextStyle>
     <a:defPPr>
@@ -160,15 +160,15 @@
         </p:nvSpPr>
         <p:spPr>
           <a:xfrm>
-            <a:off x="685800" y="1346947"/>
-            <a:ext cx="7772400" cy="80683"/>
+            <a:off x="920834" y="1346946"/>
+            <a:ext cx="10222992" cy="80683"/>
           </a:xfrm>
           <a:prstGeom prst="rect">
             <a:avLst/>
           </a:prstGeom>
           <a:blipFill dpi="0" rotWithShape="1">
             <a:blip r:embed="rId2">
-              <a:alphaModFix amt="80000"/>
+              <a:alphaModFix amt="85000"/>
               <a:lum bright="70000" contrast="-70000"/>
               <a:extLst>
                 <a:ext uri="{BEBA8EAE-BF5A-486C-A8C5-ECC9F3942E4B}">
@@ -217,15 +217,15 @@
         </p:nvSpPr>
         <p:spPr>
           <a:xfrm>
-            <a:off x="685800" y="4282763"/>
-            <a:ext cx="7772400" cy="80683"/>
+            <a:off x="920834" y="4299696"/>
+            <a:ext cx="10222992" cy="80683"/>
           </a:xfrm>
           <a:prstGeom prst="rect">
             <a:avLst/>
           </a:prstGeom>
           <a:blipFill dpi="0" rotWithShape="1">
             <a:blip r:embed="rId2">
-              <a:alphaModFix amt="80000"/>
+              <a:alphaModFix amt="85000"/>
               <a:lum bright="70000" contrast="-70000"/>
               <a:extLst>
                 <a:ext uri="{BEBA8EAE-BF5A-486C-A8C5-ECC9F3942E4B}">
@@ -274,15 +274,15 @@
         </p:nvSpPr>
         <p:spPr>
           <a:xfrm>
-            <a:off x="685800" y="1484779"/>
-            <a:ext cx="7772400" cy="2743200"/>
+            <a:off x="920834" y="1484779"/>
+            <a:ext cx="10222992" cy="2743200"/>
           </a:xfrm>
           <a:prstGeom prst="rect">
             <a:avLst/>
           </a:prstGeom>
           <a:blipFill dpi="0" rotWithShape="1">
             <a:blip r:embed="rId2">
-              <a:alphaModFix amt="80000"/>
+              <a:alphaModFix amt="85000"/>
               <a:lum bright="70000" contrast="-70000"/>
               <a:extLst>
                 <a:ext uri="{BEBA8EAE-BF5A-486C-A8C5-ECC9F3942E4B}">
@@ -326,15 +326,13 @@
       <p:grpSp>
         <p:nvGrpSpPr>
           <p:cNvPr id="10" name="Group 9"/>
-          <p:cNvGrpSpPr>
-            <a:grpSpLocks noChangeAspect="1"/>
-          </p:cNvGrpSpPr>
+          <p:cNvGrpSpPr/>
           <p:nvPr/>
         </p:nvGrpSpPr>
         <p:grpSpPr>
           <a:xfrm>
-            <a:off x="7234780" y="4107023"/>
-            <a:ext cx="914400" cy="914400"/>
+            <a:off x="9649215" y="4068923"/>
+            <a:ext cx="1080904" cy="1080902"/>
             <a:chOff x="9685338" y="4460675"/>
             <a:chExt cx="1080904" cy="1080902"/>
           </a:xfrm>
@@ -421,8 +419,8 @@
         </p:nvSpPr>
         <p:spPr>
           <a:xfrm>
-            <a:off x="788670" y="1432223"/>
-            <a:ext cx="7593330" cy="3035808"/>
+            <a:off x="1051560" y="1432223"/>
+            <a:ext cx="9966960" cy="3035808"/>
           </a:xfrm>
         </p:spPr>
         <p:txBody>
@@ -434,7 +432,7 @@
               <a:lnSpc>
                 <a:spcPct val="80000"/>
               </a:lnSpc>
-              <a:defRPr sz="6400" b="0" cap="all" baseline="0">
+              <a:defRPr sz="9600" cap="all" baseline="0">
                 <a:blipFill dpi="0" rotWithShape="1">
                   <a:blip r:embed="rId4"/>
                   <a:srcRect/>
@@ -464,8 +462,8 @@
         </p:nvSpPr>
         <p:spPr>
           <a:xfrm>
-            <a:off x="802386" y="4389120"/>
-            <a:ext cx="5918454" cy="1069848"/>
+            <a:off x="1069848" y="4389120"/>
+            <a:ext cx="7891272" cy="1069848"/>
           </a:xfrm>
         </p:spPr>
         <p:txBody>
@@ -475,7 +473,7 @@
           <a:lstStyle>
             <a:lvl1pPr marL="0" indent="0" algn="l">
               <a:buNone/>
-              <a:defRPr sz="1800" b="0">
+              <a:defRPr sz="2200">
                 <a:solidFill>
                   <a:schemeClr val="tx1"/>
                 </a:solidFill>
@@ -483,35 +481,35 @@
             </a:lvl1pPr>
             <a:lvl2pPr marL="457200" indent="0" algn="ctr">
               <a:buNone/>
-              <a:defRPr sz="1800"/>
+              <a:defRPr sz="2200"/>
             </a:lvl2pPr>
             <a:lvl3pPr marL="914400" indent="0" algn="ctr">
               <a:buNone/>
-              <a:defRPr sz="1800"/>
+              <a:defRPr sz="2200"/>
             </a:lvl3pPr>
             <a:lvl4pPr marL="1371600" indent="0" algn="ctr">
               <a:buNone/>
-              <a:defRPr sz="1800"/>
+              <a:defRPr sz="2000"/>
             </a:lvl4pPr>
             <a:lvl5pPr marL="1828800" indent="0" algn="ctr">
               <a:buNone/>
-              <a:defRPr sz="1800"/>
+              <a:defRPr sz="2000"/>
             </a:lvl5pPr>
             <a:lvl6pPr marL="2286000" indent="0" algn="ctr">
               <a:buNone/>
-              <a:defRPr sz="1800"/>
+              <a:defRPr sz="2000"/>
             </a:lvl6pPr>
             <a:lvl7pPr marL="2743200" indent="0" algn="ctr">
               <a:buNone/>
-              <a:defRPr sz="1800"/>
+              <a:defRPr sz="2000"/>
             </a:lvl7pPr>
             <a:lvl8pPr marL="3200400" indent="0" algn="ctr">
               <a:buNone/>
-              <a:defRPr sz="1800"/>
+              <a:defRPr sz="2000"/>
             </a:lvl8pPr>
             <a:lvl9pPr marL="3657600" indent="0" algn="ctr">
               <a:buNone/>
-              <a:defRPr sz="1800"/>
+              <a:defRPr sz="2000"/>
             </a:lvl9pPr>
           </a:lstStyle>
           <a:p>
@@ -540,7 +538,7 @@
           <a:p>
             <a:fld id="{83284890-85D2-4D7B-8EF5-15A9C1DB8F42}" type="datetimeFigureOut">
               <a:rPr lang="en-US" smtClean="0"/>
-              <a:t>10/7/2017</a:t>
+              <a:t>2/1/2018</a:t>
             </a:fld>
             <a:endParaRPr lang="en-US" dirty="0"/>
           </a:p>
@@ -554,43 +552,38 @@
           </p:cNvSpPr>
           <p:nvPr>
             <p:ph type="ftr" sz="quarter" idx="11"/>
+          </p:nvPr>
+        </p:nvSpPr>
+        <p:spPr/>
+        <p:txBody>
+          <a:bodyPr/>
+          <a:lstStyle/>
+          <a:p>
+            <a:endParaRPr lang="en-US" dirty="0"/>
+          </a:p>
+        </p:txBody>
+      </p:sp>
+      <p:sp>
+        <p:nvSpPr>
+          <p:cNvPr id="6" name="Slide Number Placeholder 5"/>
+          <p:cNvSpPr>
+            <a:spLocks noGrp="1"/>
+          </p:cNvSpPr>
+          <p:nvPr>
+            <p:ph type="sldNum" sz="quarter" idx="12"/>
           </p:nvPr>
         </p:nvSpPr>
         <p:spPr>
           <a:xfrm>
-            <a:off x="812805" y="6272785"/>
-            <a:ext cx="4745736" cy="365125"/>
-          </a:xfrm>
-        </p:spPr>
-        <p:txBody>
-          <a:bodyPr/>
-          <a:lstStyle/>
-          <a:p>
-            <a:endParaRPr lang="en-US" dirty="0"/>
-          </a:p>
-        </p:txBody>
-      </p:sp>
-      <p:sp>
-        <p:nvSpPr>
-          <p:cNvPr id="6" name="Slide Number Placeholder 5"/>
-          <p:cNvSpPr>
-            <a:spLocks noGrp="1"/>
-          </p:cNvSpPr>
-          <p:nvPr>
-            <p:ph type="sldNum" sz="quarter" idx="12"/>
-          </p:nvPr>
-        </p:nvSpPr>
-        <p:spPr>
-          <a:xfrm>
-            <a:off x="7244280" y="4227195"/>
-            <a:ext cx="895401" cy="640080"/>
+            <a:off x="9592733" y="4289334"/>
+            <a:ext cx="1193868" cy="640080"/>
           </a:xfrm>
         </p:spPr>
         <p:txBody>
           <a:bodyPr/>
           <a:lstStyle>
             <a:lvl1pPr>
-              <a:defRPr sz="2800" b="1"/>
+              <a:defRPr sz="2800"/>
             </a:lvl1pPr>
           </a:lstStyle>
           <a:p>
@@ -606,7 +599,7 @@
     </p:spTree>
     <p:extLst>
       <p:ext uri="{BB962C8B-B14F-4D97-AF65-F5344CB8AC3E}">
-        <p14:creationId xmlns:p14="http://schemas.microsoft.com/office/powerpoint/2010/main" val="3352716659"/>
+        <p14:creationId xmlns:p14="http://schemas.microsoft.com/office/powerpoint/2010/main" val="1029453423"/>
       </p:ext>
     </p:extLst>
   </p:cSld>
@@ -710,7 +703,7 @@
       </p:sp>
       <p:sp>
         <p:nvSpPr>
-          <p:cNvPr id="7" name="Date Placeholder 6"/>
+          <p:cNvPr id="4" name="Date Placeholder 3"/>
           <p:cNvSpPr>
             <a:spLocks noGrp="1"/>
           </p:cNvSpPr>
@@ -725,7 +718,7 @@
           <a:p>
             <a:fld id="{87157CC2-0FC8-4686-B024-99790E0F5162}" type="datetimeFigureOut">
               <a:rPr lang="en-US" smtClean="0"/>
-              <a:t>10/7/2017</a:t>
+              <a:t>2/1/2018</a:t>
             </a:fld>
             <a:endParaRPr lang="en-US" dirty="0"/>
           </a:p>
@@ -733,7 +726,7 @@
       </p:sp>
       <p:sp>
         <p:nvSpPr>
-          <p:cNvPr id="8" name="Footer Placeholder 7"/>
+          <p:cNvPr id="5" name="Footer Placeholder 4"/>
           <p:cNvSpPr>
             <a:spLocks noGrp="1"/>
           </p:cNvSpPr>
@@ -752,7 +745,7 @@
       </p:sp>
       <p:sp>
         <p:nvSpPr>
-          <p:cNvPr id="9" name="Slide Number Placeholder 8"/>
+          <p:cNvPr id="6" name="Slide Number Placeholder 5"/>
           <p:cNvSpPr>
             <a:spLocks noGrp="1"/>
           </p:cNvSpPr>
@@ -776,7 +769,7 @@
     </p:spTree>
     <p:extLst>
       <p:ext uri="{BB962C8B-B14F-4D97-AF65-F5344CB8AC3E}">
-        <p14:creationId xmlns:p14="http://schemas.microsoft.com/office/powerpoint/2010/main" val="2096781959"/>
+        <p14:creationId xmlns:p14="http://schemas.microsoft.com/office/powerpoint/2010/main" val="2434730915"/>
       </p:ext>
     </p:extLst>
   </p:cSld>
@@ -815,17 +808,13 @@
         </p:nvSpPr>
         <p:spPr>
           <a:xfrm>
-            <a:off x="6543675" y="533400"/>
-            <a:ext cx="1914525" cy="5638800"/>
+            <a:off x="8724900" y="533400"/>
+            <a:ext cx="2552700" cy="5638800"/>
           </a:xfrm>
         </p:spPr>
         <p:txBody>
           <a:bodyPr vert="eaVert"/>
-          <a:lstStyle>
-            <a:lvl1pPr>
-              <a:defRPr b="0"/>
-            </a:lvl1pPr>
-          </a:lstStyle>
+          <a:lstStyle/>
           <a:p>
             <a:r>
               <a:rPr lang="en-US"/>
@@ -847,8 +836,8 @@
         </p:nvSpPr>
         <p:spPr>
           <a:xfrm>
-            <a:off x="800100" y="533400"/>
-            <a:ext cx="5629275" cy="5638800"/>
+            <a:off x="1066800" y="533400"/>
+            <a:ext cx="7505700" cy="5638800"/>
           </a:xfrm>
         </p:spPr>
         <p:txBody>
@@ -894,7 +883,7 @@
       </p:sp>
       <p:sp>
         <p:nvSpPr>
-          <p:cNvPr id="7" name="Date Placeholder 6"/>
+          <p:cNvPr id="4" name="Date Placeholder 3"/>
           <p:cNvSpPr>
             <a:spLocks noGrp="1"/>
           </p:cNvSpPr>
@@ -909,7 +898,7 @@
           <a:p>
             <a:fld id="{F6764DA5-CD3D-4590-A511-FCD3BC7A793E}" type="datetimeFigureOut">
               <a:rPr lang="en-US" smtClean="0"/>
-              <a:t>10/7/2017</a:t>
+              <a:t>2/1/2018</a:t>
             </a:fld>
             <a:endParaRPr lang="en-US" dirty="0"/>
           </a:p>
@@ -917,7 +906,7 @@
       </p:sp>
       <p:sp>
         <p:nvSpPr>
-          <p:cNvPr id="8" name="Footer Placeholder 7"/>
+          <p:cNvPr id="5" name="Footer Placeholder 4"/>
           <p:cNvSpPr>
             <a:spLocks noGrp="1"/>
           </p:cNvSpPr>
@@ -936,7 +925,7 @@
       </p:sp>
       <p:sp>
         <p:nvSpPr>
-          <p:cNvPr id="9" name="Slide Number Placeholder 8"/>
+          <p:cNvPr id="6" name="Slide Number Placeholder 5"/>
           <p:cNvSpPr>
             <a:spLocks noGrp="1"/>
           </p:cNvSpPr>
@@ -960,7 +949,7 @@
     </p:spTree>
     <p:extLst>
       <p:ext uri="{BB962C8B-B14F-4D97-AF65-F5344CB8AC3E}">
-        <p14:creationId xmlns:p14="http://schemas.microsoft.com/office/powerpoint/2010/main" val="2255161495"/>
+        <p14:creationId xmlns:p14="http://schemas.microsoft.com/office/powerpoint/2010/main" val="3690731296"/>
       </p:ext>
     </p:extLst>
   </p:cSld>
@@ -1064,7 +1053,7 @@
       </p:sp>
       <p:sp>
         <p:nvSpPr>
-          <p:cNvPr id="7" name="Date Placeholder 6"/>
+          <p:cNvPr id="4" name="Date Placeholder 3"/>
           <p:cNvSpPr>
             <a:spLocks noGrp="1"/>
           </p:cNvSpPr>
@@ -1079,7 +1068,7 @@
           <a:p>
             <a:fld id="{82F5661D-6934-4B32-B92C-470368BF1EC6}" type="datetimeFigureOut">
               <a:rPr lang="en-US" smtClean="0"/>
-              <a:t>10/7/2017</a:t>
+              <a:t>2/1/2018</a:t>
             </a:fld>
             <a:endParaRPr lang="en-US" dirty="0"/>
           </a:p>
@@ -1087,7 +1076,7 @@
       </p:sp>
       <p:sp>
         <p:nvSpPr>
-          <p:cNvPr id="8" name="Footer Placeholder 7"/>
+          <p:cNvPr id="5" name="Footer Placeholder 4"/>
           <p:cNvSpPr>
             <a:spLocks noGrp="1"/>
           </p:cNvSpPr>
@@ -1106,7 +1095,7 @@
       </p:sp>
       <p:sp>
         <p:nvSpPr>
-          <p:cNvPr id="9" name="Slide Number Placeholder 8"/>
+          <p:cNvPr id="6" name="Slide Number Placeholder 5"/>
           <p:cNvSpPr>
             <a:spLocks noGrp="1"/>
           </p:cNvSpPr>
@@ -1130,7 +1119,7 @@
     </p:spTree>
     <p:extLst>
       <p:ext uri="{BB962C8B-B14F-4D97-AF65-F5344CB8AC3E}">
-        <p14:creationId xmlns:p14="http://schemas.microsoft.com/office/powerpoint/2010/main" val="2004638242"/>
+        <p14:creationId xmlns:p14="http://schemas.microsoft.com/office/powerpoint/2010/main" val="187575826"/>
       </p:ext>
     </p:extLst>
   </p:cSld>
@@ -1166,14 +1155,14 @@
         <p:spPr>
           <a:xfrm>
             <a:off x="0" y="4917989"/>
-            <a:ext cx="9144000" cy="1940010"/>
+            <a:ext cx="12192000" cy="1940010"/>
           </a:xfrm>
           <a:prstGeom prst="rect">
             <a:avLst/>
           </a:prstGeom>
           <a:blipFill dpi="0" rotWithShape="1">
             <a:blip r:embed="rId2">
-              <a:alphaModFix amt="80000"/>
+              <a:alphaModFix amt="85000"/>
               <a:lum bright="70000" contrast="-70000"/>
               <a:extLst>
                 <a:ext uri="{BEBA8EAE-BF5A-486C-A8C5-ECC9F3942E4B}">
@@ -1226,8 +1215,8 @@
         </p:nvSpPr>
         <p:spPr>
           <a:xfrm>
-            <a:off x="1625346" y="1225296"/>
-            <a:ext cx="6960870" cy="3520440"/>
+            <a:off x="2167128" y="1225296"/>
+            <a:ext cx="9281160" cy="3520440"/>
           </a:xfrm>
         </p:spPr>
         <p:txBody>
@@ -1239,7 +1228,7 @@
               <a:lnSpc>
                 <a:spcPct val="80000"/>
               </a:lnSpc>
-              <a:defRPr sz="6400" b="0"/>
+              <a:defRPr sz="8000" b="0"/>
             </a:lvl1pPr>
           </a:lstStyle>
           <a:p>
@@ -1263,8 +1252,8 @@
         </p:nvSpPr>
         <p:spPr>
           <a:xfrm>
-            <a:off x="1624330" y="5020056"/>
-            <a:ext cx="6789420" cy="1066800"/>
+            <a:off x="2165774" y="5020056"/>
+            <a:ext cx="9052560" cy="1066800"/>
           </a:xfrm>
         </p:spPr>
         <p:txBody>
@@ -1274,11 +1263,9 @@
           <a:lstStyle>
             <a:lvl1pPr marL="0" indent="0">
               <a:buNone/>
-              <a:defRPr sz="1800" b="0">
+              <a:defRPr sz="2000">
                 <a:solidFill>
-                  <a:schemeClr val="accent1">
-                    <a:lumMod val="50000"/>
-                  </a:schemeClr>
+                  <a:schemeClr val="tx1"/>
                 </a:solidFill>
               </a:defRPr>
             </a:lvl1pPr>
@@ -1384,27 +1371,17 @@
         </p:nvSpPr>
         <p:spPr>
           <a:xfrm>
-            <a:off x="6445251" y="6272785"/>
-            <a:ext cx="1983232" cy="365125"/>
+            <a:off x="8593667" y="6272784"/>
+            <a:ext cx="2644309" cy="365125"/>
           </a:xfrm>
         </p:spPr>
         <p:txBody>
           <a:bodyPr/>
-          <a:lstStyle>
-            <a:lvl1pPr>
-              <a:defRPr>
-                <a:solidFill>
-                  <a:schemeClr val="accent1">
-                    <a:lumMod val="50000"/>
-                  </a:schemeClr>
-                </a:solidFill>
-              </a:defRPr>
-            </a:lvl1pPr>
-          </a:lstStyle>
+          <a:lstStyle/>
           <a:p>
             <a:fld id="{C6F822A4-8DA6-4447-9B1F-C5DB58435268}" type="datetimeFigureOut">
               <a:rPr lang="en-US" smtClean="0"/>
-              <a:t>10/7/2017</a:t>
+              <a:t>2/1/2018</a:t>
             </a:fld>
             <a:endParaRPr lang="en-US" dirty="0"/>
           </a:p>
@@ -1422,23 +1399,13 @@
         </p:nvSpPr>
         <p:spPr>
           <a:xfrm>
-            <a:off x="1636099" y="6272784"/>
-            <a:ext cx="4745736" cy="365125"/>
+            <a:off x="2182708" y="6272784"/>
+            <a:ext cx="6327648" cy="365125"/>
           </a:xfrm>
         </p:spPr>
         <p:txBody>
           <a:bodyPr/>
-          <a:lstStyle>
-            <a:lvl1pPr>
-              <a:defRPr>
-                <a:solidFill>
-                  <a:schemeClr val="accent1">
-                    <a:lumMod val="50000"/>
-                  </a:schemeClr>
-                </a:solidFill>
-              </a:defRPr>
-            </a:lvl1pPr>
-          </a:lstStyle>
+          <a:lstStyle/>
           <a:p>
             <a:endParaRPr lang="en-US" dirty="0"/>
           </a:p>
@@ -1447,15 +1414,13 @@
       <p:grpSp>
         <p:nvGrpSpPr>
           <p:cNvPr id="8" name="Group 7"/>
-          <p:cNvGrpSpPr>
-            <a:grpSpLocks noChangeAspect="1"/>
-          </p:cNvGrpSpPr>
+          <p:cNvGrpSpPr/>
           <p:nvPr/>
         </p:nvGrpSpPr>
         <p:grpSpPr>
           <a:xfrm>
-            <a:off x="633862" y="2430623"/>
-            <a:ext cx="914400" cy="914400"/>
+            <a:off x="897399" y="2325848"/>
+            <a:ext cx="1080904" cy="1080902"/>
             <a:chOff x="9685338" y="4460675"/>
             <a:chExt cx="1080904" cy="1080902"/>
           </a:xfrm>
@@ -1542,8 +1507,8 @@
         </p:nvSpPr>
         <p:spPr>
           <a:xfrm>
-            <a:off x="645450" y="2508607"/>
-            <a:ext cx="891224" cy="720332"/>
+            <a:off x="843702" y="2506133"/>
+            <a:ext cx="1188298" cy="720332"/>
           </a:xfrm>
         </p:spPr>
         <p:txBody>
@@ -1566,7 +1531,7 @@
     </p:spTree>
     <p:extLst>
       <p:ext uri="{BB962C8B-B14F-4D97-AF65-F5344CB8AC3E}">
-        <p14:creationId xmlns:p14="http://schemas.microsoft.com/office/powerpoint/2010/main" val="1437334881"/>
+        <p14:creationId xmlns:p14="http://schemas.microsoft.com/office/powerpoint/2010/main" val="4075843477"/>
       </p:ext>
     </p:extLst>
   </p:cSld>
@@ -1628,8 +1593,8 @@
         </p:nvSpPr>
         <p:spPr>
           <a:xfrm>
-            <a:off x="685800" y="2194560"/>
-            <a:ext cx="3657600" cy="3977640"/>
+            <a:off x="1069848" y="2194560"/>
+            <a:ext cx="4754880" cy="3977640"/>
           </a:xfrm>
         </p:spPr>
         <p:txBody>
@@ -1713,8 +1678,8 @@
         </p:nvSpPr>
         <p:spPr>
           <a:xfrm>
-            <a:off x="4792218" y="2194560"/>
-            <a:ext cx="3657600" cy="3977640"/>
+            <a:off x="6364224" y="2194560"/>
+            <a:ext cx="4754880" cy="3977640"/>
           </a:xfrm>
         </p:spPr>
         <p:txBody>
@@ -1803,7 +1768,7 @@
           <a:p>
             <a:fld id="{E548D31E-DCDA-41A7-9C67-C4B11B94D21D}" type="datetimeFigureOut">
               <a:rPr lang="en-US" smtClean="0"/>
-              <a:t>10/7/2017</a:t>
+              <a:t>2/1/2018</a:t>
             </a:fld>
             <a:endParaRPr lang="en-US" dirty="0"/>
           </a:p>
@@ -1854,7 +1819,7 @@
     </p:spTree>
     <p:extLst>
       <p:ext uri="{BB962C8B-B14F-4D97-AF65-F5344CB8AC3E}">
-        <p14:creationId xmlns:p14="http://schemas.microsoft.com/office/powerpoint/2010/main" val="1598721154"/>
+        <p14:creationId xmlns:p14="http://schemas.microsoft.com/office/powerpoint/2010/main" val="733083718"/>
       </p:ext>
     </p:extLst>
   </p:cSld>
@@ -1916,8 +1881,8 @@
         </p:nvSpPr>
         <p:spPr>
           <a:xfrm>
-            <a:off x="685800" y="2048256"/>
-            <a:ext cx="3657600" cy="640080"/>
+            <a:off x="1066800" y="2048256"/>
+            <a:ext cx="4754880" cy="640080"/>
           </a:xfrm>
         </p:spPr>
         <p:txBody>
@@ -1989,8 +1954,8 @@
         </p:nvSpPr>
         <p:spPr>
           <a:xfrm>
-            <a:off x="685800" y="2743200"/>
-            <a:ext cx="3657600" cy="3291840"/>
+            <a:off x="1069848" y="2743200"/>
+            <a:ext cx="4754880" cy="3291840"/>
           </a:xfrm>
         </p:spPr>
         <p:txBody>
@@ -2074,8 +2039,8 @@
         </p:nvSpPr>
         <p:spPr>
           <a:xfrm>
-            <a:off x="4820793" y="2048256"/>
-            <a:ext cx="3657600" cy="640080"/>
+            <a:off x="6364224" y="2048256"/>
+            <a:ext cx="4754880" cy="640080"/>
           </a:xfrm>
         </p:spPr>
         <p:txBody>
@@ -2147,8 +2112,8 @@
         </p:nvSpPr>
         <p:spPr>
           <a:xfrm>
-            <a:off x="4820793" y="2743200"/>
-            <a:ext cx="3657600" cy="3291840"/>
+            <a:off x="6364224" y="2743200"/>
+            <a:ext cx="4754880" cy="3291840"/>
           </a:xfrm>
         </p:spPr>
         <p:txBody>
@@ -2237,7 +2202,7 @@
           <a:p>
             <a:fld id="{9B3762C0-B258-48F1-ADE6-176B4174CCDD}" type="datetimeFigureOut">
               <a:rPr lang="en-US" smtClean="0"/>
-              <a:t>10/7/2017</a:t>
+              <a:t>2/1/2018</a:t>
             </a:fld>
             <a:endParaRPr lang="en-US" dirty="0"/>
           </a:p>
@@ -2288,7 +2253,7 @@
     </p:spTree>
     <p:extLst>
       <p:ext uri="{BB962C8B-B14F-4D97-AF65-F5344CB8AC3E}">
-        <p14:creationId xmlns:p14="http://schemas.microsoft.com/office/powerpoint/2010/main" val="2605488179"/>
+        <p14:creationId xmlns:p14="http://schemas.microsoft.com/office/powerpoint/2010/main" val="3314578632"/>
       </p:ext>
     </p:extLst>
   </p:cSld>
@@ -2351,21 +2316,11 @@
         <p:spPr/>
         <p:txBody>
           <a:bodyPr/>
-          <a:lstStyle>
-            <a:lvl1pPr>
-              <a:defRPr>
-                <a:solidFill>
-                  <a:schemeClr val="accent1">
-                    <a:lumMod val="50000"/>
-                  </a:schemeClr>
-                </a:solidFill>
-              </a:defRPr>
-            </a:lvl1pPr>
-          </a:lstStyle>
+          <a:lstStyle/>
           <a:p>
             <a:fld id="{677919A6-33EB-49BD-A62F-1FA56B9F9712}" type="datetimeFigureOut">
               <a:rPr lang="en-US" smtClean="0"/>
-              <a:t>10/7/2017</a:t>
+              <a:t>2/1/2018</a:t>
             </a:fld>
             <a:endParaRPr lang="en-US" dirty="0"/>
           </a:p>
@@ -2384,17 +2339,7 @@
         <p:spPr/>
         <p:txBody>
           <a:bodyPr/>
-          <a:lstStyle>
-            <a:lvl1pPr>
-              <a:defRPr>
-                <a:solidFill>
-                  <a:schemeClr val="accent1">
-                    <a:lumMod val="50000"/>
-                  </a:schemeClr>
-                </a:solidFill>
-              </a:defRPr>
-            </a:lvl1pPr>
-          </a:lstStyle>
+          <a:lstStyle/>
           <a:p>
             <a:endParaRPr lang="en-US" dirty="0"/>
           </a:p>
@@ -2426,7 +2371,7 @@
     </p:spTree>
     <p:extLst>
       <p:ext uri="{BB962C8B-B14F-4D97-AF65-F5344CB8AC3E}">
-        <p14:creationId xmlns:p14="http://schemas.microsoft.com/office/powerpoint/2010/main" val="3753203300"/>
+        <p14:creationId xmlns:p14="http://schemas.microsoft.com/office/powerpoint/2010/main" val="3027318834"/>
       </p:ext>
     </p:extLst>
   </p:cSld>
@@ -2470,7 +2415,7 @@
           <a:p>
             <a:fld id="{CA4E7D1B-D673-4CF6-8672-009D42ABD2A0}" type="datetimeFigureOut">
               <a:rPr lang="en-US" smtClean="0"/>
-              <a:t>10/7/2017</a:t>
+              <a:t>2/1/2018</a:t>
             </a:fld>
             <a:endParaRPr lang="en-US" dirty="0"/>
           </a:p>
@@ -2521,7 +2466,7 @@
     </p:spTree>
     <p:extLst>
       <p:ext uri="{BB962C8B-B14F-4D97-AF65-F5344CB8AC3E}">
-        <p14:creationId xmlns:p14="http://schemas.microsoft.com/office/powerpoint/2010/main" val="629240214"/>
+        <p14:creationId xmlns:p14="http://schemas.microsoft.com/office/powerpoint/2010/main" val="1972203897"/>
       </p:ext>
     </p:extLst>
   </p:cSld>
@@ -2556,8 +2501,8 @@
         </p:nvSpPr>
         <p:spPr>
           <a:xfrm>
-            <a:off x="6227806" y="1"/>
-            <a:ext cx="2916194" cy="6857999"/>
+            <a:off x="8303740" y="0"/>
+            <a:ext cx="3888259" cy="6857999"/>
           </a:xfrm>
           <a:prstGeom prst="rect">
             <a:avLst/>
@@ -2617,8 +2562,8 @@
         </p:nvSpPr>
         <p:spPr>
           <a:xfrm>
-            <a:off x="6412230" y="685800"/>
-            <a:ext cx="2400300" cy="1737360"/>
+            <a:off x="8549640" y="685800"/>
+            <a:ext cx="3200400" cy="1737360"/>
           </a:xfrm>
         </p:spPr>
         <p:txBody>
@@ -2627,7 +2572,7 @@
           </a:bodyPr>
           <a:lstStyle>
             <a:lvl1pPr>
-              <a:defRPr sz="2800" b="0"/>
+              <a:defRPr sz="3200" b="1"/>
             </a:lvl1pPr>
           </a:lstStyle>
           <a:p>
@@ -2651,8 +2596,8 @@
         </p:nvSpPr>
         <p:spPr>
           <a:xfrm>
-            <a:off x="628650" y="685800"/>
-            <a:ext cx="5033772" cy="5020056"/>
+            <a:off x="838200" y="685800"/>
+            <a:ext cx="6711696" cy="5020056"/>
           </a:xfrm>
         </p:spPr>
         <p:txBody>
@@ -2736,8 +2681,8 @@
         </p:nvSpPr>
         <p:spPr>
           <a:xfrm>
-            <a:off x="6412230" y="2423160"/>
-            <a:ext cx="2400300" cy="3291840"/>
+            <a:off x="8549640" y="2423160"/>
+            <a:ext cx="3200400" cy="3291840"/>
           </a:xfrm>
         </p:spPr>
         <p:txBody>
@@ -2753,10 +2698,10 @@
                 <a:spcPts val="1000"/>
               </a:spcBef>
               <a:buNone/>
-              <a:defRPr sz="1350">
+              <a:defRPr sz="1400">
                 <a:solidFill>
                   <a:schemeClr val="accent1">
-                    <a:lumMod val="50000"/>
+                    <a:lumMod val="75000"/>
                   </a:schemeClr>
                 </a:solidFill>
               </a:defRPr>
@@ -2803,32 +2748,74 @@
           </a:p>
         </p:txBody>
       </p:sp>
+      <p:sp>
+        <p:nvSpPr>
+          <p:cNvPr id="5" name="Date Placeholder 4"/>
+          <p:cNvSpPr>
+            <a:spLocks noGrp="1"/>
+          </p:cNvSpPr>
+          <p:nvPr>
+            <p:ph type="dt" sz="half" idx="10"/>
+          </p:nvPr>
+        </p:nvSpPr>
+        <p:spPr/>
+        <p:txBody>
+          <a:bodyPr/>
+          <a:lstStyle/>
+          <a:p>
+            <a:fld id="{DA16AA21-1863-4931-97CB-99D0A168701B}" type="datetimeFigureOut">
+              <a:rPr lang="en-US" smtClean="0"/>
+              <a:t>2/1/2018</a:t>
+            </a:fld>
+            <a:endParaRPr lang="en-US" dirty="0"/>
+          </a:p>
+        </p:txBody>
+      </p:sp>
+      <p:sp>
+        <p:nvSpPr>
+          <p:cNvPr id="6" name="Footer Placeholder 5"/>
+          <p:cNvSpPr>
+            <a:spLocks noGrp="1"/>
+          </p:cNvSpPr>
+          <p:nvPr>
+            <p:ph type="ftr" sz="quarter" idx="11"/>
+          </p:nvPr>
+        </p:nvSpPr>
+        <p:spPr/>
+        <p:txBody>
+          <a:bodyPr/>
+          <a:lstStyle/>
+          <a:p>
+            <a:endParaRPr lang="en-US" dirty="0"/>
+          </a:p>
+        </p:txBody>
+      </p:sp>
       <p:grpSp>
         <p:nvGrpSpPr>
-          <p:cNvPr id="12" name="Group 11"/>
-          <p:cNvGrpSpPr/>
+          <p:cNvPr id="9" name="Group 8"/>
+          <p:cNvGrpSpPr>
+            <a:grpSpLocks noChangeAspect="1"/>
+          </p:cNvGrpSpPr>
           <p:nvPr/>
         </p:nvGrpSpPr>
         <p:grpSpPr>
           <a:xfrm>
-            <a:off x="8522664" y="6255258"/>
-            <a:ext cx="393192" cy="393192"/>
-            <a:chOff x="8532189" y="5068824"/>
-            <a:chExt cx="393192" cy="393192"/>
+            <a:off x="11401725" y="6229681"/>
+            <a:ext cx="457200" cy="457200"/>
+            <a:chOff x="11361456" y="6195813"/>
+            <a:chExt cx="548640" cy="548640"/>
           </a:xfrm>
         </p:grpSpPr>
         <p:sp>
           <p:nvSpPr>
-            <p:cNvPr id="13" name="Oval 12"/>
-            <p:cNvSpPr>
-              <a:spLocks noChangeAspect="1"/>
-            </p:cNvSpPr>
+            <p:cNvPr id="10" name="Oval 9"/>
+            <p:cNvSpPr/>
             <p:nvPr/>
           </p:nvSpPr>
           <p:spPr>
             <a:xfrm>
-              <a:off x="8532189" y="5068824"/>
-              <a:ext cx="393192" cy="393192"/>
+              <a:off x="11361456" y="6195813"/>
+              <a:ext cx="548640" cy="548640"/>
             </a:xfrm>
             <a:prstGeom prst="ellipse">
               <a:avLst/>
@@ -2869,16 +2856,14 @@
         </p:sp>
         <p:sp>
           <p:nvSpPr>
-            <p:cNvPr id="14" name="Oval 13"/>
-            <p:cNvSpPr>
-              <a:spLocks noChangeAspect="1"/>
-            </p:cNvSpPr>
+            <p:cNvPr id="11" name="Oval 10"/>
+            <p:cNvSpPr/>
             <p:nvPr/>
           </p:nvSpPr>
           <p:spPr>
             <a:xfrm>
-              <a:off x="8568766" y="5105400"/>
-              <a:ext cx="320039" cy="320040"/>
+              <a:off x="11396488" y="6230844"/>
+              <a:ext cx="478576" cy="478578"/>
             </a:xfrm>
             <a:prstGeom prst="ellipse">
               <a:avLst/>
@@ -2886,7 +2871,7 @@
             <a:noFill/>
             <a:ln w="12700" cap="flat" cmpd="sng" algn="ctr">
               <a:solidFill>
-                <a:srgbClr val="FFFFFF"/>
+                <a:sysClr val="window" lastClr="FFFFFF"/>
               </a:solidFill>
               <a:prstDash val="solid"/>
             </a:ln>
@@ -2896,49 +2881,7 @@
       </p:grpSp>
       <p:sp>
         <p:nvSpPr>
-          <p:cNvPr id="9" name="Date Placeholder 8"/>
-          <p:cNvSpPr>
-            <a:spLocks noGrp="1"/>
-          </p:cNvSpPr>
-          <p:nvPr>
-            <p:ph type="dt" sz="half" idx="10"/>
-          </p:nvPr>
-        </p:nvSpPr>
-        <p:spPr/>
-        <p:txBody>
-          <a:bodyPr/>
-          <a:lstStyle/>
-          <a:p>
-            <a:fld id="{DA16AA21-1863-4931-97CB-99D0A168701B}" type="datetimeFigureOut">
-              <a:rPr lang="en-US" smtClean="0"/>
-              <a:t>10/7/2017</a:t>
-            </a:fld>
-            <a:endParaRPr lang="en-US" dirty="0"/>
-          </a:p>
-        </p:txBody>
-      </p:sp>
-      <p:sp>
-        <p:nvSpPr>
-          <p:cNvPr id="10" name="Footer Placeholder 9"/>
-          <p:cNvSpPr>
-            <a:spLocks noGrp="1"/>
-          </p:cNvSpPr>
-          <p:nvPr>
-            <p:ph type="ftr" sz="quarter" idx="11"/>
-          </p:nvPr>
-        </p:nvSpPr>
-        <p:spPr/>
-        <p:txBody>
-          <a:bodyPr/>
-          <a:lstStyle/>
-          <a:p>
-            <a:endParaRPr lang="en-US" dirty="0"/>
-          </a:p>
-        </p:txBody>
-      </p:sp>
-      <p:sp>
-        <p:nvSpPr>
-          <p:cNvPr id="11" name="Slide Number Placeholder 10"/>
+          <p:cNvPr id="7" name="Slide Number Placeholder 6"/>
           <p:cNvSpPr>
             <a:spLocks noGrp="1"/>
           </p:cNvSpPr>
@@ -2962,7 +2905,7 @@
     </p:spTree>
     <p:extLst>
       <p:ext uri="{BB962C8B-B14F-4D97-AF65-F5344CB8AC3E}">
-        <p14:creationId xmlns:p14="http://schemas.microsoft.com/office/powerpoint/2010/main" val="1142226271"/>
+        <p14:creationId xmlns:p14="http://schemas.microsoft.com/office/powerpoint/2010/main" val="1711623893"/>
       </p:ext>
     </p:extLst>
   </p:cSld>
@@ -2997,8 +2940,8 @@
         </p:nvSpPr>
         <p:spPr>
           <a:xfrm>
-            <a:off x="6227806" y="1"/>
-            <a:ext cx="2916194" cy="6857999"/>
+            <a:off x="8303740" y="0"/>
+            <a:ext cx="3888259" cy="6857999"/>
           </a:xfrm>
           <a:prstGeom prst="rect">
             <a:avLst/>
@@ -3058,8 +3001,8 @@
         </p:nvSpPr>
         <p:spPr>
           <a:xfrm>
-            <a:off x="6412230" y="685800"/>
-            <a:ext cx="2400300" cy="1737360"/>
+            <a:off x="8549640" y="685800"/>
+            <a:ext cx="3200400" cy="1737360"/>
           </a:xfrm>
         </p:spPr>
         <p:txBody>
@@ -3068,7 +3011,7 @@
           </a:bodyPr>
           <a:lstStyle>
             <a:lvl1pPr>
-              <a:defRPr sz="2800" b="0"/>
+              <a:defRPr sz="3200" b="1"/>
             </a:lvl1pPr>
           </a:lstStyle>
           <a:p>
@@ -3093,7 +3036,7 @@
         <p:spPr>
           <a:xfrm>
             <a:off x="0" y="0"/>
-            <a:ext cx="6227805" cy="6858000"/>
+            <a:ext cx="8303740" cy="6858000"/>
           </a:xfrm>
           <a:solidFill>
             <a:schemeClr val="tx2">
@@ -3163,8 +3106,8 @@
         </p:nvSpPr>
         <p:spPr>
           <a:xfrm>
-            <a:off x="6412230" y="2423160"/>
-            <a:ext cx="2400300" cy="3291840"/>
+            <a:off x="8549640" y="2423160"/>
+            <a:ext cx="3200400" cy="3291840"/>
           </a:xfrm>
         </p:spPr>
         <p:txBody>
@@ -3180,10 +3123,10 @@
                 <a:spcPts val="1000"/>
               </a:spcBef>
               <a:buNone/>
-              <a:defRPr sz="1350">
+              <a:defRPr sz="1400">
                 <a:solidFill>
                   <a:schemeClr val="accent1">
-                    <a:lumMod val="50000"/>
+                    <a:lumMod val="75000"/>
                   </a:schemeClr>
                 </a:solidFill>
               </a:defRPr>
@@ -3230,32 +3173,55 @@
           </a:p>
         </p:txBody>
       </p:sp>
+      <p:sp>
+        <p:nvSpPr>
+          <p:cNvPr id="5" name="Date Placeholder 4"/>
+          <p:cNvSpPr>
+            <a:spLocks noGrp="1"/>
+          </p:cNvSpPr>
+          <p:nvPr>
+            <p:ph type="dt" sz="half" idx="10"/>
+          </p:nvPr>
+        </p:nvSpPr>
+        <p:spPr/>
+        <p:txBody>
+          <a:bodyPr/>
+          <a:lstStyle/>
+          <a:p>
+            <a:fld id="{3772C379-9A7C-4C87-A116-CBE9F58B04C5}" type="datetimeFigureOut">
+              <a:rPr lang="en-US" smtClean="0"/>
+              <a:t>2/1/2018</a:t>
+            </a:fld>
+            <a:endParaRPr lang="en-US" dirty="0"/>
+          </a:p>
+        </p:txBody>
+      </p:sp>
       <p:grpSp>
         <p:nvGrpSpPr>
-          <p:cNvPr id="12" name="Group 11"/>
-          <p:cNvGrpSpPr/>
+          <p:cNvPr id="8" name="Group 7"/>
+          <p:cNvGrpSpPr>
+            <a:grpSpLocks noChangeAspect="1"/>
+          </p:cNvGrpSpPr>
           <p:nvPr/>
         </p:nvGrpSpPr>
         <p:grpSpPr>
           <a:xfrm>
-            <a:off x="8522664" y="6255258"/>
-            <a:ext cx="393192" cy="393192"/>
-            <a:chOff x="8532189" y="5068824"/>
-            <a:chExt cx="393192" cy="393192"/>
+            <a:off x="11401725" y="6229681"/>
+            <a:ext cx="457200" cy="457200"/>
+            <a:chOff x="11361456" y="6195813"/>
+            <a:chExt cx="548640" cy="548640"/>
           </a:xfrm>
         </p:grpSpPr>
         <p:sp>
           <p:nvSpPr>
-            <p:cNvPr id="13" name="Oval 12"/>
-            <p:cNvSpPr>
-              <a:spLocks noChangeAspect="1"/>
-            </p:cNvSpPr>
+            <p:cNvPr id="9" name="Oval 8"/>
+            <p:cNvSpPr/>
             <p:nvPr/>
           </p:nvSpPr>
           <p:spPr>
             <a:xfrm>
-              <a:off x="8532189" y="5068824"/>
-              <a:ext cx="393192" cy="393192"/>
+              <a:off x="11361456" y="6195813"/>
+              <a:ext cx="548640" cy="548640"/>
             </a:xfrm>
             <a:prstGeom prst="ellipse">
               <a:avLst/>
@@ -3296,16 +3262,14 @@
         </p:sp>
         <p:sp>
           <p:nvSpPr>
-            <p:cNvPr id="14" name="Oval 13"/>
-            <p:cNvSpPr>
-              <a:spLocks noChangeAspect="1"/>
-            </p:cNvSpPr>
+            <p:cNvPr id="10" name="Oval 9"/>
+            <p:cNvSpPr/>
             <p:nvPr/>
           </p:nvSpPr>
           <p:spPr>
             <a:xfrm>
-              <a:off x="8568766" y="5105400"/>
-              <a:ext cx="320039" cy="320040"/>
+              <a:off x="11396488" y="6230844"/>
+              <a:ext cx="478576" cy="478578"/>
             </a:xfrm>
             <a:prstGeom prst="ellipse">
               <a:avLst/>
@@ -3313,7 +3277,7 @@
             <a:noFill/>
             <a:ln w="12700" cap="flat" cmpd="sng" algn="ctr">
               <a:solidFill>
-                <a:srgbClr val="FFFFFF"/>
+                <a:sysClr val="window" lastClr="FFFFFF"/>
               </a:solidFill>
               <a:prstDash val="solid"/>
             </a:ln>
@@ -3323,30 +3287,7 @@
       </p:grpSp>
       <p:sp>
         <p:nvSpPr>
-          <p:cNvPr id="8" name="Date Placeholder 7"/>
-          <p:cNvSpPr>
-            <a:spLocks noGrp="1"/>
-          </p:cNvSpPr>
-          <p:nvPr>
-            <p:ph type="dt" sz="half" idx="10"/>
-          </p:nvPr>
-        </p:nvSpPr>
-        <p:spPr/>
-        <p:txBody>
-          <a:bodyPr/>
-          <a:lstStyle/>
-          <a:p>
-            <a:fld id="{3772C379-9A7C-4C87-A116-CBE9F58B04C5}" type="datetimeFigureOut">
-              <a:rPr lang="en-US" smtClean="0"/>
-              <a:t>10/7/2017</a:t>
-            </a:fld>
-            <a:endParaRPr lang="en-US" dirty="0"/>
-          </a:p>
-        </p:txBody>
-      </p:sp>
-      <p:sp>
-        <p:nvSpPr>
-          <p:cNvPr id="10" name="Slide Number Placeholder 9"/>
+          <p:cNvPr id="7" name="Slide Number Placeholder 6"/>
           <p:cNvSpPr>
             <a:spLocks noGrp="1"/>
           </p:cNvSpPr>
@@ -3370,7 +3311,7 @@
     </p:spTree>
     <p:extLst>
       <p:ext uri="{BB962C8B-B14F-4D97-AF65-F5344CB8AC3E}">
-        <p14:creationId xmlns:p14="http://schemas.microsoft.com/office/powerpoint/2010/main" val="2158190721"/>
+        <p14:creationId xmlns:p14="http://schemas.microsoft.com/office/powerpoint/2010/main" val="2352678023"/>
       </p:ext>
     </p:extLst>
   </p:cSld>
@@ -3402,32 +3343,201 @@
           <a:chExt cx="0" cy="0"/>
         </a:xfrm>
       </p:grpSpPr>
+      <p:sp>
+        <p:nvSpPr>
+          <p:cNvPr id="2" name="Title Placeholder 1"/>
+          <p:cNvSpPr>
+            <a:spLocks noGrp="1"/>
+          </p:cNvSpPr>
+          <p:nvPr>
+            <p:ph type="title"/>
+          </p:nvPr>
+        </p:nvSpPr>
+        <p:spPr>
+          <a:xfrm>
+            <a:off x="1069848" y="484632"/>
+            <a:ext cx="10058400" cy="1609344"/>
+          </a:xfrm>
+          <a:prstGeom prst="rect">
+            <a:avLst/>
+          </a:prstGeom>
+        </p:spPr>
+        <p:txBody>
+          <a:bodyPr vert="horz" lIns="91440" tIns="45720" rIns="91440" bIns="45720" rtlCol="0" anchor="ctr">
+            <a:normAutofit/>
+          </a:bodyPr>
+          <a:lstStyle/>
+          <a:p>
+            <a:r>
+              <a:rPr lang="en-US"/>
+              <a:t>Click to edit Master title style</a:t>
+            </a:r>
+            <a:endParaRPr lang="en-US" dirty="0"/>
+          </a:p>
+        </p:txBody>
+      </p:sp>
+      <p:sp>
+        <p:nvSpPr>
+          <p:cNvPr id="3" name="Text Placeholder 2"/>
+          <p:cNvSpPr>
+            <a:spLocks noGrp="1"/>
+          </p:cNvSpPr>
+          <p:nvPr>
+            <p:ph type="body" idx="1"/>
+          </p:nvPr>
+        </p:nvSpPr>
+        <p:spPr>
+          <a:xfrm>
+            <a:off x="1069848" y="2121408"/>
+            <a:ext cx="10058400" cy="4050792"/>
+          </a:xfrm>
+          <a:prstGeom prst="rect">
+            <a:avLst/>
+          </a:prstGeom>
+        </p:spPr>
+        <p:txBody>
+          <a:bodyPr vert="horz" lIns="91440" tIns="45720" rIns="91440" bIns="45720" rtlCol="0">
+            <a:normAutofit/>
+          </a:bodyPr>
+          <a:lstStyle/>
+          <a:p>
+            <a:pPr lvl="0"/>
+            <a:r>
+              <a:rPr lang="en-US"/>
+              <a:t>Edit Master text styles</a:t>
+            </a:r>
+          </a:p>
+          <a:p>
+            <a:pPr lvl="1"/>
+            <a:r>
+              <a:rPr lang="en-US"/>
+              <a:t>Second level</a:t>
+            </a:r>
+          </a:p>
+          <a:p>
+            <a:pPr lvl="2"/>
+            <a:r>
+              <a:rPr lang="en-US"/>
+              <a:t>Third level</a:t>
+            </a:r>
+          </a:p>
+          <a:p>
+            <a:pPr lvl="3"/>
+            <a:r>
+              <a:rPr lang="en-US"/>
+              <a:t>Fourth level</a:t>
+            </a:r>
+          </a:p>
+          <a:p>
+            <a:pPr lvl="4"/>
+            <a:r>
+              <a:rPr lang="en-US"/>
+              <a:t>Fifth level</a:t>
+            </a:r>
+            <a:endParaRPr lang="en-US" dirty="0"/>
+          </a:p>
+        </p:txBody>
+      </p:sp>
+      <p:sp>
+        <p:nvSpPr>
+          <p:cNvPr id="4" name="Date Placeholder 3"/>
+          <p:cNvSpPr>
+            <a:spLocks noGrp="1"/>
+          </p:cNvSpPr>
+          <p:nvPr>
+            <p:ph type="dt" sz="half" idx="2"/>
+          </p:nvPr>
+        </p:nvSpPr>
+        <p:spPr>
+          <a:xfrm>
+            <a:off x="7964424" y="6272784"/>
+            <a:ext cx="3273552" cy="365125"/>
+          </a:xfrm>
+          <a:prstGeom prst="rect">
+            <a:avLst/>
+          </a:prstGeom>
+        </p:spPr>
+        <p:txBody>
+          <a:bodyPr vert="horz" lIns="91440" tIns="45720" rIns="91440" bIns="45720" rtlCol="0" anchor="ctr"/>
+          <a:lstStyle>
+            <a:lvl1pPr algn="r">
+              <a:defRPr sz="1100">
+                <a:solidFill>
+                  <a:schemeClr val="tx2"/>
+                </a:solidFill>
+              </a:defRPr>
+            </a:lvl1pPr>
+          </a:lstStyle>
+          <a:p>
+            <a:fld id="{8664C608-40B1-4030-A28D-5B74BC98ADCE}" type="datetimeFigureOut">
+              <a:rPr lang="en-US" smtClean="0"/>
+              <a:t>2/1/2018</a:t>
+            </a:fld>
+            <a:endParaRPr lang="en-US" dirty="0"/>
+          </a:p>
+        </p:txBody>
+      </p:sp>
+      <p:sp>
+        <p:nvSpPr>
+          <p:cNvPr id="5" name="Footer Placeholder 4"/>
+          <p:cNvSpPr>
+            <a:spLocks noGrp="1"/>
+          </p:cNvSpPr>
+          <p:nvPr>
+            <p:ph type="ftr" sz="quarter" idx="3"/>
+          </p:nvPr>
+        </p:nvSpPr>
+        <p:spPr>
+          <a:xfrm>
+            <a:off x="1088136" y="6272784"/>
+            <a:ext cx="6327648" cy="365125"/>
+          </a:xfrm>
+          <a:prstGeom prst="rect">
+            <a:avLst/>
+          </a:prstGeom>
+        </p:spPr>
+        <p:txBody>
+          <a:bodyPr vert="horz" lIns="91440" tIns="45720" rIns="91440" bIns="45720" rtlCol="0" anchor="ctr"/>
+          <a:lstStyle>
+            <a:lvl1pPr algn="l">
+              <a:defRPr sz="1100">
+                <a:solidFill>
+                  <a:schemeClr val="tx2"/>
+                </a:solidFill>
+              </a:defRPr>
+            </a:lvl1pPr>
+          </a:lstStyle>
+          <a:p>
+            <a:endParaRPr lang="en-US" dirty="0"/>
+          </a:p>
+        </p:txBody>
+      </p:sp>
       <p:grpSp>
         <p:nvGrpSpPr>
-          <p:cNvPr id="12" name="Group 11"/>
-          <p:cNvGrpSpPr/>
+          <p:cNvPr id="7" name="Group 6"/>
+          <p:cNvGrpSpPr>
+            <a:grpSpLocks noChangeAspect="1"/>
+          </p:cNvGrpSpPr>
           <p:nvPr/>
         </p:nvGrpSpPr>
         <p:grpSpPr>
           <a:xfrm>
-            <a:off x="8522664" y="6255258"/>
-            <a:ext cx="393192" cy="393192"/>
-            <a:chOff x="8532189" y="5068824"/>
-            <a:chExt cx="393192" cy="393192"/>
+            <a:off x="11401725" y="6229681"/>
+            <a:ext cx="457200" cy="457200"/>
+            <a:chOff x="11361456" y="6195813"/>
+            <a:chExt cx="548640" cy="548640"/>
           </a:xfrm>
         </p:grpSpPr>
         <p:sp>
           <p:nvSpPr>
             <p:cNvPr id="8" name="Oval 7"/>
-            <p:cNvSpPr>
-              <a:spLocks noChangeAspect="1"/>
-            </p:cNvSpPr>
+            <p:cNvSpPr/>
             <p:nvPr/>
           </p:nvSpPr>
           <p:spPr>
             <a:xfrm>
-              <a:off x="8532189" y="5068824"/>
-              <a:ext cx="393192" cy="393192"/>
+              <a:off x="11361456" y="6195813"/>
+              <a:ext cx="548640" cy="548640"/>
             </a:xfrm>
             <a:prstGeom prst="ellipse">
               <a:avLst/>
@@ -3469,15 +3579,13 @@
         <p:sp>
           <p:nvSpPr>
             <p:cNvPr id="9" name="Oval 8"/>
-            <p:cNvSpPr>
-              <a:spLocks noChangeAspect="1"/>
-            </p:cNvSpPr>
+            <p:cNvSpPr/>
             <p:nvPr/>
           </p:nvSpPr>
           <p:spPr>
             <a:xfrm>
-              <a:off x="8568766" y="5105400"/>
-              <a:ext cx="320039" cy="320040"/>
+              <a:off x="11396488" y="6230844"/>
+              <a:ext cx="478576" cy="478578"/>
             </a:xfrm>
             <a:prstGeom prst="ellipse">
               <a:avLst/>
@@ -3495,205 +3603,32 @@
       </p:grpSp>
       <p:sp>
         <p:nvSpPr>
-          <p:cNvPr id="2" name="Title Placeholder 1"/>
-          <p:cNvSpPr>
-            <a:spLocks noGrp="1"/>
-          </p:cNvSpPr>
-          <p:nvPr>
-            <p:ph type="title"/>
+          <p:cNvPr id="6" name="Slide Number Placeholder 5"/>
+          <p:cNvSpPr>
+            <a:spLocks noGrp="1"/>
+          </p:cNvSpPr>
+          <p:nvPr>
+            <p:ph type="sldNum" sz="quarter" idx="4"/>
           </p:nvPr>
         </p:nvSpPr>
         <p:spPr>
           <a:xfrm>
-            <a:off x="685800" y="484632"/>
-            <a:ext cx="7772400" cy="1609344"/>
+            <a:off x="11311128" y="6272784"/>
+            <a:ext cx="640080" cy="365125"/>
           </a:xfrm>
           <a:prstGeom prst="rect">
             <a:avLst/>
           </a:prstGeom>
         </p:spPr>
         <p:txBody>
-          <a:bodyPr vert="horz" lIns="91440" tIns="45720" rIns="91440" bIns="45720" rtlCol="0" anchor="ctr">
-            <a:normAutofit/>
-          </a:bodyPr>
-          <a:lstStyle/>
-          <a:p>
-            <a:r>
-              <a:rPr lang="en-US"/>
-              <a:t>Click to edit Master title style</a:t>
-            </a:r>
-            <a:endParaRPr lang="en-US" dirty="0"/>
-          </a:p>
-        </p:txBody>
-      </p:sp>
-      <p:sp>
-        <p:nvSpPr>
-          <p:cNvPr id="3" name="Text Placeholder 2"/>
-          <p:cNvSpPr>
-            <a:spLocks noGrp="1"/>
-          </p:cNvSpPr>
-          <p:nvPr>
-            <p:ph type="body" idx="1"/>
-          </p:nvPr>
-        </p:nvSpPr>
-        <p:spPr>
-          <a:xfrm>
-            <a:off x="685800" y="2121408"/>
-            <a:ext cx="7772400" cy="4050792"/>
-          </a:xfrm>
-          <a:prstGeom prst="rect">
-            <a:avLst/>
-          </a:prstGeom>
-        </p:spPr>
-        <p:txBody>
-          <a:bodyPr vert="horz" lIns="91440" tIns="45720" rIns="91440" bIns="45720" rtlCol="0">
-            <a:normAutofit/>
-          </a:bodyPr>
-          <a:lstStyle/>
-          <a:p>
-            <a:pPr lvl="0"/>
-            <a:r>
-              <a:rPr lang="en-US"/>
-              <a:t>Edit Master text styles</a:t>
-            </a:r>
-          </a:p>
-          <a:p>
-            <a:pPr lvl="1"/>
-            <a:r>
-              <a:rPr lang="en-US"/>
-              <a:t>Second level</a:t>
-            </a:r>
-          </a:p>
-          <a:p>
-            <a:pPr lvl="2"/>
-            <a:r>
-              <a:rPr lang="en-US"/>
-              <a:t>Third level</a:t>
-            </a:r>
-          </a:p>
-          <a:p>
-            <a:pPr lvl="3"/>
-            <a:r>
-              <a:rPr lang="en-US"/>
-              <a:t>Fourth level</a:t>
-            </a:r>
-          </a:p>
-          <a:p>
-            <a:pPr lvl="4"/>
-            <a:r>
-              <a:rPr lang="en-US"/>
-              <a:t>Fifth level</a:t>
-            </a:r>
-            <a:endParaRPr lang="en-US" dirty="0"/>
-          </a:p>
-        </p:txBody>
-      </p:sp>
-      <p:sp>
-        <p:nvSpPr>
-          <p:cNvPr id="4" name="Date Placeholder 3"/>
-          <p:cNvSpPr>
-            <a:spLocks noGrp="1"/>
-          </p:cNvSpPr>
-          <p:nvPr>
-            <p:ph type="dt" sz="half" idx="2"/>
-          </p:nvPr>
-        </p:nvSpPr>
-        <p:spPr>
-          <a:xfrm>
-            <a:off x="5992368" y="6272785"/>
-            <a:ext cx="2455164" cy="365125"/>
-          </a:xfrm>
-          <a:prstGeom prst="rect">
-            <a:avLst/>
-          </a:prstGeom>
-        </p:spPr>
-        <p:txBody>
-          <a:bodyPr vert="horz" lIns="91440" tIns="45720" rIns="91440" bIns="45720" rtlCol="0" anchor="ctr"/>
-          <a:lstStyle>
-            <a:lvl1pPr algn="r">
-              <a:defRPr sz="1000">
-                <a:solidFill>
-                  <a:schemeClr val="accent1">
-                    <a:lumMod val="50000"/>
-                  </a:schemeClr>
-                </a:solidFill>
-              </a:defRPr>
-            </a:lvl1pPr>
-          </a:lstStyle>
-          <a:p>
-            <a:fld id="{8664C608-40B1-4030-A28D-5B74BC98ADCE}" type="datetimeFigureOut">
-              <a:rPr lang="en-US" smtClean="0"/>
-              <a:t>10/7/2017</a:t>
-            </a:fld>
-            <a:endParaRPr lang="en-US" dirty="0"/>
-          </a:p>
-        </p:txBody>
-      </p:sp>
-      <p:sp>
-        <p:nvSpPr>
-          <p:cNvPr id="5" name="Footer Placeholder 4"/>
-          <p:cNvSpPr>
-            <a:spLocks noGrp="1"/>
-          </p:cNvSpPr>
-          <p:nvPr>
-            <p:ph type="ftr" sz="quarter" idx="3"/>
-          </p:nvPr>
-        </p:nvSpPr>
-        <p:spPr>
-          <a:xfrm>
-            <a:off x="685800" y="6272785"/>
-            <a:ext cx="4745736" cy="365125"/>
-          </a:xfrm>
-          <a:prstGeom prst="rect">
-            <a:avLst/>
-          </a:prstGeom>
-        </p:spPr>
-        <p:txBody>
-          <a:bodyPr vert="horz" lIns="91440" tIns="45720" rIns="91440" bIns="45720" rtlCol="0" anchor="ctr"/>
-          <a:lstStyle>
-            <a:lvl1pPr algn="l">
-              <a:defRPr sz="1000">
-                <a:solidFill>
-                  <a:schemeClr val="accent1">
-                    <a:lumMod val="50000"/>
-                  </a:schemeClr>
-                </a:solidFill>
-              </a:defRPr>
-            </a:lvl1pPr>
-          </a:lstStyle>
-          <a:p>
-            <a:endParaRPr lang="en-US" dirty="0"/>
-          </a:p>
-        </p:txBody>
-      </p:sp>
-      <p:sp>
-        <p:nvSpPr>
-          <p:cNvPr id="6" name="Slide Number Placeholder 5"/>
-          <p:cNvSpPr>
-            <a:spLocks noGrp="1"/>
-          </p:cNvSpPr>
-          <p:nvPr>
-            <p:ph type="sldNum" sz="quarter" idx="4"/>
-          </p:nvPr>
-        </p:nvSpPr>
-        <p:spPr>
-          <a:xfrm>
-            <a:off x="8483346" y="6272785"/>
-            <a:ext cx="480060" cy="365125"/>
-          </a:xfrm>
-          <a:prstGeom prst="rect">
-            <a:avLst/>
-          </a:prstGeom>
-        </p:spPr>
-        <p:txBody>
           <a:bodyPr vert="horz" lIns="91440" tIns="45720" rIns="91440" bIns="45720" rtlCol="0" anchor="ctr"/>
           <a:lstStyle>
             <a:lvl1pPr algn="ctr">
-              <a:defRPr sz="1100" b="1" spc="-70" baseline="0">
+              <a:defRPr sz="1400" b="1">
                 <a:solidFill>
                   <a:srgbClr val="FFFFFF"/>
                 </a:solidFill>
-                <a:latin typeface="+mn-lt"/>
+                <a:latin typeface="+mj-lt"/>
               </a:defRPr>
             </a:lvl1pPr>
           </a:lstStyle>
@@ -3710,23 +3645,23 @@
     </p:spTree>
     <p:extLst>
       <p:ext uri="{BB962C8B-B14F-4D97-AF65-F5344CB8AC3E}">
-        <p14:creationId xmlns:p14="http://schemas.microsoft.com/office/powerpoint/2010/main" val="4038872160"/>
+        <p14:creationId xmlns:p14="http://schemas.microsoft.com/office/powerpoint/2010/main" val="2147907148"/>
       </p:ext>
     </p:extLst>
   </p:cSld>
   <p:clrMap bg1="lt1" tx1="dk1" bg2="lt2" tx2="dk2" accent1="accent1" accent2="accent2" accent3="accent3" accent4="accent4" accent5="accent5" accent6="accent6" hlink="hlink" folHlink="folHlink"/>
   <p:sldLayoutIdLst>
-    <p:sldLayoutId id="2147483853" r:id="rId1"/>
-    <p:sldLayoutId id="2147483854" r:id="rId2"/>
-    <p:sldLayoutId id="2147483855" r:id="rId3"/>
-    <p:sldLayoutId id="2147483856" r:id="rId4"/>
-    <p:sldLayoutId id="2147483857" r:id="rId5"/>
-    <p:sldLayoutId id="2147483858" r:id="rId6"/>
-    <p:sldLayoutId id="2147483859" r:id="rId7"/>
-    <p:sldLayoutId id="2147483860" r:id="rId8"/>
-    <p:sldLayoutId id="2147483861" r:id="rId9"/>
-    <p:sldLayoutId id="2147483862" r:id="rId10"/>
-    <p:sldLayoutId id="2147483863" r:id="rId11"/>
+    <p:sldLayoutId id="2147483865" r:id="rId1"/>
+    <p:sldLayoutId id="2147483866" r:id="rId2"/>
+    <p:sldLayoutId id="2147483867" r:id="rId3"/>
+    <p:sldLayoutId id="2147483868" r:id="rId4"/>
+    <p:sldLayoutId id="2147483869" r:id="rId5"/>
+    <p:sldLayoutId id="2147483870" r:id="rId6"/>
+    <p:sldLayoutId id="2147483871" r:id="rId7"/>
+    <p:sldLayoutId id="2147483872" r:id="rId8"/>
+    <p:sldLayoutId id="2147483873" r:id="rId9"/>
+    <p:sldLayoutId id="2147483874" r:id="rId10"/>
+    <p:sldLayoutId id="2147483875" r:id="rId11"/>
   </p:sldLayoutIdLst>
   <p:hf sldNum="0" hdr="0" ftr="0" dt="0"/>
   <p:txStyles>
@@ -3739,7 +3674,7 @@
           <a:spcPct val="0"/>
         </a:spcBef>
         <a:buNone/>
-        <a:defRPr sz="4200" b="0" kern="1200" cap="all" baseline="0">
+        <a:defRPr sz="5400" kern="1200" cap="all" baseline="0">
           <a:blipFill>
             <a:blip r:embed="rId15">
               <a:extLst>
@@ -4152,12 +4087,14 @@
         </p:nvSpPr>
         <p:spPr>
           <a:xfrm>
-            <a:off x="802386" y="5099900"/>
+            <a:off x="2326386" y="5099901"/>
             <a:ext cx="5918454" cy="359067"/>
           </a:xfrm>
         </p:spPr>
         <p:txBody>
-          <a:bodyPr/>
+          <a:bodyPr>
+            <a:normAutofit fontScale="92500" lnSpcReduction="10000"/>
+          </a:bodyPr>
           <a:lstStyle/>
           <a:p>
             <a:r>
@@ -4292,7 +4229,7 @@
         </p:nvSpPr>
         <p:spPr>
           <a:xfrm>
-            <a:off x="2721990" y="2356113"/>
+            <a:off x="4245990" y="2356113"/>
             <a:ext cx="961534" cy="431276"/>
           </a:xfrm>
           <a:prstGeom prst="rect">
@@ -4335,7 +4272,7 @@
         </p:nvSpPr>
         <p:spPr>
           <a:xfrm>
-            <a:off x="4120068" y="2356113"/>
+            <a:off x="5644068" y="2356113"/>
             <a:ext cx="961534" cy="431276"/>
           </a:xfrm>
           <a:prstGeom prst="rect">
@@ -4378,7 +4315,7 @@
         </p:nvSpPr>
         <p:spPr>
           <a:xfrm>
-            <a:off x="5518145" y="2356112"/>
+            <a:off x="7042145" y="2356112"/>
             <a:ext cx="961534" cy="431276"/>
           </a:xfrm>
           <a:prstGeom prst="rect">
@@ -4421,7 +4358,7 @@
         </p:nvSpPr>
         <p:spPr>
           <a:xfrm>
-            <a:off x="7015900" y="2356112"/>
+            <a:off x="8539900" y="2356112"/>
             <a:ext cx="961534" cy="431276"/>
           </a:xfrm>
           <a:prstGeom prst="rect">
@@ -4467,7 +4404,7 @@
         </p:nvCxnSpPr>
         <p:spPr>
           <a:xfrm flipH="1">
-            <a:off x="3202756" y="2787389"/>
+            <a:off x="4726756" y="2787389"/>
             <a:ext cx="2" cy="1824086"/>
           </a:xfrm>
           <a:prstGeom prst="line">
@@ -4499,7 +4436,7 @@
         </p:nvCxnSpPr>
         <p:spPr>
           <a:xfrm flipH="1">
-            <a:off x="4592863" y="2787389"/>
+            <a:off x="6116863" y="2787389"/>
             <a:ext cx="7972" cy="1824086"/>
           </a:xfrm>
           <a:prstGeom prst="line">
@@ -4531,7 +4468,7 @@
         </p:nvCxnSpPr>
         <p:spPr>
           <a:xfrm flipH="1">
-            <a:off x="5998910" y="2787388"/>
+            <a:off x="7522910" y="2787389"/>
             <a:ext cx="2" cy="1824087"/>
           </a:xfrm>
           <a:prstGeom prst="line">
@@ -4563,7 +4500,7 @@
         </p:nvCxnSpPr>
         <p:spPr>
           <a:xfrm>
-            <a:off x="7496667" y="2787388"/>
+            <a:off x="9020667" y="2787389"/>
             <a:ext cx="7970" cy="1753387"/>
           </a:xfrm>
           <a:prstGeom prst="line">
@@ -4593,7 +4530,7 @@
         </p:nvCxnSpPr>
         <p:spPr>
           <a:xfrm flipV="1">
-            <a:off x="5998911" y="3586309"/>
+            <a:off x="7522911" y="3586310"/>
             <a:ext cx="1497756" cy="14141"/>
           </a:xfrm>
           <a:prstGeom prst="straightConnector1">
@@ -4626,7 +4563,7 @@
         </p:nvSpPr>
         <p:spPr>
           <a:xfrm>
-            <a:off x="6391373" y="3586309"/>
+            <a:off x="7915373" y="3586309"/>
             <a:ext cx="886120" cy="300082"/>
           </a:xfrm>
           <a:prstGeom prst="rect">
@@ -4655,7 +4592,7 @@
         </p:nvCxnSpPr>
         <p:spPr>
           <a:xfrm flipV="1">
-            <a:off x="3202756" y="3071113"/>
+            <a:off x="4726757" y="3071114"/>
             <a:ext cx="2796155" cy="13223"/>
           </a:xfrm>
           <a:prstGeom prst="straightConnector1">
@@ -4688,7 +4625,7 @@
         </p:nvSpPr>
         <p:spPr>
           <a:xfrm>
-            <a:off x="3670212" y="3142102"/>
+            <a:off x="5194212" y="3142102"/>
             <a:ext cx="494046" cy="300082"/>
           </a:xfrm>
           <a:prstGeom prst="rect">
@@ -4717,7 +4654,7 @@
         </p:nvCxnSpPr>
         <p:spPr>
           <a:xfrm>
-            <a:off x="4608805" y="3337161"/>
+            <a:off x="6132805" y="3337161"/>
             <a:ext cx="1390106" cy="0"/>
           </a:xfrm>
           <a:prstGeom prst="straightConnector1">
@@ -4750,7 +4687,7 @@
         </p:nvSpPr>
         <p:spPr>
           <a:xfrm>
-            <a:off x="5008751" y="3365240"/>
+            <a:off x="6532751" y="3365240"/>
             <a:ext cx="494046" cy="300082"/>
           </a:xfrm>
           <a:prstGeom prst="rect">
@@ -4813,13 +4750,13 @@
         </p:nvSpPr>
         <p:spPr>
           <a:xfrm>
-            <a:off x="802386" y="1220724"/>
-            <a:ext cx="8341614" cy="1163669"/>
+            <a:off x="1069847" y="0"/>
+            <a:ext cx="10217277" cy="1163669"/>
           </a:xfrm>
         </p:spPr>
         <p:txBody>
           <a:bodyPr>
-            <a:normAutofit/>
+            <a:normAutofit fontScale="90000"/>
           </a:bodyPr>
           <a:lstStyle/>
           <a:p>
@@ -4840,7 +4777,12 @@
             <p:ph idx="1"/>
           </p:nvPr>
         </p:nvSpPr>
-        <p:spPr/>
+        <p:spPr>
+          <a:xfrm>
+            <a:off x="910971" y="1466850"/>
+            <a:ext cx="10217277" cy="4705350"/>
+          </a:xfrm>
+        </p:spPr>
         <p:txBody>
           <a:bodyPr/>
           <a:lstStyle/>
@@ -4918,7 +4860,7 @@
         </p:nvSpPr>
         <p:spPr>
           <a:xfrm>
-            <a:off x="1958420" y="2476306"/>
+            <a:off x="3482421" y="2476306"/>
             <a:ext cx="1042765" cy="431276"/>
           </a:xfrm>
           <a:prstGeom prst="rect">
@@ -4961,7 +4903,7 @@
         </p:nvSpPr>
         <p:spPr>
           <a:xfrm>
-            <a:off x="3356498" y="2476306"/>
+            <a:off x="4880498" y="2476306"/>
             <a:ext cx="961534" cy="431276"/>
           </a:xfrm>
           <a:prstGeom prst="rect">
@@ -5004,7 +4946,7 @@
         </p:nvSpPr>
         <p:spPr>
           <a:xfrm>
-            <a:off x="4754575" y="2476306"/>
+            <a:off x="6278575" y="2476306"/>
             <a:ext cx="961534" cy="431276"/>
           </a:xfrm>
           <a:prstGeom prst="rect">
@@ -5047,7 +4989,7 @@
         </p:nvSpPr>
         <p:spPr>
           <a:xfrm>
-            <a:off x="6063449" y="2476305"/>
+            <a:off x="7587449" y="2476305"/>
             <a:ext cx="1077534" cy="431276"/>
           </a:xfrm>
           <a:prstGeom prst="rect">
@@ -5092,7 +5034,7 @@
         </p:nvCxnSpPr>
         <p:spPr>
           <a:xfrm>
-            <a:off x="6602216" y="2907581"/>
+            <a:off x="8126217" y="2907582"/>
             <a:ext cx="55117" cy="1753387"/>
           </a:xfrm>
           <a:prstGeom prst="line">
@@ -5122,7 +5064,7 @@
         </p:nvCxnSpPr>
         <p:spPr>
           <a:xfrm>
-            <a:off x="5235342" y="3720643"/>
+            <a:off x="6759343" y="3720644"/>
             <a:ext cx="1414021" cy="14141"/>
           </a:xfrm>
           <a:prstGeom prst="straightConnector1">
@@ -5155,7 +5097,7 @@
         </p:nvSpPr>
         <p:spPr>
           <a:xfrm>
-            <a:off x="5582681" y="3706503"/>
+            <a:off x="7106681" y="3706503"/>
             <a:ext cx="776332" cy="300082"/>
           </a:xfrm>
           <a:prstGeom prst="rect">
@@ -5184,7 +5126,7 @@
         </p:nvCxnSpPr>
         <p:spPr>
           <a:xfrm flipV="1">
-            <a:off x="2439187" y="3191307"/>
+            <a:off x="3963188" y="3191308"/>
             <a:ext cx="2796155" cy="13223"/>
           </a:xfrm>
           <a:prstGeom prst="straightConnector1">
@@ -5217,7 +5159,7 @@
         </p:nvSpPr>
         <p:spPr>
           <a:xfrm>
-            <a:off x="2906642" y="3262295"/>
+            <a:off x="4430642" y="3262295"/>
             <a:ext cx="494046" cy="300082"/>
           </a:xfrm>
           <a:prstGeom prst="rect">
@@ -5246,7 +5188,7 @@
         </p:nvCxnSpPr>
         <p:spPr>
           <a:xfrm>
-            <a:off x="3845236" y="3457355"/>
+            <a:off x="5369236" y="3457355"/>
             <a:ext cx="1390106" cy="0"/>
           </a:xfrm>
           <a:prstGeom prst="straightConnector1">
@@ -5279,7 +5221,7 @@
         </p:nvSpPr>
         <p:spPr>
           <a:xfrm>
-            <a:off x="4245181" y="3485434"/>
+            <a:off x="5769181" y="3485434"/>
             <a:ext cx="494046" cy="300082"/>
           </a:xfrm>
           <a:prstGeom prst="rect">
@@ -5308,7 +5250,7 @@
         </p:nvCxnSpPr>
         <p:spPr>
           <a:xfrm flipH="1">
-            <a:off x="2439186" y="2907583"/>
+            <a:off x="3963186" y="2907583"/>
             <a:ext cx="2" cy="1824086"/>
           </a:xfrm>
           <a:prstGeom prst="line">
@@ -5338,7 +5280,7 @@
         </p:nvCxnSpPr>
         <p:spPr>
           <a:xfrm flipH="1">
-            <a:off x="3829293" y="2907583"/>
+            <a:off x="5353293" y="2907583"/>
             <a:ext cx="7972" cy="1824086"/>
           </a:xfrm>
           <a:prstGeom prst="line">
@@ -5368,7 +5310,7 @@
         </p:nvCxnSpPr>
         <p:spPr>
           <a:xfrm flipH="1">
-            <a:off x="5235340" y="2907581"/>
+            <a:off x="6759340" y="2907582"/>
             <a:ext cx="2" cy="1824087"/>
           </a:xfrm>
           <a:prstGeom prst="line">
@@ -5398,7 +5340,7 @@
         </p:nvSpPr>
         <p:spPr>
           <a:xfrm>
-            <a:off x="7529827" y="2476305"/>
+            <a:off x="9053827" y="2476305"/>
             <a:ext cx="961534" cy="431276"/>
           </a:xfrm>
           <a:prstGeom prst="rect">
@@ -5441,7 +5383,7 @@
         </p:nvCxnSpPr>
         <p:spPr>
           <a:xfrm>
-            <a:off x="8053016" y="2907581"/>
+            <a:off x="9577016" y="2907582"/>
             <a:ext cx="7970" cy="1753387"/>
           </a:xfrm>
           <a:prstGeom prst="line">
@@ -5471,7 +5413,7 @@
         </p:nvCxnSpPr>
         <p:spPr>
           <a:xfrm>
-            <a:off x="6657335" y="3842013"/>
+            <a:off x="8181336" y="3842014"/>
             <a:ext cx="1414021" cy="14141"/>
           </a:xfrm>
           <a:prstGeom prst="straightConnector1">
@@ -5504,7 +5446,7 @@
         </p:nvSpPr>
         <p:spPr>
           <a:xfrm>
-            <a:off x="7049797" y="3827872"/>
+            <a:off x="8573797" y="3827872"/>
             <a:ext cx="731210" cy="300082"/>
           </a:xfrm>
           <a:prstGeom prst="rect">
@@ -5533,7 +5475,7 @@
         </p:nvCxnSpPr>
         <p:spPr>
           <a:xfrm flipH="1">
-            <a:off x="6657333" y="4114251"/>
+            <a:off x="8181334" y="4114251"/>
             <a:ext cx="1395683" cy="0"/>
           </a:xfrm>
           <a:prstGeom prst="straightConnector1">
@@ -5566,7 +5508,7 @@
         </p:nvSpPr>
         <p:spPr>
           <a:xfrm>
-            <a:off x="6628142" y="4120060"/>
+            <a:off x="8152143" y="4120060"/>
             <a:ext cx="1480983" cy="300082"/>
           </a:xfrm>
           <a:prstGeom prst="rect">
@@ -5627,7 +5569,12 @@
             <p:ph type="title"/>
           </p:nvPr>
         </p:nvSpPr>
-        <p:spPr/>
+        <p:spPr>
+          <a:xfrm>
+            <a:off x="984123" y="0"/>
+            <a:ext cx="10058400" cy="1609344"/>
+          </a:xfrm>
+        </p:spPr>
         <p:txBody>
           <a:bodyPr/>
           <a:lstStyle/>
@@ -5649,7 +5596,12 @@
             <p:ph idx="1"/>
           </p:nvPr>
         </p:nvSpPr>
-        <p:spPr/>
+        <p:spPr>
+          <a:xfrm>
+            <a:off x="984123" y="1457325"/>
+            <a:ext cx="10144125" cy="4714875"/>
+          </a:xfrm>
+        </p:spPr>
         <p:txBody>
           <a:bodyPr/>
           <a:lstStyle/>
@@ -5750,7 +5702,12 @@
             <p:ph type="title"/>
           </p:nvPr>
         </p:nvSpPr>
-        <p:spPr/>
+        <p:spPr>
+          <a:xfrm>
+            <a:off x="1072896" y="0"/>
+            <a:ext cx="10058400" cy="1609344"/>
+          </a:xfrm>
+        </p:spPr>
         <p:txBody>
           <a:bodyPr/>
           <a:lstStyle/>
@@ -5772,10 +5729,15 @@
             <p:ph idx="1"/>
           </p:nvPr>
         </p:nvSpPr>
-        <p:spPr/>
+        <p:spPr>
+          <a:xfrm>
+            <a:off x="1069848" y="1438275"/>
+            <a:ext cx="10058400" cy="4733925"/>
+          </a:xfrm>
+        </p:spPr>
         <p:txBody>
           <a:bodyPr>
-            <a:normAutofit fontScale="92500" lnSpcReduction="20000"/>
+            <a:normAutofit/>
           </a:bodyPr>
           <a:lstStyle/>
           <a:p>
@@ -5979,37 +5941,42 @@
             <p:ph type="title"/>
           </p:nvPr>
         </p:nvSpPr>
-        <p:spPr/>
-        <p:txBody>
-          <a:bodyPr/>
-          <a:lstStyle/>
-          <a:p>
-            <a:r>
-              <a:rPr lang="en-US" dirty="0"/>
-              <a:t>Quick practice</a:t>
-            </a:r>
-          </a:p>
-        </p:txBody>
-      </p:sp>
-      <p:sp>
-        <p:nvSpPr>
-          <p:cNvPr id="3" name="Content Placeholder 2"/>
-          <p:cNvSpPr>
-            <a:spLocks noGrp="1"/>
-          </p:cNvSpPr>
-          <p:nvPr>
-            <p:ph idx="1"/>
-          </p:nvPr>
-        </p:nvSpPr>
         <p:spPr>
           <a:xfrm>
-            <a:off x="802386" y="2271271"/>
-            <a:ext cx="7543800" cy="3215129"/>
+            <a:off x="1222248" y="0"/>
+            <a:ext cx="10058400" cy="1609344"/>
           </a:xfrm>
         </p:spPr>
         <p:txBody>
+          <a:bodyPr/>
+          <a:lstStyle/>
+          <a:p>
+            <a:r>
+              <a:rPr lang="en-US" dirty="0"/>
+              <a:t>Quick practice</a:t>
+            </a:r>
+          </a:p>
+        </p:txBody>
+      </p:sp>
+      <p:sp>
+        <p:nvSpPr>
+          <p:cNvPr id="3" name="Content Placeholder 2"/>
+          <p:cNvSpPr>
+            <a:spLocks noGrp="1"/>
+          </p:cNvSpPr>
+          <p:nvPr>
+            <p:ph idx="1"/>
+          </p:nvPr>
+        </p:nvSpPr>
+        <p:spPr>
+          <a:xfrm>
+            <a:off x="1222248" y="1390650"/>
+            <a:ext cx="9464802" cy="5143500"/>
+          </a:xfrm>
+        </p:spPr>
+        <p:txBody>
           <a:bodyPr>
-            <a:normAutofit fontScale="92500" lnSpcReduction="20000"/>
+            <a:normAutofit/>
           </a:bodyPr>
           <a:lstStyle/>
           <a:p>
@@ -6153,37 +6120,42 @@
             <p:ph type="title"/>
           </p:nvPr>
         </p:nvSpPr>
-        <p:spPr/>
-        <p:txBody>
-          <a:bodyPr/>
-          <a:lstStyle/>
-          <a:p>
-            <a:r>
-              <a:rPr lang="en-US" dirty="0"/>
-              <a:t>Quick practice - continued</a:t>
-            </a:r>
-          </a:p>
-        </p:txBody>
-      </p:sp>
-      <p:sp>
-        <p:nvSpPr>
-          <p:cNvPr id="3" name="Content Placeholder 2"/>
-          <p:cNvSpPr>
-            <a:spLocks noGrp="1"/>
-          </p:cNvSpPr>
-          <p:nvPr>
-            <p:ph idx="1"/>
-          </p:nvPr>
-        </p:nvSpPr>
         <p:spPr>
           <a:xfrm>
-            <a:off x="802386" y="2271271"/>
-            <a:ext cx="7543800" cy="3215129"/>
+            <a:off x="1288923" y="0"/>
+            <a:ext cx="10058400" cy="1609344"/>
           </a:xfrm>
         </p:spPr>
         <p:txBody>
+          <a:bodyPr/>
+          <a:lstStyle/>
+          <a:p>
+            <a:r>
+              <a:rPr lang="en-US" dirty="0"/>
+              <a:t>Quick practice - continued</a:t>
+            </a:r>
+          </a:p>
+        </p:txBody>
+      </p:sp>
+      <p:sp>
+        <p:nvSpPr>
+          <p:cNvPr id="3" name="Content Placeholder 2"/>
+          <p:cNvSpPr>
+            <a:spLocks noGrp="1"/>
+          </p:cNvSpPr>
+          <p:nvPr>
+            <p:ph idx="1"/>
+          </p:nvPr>
+        </p:nvSpPr>
+        <p:spPr>
+          <a:xfrm>
+            <a:off x="1288923" y="1457326"/>
+            <a:ext cx="9398127" cy="5114924"/>
+          </a:xfrm>
+        </p:spPr>
+        <p:txBody>
           <a:bodyPr>
-            <a:normAutofit fontScale="77500" lnSpcReduction="20000"/>
+            <a:normAutofit/>
           </a:bodyPr>
           <a:lstStyle/>
           <a:p>
@@ -6376,7 +6348,12 @@
             <p:ph type="title"/>
           </p:nvPr>
         </p:nvSpPr>
-        <p:spPr/>
+        <p:spPr>
+          <a:xfrm>
+            <a:off x="1066800" y="0"/>
+            <a:ext cx="10058400" cy="1609344"/>
+          </a:xfrm>
+        </p:spPr>
         <p:txBody>
           <a:bodyPr/>
           <a:lstStyle/>
@@ -6495,7 +6472,12 @@
             <p:ph type="title"/>
           </p:nvPr>
         </p:nvSpPr>
-        <p:spPr/>
+        <p:spPr>
+          <a:xfrm>
+            <a:off x="1179921" y="0"/>
+            <a:ext cx="10058400" cy="1609344"/>
+          </a:xfrm>
+        </p:spPr>
         <p:txBody>
           <a:bodyPr/>
           <a:lstStyle/>
@@ -6528,7 +6510,7 @@
           </p:nvPr>
         </p:nvGraphicFramePr>
         <p:xfrm>
-          <a:off x="1150069" y="2093976"/>
+          <a:off x="2674070" y="2093976"/>
           <a:ext cx="7070103" cy="3723592"/>
         </p:xfrm>
         <a:graphic>
@@ -7027,7 +7009,12 @@
             <p:ph type="title"/>
           </p:nvPr>
         </p:nvSpPr>
-        <p:spPr/>
+        <p:spPr>
+          <a:xfrm>
+            <a:off x="1069848" y="0"/>
+            <a:ext cx="10058400" cy="1609344"/>
+          </a:xfrm>
+        </p:spPr>
         <p:txBody>
           <a:bodyPr/>
           <a:lstStyle/>
@@ -7128,7 +7115,12 @@
             <p:ph type="title"/>
           </p:nvPr>
         </p:nvSpPr>
-        <p:spPr/>
+        <p:spPr>
+          <a:xfrm>
+            <a:off x="1066800" y="0"/>
+            <a:ext cx="10058400" cy="1609344"/>
+          </a:xfrm>
+        </p:spPr>
         <p:txBody>
           <a:bodyPr/>
           <a:lstStyle/>
@@ -7550,7 +7542,7 @@
         </p:nvSpPr>
         <p:spPr bwMode="auto">
           <a:xfrm>
-            <a:off x="3932635" y="2789635"/>
+            <a:off x="5456635" y="2789635"/>
             <a:ext cx="3095048" cy="3095048"/>
           </a:xfrm>
           <a:prstGeom prst="rect">
@@ -7589,7 +7581,7 @@
         </p:nvSpPr>
         <p:spPr bwMode="auto">
           <a:xfrm>
-            <a:off x="4457700" y="3314700"/>
+            <a:off x="5981700" y="3314700"/>
             <a:ext cx="228600" cy="228600"/>
           </a:xfrm>
           <a:prstGeom prst="rect">
@@ -7634,7 +7626,7 @@
         </p:blipFill>
         <p:spPr>
           <a:xfrm>
-            <a:off x="4081364" y="2259635"/>
+            <a:off x="5605364" y="2259635"/>
             <a:ext cx="2500902" cy="2500902"/>
           </a:xfrm>
           <a:prstGeom prst="rect">
@@ -8065,7 +8057,7 @@
         </p:blipFill>
         <p:spPr bwMode="auto">
           <a:xfrm>
-            <a:off x="2429170" y="2427732"/>
+            <a:off x="3953171" y="2427732"/>
             <a:ext cx="3571875" cy="2800350"/>
           </a:xfrm>
           <a:prstGeom prst="rect">
@@ -8106,7 +8098,7 @@
         </p:nvSpPr>
         <p:spPr bwMode="auto">
           <a:xfrm>
-            <a:off x="5829301" y="5257800"/>
+            <a:off x="7353302" y="5257800"/>
             <a:ext cx="1617751" cy="300082"/>
           </a:xfrm>
           <a:prstGeom prst="rect">
@@ -8405,7 +8397,7 @@
         </p:blipFill>
         <p:spPr bwMode="auto">
           <a:xfrm>
-            <a:off x="2707261" y="2240635"/>
+            <a:off x="4231262" y="2240636"/>
             <a:ext cx="3064669" cy="3450431"/>
           </a:xfrm>
           <a:prstGeom prst="rect">
@@ -8559,7 +8551,7 @@
         </p:blipFill>
         <p:spPr>
           <a:xfrm>
-            <a:off x="3125912" y="1715914"/>
+            <a:off x="4649913" y="1715915"/>
             <a:ext cx="4773749" cy="4883545"/>
           </a:xfrm>
           <a:prstGeom prst="rect">

--- a/training_draft/git_introduction.pptx
+++ b/training_draft/git_introduction.pptx
@@ -2,7 +2,7 @@
 <file path=ppt/presentation.xml><?xml version="1.0" encoding="utf-8"?>
 <p:presentation xmlns:a="http://schemas.openxmlformats.org/drawingml/2006/main" xmlns:r="http://schemas.openxmlformats.org/officeDocument/2006/relationships" xmlns:p="http://schemas.openxmlformats.org/presentationml/2006/main" autoCompressPictures="0">
   <p:sldMasterIdLst>
-    <p:sldMasterId id="2147483864" r:id="rId1"/>
+    <p:sldMasterId id="2147483852" r:id="rId1"/>
   </p:sldMasterIdLst>
   <p:sldIdLst>
     <p:sldId id="256" r:id="rId2"/>
@@ -26,7 +26,7 @@
     <p:sldId id="262" r:id="rId20"/>
     <p:sldId id="273" r:id="rId21"/>
   </p:sldIdLst>
-  <p:sldSz cx="12192000" cy="6858000"/>
+  <p:sldSz cx="9144000" cy="6858000" type="screen4x3"/>
   <p:notesSz cx="6858000" cy="9144000"/>
   <p:defaultTextStyle>
     <a:defPPr>
@@ -160,15 +160,15 @@
         </p:nvSpPr>
         <p:spPr>
           <a:xfrm>
-            <a:off x="920834" y="1346946"/>
-            <a:ext cx="10222992" cy="80683"/>
+            <a:off x="685800" y="1346947"/>
+            <a:ext cx="7772400" cy="80683"/>
           </a:xfrm>
           <a:prstGeom prst="rect">
             <a:avLst/>
           </a:prstGeom>
           <a:blipFill dpi="0" rotWithShape="1">
             <a:blip r:embed="rId2">
-              <a:alphaModFix amt="85000"/>
+              <a:alphaModFix amt="80000"/>
               <a:lum bright="70000" contrast="-70000"/>
               <a:extLst>
                 <a:ext uri="{BEBA8EAE-BF5A-486C-A8C5-ECC9F3942E4B}">
@@ -217,15 +217,15 @@
         </p:nvSpPr>
         <p:spPr>
           <a:xfrm>
-            <a:off x="920834" y="4299696"/>
-            <a:ext cx="10222992" cy="80683"/>
+            <a:off x="685800" y="4282763"/>
+            <a:ext cx="7772400" cy="80683"/>
           </a:xfrm>
           <a:prstGeom prst="rect">
             <a:avLst/>
           </a:prstGeom>
           <a:blipFill dpi="0" rotWithShape="1">
             <a:blip r:embed="rId2">
-              <a:alphaModFix amt="85000"/>
+              <a:alphaModFix amt="80000"/>
               <a:lum bright="70000" contrast="-70000"/>
               <a:extLst>
                 <a:ext uri="{BEBA8EAE-BF5A-486C-A8C5-ECC9F3942E4B}">
@@ -274,15 +274,15 @@
         </p:nvSpPr>
         <p:spPr>
           <a:xfrm>
-            <a:off x="920834" y="1484779"/>
-            <a:ext cx="10222992" cy="2743200"/>
+            <a:off x="685800" y="1484779"/>
+            <a:ext cx="7772400" cy="2743200"/>
           </a:xfrm>
           <a:prstGeom prst="rect">
             <a:avLst/>
           </a:prstGeom>
           <a:blipFill dpi="0" rotWithShape="1">
             <a:blip r:embed="rId2">
-              <a:alphaModFix amt="85000"/>
+              <a:alphaModFix amt="80000"/>
               <a:lum bright="70000" contrast="-70000"/>
               <a:extLst>
                 <a:ext uri="{BEBA8EAE-BF5A-486C-A8C5-ECC9F3942E4B}">
@@ -326,13 +326,15 @@
       <p:grpSp>
         <p:nvGrpSpPr>
           <p:cNvPr id="10" name="Group 9"/>
-          <p:cNvGrpSpPr/>
+          <p:cNvGrpSpPr>
+            <a:grpSpLocks noChangeAspect="1"/>
+          </p:cNvGrpSpPr>
           <p:nvPr/>
         </p:nvGrpSpPr>
         <p:grpSpPr>
           <a:xfrm>
-            <a:off x="9649215" y="4068923"/>
-            <a:ext cx="1080904" cy="1080902"/>
+            <a:off x="7234780" y="4107023"/>
+            <a:ext cx="914400" cy="914400"/>
             <a:chOff x="9685338" y="4460675"/>
             <a:chExt cx="1080904" cy="1080902"/>
           </a:xfrm>
@@ -419,8 +421,8 @@
         </p:nvSpPr>
         <p:spPr>
           <a:xfrm>
-            <a:off x="1051560" y="1432223"/>
-            <a:ext cx="9966960" cy="3035808"/>
+            <a:off x="788670" y="1432223"/>
+            <a:ext cx="7593330" cy="3035808"/>
           </a:xfrm>
         </p:spPr>
         <p:txBody>
@@ -432,7 +434,7 @@
               <a:lnSpc>
                 <a:spcPct val="80000"/>
               </a:lnSpc>
-              <a:defRPr sz="9600" cap="all" baseline="0">
+              <a:defRPr sz="6400" b="0" cap="all" baseline="0">
                 <a:blipFill dpi="0" rotWithShape="1">
                   <a:blip r:embed="rId4"/>
                   <a:srcRect/>
@@ -462,8 +464,8 @@
         </p:nvSpPr>
         <p:spPr>
           <a:xfrm>
-            <a:off x="1069848" y="4389120"/>
-            <a:ext cx="7891272" cy="1069848"/>
+            <a:off x="802386" y="4389120"/>
+            <a:ext cx="5918454" cy="1069848"/>
           </a:xfrm>
         </p:spPr>
         <p:txBody>
@@ -473,7 +475,7 @@
           <a:lstStyle>
             <a:lvl1pPr marL="0" indent="0" algn="l">
               <a:buNone/>
-              <a:defRPr sz="2200">
+              <a:defRPr sz="1800" b="0">
                 <a:solidFill>
                   <a:schemeClr val="tx1"/>
                 </a:solidFill>
@@ -481,35 +483,35 @@
             </a:lvl1pPr>
             <a:lvl2pPr marL="457200" indent="0" algn="ctr">
               <a:buNone/>
-              <a:defRPr sz="2200"/>
+              <a:defRPr sz="1800"/>
             </a:lvl2pPr>
             <a:lvl3pPr marL="914400" indent="0" algn="ctr">
               <a:buNone/>
-              <a:defRPr sz="2200"/>
+              <a:defRPr sz="1800"/>
             </a:lvl3pPr>
             <a:lvl4pPr marL="1371600" indent="0" algn="ctr">
               <a:buNone/>
-              <a:defRPr sz="2000"/>
+              <a:defRPr sz="1800"/>
             </a:lvl4pPr>
             <a:lvl5pPr marL="1828800" indent="0" algn="ctr">
               <a:buNone/>
-              <a:defRPr sz="2000"/>
+              <a:defRPr sz="1800"/>
             </a:lvl5pPr>
             <a:lvl6pPr marL="2286000" indent="0" algn="ctr">
               <a:buNone/>
-              <a:defRPr sz="2000"/>
+              <a:defRPr sz="1800"/>
             </a:lvl6pPr>
             <a:lvl7pPr marL="2743200" indent="0" algn="ctr">
               <a:buNone/>
-              <a:defRPr sz="2000"/>
+              <a:defRPr sz="1800"/>
             </a:lvl7pPr>
             <a:lvl8pPr marL="3200400" indent="0" algn="ctr">
               <a:buNone/>
-              <a:defRPr sz="2000"/>
+              <a:defRPr sz="1800"/>
             </a:lvl8pPr>
             <a:lvl9pPr marL="3657600" indent="0" algn="ctr">
               <a:buNone/>
-              <a:defRPr sz="2000"/>
+              <a:defRPr sz="1800"/>
             </a:lvl9pPr>
           </a:lstStyle>
           <a:p>
@@ -538,7 +540,7 @@
           <a:p>
             <a:fld id="{83284890-85D2-4D7B-8EF5-15A9C1DB8F42}" type="datetimeFigureOut">
               <a:rPr lang="en-US" smtClean="0"/>
-              <a:t>2/1/2018</a:t>
+              <a:t>10/7/2017</a:t>
             </a:fld>
             <a:endParaRPr lang="en-US" dirty="0"/>
           </a:p>
@@ -552,38 +554,43 @@
           </p:cNvSpPr>
           <p:nvPr>
             <p:ph type="ftr" sz="quarter" idx="11"/>
-          </p:nvPr>
-        </p:nvSpPr>
-        <p:spPr/>
-        <p:txBody>
-          <a:bodyPr/>
-          <a:lstStyle/>
-          <a:p>
-            <a:endParaRPr lang="en-US" dirty="0"/>
-          </a:p>
-        </p:txBody>
-      </p:sp>
-      <p:sp>
-        <p:nvSpPr>
-          <p:cNvPr id="6" name="Slide Number Placeholder 5"/>
-          <p:cNvSpPr>
-            <a:spLocks noGrp="1"/>
-          </p:cNvSpPr>
-          <p:nvPr>
-            <p:ph type="sldNum" sz="quarter" idx="12"/>
           </p:nvPr>
         </p:nvSpPr>
         <p:spPr>
           <a:xfrm>
-            <a:off x="9592733" y="4289334"/>
-            <a:ext cx="1193868" cy="640080"/>
+            <a:off x="812805" y="6272785"/>
+            <a:ext cx="4745736" cy="365125"/>
+          </a:xfrm>
+        </p:spPr>
+        <p:txBody>
+          <a:bodyPr/>
+          <a:lstStyle/>
+          <a:p>
+            <a:endParaRPr lang="en-US" dirty="0"/>
+          </a:p>
+        </p:txBody>
+      </p:sp>
+      <p:sp>
+        <p:nvSpPr>
+          <p:cNvPr id="6" name="Slide Number Placeholder 5"/>
+          <p:cNvSpPr>
+            <a:spLocks noGrp="1"/>
+          </p:cNvSpPr>
+          <p:nvPr>
+            <p:ph type="sldNum" sz="quarter" idx="12"/>
+          </p:nvPr>
+        </p:nvSpPr>
+        <p:spPr>
+          <a:xfrm>
+            <a:off x="7244280" y="4227195"/>
+            <a:ext cx="895401" cy="640080"/>
           </a:xfrm>
         </p:spPr>
         <p:txBody>
           <a:bodyPr/>
           <a:lstStyle>
             <a:lvl1pPr>
-              <a:defRPr sz="2800"/>
+              <a:defRPr sz="2800" b="1"/>
             </a:lvl1pPr>
           </a:lstStyle>
           <a:p>
@@ -599,7 +606,7 @@
     </p:spTree>
     <p:extLst>
       <p:ext uri="{BB962C8B-B14F-4D97-AF65-F5344CB8AC3E}">
-        <p14:creationId xmlns:p14="http://schemas.microsoft.com/office/powerpoint/2010/main" val="1029453423"/>
+        <p14:creationId xmlns:p14="http://schemas.microsoft.com/office/powerpoint/2010/main" val="3352716659"/>
       </p:ext>
     </p:extLst>
   </p:cSld>
@@ -703,7 +710,7 @@
       </p:sp>
       <p:sp>
         <p:nvSpPr>
-          <p:cNvPr id="4" name="Date Placeholder 3"/>
+          <p:cNvPr id="7" name="Date Placeholder 6"/>
           <p:cNvSpPr>
             <a:spLocks noGrp="1"/>
           </p:cNvSpPr>
@@ -718,7 +725,7 @@
           <a:p>
             <a:fld id="{87157CC2-0FC8-4686-B024-99790E0F5162}" type="datetimeFigureOut">
               <a:rPr lang="en-US" smtClean="0"/>
-              <a:t>2/1/2018</a:t>
+              <a:t>10/7/2017</a:t>
             </a:fld>
             <a:endParaRPr lang="en-US" dirty="0"/>
           </a:p>
@@ -726,7 +733,7 @@
       </p:sp>
       <p:sp>
         <p:nvSpPr>
-          <p:cNvPr id="5" name="Footer Placeholder 4"/>
+          <p:cNvPr id="8" name="Footer Placeholder 7"/>
           <p:cNvSpPr>
             <a:spLocks noGrp="1"/>
           </p:cNvSpPr>
@@ -745,7 +752,7 @@
       </p:sp>
       <p:sp>
         <p:nvSpPr>
-          <p:cNvPr id="6" name="Slide Number Placeholder 5"/>
+          <p:cNvPr id="9" name="Slide Number Placeholder 8"/>
           <p:cNvSpPr>
             <a:spLocks noGrp="1"/>
           </p:cNvSpPr>
@@ -769,7 +776,7 @@
     </p:spTree>
     <p:extLst>
       <p:ext uri="{BB962C8B-B14F-4D97-AF65-F5344CB8AC3E}">
-        <p14:creationId xmlns:p14="http://schemas.microsoft.com/office/powerpoint/2010/main" val="2434730915"/>
+        <p14:creationId xmlns:p14="http://schemas.microsoft.com/office/powerpoint/2010/main" val="2096781959"/>
       </p:ext>
     </p:extLst>
   </p:cSld>
@@ -808,13 +815,17 @@
         </p:nvSpPr>
         <p:spPr>
           <a:xfrm>
-            <a:off x="8724900" y="533400"/>
-            <a:ext cx="2552700" cy="5638800"/>
+            <a:off x="6543675" y="533400"/>
+            <a:ext cx="1914525" cy="5638800"/>
           </a:xfrm>
         </p:spPr>
         <p:txBody>
           <a:bodyPr vert="eaVert"/>
-          <a:lstStyle/>
+          <a:lstStyle>
+            <a:lvl1pPr>
+              <a:defRPr b="0"/>
+            </a:lvl1pPr>
+          </a:lstStyle>
           <a:p>
             <a:r>
               <a:rPr lang="en-US"/>
@@ -836,8 +847,8 @@
         </p:nvSpPr>
         <p:spPr>
           <a:xfrm>
-            <a:off x="1066800" y="533400"/>
-            <a:ext cx="7505700" cy="5638800"/>
+            <a:off x="800100" y="533400"/>
+            <a:ext cx="5629275" cy="5638800"/>
           </a:xfrm>
         </p:spPr>
         <p:txBody>
@@ -883,7 +894,7 @@
       </p:sp>
       <p:sp>
         <p:nvSpPr>
-          <p:cNvPr id="4" name="Date Placeholder 3"/>
+          <p:cNvPr id="7" name="Date Placeholder 6"/>
           <p:cNvSpPr>
             <a:spLocks noGrp="1"/>
           </p:cNvSpPr>
@@ -898,7 +909,7 @@
           <a:p>
             <a:fld id="{F6764DA5-CD3D-4590-A511-FCD3BC7A793E}" type="datetimeFigureOut">
               <a:rPr lang="en-US" smtClean="0"/>
-              <a:t>2/1/2018</a:t>
+              <a:t>10/7/2017</a:t>
             </a:fld>
             <a:endParaRPr lang="en-US" dirty="0"/>
           </a:p>
@@ -906,7 +917,7 @@
       </p:sp>
       <p:sp>
         <p:nvSpPr>
-          <p:cNvPr id="5" name="Footer Placeholder 4"/>
+          <p:cNvPr id="8" name="Footer Placeholder 7"/>
           <p:cNvSpPr>
             <a:spLocks noGrp="1"/>
           </p:cNvSpPr>
@@ -925,7 +936,7 @@
       </p:sp>
       <p:sp>
         <p:nvSpPr>
-          <p:cNvPr id="6" name="Slide Number Placeholder 5"/>
+          <p:cNvPr id="9" name="Slide Number Placeholder 8"/>
           <p:cNvSpPr>
             <a:spLocks noGrp="1"/>
           </p:cNvSpPr>
@@ -949,7 +960,7 @@
     </p:spTree>
     <p:extLst>
       <p:ext uri="{BB962C8B-B14F-4D97-AF65-F5344CB8AC3E}">
-        <p14:creationId xmlns:p14="http://schemas.microsoft.com/office/powerpoint/2010/main" val="3690731296"/>
+        <p14:creationId xmlns:p14="http://schemas.microsoft.com/office/powerpoint/2010/main" val="2255161495"/>
       </p:ext>
     </p:extLst>
   </p:cSld>
@@ -1053,7 +1064,7 @@
       </p:sp>
       <p:sp>
         <p:nvSpPr>
-          <p:cNvPr id="4" name="Date Placeholder 3"/>
+          <p:cNvPr id="7" name="Date Placeholder 6"/>
           <p:cNvSpPr>
             <a:spLocks noGrp="1"/>
           </p:cNvSpPr>
@@ -1068,7 +1079,7 @@
           <a:p>
             <a:fld id="{82F5661D-6934-4B32-B92C-470368BF1EC6}" type="datetimeFigureOut">
               <a:rPr lang="en-US" smtClean="0"/>
-              <a:t>2/1/2018</a:t>
+              <a:t>10/7/2017</a:t>
             </a:fld>
             <a:endParaRPr lang="en-US" dirty="0"/>
           </a:p>
@@ -1076,7 +1087,7 @@
       </p:sp>
       <p:sp>
         <p:nvSpPr>
-          <p:cNvPr id="5" name="Footer Placeholder 4"/>
+          <p:cNvPr id="8" name="Footer Placeholder 7"/>
           <p:cNvSpPr>
             <a:spLocks noGrp="1"/>
           </p:cNvSpPr>
@@ -1095,7 +1106,7 @@
       </p:sp>
       <p:sp>
         <p:nvSpPr>
-          <p:cNvPr id="6" name="Slide Number Placeholder 5"/>
+          <p:cNvPr id="9" name="Slide Number Placeholder 8"/>
           <p:cNvSpPr>
             <a:spLocks noGrp="1"/>
           </p:cNvSpPr>
@@ -1119,7 +1130,7 @@
     </p:spTree>
     <p:extLst>
       <p:ext uri="{BB962C8B-B14F-4D97-AF65-F5344CB8AC3E}">
-        <p14:creationId xmlns:p14="http://schemas.microsoft.com/office/powerpoint/2010/main" val="187575826"/>
+        <p14:creationId xmlns:p14="http://schemas.microsoft.com/office/powerpoint/2010/main" val="2004638242"/>
       </p:ext>
     </p:extLst>
   </p:cSld>
@@ -1155,14 +1166,14 @@
         <p:spPr>
           <a:xfrm>
             <a:off x="0" y="4917989"/>
-            <a:ext cx="12192000" cy="1940010"/>
+            <a:ext cx="9144000" cy="1940010"/>
           </a:xfrm>
           <a:prstGeom prst="rect">
             <a:avLst/>
           </a:prstGeom>
           <a:blipFill dpi="0" rotWithShape="1">
             <a:blip r:embed="rId2">
-              <a:alphaModFix amt="85000"/>
+              <a:alphaModFix amt="80000"/>
               <a:lum bright="70000" contrast="-70000"/>
               <a:extLst>
                 <a:ext uri="{BEBA8EAE-BF5A-486C-A8C5-ECC9F3942E4B}">
@@ -1215,8 +1226,8 @@
         </p:nvSpPr>
         <p:spPr>
           <a:xfrm>
-            <a:off x="2167128" y="1225296"/>
-            <a:ext cx="9281160" cy="3520440"/>
+            <a:off x="1625346" y="1225296"/>
+            <a:ext cx="6960870" cy="3520440"/>
           </a:xfrm>
         </p:spPr>
         <p:txBody>
@@ -1228,7 +1239,7 @@
               <a:lnSpc>
                 <a:spcPct val="80000"/>
               </a:lnSpc>
-              <a:defRPr sz="8000" b="0"/>
+              <a:defRPr sz="6400" b="0"/>
             </a:lvl1pPr>
           </a:lstStyle>
           <a:p>
@@ -1252,8 +1263,8 @@
         </p:nvSpPr>
         <p:spPr>
           <a:xfrm>
-            <a:off x="2165774" y="5020056"/>
-            <a:ext cx="9052560" cy="1066800"/>
+            <a:off x="1624330" y="5020056"/>
+            <a:ext cx="6789420" cy="1066800"/>
           </a:xfrm>
         </p:spPr>
         <p:txBody>
@@ -1263,9 +1274,11 @@
           <a:lstStyle>
             <a:lvl1pPr marL="0" indent="0">
               <a:buNone/>
-              <a:defRPr sz="2000">
+              <a:defRPr sz="1800" b="0">
                 <a:solidFill>
-                  <a:schemeClr val="tx1"/>
+                  <a:schemeClr val="accent1">
+                    <a:lumMod val="50000"/>
+                  </a:schemeClr>
                 </a:solidFill>
               </a:defRPr>
             </a:lvl1pPr>
@@ -1371,17 +1384,27 @@
         </p:nvSpPr>
         <p:spPr>
           <a:xfrm>
-            <a:off x="8593667" y="6272784"/>
-            <a:ext cx="2644309" cy="365125"/>
+            <a:off x="6445251" y="6272785"/>
+            <a:ext cx="1983232" cy="365125"/>
           </a:xfrm>
         </p:spPr>
         <p:txBody>
           <a:bodyPr/>
-          <a:lstStyle/>
+          <a:lstStyle>
+            <a:lvl1pPr>
+              <a:defRPr>
+                <a:solidFill>
+                  <a:schemeClr val="accent1">
+                    <a:lumMod val="50000"/>
+                  </a:schemeClr>
+                </a:solidFill>
+              </a:defRPr>
+            </a:lvl1pPr>
+          </a:lstStyle>
           <a:p>
             <a:fld id="{C6F822A4-8DA6-4447-9B1F-C5DB58435268}" type="datetimeFigureOut">
               <a:rPr lang="en-US" smtClean="0"/>
-              <a:t>2/1/2018</a:t>
+              <a:t>10/7/2017</a:t>
             </a:fld>
             <a:endParaRPr lang="en-US" dirty="0"/>
           </a:p>
@@ -1399,13 +1422,23 @@
         </p:nvSpPr>
         <p:spPr>
           <a:xfrm>
-            <a:off x="2182708" y="6272784"/>
-            <a:ext cx="6327648" cy="365125"/>
+            <a:off x="1636099" y="6272784"/>
+            <a:ext cx="4745736" cy="365125"/>
           </a:xfrm>
         </p:spPr>
         <p:txBody>
           <a:bodyPr/>
-          <a:lstStyle/>
+          <a:lstStyle>
+            <a:lvl1pPr>
+              <a:defRPr>
+                <a:solidFill>
+                  <a:schemeClr val="accent1">
+                    <a:lumMod val="50000"/>
+                  </a:schemeClr>
+                </a:solidFill>
+              </a:defRPr>
+            </a:lvl1pPr>
+          </a:lstStyle>
           <a:p>
             <a:endParaRPr lang="en-US" dirty="0"/>
           </a:p>
@@ -1414,13 +1447,15 @@
       <p:grpSp>
         <p:nvGrpSpPr>
           <p:cNvPr id="8" name="Group 7"/>
-          <p:cNvGrpSpPr/>
+          <p:cNvGrpSpPr>
+            <a:grpSpLocks noChangeAspect="1"/>
+          </p:cNvGrpSpPr>
           <p:nvPr/>
         </p:nvGrpSpPr>
         <p:grpSpPr>
           <a:xfrm>
-            <a:off x="897399" y="2325848"/>
-            <a:ext cx="1080904" cy="1080902"/>
+            <a:off x="633862" y="2430623"/>
+            <a:ext cx="914400" cy="914400"/>
             <a:chOff x="9685338" y="4460675"/>
             <a:chExt cx="1080904" cy="1080902"/>
           </a:xfrm>
@@ -1507,8 +1542,8 @@
         </p:nvSpPr>
         <p:spPr>
           <a:xfrm>
-            <a:off x="843702" y="2506133"/>
-            <a:ext cx="1188298" cy="720332"/>
+            <a:off x="645450" y="2508607"/>
+            <a:ext cx="891224" cy="720332"/>
           </a:xfrm>
         </p:spPr>
         <p:txBody>
@@ -1531,7 +1566,7 @@
     </p:spTree>
     <p:extLst>
       <p:ext uri="{BB962C8B-B14F-4D97-AF65-F5344CB8AC3E}">
-        <p14:creationId xmlns:p14="http://schemas.microsoft.com/office/powerpoint/2010/main" val="4075843477"/>
+        <p14:creationId xmlns:p14="http://schemas.microsoft.com/office/powerpoint/2010/main" val="1437334881"/>
       </p:ext>
     </p:extLst>
   </p:cSld>
@@ -1593,8 +1628,8 @@
         </p:nvSpPr>
         <p:spPr>
           <a:xfrm>
-            <a:off x="1069848" y="2194560"/>
-            <a:ext cx="4754880" cy="3977640"/>
+            <a:off x="685800" y="2194560"/>
+            <a:ext cx="3657600" cy="3977640"/>
           </a:xfrm>
         </p:spPr>
         <p:txBody>
@@ -1678,8 +1713,8 @@
         </p:nvSpPr>
         <p:spPr>
           <a:xfrm>
-            <a:off x="6364224" y="2194560"/>
-            <a:ext cx="4754880" cy="3977640"/>
+            <a:off x="4792218" y="2194560"/>
+            <a:ext cx="3657600" cy="3977640"/>
           </a:xfrm>
         </p:spPr>
         <p:txBody>
@@ -1768,7 +1803,7 @@
           <a:p>
             <a:fld id="{E548D31E-DCDA-41A7-9C67-C4B11B94D21D}" type="datetimeFigureOut">
               <a:rPr lang="en-US" smtClean="0"/>
-              <a:t>2/1/2018</a:t>
+              <a:t>10/7/2017</a:t>
             </a:fld>
             <a:endParaRPr lang="en-US" dirty="0"/>
           </a:p>
@@ -1819,7 +1854,7 @@
     </p:spTree>
     <p:extLst>
       <p:ext uri="{BB962C8B-B14F-4D97-AF65-F5344CB8AC3E}">
-        <p14:creationId xmlns:p14="http://schemas.microsoft.com/office/powerpoint/2010/main" val="733083718"/>
+        <p14:creationId xmlns:p14="http://schemas.microsoft.com/office/powerpoint/2010/main" val="1598721154"/>
       </p:ext>
     </p:extLst>
   </p:cSld>
@@ -1881,8 +1916,8 @@
         </p:nvSpPr>
         <p:spPr>
           <a:xfrm>
-            <a:off x="1066800" y="2048256"/>
-            <a:ext cx="4754880" cy="640080"/>
+            <a:off x="685800" y="2048256"/>
+            <a:ext cx="3657600" cy="640080"/>
           </a:xfrm>
         </p:spPr>
         <p:txBody>
@@ -1954,8 +1989,8 @@
         </p:nvSpPr>
         <p:spPr>
           <a:xfrm>
-            <a:off x="1069848" y="2743200"/>
-            <a:ext cx="4754880" cy="3291840"/>
+            <a:off x="685800" y="2743200"/>
+            <a:ext cx="3657600" cy="3291840"/>
           </a:xfrm>
         </p:spPr>
         <p:txBody>
@@ -2039,8 +2074,8 @@
         </p:nvSpPr>
         <p:spPr>
           <a:xfrm>
-            <a:off x="6364224" y="2048256"/>
-            <a:ext cx="4754880" cy="640080"/>
+            <a:off x="4820793" y="2048256"/>
+            <a:ext cx="3657600" cy="640080"/>
           </a:xfrm>
         </p:spPr>
         <p:txBody>
@@ -2112,8 +2147,8 @@
         </p:nvSpPr>
         <p:spPr>
           <a:xfrm>
-            <a:off x="6364224" y="2743200"/>
-            <a:ext cx="4754880" cy="3291840"/>
+            <a:off x="4820793" y="2743200"/>
+            <a:ext cx="3657600" cy="3291840"/>
           </a:xfrm>
         </p:spPr>
         <p:txBody>
@@ -2202,7 +2237,7 @@
           <a:p>
             <a:fld id="{9B3762C0-B258-48F1-ADE6-176B4174CCDD}" type="datetimeFigureOut">
               <a:rPr lang="en-US" smtClean="0"/>
-              <a:t>2/1/2018</a:t>
+              <a:t>10/7/2017</a:t>
             </a:fld>
             <a:endParaRPr lang="en-US" dirty="0"/>
           </a:p>
@@ -2253,7 +2288,7 @@
     </p:spTree>
     <p:extLst>
       <p:ext uri="{BB962C8B-B14F-4D97-AF65-F5344CB8AC3E}">
-        <p14:creationId xmlns:p14="http://schemas.microsoft.com/office/powerpoint/2010/main" val="3314578632"/>
+        <p14:creationId xmlns:p14="http://schemas.microsoft.com/office/powerpoint/2010/main" val="2605488179"/>
       </p:ext>
     </p:extLst>
   </p:cSld>
@@ -2316,11 +2351,21 @@
         <p:spPr/>
         <p:txBody>
           <a:bodyPr/>
-          <a:lstStyle/>
+          <a:lstStyle>
+            <a:lvl1pPr>
+              <a:defRPr>
+                <a:solidFill>
+                  <a:schemeClr val="accent1">
+                    <a:lumMod val="50000"/>
+                  </a:schemeClr>
+                </a:solidFill>
+              </a:defRPr>
+            </a:lvl1pPr>
+          </a:lstStyle>
           <a:p>
             <a:fld id="{677919A6-33EB-49BD-A62F-1FA56B9F9712}" type="datetimeFigureOut">
               <a:rPr lang="en-US" smtClean="0"/>
-              <a:t>2/1/2018</a:t>
+              <a:t>10/7/2017</a:t>
             </a:fld>
             <a:endParaRPr lang="en-US" dirty="0"/>
           </a:p>
@@ -2339,7 +2384,17 @@
         <p:spPr/>
         <p:txBody>
           <a:bodyPr/>
-          <a:lstStyle/>
+          <a:lstStyle>
+            <a:lvl1pPr>
+              <a:defRPr>
+                <a:solidFill>
+                  <a:schemeClr val="accent1">
+                    <a:lumMod val="50000"/>
+                  </a:schemeClr>
+                </a:solidFill>
+              </a:defRPr>
+            </a:lvl1pPr>
+          </a:lstStyle>
           <a:p>
             <a:endParaRPr lang="en-US" dirty="0"/>
           </a:p>
@@ -2371,7 +2426,7 @@
     </p:spTree>
     <p:extLst>
       <p:ext uri="{BB962C8B-B14F-4D97-AF65-F5344CB8AC3E}">
-        <p14:creationId xmlns:p14="http://schemas.microsoft.com/office/powerpoint/2010/main" val="3027318834"/>
+        <p14:creationId xmlns:p14="http://schemas.microsoft.com/office/powerpoint/2010/main" val="3753203300"/>
       </p:ext>
     </p:extLst>
   </p:cSld>
@@ -2415,7 +2470,7 @@
           <a:p>
             <a:fld id="{CA4E7D1B-D673-4CF6-8672-009D42ABD2A0}" type="datetimeFigureOut">
               <a:rPr lang="en-US" smtClean="0"/>
-              <a:t>2/1/2018</a:t>
+              <a:t>10/7/2017</a:t>
             </a:fld>
             <a:endParaRPr lang="en-US" dirty="0"/>
           </a:p>
@@ -2466,7 +2521,7 @@
     </p:spTree>
     <p:extLst>
       <p:ext uri="{BB962C8B-B14F-4D97-AF65-F5344CB8AC3E}">
-        <p14:creationId xmlns:p14="http://schemas.microsoft.com/office/powerpoint/2010/main" val="1972203897"/>
+        <p14:creationId xmlns:p14="http://schemas.microsoft.com/office/powerpoint/2010/main" val="629240214"/>
       </p:ext>
     </p:extLst>
   </p:cSld>
@@ -2501,8 +2556,8 @@
         </p:nvSpPr>
         <p:spPr>
           <a:xfrm>
-            <a:off x="8303740" y="0"/>
-            <a:ext cx="3888259" cy="6857999"/>
+            <a:off x="6227806" y="1"/>
+            <a:ext cx="2916194" cy="6857999"/>
           </a:xfrm>
           <a:prstGeom prst="rect">
             <a:avLst/>
@@ -2562,8 +2617,8 @@
         </p:nvSpPr>
         <p:spPr>
           <a:xfrm>
-            <a:off x="8549640" y="685800"/>
-            <a:ext cx="3200400" cy="1737360"/>
+            <a:off x="6412230" y="685800"/>
+            <a:ext cx="2400300" cy="1737360"/>
           </a:xfrm>
         </p:spPr>
         <p:txBody>
@@ -2572,7 +2627,7 @@
           </a:bodyPr>
           <a:lstStyle>
             <a:lvl1pPr>
-              <a:defRPr sz="3200" b="1"/>
+              <a:defRPr sz="2800" b="0"/>
             </a:lvl1pPr>
           </a:lstStyle>
           <a:p>
@@ -2596,8 +2651,8 @@
         </p:nvSpPr>
         <p:spPr>
           <a:xfrm>
-            <a:off x="838200" y="685800"/>
-            <a:ext cx="6711696" cy="5020056"/>
+            <a:off x="628650" y="685800"/>
+            <a:ext cx="5033772" cy="5020056"/>
           </a:xfrm>
         </p:spPr>
         <p:txBody>
@@ -2681,8 +2736,8 @@
         </p:nvSpPr>
         <p:spPr>
           <a:xfrm>
-            <a:off x="8549640" y="2423160"/>
-            <a:ext cx="3200400" cy="3291840"/>
+            <a:off x="6412230" y="2423160"/>
+            <a:ext cx="2400300" cy="3291840"/>
           </a:xfrm>
         </p:spPr>
         <p:txBody>
@@ -2698,10 +2753,10 @@
                 <a:spcPts val="1000"/>
               </a:spcBef>
               <a:buNone/>
-              <a:defRPr sz="1400">
+              <a:defRPr sz="1350">
                 <a:solidFill>
                   <a:schemeClr val="accent1">
-                    <a:lumMod val="75000"/>
+                    <a:lumMod val="50000"/>
                   </a:schemeClr>
                 </a:solidFill>
               </a:defRPr>
@@ -2748,74 +2803,32 @@
           </a:p>
         </p:txBody>
       </p:sp>
-      <p:sp>
-        <p:nvSpPr>
-          <p:cNvPr id="5" name="Date Placeholder 4"/>
-          <p:cNvSpPr>
-            <a:spLocks noGrp="1"/>
-          </p:cNvSpPr>
-          <p:nvPr>
-            <p:ph type="dt" sz="half" idx="10"/>
-          </p:nvPr>
-        </p:nvSpPr>
-        <p:spPr/>
-        <p:txBody>
-          <a:bodyPr/>
-          <a:lstStyle/>
-          <a:p>
-            <a:fld id="{DA16AA21-1863-4931-97CB-99D0A168701B}" type="datetimeFigureOut">
-              <a:rPr lang="en-US" smtClean="0"/>
-              <a:t>2/1/2018</a:t>
-            </a:fld>
-            <a:endParaRPr lang="en-US" dirty="0"/>
-          </a:p>
-        </p:txBody>
-      </p:sp>
-      <p:sp>
-        <p:nvSpPr>
-          <p:cNvPr id="6" name="Footer Placeholder 5"/>
-          <p:cNvSpPr>
-            <a:spLocks noGrp="1"/>
-          </p:cNvSpPr>
-          <p:nvPr>
-            <p:ph type="ftr" sz="quarter" idx="11"/>
-          </p:nvPr>
-        </p:nvSpPr>
-        <p:spPr/>
-        <p:txBody>
-          <a:bodyPr/>
-          <a:lstStyle/>
-          <a:p>
-            <a:endParaRPr lang="en-US" dirty="0"/>
-          </a:p>
-        </p:txBody>
-      </p:sp>
       <p:grpSp>
         <p:nvGrpSpPr>
-          <p:cNvPr id="9" name="Group 8"/>
-          <p:cNvGrpSpPr>
-            <a:grpSpLocks noChangeAspect="1"/>
-          </p:cNvGrpSpPr>
+          <p:cNvPr id="12" name="Group 11"/>
+          <p:cNvGrpSpPr/>
           <p:nvPr/>
         </p:nvGrpSpPr>
         <p:grpSpPr>
           <a:xfrm>
-            <a:off x="11401725" y="6229681"/>
-            <a:ext cx="457200" cy="457200"/>
-            <a:chOff x="11361456" y="6195813"/>
-            <a:chExt cx="548640" cy="548640"/>
+            <a:off x="8522664" y="6255258"/>
+            <a:ext cx="393192" cy="393192"/>
+            <a:chOff x="8532189" y="5068824"/>
+            <a:chExt cx="393192" cy="393192"/>
           </a:xfrm>
         </p:grpSpPr>
         <p:sp>
           <p:nvSpPr>
-            <p:cNvPr id="10" name="Oval 9"/>
-            <p:cNvSpPr/>
+            <p:cNvPr id="13" name="Oval 12"/>
+            <p:cNvSpPr>
+              <a:spLocks noChangeAspect="1"/>
+            </p:cNvSpPr>
             <p:nvPr/>
           </p:nvSpPr>
           <p:spPr>
             <a:xfrm>
-              <a:off x="11361456" y="6195813"/>
-              <a:ext cx="548640" cy="548640"/>
+              <a:off x="8532189" y="5068824"/>
+              <a:ext cx="393192" cy="393192"/>
             </a:xfrm>
             <a:prstGeom prst="ellipse">
               <a:avLst/>
@@ -2856,14 +2869,16 @@
         </p:sp>
         <p:sp>
           <p:nvSpPr>
-            <p:cNvPr id="11" name="Oval 10"/>
-            <p:cNvSpPr/>
+            <p:cNvPr id="14" name="Oval 13"/>
+            <p:cNvSpPr>
+              <a:spLocks noChangeAspect="1"/>
+            </p:cNvSpPr>
             <p:nvPr/>
           </p:nvSpPr>
           <p:spPr>
             <a:xfrm>
-              <a:off x="11396488" y="6230844"/>
-              <a:ext cx="478576" cy="478578"/>
+              <a:off x="8568766" y="5105400"/>
+              <a:ext cx="320039" cy="320040"/>
             </a:xfrm>
             <a:prstGeom prst="ellipse">
               <a:avLst/>
@@ -2871,7 +2886,7 @@
             <a:noFill/>
             <a:ln w="12700" cap="flat" cmpd="sng" algn="ctr">
               <a:solidFill>
-                <a:sysClr val="window" lastClr="FFFFFF"/>
+                <a:srgbClr val="FFFFFF"/>
               </a:solidFill>
               <a:prstDash val="solid"/>
             </a:ln>
@@ -2881,7 +2896,49 @@
       </p:grpSp>
       <p:sp>
         <p:nvSpPr>
-          <p:cNvPr id="7" name="Slide Number Placeholder 6"/>
+          <p:cNvPr id="9" name="Date Placeholder 8"/>
+          <p:cNvSpPr>
+            <a:spLocks noGrp="1"/>
+          </p:cNvSpPr>
+          <p:nvPr>
+            <p:ph type="dt" sz="half" idx="10"/>
+          </p:nvPr>
+        </p:nvSpPr>
+        <p:spPr/>
+        <p:txBody>
+          <a:bodyPr/>
+          <a:lstStyle/>
+          <a:p>
+            <a:fld id="{DA16AA21-1863-4931-97CB-99D0A168701B}" type="datetimeFigureOut">
+              <a:rPr lang="en-US" smtClean="0"/>
+              <a:t>10/7/2017</a:t>
+            </a:fld>
+            <a:endParaRPr lang="en-US" dirty="0"/>
+          </a:p>
+        </p:txBody>
+      </p:sp>
+      <p:sp>
+        <p:nvSpPr>
+          <p:cNvPr id="10" name="Footer Placeholder 9"/>
+          <p:cNvSpPr>
+            <a:spLocks noGrp="1"/>
+          </p:cNvSpPr>
+          <p:nvPr>
+            <p:ph type="ftr" sz="quarter" idx="11"/>
+          </p:nvPr>
+        </p:nvSpPr>
+        <p:spPr/>
+        <p:txBody>
+          <a:bodyPr/>
+          <a:lstStyle/>
+          <a:p>
+            <a:endParaRPr lang="en-US" dirty="0"/>
+          </a:p>
+        </p:txBody>
+      </p:sp>
+      <p:sp>
+        <p:nvSpPr>
+          <p:cNvPr id="11" name="Slide Number Placeholder 10"/>
           <p:cNvSpPr>
             <a:spLocks noGrp="1"/>
           </p:cNvSpPr>
@@ -2905,7 +2962,7 @@
     </p:spTree>
     <p:extLst>
       <p:ext uri="{BB962C8B-B14F-4D97-AF65-F5344CB8AC3E}">
-        <p14:creationId xmlns:p14="http://schemas.microsoft.com/office/powerpoint/2010/main" val="1711623893"/>
+        <p14:creationId xmlns:p14="http://schemas.microsoft.com/office/powerpoint/2010/main" val="1142226271"/>
       </p:ext>
     </p:extLst>
   </p:cSld>
@@ -2940,8 +2997,8 @@
         </p:nvSpPr>
         <p:spPr>
           <a:xfrm>
-            <a:off x="8303740" y="0"/>
-            <a:ext cx="3888259" cy="6857999"/>
+            <a:off x="6227806" y="1"/>
+            <a:ext cx="2916194" cy="6857999"/>
           </a:xfrm>
           <a:prstGeom prst="rect">
             <a:avLst/>
@@ -3001,8 +3058,8 @@
         </p:nvSpPr>
         <p:spPr>
           <a:xfrm>
-            <a:off x="8549640" y="685800"/>
-            <a:ext cx="3200400" cy="1737360"/>
+            <a:off x="6412230" y="685800"/>
+            <a:ext cx="2400300" cy="1737360"/>
           </a:xfrm>
         </p:spPr>
         <p:txBody>
@@ -3011,7 +3068,7 @@
           </a:bodyPr>
           <a:lstStyle>
             <a:lvl1pPr>
-              <a:defRPr sz="3200" b="1"/>
+              <a:defRPr sz="2800" b="0"/>
             </a:lvl1pPr>
           </a:lstStyle>
           <a:p>
@@ -3036,7 +3093,7 @@
         <p:spPr>
           <a:xfrm>
             <a:off x="0" y="0"/>
-            <a:ext cx="8303740" cy="6858000"/>
+            <a:ext cx="6227805" cy="6858000"/>
           </a:xfrm>
           <a:solidFill>
             <a:schemeClr val="tx2">
@@ -3106,8 +3163,8 @@
         </p:nvSpPr>
         <p:spPr>
           <a:xfrm>
-            <a:off x="8549640" y="2423160"/>
-            <a:ext cx="3200400" cy="3291840"/>
+            <a:off x="6412230" y="2423160"/>
+            <a:ext cx="2400300" cy="3291840"/>
           </a:xfrm>
         </p:spPr>
         <p:txBody>
@@ -3123,10 +3180,10 @@
                 <a:spcPts val="1000"/>
               </a:spcBef>
               <a:buNone/>
-              <a:defRPr sz="1400">
+              <a:defRPr sz="1350">
                 <a:solidFill>
                   <a:schemeClr val="accent1">
-                    <a:lumMod val="75000"/>
+                    <a:lumMod val="50000"/>
                   </a:schemeClr>
                 </a:solidFill>
               </a:defRPr>
@@ -3173,55 +3230,32 @@
           </a:p>
         </p:txBody>
       </p:sp>
-      <p:sp>
-        <p:nvSpPr>
-          <p:cNvPr id="5" name="Date Placeholder 4"/>
-          <p:cNvSpPr>
-            <a:spLocks noGrp="1"/>
-          </p:cNvSpPr>
-          <p:nvPr>
-            <p:ph type="dt" sz="half" idx="10"/>
-          </p:nvPr>
-        </p:nvSpPr>
-        <p:spPr/>
-        <p:txBody>
-          <a:bodyPr/>
-          <a:lstStyle/>
-          <a:p>
-            <a:fld id="{3772C379-9A7C-4C87-A116-CBE9F58B04C5}" type="datetimeFigureOut">
-              <a:rPr lang="en-US" smtClean="0"/>
-              <a:t>2/1/2018</a:t>
-            </a:fld>
-            <a:endParaRPr lang="en-US" dirty="0"/>
-          </a:p>
-        </p:txBody>
-      </p:sp>
       <p:grpSp>
         <p:nvGrpSpPr>
-          <p:cNvPr id="8" name="Group 7"/>
-          <p:cNvGrpSpPr>
-            <a:grpSpLocks noChangeAspect="1"/>
-          </p:cNvGrpSpPr>
+          <p:cNvPr id="12" name="Group 11"/>
+          <p:cNvGrpSpPr/>
           <p:nvPr/>
         </p:nvGrpSpPr>
         <p:grpSpPr>
           <a:xfrm>
-            <a:off x="11401725" y="6229681"/>
-            <a:ext cx="457200" cy="457200"/>
-            <a:chOff x="11361456" y="6195813"/>
-            <a:chExt cx="548640" cy="548640"/>
+            <a:off x="8522664" y="6255258"/>
+            <a:ext cx="393192" cy="393192"/>
+            <a:chOff x="8532189" y="5068824"/>
+            <a:chExt cx="393192" cy="393192"/>
           </a:xfrm>
         </p:grpSpPr>
         <p:sp>
           <p:nvSpPr>
-            <p:cNvPr id="9" name="Oval 8"/>
-            <p:cNvSpPr/>
+            <p:cNvPr id="13" name="Oval 12"/>
+            <p:cNvSpPr>
+              <a:spLocks noChangeAspect="1"/>
+            </p:cNvSpPr>
             <p:nvPr/>
           </p:nvSpPr>
           <p:spPr>
             <a:xfrm>
-              <a:off x="11361456" y="6195813"/>
-              <a:ext cx="548640" cy="548640"/>
+              <a:off x="8532189" y="5068824"/>
+              <a:ext cx="393192" cy="393192"/>
             </a:xfrm>
             <a:prstGeom prst="ellipse">
               <a:avLst/>
@@ -3262,14 +3296,16 @@
         </p:sp>
         <p:sp>
           <p:nvSpPr>
-            <p:cNvPr id="10" name="Oval 9"/>
-            <p:cNvSpPr/>
+            <p:cNvPr id="14" name="Oval 13"/>
+            <p:cNvSpPr>
+              <a:spLocks noChangeAspect="1"/>
+            </p:cNvSpPr>
             <p:nvPr/>
           </p:nvSpPr>
           <p:spPr>
             <a:xfrm>
-              <a:off x="11396488" y="6230844"/>
-              <a:ext cx="478576" cy="478578"/>
+              <a:off x="8568766" y="5105400"/>
+              <a:ext cx="320039" cy="320040"/>
             </a:xfrm>
             <a:prstGeom prst="ellipse">
               <a:avLst/>
@@ -3277,7 +3313,7 @@
             <a:noFill/>
             <a:ln w="12700" cap="flat" cmpd="sng" algn="ctr">
               <a:solidFill>
-                <a:sysClr val="window" lastClr="FFFFFF"/>
+                <a:srgbClr val="FFFFFF"/>
               </a:solidFill>
               <a:prstDash val="solid"/>
             </a:ln>
@@ -3287,7 +3323,30 @@
       </p:grpSp>
       <p:sp>
         <p:nvSpPr>
-          <p:cNvPr id="7" name="Slide Number Placeholder 6"/>
+          <p:cNvPr id="8" name="Date Placeholder 7"/>
+          <p:cNvSpPr>
+            <a:spLocks noGrp="1"/>
+          </p:cNvSpPr>
+          <p:nvPr>
+            <p:ph type="dt" sz="half" idx="10"/>
+          </p:nvPr>
+        </p:nvSpPr>
+        <p:spPr/>
+        <p:txBody>
+          <a:bodyPr/>
+          <a:lstStyle/>
+          <a:p>
+            <a:fld id="{3772C379-9A7C-4C87-A116-CBE9F58B04C5}" type="datetimeFigureOut">
+              <a:rPr lang="en-US" smtClean="0"/>
+              <a:t>10/7/2017</a:t>
+            </a:fld>
+            <a:endParaRPr lang="en-US" dirty="0"/>
+          </a:p>
+        </p:txBody>
+      </p:sp>
+      <p:sp>
+        <p:nvSpPr>
+          <p:cNvPr id="10" name="Slide Number Placeholder 9"/>
           <p:cNvSpPr>
             <a:spLocks noGrp="1"/>
           </p:cNvSpPr>
@@ -3311,7 +3370,7 @@
     </p:spTree>
     <p:extLst>
       <p:ext uri="{BB962C8B-B14F-4D97-AF65-F5344CB8AC3E}">
-        <p14:creationId xmlns:p14="http://schemas.microsoft.com/office/powerpoint/2010/main" val="2352678023"/>
+        <p14:creationId xmlns:p14="http://schemas.microsoft.com/office/powerpoint/2010/main" val="2158190721"/>
       </p:ext>
     </p:extLst>
   </p:cSld>
@@ -3343,201 +3402,32 @@
           <a:chExt cx="0" cy="0"/>
         </a:xfrm>
       </p:grpSpPr>
-      <p:sp>
-        <p:nvSpPr>
-          <p:cNvPr id="2" name="Title Placeholder 1"/>
-          <p:cNvSpPr>
-            <a:spLocks noGrp="1"/>
-          </p:cNvSpPr>
-          <p:nvPr>
-            <p:ph type="title"/>
-          </p:nvPr>
-        </p:nvSpPr>
-        <p:spPr>
-          <a:xfrm>
-            <a:off x="1069848" y="484632"/>
-            <a:ext cx="10058400" cy="1609344"/>
-          </a:xfrm>
-          <a:prstGeom prst="rect">
-            <a:avLst/>
-          </a:prstGeom>
-        </p:spPr>
-        <p:txBody>
-          <a:bodyPr vert="horz" lIns="91440" tIns="45720" rIns="91440" bIns="45720" rtlCol="0" anchor="ctr">
-            <a:normAutofit/>
-          </a:bodyPr>
-          <a:lstStyle/>
-          <a:p>
-            <a:r>
-              <a:rPr lang="en-US"/>
-              <a:t>Click to edit Master title style</a:t>
-            </a:r>
-            <a:endParaRPr lang="en-US" dirty="0"/>
-          </a:p>
-        </p:txBody>
-      </p:sp>
-      <p:sp>
-        <p:nvSpPr>
-          <p:cNvPr id="3" name="Text Placeholder 2"/>
-          <p:cNvSpPr>
-            <a:spLocks noGrp="1"/>
-          </p:cNvSpPr>
-          <p:nvPr>
-            <p:ph type="body" idx="1"/>
-          </p:nvPr>
-        </p:nvSpPr>
-        <p:spPr>
-          <a:xfrm>
-            <a:off x="1069848" y="2121408"/>
-            <a:ext cx="10058400" cy="4050792"/>
-          </a:xfrm>
-          <a:prstGeom prst="rect">
-            <a:avLst/>
-          </a:prstGeom>
-        </p:spPr>
-        <p:txBody>
-          <a:bodyPr vert="horz" lIns="91440" tIns="45720" rIns="91440" bIns="45720" rtlCol="0">
-            <a:normAutofit/>
-          </a:bodyPr>
-          <a:lstStyle/>
-          <a:p>
-            <a:pPr lvl="0"/>
-            <a:r>
-              <a:rPr lang="en-US"/>
-              <a:t>Edit Master text styles</a:t>
-            </a:r>
-          </a:p>
-          <a:p>
-            <a:pPr lvl="1"/>
-            <a:r>
-              <a:rPr lang="en-US"/>
-              <a:t>Second level</a:t>
-            </a:r>
-          </a:p>
-          <a:p>
-            <a:pPr lvl="2"/>
-            <a:r>
-              <a:rPr lang="en-US"/>
-              <a:t>Third level</a:t>
-            </a:r>
-          </a:p>
-          <a:p>
-            <a:pPr lvl="3"/>
-            <a:r>
-              <a:rPr lang="en-US"/>
-              <a:t>Fourth level</a:t>
-            </a:r>
-          </a:p>
-          <a:p>
-            <a:pPr lvl="4"/>
-            <a:r>
-              <a:rPr lang="en-US"/>
-              <a:t>Fifth level</a:t>
-            </a:r>
-            <a:endParaRPr lang="en-US" dirty="0"/>
-          </a:p>
-        </p:txBody>
-      </p:sp>
-      <p:sp>
-        <p:nvSpPr>
-          <p:cNvPr id="4" name="Date Placeholder 3"/>
-          <p:cNvSpPr>
-            <a:spLocks noGrp="1"/>
-          </p:cNvSpPr>
-          <p:nvPr>
-            <p:ph type="dt" sz="half" idx="2"/>
-          </p:nvPr>
-        </p:nvSpPr>
-        <p:spPr>
-          <a:xfrm>
-            <a:off x="7964424" y="6272784"/>
-            <a:ext cx="3273552" cy="365125"/>
-          </a:xfrm>
-          <a:prstGeom prst="rect">
-            <a:avLst/>
-          </a:prstGeom>
-        </p:spPr>
-        <p:txBody>
-          <a:bodyPr vert="horz" lIns="91440" tIns="45720" rIns="91440" bIns="45720" rtlCol="0" anchor="ctr"/>
-          <a:lstStyle>
-            <a:lvl1pPr algn="r">
-              <a:defRPr sz="1100">
-                <a:solidFill>
-                  <a:schemeClr val="tx2"/>
-                </a:solidFill>
-              </a:defRPr>
-            </a:lvl1pPr>
-          </a:lstStyle>
-          <a:p>
-            <a:fld id="{8664C608-40B1-4030-A28D-5B74BC98ADCE}" type="datetimeFigureOut">
-              <a:rPr lang="en-US" smtClean="0"/>
-              <a:t>2/1/2018</a:t>
-            </a:fld>
-            <a:endParaRPr lang="en-US" dirty="0"/>
-          </a:p>
-        </p:txBody>
-      </p:sp>
-      <p:sp>
-        <p:nvSpPr>
-          <p:cNvPr id="5" name="Footer Placeholder 4"/>
-          <p:cNvSpPr>
-            <a:spLocks noGrp="1"/>
-          </p:cNvSpPr>
-          <p:nvPr>
-            <p:ph type="ftr" sz="quarter" idx="3"/>
-          </p:nvPr>
-        </p:nvSpPr>
-        <p:spPr>
-          <a:xfrm>
-            <a:off x="1088136" y="6272784"/>
-            <a:ext cx="6327648" cy="365125"/>
-          </a:xfrm>
-          <a:prstGeom prst="rect">
-            <a:avLst/>
-          </a:prstGeom>
-        </p:spPr>
-        <p:txBody>
-          <a:bodyPr vert="horz" lIns="91440" tIns="45720" rIns="91440" bIns="45720" rtlCol="0" anchor="ctr"/>
-          <a:lstStyle>
-            <a:lvl1pPr algn="l">
-              <a:defRPr sz="1100">
-                <a:solidFill>
-                  <a:schemeClr val="tx2"/>
-                </a:solidFill>
-              </a:defRPr>
-            </a:lvl1pPr>
-          </a:lstStyle>
-          <a:p>
-            <a:endParaRPr lang="en-US" dirty="0"/>
-          </a:p>
-        </p:txBody>
-      </p:sp>
       <p:grpSp>
         <p:nvGrpSpPr>
-          <p:cNvPr id="7" name="Group 6"/>
-          <p:cNvGrpSpPr>
-            <a:grpSpLocks noChangeAspect="1"/>
-          </p:cNvGrpSpPr>
+          <p:cNvPr id="12" name="Group 11"/>
+          <p:cNvGrpSpPr/>
           <p:nvPr/>
         </p:nvGrpSpPr>
         <p:grpSpPr>
           <a:xfrm>
-            <a:off x="11401725" y="6229681"/>
-            <a:ext cx="457200" cy="457200"/>
-            <a:chOff x="11361456" y="6195813"/>
-            <a:chExt cx="548640" cy="548640"/>
+            <a:off x="8522664" y="6255258"/>
+            <a:ext cx="393192" cy="393192"/>
+            <a:chOff x="8532189" y="5068824"/>
+            <a:chExt cx="393192" cy="393192"/>
           </a:xfrm>
         </p:grpSpPr>
         <p:sp>
           <p:nvSpPr>
             <p:cNvPr id="8" name="Oval 7"/>
-            <p:cNvSpPr/>
+            <p:cNvSpPr>
+              <a:spLocks noChangeAspect="1"/>
+            </p:cNvSpPr>
             <p:nvPr/>
           </p:nvSpPr>
           <p:spPr>
             <a:xfrm>
-              <a:off x="11361456" y="6195813"/>
-              <a:ext cx="548640" cy="548640"/>
+              <a:off x="8532189" y="5068824"/>
+              <a:ext cx="393192" cy="393192"/>
             </a:xfrm>
             <a:prstGeom prst="ellipse">
               <a:avLst/>
@@ -3579,13 +3469,15 @@
         <p:sp>
           <p:nvSpPr>
             <p:cNvPr id="9" name="Oval 8"/>
-            <p:cNvSpPr/>
+            <p:cNvSpPr>
+              <a:spLocks noChangeAspect="1"/>
+            </p:cNvSpPr>
             <p:nvPr/>
           </p:nvSpPr>
           <p:spPr>
             <a:xfrm>
-              <a:off x="11396488" y="6230844"/>
-              <a:ext cx="478576" cy="478578"/>
+              <a:off x="8568766" y="5105400"/>
+              <a:ext cx="320039" cy="320040"/>
             </a:xfrm>
             <a:prstGeom prst="ellipse">
               <a:avLst/>
@@ -3603,32 +3495,205 @@
       </p:grpSp>
       <p:sp>
         <p:nvSpPr>
-          <p:cNvPr id="6" name="Slide Number Placeholder 5"/>
-          <p:cNvSpPr>
-            <a:spLocks noGrp="1"/>
-          </p:cNvSpPr>
-          <p:nvPr>
-            <p:ph type="sldNum" sz="quarter" idx="4"/>
+          <p:cNvPr id="2" name="Title Placeholder 1"/>
+          <p:cNvSpPr>
+            <a:spLocks noGrp="1"/>
+          </p:cNvSpPr>
+          <p:nvPr>
+            <p:ph type="title"/>
           </p:nvPr>
         </p:nvSpPr>
         <p:spPr>
           <a:xfrm>
-            <a:off x="11311128" y="6272784"/>
-            <a:ext cx="640080" cy="365125"/>
+            <a:off x="685800" y="484632"/>
+            <a:ext cx="7772400" cy="1609344"/>
           </a:xfrm>
           <a:prstGeom prst="rect">
             <a:avLst/>
           </a:prstGeom>
         </p:spPr>
         <p:txBody>
+          <a:bodyPr vert="horz" lIns="91440" tIns="45720" rIns="91440" bIns="45720" rtlCol="0" anchor="ctr">
+            <a:normAutofit/>
+          </a:bodyPr>
+          <a:lstStyle/>
+          <a:p>
+            <a:r>
+              <a:rPr lang="en-US"/>
+              <a:t>Click to edit Master title style</a:t>
+            </a:r>
+            <a:endParaRPr lang="en-US" dirty="0"/>
+          </a:p>
+        </p:txBody>
+      </p:sp>
+      <p:sp>
+        <p:nvSpPr>
+          <p:cNvPr id="3" name="Text Placeholder 2"/>
+          <p:cNvSpPr>
+            <a:spLocks noGrp="1"/>
+          </p:cNvSpPr>
+          <p:nvPr>
+            <p:ph type="body" idx="1"/>
+          </p:nvPr>
+        </p:nvSpPr>
+        <p:spPr>
+          <a:xfrm>
+            <a:off x="685800" y="2121408"/>
+            <a:ext cx="7772400" cy="4050792"/>
+          </a:xfrm>
+          <a:prstGeom prst="rect">
+            <a:avLst/>
+          </a:prstGeom>
+        </p:spPr>
+        <p:txBody>
+          <a:bodyPr vert="horz" lIns="91440" tIns="45720" rIns="91440" bIns="45720" rtlCol="0">
+            <a:normAutofit/>
+          </a:bodyPr>
+          <a:lstStyle/>
+          <a:p>
+            <a:pPr lvl="0"/>
+            <a:r>
+              <a:rPr lang="en-US"/>
+              <a:t>Edit Master text styles</a:t>
+            </a:r>
+          </a:p>
+          <a:p>
+            <a:pPr lvl="1"/>
+            <a:r>
+              <a:rPr lang="en-US"/>
+              <a:t>Second level</a:t>
+            </a:r>
+          </a:p>
+          <a:p>
+            <a:pPr lvl="2"/>
+            <a:r>
+              <a:rPr lang="en-US"/>
+              <a:t>Third level</a:t>
+            </a:r>
+          </a:p>
+          <a:p>
+            <a:pPr lvl="3"/>
+            <a:r>
+              <a:rPr lang="en-US"/>
+              <a:t>Fourth level</a:t>
+            </a:r>
+          </a:p>
+          <a:p>
+            <a:pPr lvl="4"/>
+            <a:r>
+              <a:rPr lang="en-US"/>
+              <a:t>Fifth level</a:t>
+            </a:r>
+            <a:endParaRPr lang="en-US" dirty="0"/>
+          </a:p>
+        </p:txBody>
+      </p:sp>
+      <p:sp>
+        <p:nvSpPr>
+          <p:cNvPr id="4" name="Date Placeholder 3"/>
+          <p:cNvSpPr>
+            <a:spLocks noGrp="1"/>
+          </p:cNvSpPr>
+          <p:nvPr>
+            <p:ph type="dt" sz="half" idx="2"/>
+          </p:nvPr>
+        </p:nvSpPr>
+        <p:spPr>
+          <a:xfrm>
+            <a:off x="5992368" y="6272785"/>
+            <a:ext cx="2455164" cy="365125"/>
+          </a:xfrm>
+          <a:prstGeom prst="rect">
+            <a:avLst/>
+          </a:prstGeom>
+        </p:spPr>
+        <p:txBody>
+          <a:bodyPr vert="horz" lIns="91440" tIns="45720" rIns="91440" bIns="45720" rtlCol="0" anchor="ctr"/>
+          <a:lstStyle>
+            <a:lvl1pPr algn="r">
+              <a:defRPr sz="1000">
+                <a:solidFill>
+                  <a:schemeClr val="accent1">
+                    <a:lumMod val="50000"/>
+                  </a:schemeClr>
+                </a:solidFill>
+              </a:defRPr>
+            </a:lvl1pPr>
+          </a:lstStyle>
+          <a:p>
+            <a:fld id="{8664C608-40B1-4030-A28D-5B74BC98ADCE}" type="datetimeFigureOut">
+              <a:rPr lang="en-US" smtClean="0"/>
+              <a:t>10/7/2017</a:t>
+            </a:fld>
+            <a:endParaRPr lang="en-US" dirty="0"/>
+          </a:p>
+        </p:txBody>
+      </p:sp>
+      <p:sp>
+        <p:nvSpPr>
+          <p:cNvPr id="5" name="Footer Placeholder 4"/>
+          <p:cNvSpPr>
+            <a:spLocks noGrp="1"/>
+          </p:cNvSpPr>
+          <p:nvPr>
+            <p:ph type="ftr" sz="quarter" idx="3"/>
+          </p:nvPr>
+        </p:nvSpPr>
+        <p:spPr>
+          <a:xfrm>
+            <a:off x="685800" y="6272785"/>
+            <a:ext cx="4745736" cy="365125"/>
+          </a:xfrm>
+          <a:prstGeom prst="rect">
+            <a:avLst/>
+          </a:prstGeom>
+        </p:spPr>
+        <p:txBody>
+          <a:bodyPr vert="horz" lIns="91440" tIns="45720" rIns="91440" bIns="45720" rtlCol="0" anchor="ctr"/>
+          <a:lstStyle>
+            <a:lvl1pPr algn="l">
+              <a:defRPr sz="1000">
+                <a:solidFill>
+                  <a:schemeClr val="accent1">
+                    <a:lumMod val="50000"/>
+                  </a:schemeClr>
+                </a:solidFill>
+              </a:defRPr>
+            </a:lvl1pPr>
+          </a:lstStyle>
+          <a:p>
+            <a:endParaRPr lang="en-US" dirty="0"/>
+          </a:p>
+        </p:txBody>
+      </p:sp>
+      <p:sp>
+        <p:nvSpPr>
+          <p:cNvPr id="6" name="Slide Number Placeholder 5"/>
+          <p:cNvSpPr>
+            <a:spLocks noGrp="1"/>
+          </p:cNvSpPr>
+          <p:nvPr>
+            <p:ph type="sldNum" sz="quarter" idx="4"/>
+          </p:nvPr>
+        </p:nvSpPr>
+        <p:spPr>
+          <a:xfrm>
+            <a:off x="8483346" y="6272785"/>
+            <a:ext cx="480060" cy="365125"/>
+          </a:xfrm>
+          <a:prstGeom prst="rect">
+            <a:avLst/>
+          </a:prstGeom>
+        </p:spPr>
+        <p:txBody>
           <a:bodyPr vert="horz" lIns="91440" tIns="45720" rIns="91440" bIns="45720" rtlCol="0" anchor="ctr"/>
           <a:lstStyle>
             <a:lvl1pPr algn="ctr">
-              <a:defRPr sz="1400" b="1">
+              <a:defRPr sz="1100" b="1" spc="-70" baseline="0">
                 <a:solidFill>
                   <a:srgbClr val="FFFFFF"/>
                 </a:solidFill>
-                <a:latin typeface="+mj-lt"/>
+                <a:latin typeface="+mn-lt"/>
               </a:defRPr>
             </a:lvl1pPr>
           </a:lstStyle>
@@ -3645,23 +3710,23 @@
     </p:spTree>
     <p:extLst>
       <p:ext uri="{BB962C8B-B14F-4D97-AF65-F5344CB8AC3E}">
-        <p14:creationId xmlns:p14="http://schemas.microsoft.com/office/powerpoint/2010/main" val="2147907148"/>
+        <p14:creationId xmlns:p14="http://schemas.microsoft.com/office/powerpoint/2010/main" val="4038872160"/>
       </p:ext>
     </p:extLst>
   </p:cSld>
   <p:clrMap bg1="lt1" tx1="dk1" bg2="lt2" tx2="dk2" accent1="accent1" accent2="accent2" accent3="accent3" accent4="accent4" accent5="accent5" accent6="accent6" hlink="hlink" folHlink="folHlink"/>
   <p:sldLayoutIdLst>
-    <p:sldLayoutId id="2147483865" r:id="rId1"/>
-    <p:sldLayoutId id="2147483866" r:id="rId2"/>
-    <p:sldLayoutId id="2147483867" r:id="rId3"/>
-    <p:sldLayoutId id="2147483868" r:id="rId4"/>
-    <p:sldLayoutId id="2147483869" r:id="rId5"/>
-    <p:sldLayoutId id="2147483870" r:id="rId6"/>
-    <p:sldLayoutId id="2147483871" r:id="rId7"/>
-    <p:sldLayoutId id="2147483872" r:id="rId8"/>
-    <p:sldLayoutId id="2147483873" r:id="rId9"/>
-    <p:sldLayoutId id="2147483874" r:id="rId10"/>
-    <p:sldLayoutId id="2147483875" r:id="rId11"/>
+    <p:sldLayoutId id="2147483853" r:id="rId1"/>
+    <p:sldLayoutId id="2147483854" r:id="rId2"/>
+    <p:sldLayoutId id="2147483855" r:id="rId3"/>
+    <p:sldLayoutId id="2147483856" r:id="rId4"/>
+    <p:sldLayoutId id="2147483857" r:id="rId5"/>
+    <p:sldLayoutId id="2147483858" r:id="rId6"/>
+    <p:sldLayoutId id="2147483859" r:id="rId7"/>
+    <p:sldLayoutId id="2147483860" r:id="rId8"/>
+    <p:sldLayoutId id="2147483861" r:id="rId9"/>
+    <p:sldLayoutId id="2147483862" r:id="rId10"/>
+    <p:sldLayoutId id="2147483863" r:id="rId11"/>
   </p:sldLayoutIdLst>
   <p:hf sldNum="0" hdr="0" ftr="0" dt="0"/>
   <p:txStyles>
@@ -3674,7 +3739,7 @@
           <a:spcPct val="0"/>
         </a:spcBef>
         <a:buNone/>
-        <a:defRPr sz="5400" kern="1200" cap="all" baseline="0">
+        <a:defRPr sz="4200" b="0" kern="1200" cap="all" baseline="0">
           <a:blipFill>
             <a:blip r:embed="rId15">
               <a:extLst>
@@ -4087,14 +4152,12 @@
         </p:nvSpPr>
         <p:spPr>
           <a:xfrm>
-            <a:off x="2326386" y="5099901"/>
+            <a:off x="802386" y="5099900"/>
             <a:ext cx="5918454" cy="359067"/>
           </a:xfrm>
         </p:spPr>
         <p:txBody>
-          <a:bodyPr>
-            <a:normAutofit fontScale="92500" lnSpcReduction="10000"/>
-          </a:bodyPr>
+          <a:bodyPr/>
           <a:lstStyle/>
           <a:p>
             <a:r>
@@ -4229,7 +4292,7 @@
         </p:nvSpPr>
         <p:spPr>
           <a:xfrm>
-            <a:off x="4245990" y="2356113"/>
+            <a:off x="2721990" y="2356113"/>
             <a:ext cx="961534" cy="431276"/>
           </a:xfrm>
           <a:prstGeom prst="rect">
@@ -4272,7 +4335,7 @@
         </p:nvSpPr>
         <p:spPr>
           <a:xfrm>
-            <a:off x="5644068" y="2356113"/>
+            <a:off x="4120068" y="2356113"/>
             <a:ext cx="961534" cy="431276"/>
           </a:xfrm>
           <a:prstGeom prst="rect">
@@ -4315,7 +4378,7 @@
         </p:nvSpPr>
         <p:spPr>
           <a:xfrm>
-            <a:off x="7042145" y="2356112"/>
+            <a:off x="5518145" y="2356112"/>
             <a:ext cx="961534" cy="431276"/>
           </a:xfrm>
           <a:prstGeom prst="rect">
@@ -4358,7 +4421,7 @@
         </p:nvSpPr>
         <p:spPr>
           <a:xfrm>
-            <a:off x="8539900" y="2356112"/>
+            <a:off x="7015900" y="2356112"/>
             <a:ext cx="961534" cy="431276"/>
           </a:xfrm>
           <a:prstGeom prst="rect">
@@ -4404,7 +4467,7 @@
         </p:nvCxnSpPr>
         <p:spPr>
           <a:xfrm flipH="1">
-            <a:off x="4726756" y="2787389"/>
+            <a:off x="3202756" y="2787389"/>
             <a:ext cx="2" cy="1824086"/>
           </a:xfrm>
           <a:prstGeom prst="line">
@@ -4436,7 +4499,7 @@
         </p:nvCxnSpPr>
         <p:spPr>
           <a:xfrm flipH="1">
-            <a:off x="6116863" y="2787389"/>
+            <a:off x="4592863" y="2787389"/>
             <a:ext cx="7972" cy="1824086"/>
           </a:xfrm>
           <a:prstGeom prst="line">
@@ -4468,7 +4531,7 @@
         </p:nvCxnSpPr>
         <p:spPr>
           <a:xfrm flipH="1">
-            <a:off x="7522910" y="2787389"/>
+            <a:off x="5998910" y="2787388"/>
             <a:ext cx="2" cy="1824087"/>
           </a:xfrm>
           <a:prstGeom prst="line">
@@ -4500,7 +4563,7 @@
         </p:nvCxnSpPr>
         <p:spPr>
           <a:xfrm>
-            <a:off x="9020667" y="2787389"/>
+            <a:off x="7496667" y="2787388"/>
             <a:ext cx="7970" cy="1753387"/>
           </a:xfrm>
           <a:prstGeom prst="line">
@@ -4530,7 +4593,7 @@
         </p:nvCxnSpPr>
         <p:spPr>
           <a:xfrm flipV="1">
-            <a:off x="7522911" y="3586310"/>
+            <a:off x="5998911" y="3586309"/>
             <a:ext cx="1497756" cy="14141"/>
           </a:xfrm>
           <a:prstGeom prst="straightConnector1">
@@ -4563,7 +4626,7 @@
         </p:nvSpPr>
         <p:spPr>
           <a:xfrm>
-            <a:off x="7915373" y="3586309"/>
+            <a:off x="6391373" y="3586309"/>
             <a:ext cx="886120" cy="300082"/>
           </a:xfrm>
           <a:prstGeom prst="rect">
@@ -4592,7 +4655,7 @@
         </p:nvCxnSpPr>
         <p:spPr>
           <a:xfrm flipV="1">
-            <a:off x="4726757" y="3071114"/>
+            <a:off x="3202756" y="3071113"/>
             <a:ext cx="2796155" cy="13223"/>
           </a:xfrm>
           <a:prstGeom prst="straightConnector1">
@@ -4625,7 +4688,7 @@
         </p:nvSpPr>
         <p:spPr>
           <a:xfrm>
-            <a:off x="5194212" y="3142102"/>
+            <a:off x="3670212" y="3142102"/>
             <a:ext cx="494046" cy="300082"/>
           </a:xfrm>
           <a:prstGeom prst="rect">
@@ -4654,7 +4717,7 @@
         </p:nvCxnSpPr>
         <p:spPr>
           <a:xfrm>
-            <a:off x="6132805" y="3337161"/>
+            <a:off x="4608805" y="3337161"/>
             <a:ext cx="1390106" cy="0"/>
           </a:xfrm>
           <a:prstGeom prst="straightConnector1">
@@ -4687,7 +4750,7 @@
         </p:nvSpPr>
         <p:spPr>
           <a:xfrm>
-            <a:off x="6532751" y="3365240"/>
+            <a:off x="5008751" y="3365240"/>
             <a:ext cx="494046" cy="300082"/>
           </a:xfrm>
           <a:prstGeom prst="rect">
@@ -4750,13 +4813,13 @@
         </p:nvSpPr>
         <p:spPr>
           <a:xfrm>
-            <a:off x="1069847" y="0"/>
-            <a:ext cx="10217277" cy="1163669"/>
+            <a:off x="802386" y="1220724"/>
+            <a:ext cx="8341614" cy="1163669"/>
           </a:xfrm>
         </p:spPr>
         <p:txBody>
           <a:bodyPr>
-            <a:normAutofit fontScale="90000"/>
+            <a:normAutofit/>
           </a:bodyPr>
           <a:lstStyle/>
           <a:p>
@@ -4777,12 +4840,7 @@
             <p:ph idx="1"/>
           </p:nvPr>
         </p:nvSpPr>
-        <p:spPr>
-          <a:xfrm>
-            <a:off x="910971" y="1466850"/>
-            <a:ext cx="10217277" cy="4705350"/>
-          </a:xfrm>
-        </p:spPr>
+        <p:spPr/>
         <p:txBody>
           <a:bodyPr/>
           <a:lstStyle/>
@@ -4860,7 +4918,7 @@
         </p:nvSpPr>
         <p:spPr>
           <a:xfrm>
-            <a:off x="3482421" y="2476306"/>
+            <a:off x="1958420" y="2476306"/>
             <a:ext cx="1042765" cy="431276"/>
           </a:xfrm>
           <a:prstGeom prst="rect">
@@ -4903,7 +4961,7 @@
         </p:nvSpPr>
         <p:spPr>
           <a:xfrm>
-            <a:off x="4880498" y="2476306"/>
+            <a:off x="3356498" y="2476306"/>
             <a:ext cx="961534" cy="431276"/>
           </a:xfrm>
           <a:prstGeom prst="rect">
@@ -4946,7 +5004,7 @@
         </p:nvSpPr>
         <p:spPr>
           <a:xfrm>
-            <a:off x="6278575" y="2476306"/>
+            <a:off x="4754575" y="2476306"/>
             <a:ext cx="961534" cy="431276"/>
           </a:xfrm>
           <a:prstGeom prst="rect">
@@ -4989,7 +5047,7 @@
         </p:nvSpPr>
         <p:spPr>
           <a:xfrm>
-            <a:off x="7587449" y="2476305"/>
+            <a:off x="6063449" y="2476305"/>
             <a:ext cx="1077534" cy="431276"/>
           </a:xfrm>
           <a:prstGeom prst="rect">
@@ -5034,7 +5092,7 @@
         </p:nvCxnSpPr>
         <p:spPr>
           <a:xfrm>
-            <a:off x="8126217" y="2907582"/>
+            <a:off x="6602216" y="2907581"/>
             <a:ext cx="55117" cy="1753387"/>
           </a:xfrm>
           <a:prstGeom prst="line">
@@ -5064,7 +5122,7 @@
         </p:nvCxnSpPr>
         <p:spPr>
           <a:xfrm>
-            <a:off x="6759343" y="3720644"/>
+            <a:off x="5235342" y="3720643"/>
             <a:ext cx="1414021" cy="14141"/>
           </a:xfrm>
           <a:prstGeom prst="straightConnector1">
@@ -5097,7 +5155,7 @@
         </p:nvSpPr>
         <p:spPr>
           <a:xfrm>
-            <a:off x="7106681" y="3706503"/>
+            <a:off x="5582681" y="3706503"/>
             <a:ext cx="776332" cy="300082"/>
           </a:xfrm>
           <a:prstGeom prst="rect">
@@ -5126,7 +5184,7 @@
         </p:nvCxnSpPr>
         <p:spPr>
           <a:xfrm flipV="1">
-            <a:off x="3963188" y="3191308"/>
+            <a:off x="2439187" y="3191307"/>
             <a:ext cx="2796155" cy="13223"/>
           </a:xfrm>
           <a:prstGeom prst="straightConnector1">
@@ -5159,7 +5217,7 @@
         </p:nvSpPr>
         <p:spPr>
           <a:xfrm>
-            <a:off x="4430642" y="3262295"/>
+            <a:off x="2906642" y="3262295"/>
             <a:ext cx="494046" cy="300082"/>
           </a:xfrm>
           <a:prstGeom prst="rect">
@@ -5188,7 +5246,7 @@
         </p:nvCxnSpPr>
         <p:spPr>
           <a:xfrm>
-            <a:off x="5369236" y="3457355"/>
+            <a:off x="3845236" y="3457355"/>
             <a:ext cx="1390106" cy="0"/>
           </a:xfrm>
           <a:prstGeom prst="straightConnector1">
@@ -5221,7 +5279,7 @@
         </p:nvSpPr>
         <p:spPr>
           <a:xfrm>
-            <a:off x="5769181" y="3485434"/>
+            <a:off x="4245181" y="3485434"/>
             <a:ext cx="494046" cy="300082"/>
           </a:xfrm>
           <a:prstGeom prst="rect">
@@ -5250,7 +5308,7 @@
         </p:nvCxnSpPr>
         <p:spPr>
           <a:xfrm flipH="1">
-            <a:off x="3963186" y="2907583"/>
+            <a:off x="2439186" y="2907583"/>
             <a:ext cx="2" cy="1824086"/>
           </a:xfrm>
           <a:prstGeom prst="line">
@@ -5280,7 +5338,7 @@
         </p:nvCxnSpPr>
         <p:spPr>
           <a:xfrm flipH="1">
-            <a:off x="5353293" y="2907583"/>
+            <a:off x="3829293" y="2907583"/>
             <a:ext cx="7972" cy="1824086"/>
           </a:xfrm>
           <a:prstGeom prst="line">
@@ -5310,7 +5368,7 @@
         </p:nvCxnSpPr>
         <p:spPr>
           <a:xfrm flipH="1">
-            <a:off x="6759340" y="2907582"/>
+            <a:off x="5235340" y="2907581"/>
             <a:ext cx="2" cy="1824087"/>
           </a:xfrm>
           <a:prstGeom prst="line">
@@ -5340,7 +5398,7 @@
         </p:nvSpPr>
         <p:spPr>
           <a:xfrm>
-            <a:off x="9053827" y="2476305"/>
+            <a:off x="7529827" y="2476305"/>
             <a:ext cx="961534" cy="431276"/>
           </a:xfrm>
           <a:prstGeom prst="rect">
@@ -5383,7 +5441,7 @@
         </p:nvCxnSpPr>
         <p:spPr>
           <a:xfrm>
-            <a:off x="9577016" y="2907582"/>
+            <a:off x="8053016" y="2907581"/>
             <a:ext cx="7970" cy="1753387"/>
           </a:xfrm>
           <a:prstGeom prst="line">
@@ -5413,7 +5471,7 @@
         </p:nvCxnSpPr>
         <p:spPr>
           <a:xfrm>
-            <a:off x="8181336" y="3842014"/>
+            <a:off x="6657335" y="3842013"/>
             <a:ext cx="1414021" cy="14141"/>
           </a:xfrm>
           <a:prstGeom prst="straightConnector1">
@@ -5446,7 +5504,7 @@
         </p:nvSpPr>
         <p:spPr>
           <a:xfrm>
-            <a:off x="8573797" y="3827872"/>
+            <a:off x="7049797" y="3827872"/>
             <a:ext cx="731210" cy="300082"/>
           </a:xfrm>
           <a:prstGeom prst="rect">
@@ -5475,7 +5533,7 @@
         </p:nvCxnSpPr>
         <p:spPr>
           <a:xfrm flipH="1">
-            <a:off x="8181334" y="4114251"/>
+            <a:off x="6657333" y="4114251"/>
             <a:ext cx="1395683" cy="0"/>
           </a:xfrm>
           <a:prstGeom prst="straightConnector1">
@@ -5508,7 +5566,7 @@
         </p:nvSpPr>
         <p:spPr>
           <a:xfrm>
-            <a:off x="8152143" y="4120060"/>
+            <a:off x="6628142" y="4120060"/>
             <a:ext cx="1480983" cy="300082"/>
           </a:xfrm>
           <a:prstGeom prst="rect">
@@ -5569,12 +5627,7 @@
             <p:ph type="title"/>
           </p:nvPr>
         </p:nvSpPr>
-        <p:spPr>
-          <a:xfrm>
-            <a:off x="984123" y="0"/>
-            <a:ext cx="10058400" cy="1609344"/>
-          </a:xfrm>
-        </p:spPr>
+        <p:spPr/>
         <p:txBody>
           <a:bodyPr/>
           <a:lstStyle/>
@@ -5596,12 +5649,7 @@
             <p:ph idx="1"/>
           </p:nvPr>
         </p:nvSpPr>
-        <p:spPr>
-          <a:xfrm>
-            <a:off x="984123" y="1457325"/>
-            <a:ext cx="10144125" cy="4714875"/>
-          </a:xfrm>
-        </p:spPr>
+        <p:spPr/>
         <p:txBody>
           <a:bodyPr/>
           <a:lstStyle/>
@@ -5702,12 +5750,7 @@
             <p:ph type="title"/>
           </p:nvPr>
         </p:nvSpPr>
-        <p:spPr>
-          <a:xfrm>
-            <a:off x="1072896" y="0"/>
-            <a:ext cx="10058400" cy="1609344"/>
-          </a:xfrm>
-        </p:spPr>
+        <p:spPr/>
         <p:txBody>
           <a:bodyPr/>
           <a:lstStyle/>
@@ -5729,15 +5772,10 @@
             <p:ph idx="1"/>
           </p:nvPr>
         </p:nvSpPr>
-        <p:spPr>
-          <a:xfrm>
-            <a:off x="1069848" y="1438275"/>
-            <a:ext cx="10058400" cy="4733925"/>
-          </a:xfrm>
-        </p:spPr>
+        <p:spPr/>
         <p:txBody>
           <a:bodyPr>
-            <a:normAutofit/>
+            <a:normAutofit fontScale="92500" lnSpcReduction="20000"/>
           </a:bodyPr>
           <a:lstStyle/>
           <a:p>
@@ -5941,42 +5979,37 @@
             <p:ph type="title"/>
           </p:nvPr>
         </p:nvSpPr>
+        <p:spPr/>
+        <p:txBody>
+          <a:bodyPr/>
+          <a:lstStyle/>
+          <a:p>
+            <a:r>
+              <a:rPr lang="en-US" dirty="0"/>
+              <a:t>Quick practice</a:t>
+            </a:r>
+          </a:p>
+        </p:txBody>
+      </p:sp>
+      <p:sp>
+        <p:nvSpPr>
+          <p:cNvPr id="3" name="Content Placeholder 2"/>
+          <p:cNvSpPr>
+            <a:spLocks noGrp="1"/>
+          </p:cNvSpPr>
+          <p:nvPr>
+            <p:ph idx="1"/>
+          </p:nvPr>
+        </p:nvSpPr>
         <p:spPr>
           <a:xfrm>
-            <a:off x="1222248" y="0"/>
-            <a:ext cx="10058400" cy="1609344"/>
+            <a:off x="802386" y="2271271"/>
+            <a:ext cx="7543800" cy="3215129"/>
           </a:xfrm>
         </p:spPr>
         <p:txBody>
-          <a:bodyPr/>
-          <a:lstStyle/>
-          <a:p>
-            <a:r>
-              <a:rPr lang="en-US" dirty="0"/>
-              <a:t>Quick practice</a:t>
-            </a:r>
-          </a:p>
-        </p:txBody>
-      </p:sp>
-      <p:sp>
-        <p:nvSpPr>
-          <p:cNvPr id="3" name="Content Placeholder 2"/>
-          <p:cNvSpPr>
-            <a:spLocks noGrp="1"/>
-          </p:cNvSpPr>
-          <p:nvPr>
-            <p:ph idx="1"/>
-          </p:nvPr>
-        </p:nvSpPr>
-        <p:spPr>
-          <a:xfrm>
-            <a:off x="1222248" y="1390650"/>
-            <a:ext cx="9464802" cy="5143500"/>
-          </a:xfrm>
-        </p:spPr>
-        <p:txBody>
           <a:bodyPr>
-            <a:normAutofit/>
+            <a:normAutofit fontScale="92500" lnSpcReduction="20000"/>
           </a:bodyPr>
           <a:lstStyle/>
           <a:p>
@@ -6120,42 +6153,37 @@
             <p:ph type="title"/>
           </p:nvPr>
         </p:nvSpPr>
+        <p:spPr/>
+        <p:txBody>
+          <a:bodyPr/>
+          <a:lstStyle/>
+          <a:p>
+            <a:r>
+              <a:rPr lang="en-US" dirty="0"/>
+              <a:t>Quick practice - continued</a:t>
+            </a:r>
+          </a:p>
+        </p:txBody>
+      </p:sp>
+      <p:sp>
+        <p:nvSpPr>
+          <p:cNvPr id="3" name="Content Placeholder 2"/>
+          <p:cNvSpPr>
+            <a:spLocks noGrp="1"/>
+          </p:cNvSpPr>
+          <p:nvPr>
+            <p:ph idx="1"/>
+          </p:nvPr>
+        </p:nvSpPr>
         <p:spPr>
           <a:xfrm>
-            <a:off x="1288923" y="0"/>
-            <a:ext cx="10058400" cy="1609344"/>
+            <a:off x="802386" y="2271271"/>
+            <a:ext cx="7543800" cy="3215129"/>
           </a:xfrm>
         </p:spPr>
         <p:txBody>
-          <a:bodyPr/>
-          <a:lstStyle/>
-          <a:p>
-            <a:r>
-              <a:rPr lang="en-US" dirty="0"/>
-              <a:t>Quick practice - continued</a:t>
-            </a:r>
-          </a:p>
-        </p:txBody>
-      </p:sp>
-      <p:sp>
-        <p:nvSpPr>
-          <p:cNvPr id="3" name="Content Placeholder 2"/>
-          <p:cNvSpPr>
-            <a:spLocks noGrp="1"/>
-          </p:cNvSpPr>
-          <p:nvPr>
-            <p:ph idx="1"/>
-          </p:nvPr>
-        </p:nvSpPr>
-        <p:spPr>
-          <a:xfrm>
-            <a:off x="1288923" y="1457326"/>
-            <a:ext cx="9398127" cy="5114924"/>
-          </a:xfrm>
-        </p:spPr>
-        <p:txBody>
           <a:bodyPr>
-            <a:normAutofit/>
+            <a:normAutofit fontScale="77500" lnSpcReduction="20000"/>
           </a:bodyPr>
           <a:lstStyle/>
           <a:p>
@@ -6348,12 +6376,7 @@
             <p:ph type="title"/>
           </p:nvPr>
         </p:nvSpPr>
-        <p:spPr>
-          <a:xfrm>
-            <a:off x="1066800" y="0"/>
-            <a:ext cx="10058400" cy="1609344"/>
-          </a:xfrm>
-        </p:spPr>
+        <p:spPr/>
         <p:txBody>
           <a:bodyPr/>
           <a:lstStyle/>
@@ -6472,12 +6495,7 @@
             <p:ph type="title"/>
           </p:nvPr>
         </p:nvSpPr>
-        <p:spPr>
-          <a:xfrm>
-            <a:off x="1179921" y="0"/>
-            <a:ext cx="10058400" cy="1609344"/>
-          </a:xfrm>
-        </p:spPr>
+        <p:spPr/>
         <p:txBody>
           <a:bodyPr/>
           <a:lstStyle/>
@@ -6510,7 +6528,7 @@
           </p:nvPr>
         </p:nvGraphicFramePr>
         <p:xfrm>
-          <a:off x="2674070" y="2093976"/>
+          <a:off x="1150069" y="2093976"/>
           <a:ext cx="7070103" cy="3723592"/>
         </p:xfrm>
         <a:graphic>
@@ -7009,12 +7027,7 @@
             <p:ph type="title"/>
           </p:nvPr>
         </p:nvSpPr>
-        <p:spPr>
-          <a:xfrm>
-            <a:off x="1069848" y="0"/>
-            <a:ext cx="10058400" cy="1609344"/>
-          </a:xfrm>
-        </p:spPr>
+        <p:spPr/>
         <p:txBody>
           <a:bodyPr/>
           <a:lstStyle/>
@@ -7115,12 +7128,7 @@
             <p:ph type="title"/>
           </p:nvPr>
         </p:nvSpPr>
-        <p:spPr>
-          <a:xfrm>
-            <a:off x="1066800" y="0"/>
-            <a:ext cx="10058400" cy="1609344"/>
-          </a:xfrm>
-        </p:spPr>
+        <p:spPr/>
         <p:txBody>
           <a:bodyPr/>
           <a:lstStyle/>
@@ -7542,7 +7550,7 @@
         </p:nvSpPr>
         <p:spPr bwMode="auto">
           <a:xfrm>
-            <a:off x="5456635" y="2789635"/>
+            <a:off x="3932635" y="2789635"/>
             <a:ext cx="3095048" cy="3095048"/>
           </a:xfrm>
           <a:prstGeom prst="rect">
@@ -7581,7 +7589,7 @@
         </p:nvSpPr>
         <p:spPr bwMode="auto">
           <a:xfrm>
-            <a:off x="5981700" y="3314700"/>
+            <a:off x="4457700" y="3314700"/>
             <a:ext cx="228600" cy="228600"/>
           </a:xfrm>
           <a:prstGeom prst="rect">
@@ -7626,7 +7634,7 @@
         </p:blipFill>
         <p:spPr>
           <a:xfrm>
-            <a:off x="5605364" y="2259635"/>
+            <a:off x="4081364" y="2259635"/>
             <a:ext cx="2500902" cy="2500902"/>
           </a:xfrm>
           <a:prstGeom prst="rect">
@@ -8057,7 +8065,7 @@
         </p:blipFill>
         <p:spPr bwMode="auto">
           <a:xfrm>
-            <a:off x="3953171" y="2427732"/>
+            <a:off x="2429170" y="2427732"/>
             <a:ext cx="3571875" cy="2800350"/>
           </a:xfrm>
           <a:prstGeom prst="rect">
@@ -8098,7 +8106,7 @@
         </p:nvSpPr>
         <p:spPr bwMode="auto">
           <a:xfrm>
-            <a:off x="7353302" y="5257800"/>
+            <a:off x="5829301" y="5257800"/>
             <a:ext cx="1617751" cy="300082"/>
           </a:xfrm>
           <a:prstGeom prst="rect">
@@ -8397,7 +8405,7 @@
         </p:blipFill>
         <p:spPr bwMode="auto">
           <a:xfrm>
-            <a:off x="4231262" y="2240636"/>
+            <a:off x="2707261" y="2240635"/>
             <a:ext cx="3064669" cy="3450431"/>
           </a:xfrm>
           <a:prstGeom prst="rect">
@@ -8551,7 +8559,7 @@
         </p:blipFill>
         <p:spPr>
           <a:xfrm>
-            <a:off x="4649913" y="1715915"/>
+            <a:off x="3125912" y="1715914"/>
             <a:ext cx="4773749" cy="4883545"/>
           </a:xfrm>
           <a:prstGeom prst="rect">
